--- a/tex/figures/Potential/Figures.pptx
+++ b/tex/figures/Potential/Figures.pptx
@@ -7139,6 +7139,1036 @@
           <a:chExt cx="0" cy="0"/>
         </a:xfrm>
       </p:grpSpPr>
+      <p:grpSp>
+        <p:nvGrpSpPr>
+          <p:cNvPr id="60" name="Group 59"/>
+          <p:cNvGrpSpPr/>
+          <p:nvPr/>
+        </p:nvGrpSpPr>
+        <p:grpSpPr>
+          <a:xfrm>
+            <a:off x="785554" y="999205"/>
+            <a:ext cx="3985570" cy="1579583"/>
+            <a:chOff x="880640" y="4284593"/>
+            <a:chExt cx="3985570" cy="1579583"/>
+          </a:xfrm>
+        </p:grpSpPr>
+        <p:grpSp>
+          <p:nvGrpSpPr>
+            <p:cNvPr id="63" name="Group 62"/>
+            <p:cNvGrpSpPr/>
+            <p:nvPr/>
+          </p:nvGrpSpPr>
+          <p:grpSpPr>
+            <a:xfrm>
+              <a:off x="1368037" y="4284593"/>
+              <a:ext cx="3498173" cy="1579583"/>
+              <a:chOff x="1368037" y="4284593"/>
+              <a:chExt cx="3498173" cy="1579583"/>
+            </a:xfrm>
+          </p:grpSpPr>
+          <p:sp>
+            <p:nvSpPr>
+              <p:cNvPr id="67" name="Oval 66"/>
+              <p:cNvSpPr/>
+              <p:nvPr/>
+            </p:nvSpPr>
+            <p:spPr>
+              <a:xfrm>
+                <a:off x="1368037" y="5116975"/>
+                <a:ext cx="342900" cy="342900"/>
+              </a:xfrm>
+              <a:prstGeom prst="ellipse">
+                <a:avLst/>
+              </a:prstGeom>
+              <a:solidFill>
+                <a:schemeClr val="tx1"/>
+              </a:solidFill>
+              <a:ln w="38100">
+                <a:solidFill>
+                  <a:schemeClr val="tx1"/>
+                </a:solidFill>
+              </a:ln>
+            </p:spPr>
+            <p:style>
+              <a:lnRef idx="2">
+                <a:schemeClr val="accent1">
+                  <a:shade val="50000"/>
+                </a:schemeClr>
+              </a:lnRef>
+              <a:fillRef idx="1">
+                <a:schemeClr val="accent1"/>
+              </a:fillRef>
+              <a:effectRef idx="0">
+                <a:schemeClr val="accent1"/>
+              </a:effectRef>
+              <a:fontRef idx="minor">
+                <a:schemeClr val="lt1"/>
+              </a:fontRef>
+            </p:style>
+            <p:txBody>
+              <a:bodyPr rtlCol="0" anchor="ctr"/>
+              <a:lstStyle/>
+              <a:p>
+                <a:pPr algn="ctr"/>
+                <a:endParaRPr lang="en-US"/>
+              </a:p>
+            </p:txBody>
+          </p:sp>
+          <p:cxnSp>
+            <p:nvCxnSpPr>
+              <p:cNvPr id="68" name="Straight Arrow Connector 67"/>
+              <p:cNvCxnSpPr/>
+              <p:nvPr/>
+            </p:nvCxnSpPr>
+            <p:spPr>
+              <a:xfrm>
+                <a:off x="1541124" y="5280917"/>
+                <a:ext cx="3226085" cy="0"/>
+              </a:xfrm>
+              <a:prstGeom prst="straightConnector1">
+                <a:avLst/>
+              </a:prstGeom>
+              <a:ln w="38100">
+                <a:solidFill>
+                  <a:schemeClr val="tx1"/>
+                </a:solidFill>
+                <a:tailEnd type="triangle"/>
+              </a:ln>
+            </p:spPr>
+            <p:style>
+              <a:lnRef idx="1">
+                <a:schemeClr val="accent1"/>
+              </a:lnRef>
+              <a:fillRef idx="0">
+                <a:schemeClr val="accent1"/>
+              </a:fillRef>
+              <a:effectRef idx="0">
+                <a:schemeClr val="accent1"/>
+              </a:effectRef>
+              <a:fontRef idx="minor">
+                <a:schemeClr val="tx1"/>
+              </a:fontRef>
+            </p:style>
+          </p:cxnSp>
+          <mc:AlternateContent xmlns:mc="http://schemas.openxmlformats.org/markup-compatibility/2006" xmlns:a14="http://schemas.microsoft.com/office/drawing/2010/main">
+            <mc:Choice Requires="a14">
+              <p:sp>
+                <p:nvSpPr>
+                  <p:cNvPr id="69" name="TextBox 68"/>
+                  <p:cNvSpPr txBox="1"/>
+                  <p:nvPr/>
+                </p:nvSpPr>
+                <p:spPr>
+                  <a:xfrm>
+                    <a:off x="4668207" y="5331224"/>
+                    <a:ext cx="198003" cy="307777"/>
+                  </a:xfrm>
+                  <a:prstGeom prst="rect">
+                    <a:avLst/>
+                  </a:prstGeom>
+                  <a:noFill/>
+                </p:spPr>
+                <p:txBody>
+                  <a:bodyPr wrap="none" lIns="0" tIns="0" rIns="0" bIns="0" rtlCol="0">
+                    <a:spAutoFit/>
+                  </a:bodyPr>
+                  <a:lstStyle/>
+                  <a:p>
+                    <a:pPr/>
+                    <a14:m>
+                      <m:oMathPara xmlns:m="http://schemas.openxmlformats.org/officeDocument/2006/math">
+                        <m:oMathParaPr>
+                          <m:jc m:val="centerGroup"/>
+                        </m:oMathParaPr>
+                        <m:oMath xmlns:m="http://schemas.openxmlformats.org/officeDocument/2006/math">
+                          <m:r>
+                            <a:rPr lang="en-US" sz="2000" b="0" i="1" smtClean="0">
+                              <a:latin typeface="Cambria Math" panose="02040503050406030204" pitchFamily="18" charset="0"/>
+                              <a:cs typeface="Arial" panose="020B0604020202020204" pitchFamily="34" charset="0"/>
+                            </a:rPr>
+                            <m:t>𝑟</m:t>
+                          </m:r>
+                        </m:oMath>
+                      </m:oMathPara>
+                    </a14:m>
+                    <a:endParaRPr lang="en-US" sz="2000" dirty="0" smtClean="0">
+                      <a:latin typeface="Arial" panose="020B0604020202020204" pitchFamily="34" charset="0"/>
+                      <a:cs typeface="Arial" panose="020B0604020202020204" pitchFamily="34" charset="0"/>
+                    </a:endParaRPr>
+                  </a:p>
+                </p:txBody>
+              </p:sp>
+            </mc:Choice>
+            <mc:Fallback xmlns="">
+              <p:sp>
+                <p:nvSpPr>
+                  <p:cNvPr id="86" name="TextBox 85"/>
+                  <p:cNvSpPr txBox="1">
+                    <a:spLocks noRot="1" noChangeAspect="1" noMove="1" noResize="1" noEditPoints="1" noAdjustHandles="1" noChangeArrowheads="1" noChangeShapeType="1" noTextEdit="1"/>
+                  </p:cNvSpPr>
+                  <p:nvPr/>
+                </p:nvSpPr>
+                <p:spPr>
+                  <a:xfrm>
+                    <a:off x="4668207" y="5331224"/>
+                    <a:ext cx="198003" cy="307777"/>
+                  </a:xfrm>
+                  <a:prstGeom prst="rect">
+                    <a:avLst/>
+                  </a:prstGeom>
+                  <a:blipFill>
+                    <a:blip r:embed="rId12"/>
+                    <a:stretch>
+                      <a:fillRect l="-15625" r="-12500" b="-2000"/>
+                    </a:stretch>
+                  </a:blipFill>
+                </p:spPr>
+                <p:txBody>
+                  <a:bodyPr/>
+                  <a:lstStyle/>
+                  <a:p>
+                    <a:r>
+                      <a:rPr lang="en-US">
+                        <a:noFill/>
+                      </a:rPr>
+                      <a:t> </a:t>
+                    </a:r>
+                  </a:p>
+                </p:txBody>
+              </p:sp>
+            </mc:Fallback>
+          </mc:AlternateContent>
+          <p:cxnSp>
+            <p:nvCxnSpPr>
+              <p:cNvPr id="70" name="Straight Connector 69"/>
+              <p:cNvCxnSpPr/>
+              <p:nvPr/>
+            </p:nvCxnSpPr>
+            <p:spPr>
+              <a:xfrm flipV="1">
+                <a:off x="1530850" y="5331224"/>
+                <a:ext cx="0" cy="239606"/>
+              </a:xfrm>
+              <a:prstGeom prst="line">
+                <a:avLst/>
+              </a:prstGeom>
+              <a:ln w="38100">
+                <a:solidFill>
+                  <a:schemeClr val="tx1"/>
+                </a:solidFill>
+              </a:ln>
+            </p:spPr>
+            <p:style>
+              <a:lnRef idx="1">
+                <a:schemeClr val="accent1"/>
+              </a:lnRef>
+              <a:fillRef idx="0">
+                <a:schemeClr val="accent1"/>
+              </a:fillRef>
+              <a:effectRef idx="0">
+                <a:schemeClr val="accent1"/>
+              </a:effectRef>
+              <a:fontRef idx="minor">
+                <a:schemeClr val="tx1"/>
+              </a:fontRef>
+            </p:style>
+          </p:cxnSp>
+          <mc:AlternateContent xmlns:mc="http://schemas.openxmlformats.org/markup-compatibility/2006" xmlns:a14="http://schemas.microsoft.com/office/drawing/2010/main">
+            <mc:Choice Requires="a14">
+              <p:sp>
+                <p:nvSpPr>
+                  <p:cNvPr id="71" name="TextBox 70"/>
+                  <p:cNvSpPr txBox="1"/>
+                  <p:nvPr/>
+                </p:nvSpPr>
+                <p:spPr>
+                  <a:xfrm>
+                    <a:off x="1436093" y="5556399"/>
+                    <a:ext cx="213200" cy="307777"/>
+                  </a:xfrm>
+                  <a:prstGeom prst="rect">
+                    <a:avLst/>
+                  </a:prstGeom>
+                  <a:noFill/>
+                </p:spPr>
+                <p:txBody>
+                  <a:bodyPr wrap="none" lIns="0" tIns="0" rIns="0" bIns="0" rtlCol="0">
+                    <a:spAutoFit/>
+                  </a:bodyPr>
+                  <a:lstStyle/>
+                  <a:p>
+                    <a:pPr/>
+                    <a14:m>
+                      <m:oMathPara xmlns:m="http://schemas.openxmlformats.org/officeDocument/2006/math">
+                        <m:oMathParaPr>
+                          <m:jc m:val="centerGroup"/>
+                        </m:oMathParaPr>
+                        <m:oMath xmlns:m="http://schemas.openxmlformats.org/officeDocument/2006/math">
+                          <m:r>
+                            <a:rPr lang="en-US" sz="2000" b="0" i="1" smtClean="0">
+                              <a:latin typeface="Cambria Math" panose="02040503050406030204" pitchFamily="18" charset="0"/>
+                              <a:cs typeface="Arial" panose="020B0604020202020204" pitchFamily="34" charset="0"/>
+                            </a:rPr>
+                            <m:t>0</m:t>
+                          </m:r>
+                        </m:oMath>
+                      </m:oMathPara>
+                    </a14:m>
+                    <a:endParaRPr lang="en-US" sz="2000" dirty="0" smtClean="0">
+                      <a:latin typeface="Arial" panose="020B0604020202020204" pitchFamily="34" charset="0"/>
+                      <a:cs typeface="Arial" panose="020B0604020202020204" pitchFamily="34" charset="0"/>
+                    </a:endParaRPr>
+                  </a:p>
+                </p:txBody>
+              </p:sp>
+            </mc:Choice>
+            <mc:Fallback xmlns="">
+              <p:sp>
+                <p:nvSpPr>
+                  <p:cNvPr id="88" name="TextBox 87"/>
+                  <p:cNvSpPr txBox="1">
+                    <a:spLocks noRot="1" noChangeAspect="1" noMove="1" noResize="1" noEditPoints="1" noAdjustHandles="1" noChangeArrowheads="1" noChangeShapeType="1" noTextEdit="1"/>
+                  </p:cNvSpPr>
+                  <p:nvPr/>
+                </p:nvSpPr>
+                <p:spPr>
+                  <a:xfrm>
+                    <a:off x="1436093" y="5556399"/>
+                    <a:ext cx="213200" cy="307777"/>
+                  </a:xfrm>
+                  <a:prstGeom prst="rect">
+                    <a:avLst/>
+                  </a:prstGeom>
+                  <a:blipFill>
+                    <a:blip r:embed="rId13"/>
+                    <a:stretch>
+                      <a:fillRect l="-25714" r="-22857" b="-9804"/>
+                    </a:stretch>
+                  </a:blipFill>
+                </p:spPr>
+                <p:txBody>
+                  <a:bodyPr/>
+                  <a:lstStyle/>
+                  <a:p>
+                    <a:r>
+                      <a:rPr lang="en-US">
+                        <a:noFill/>
+                      </a:rPr>
+                      <a:t> </a:t>
+                    </a:r>
+                  </a:p>
+                </p:txBody>
+              </p:sp>
+            </mc:Fallback>
+          </mc:AlternateContent>
+          <p:cxnSp>
+            <p:nvCxnSpPr>
+              <p:cNvPr id="72" name="Straight Connector 71"/>
+              <p:cNvCxnSpPr/>
+              <p:nvPr/>
+            </p:nvCxnSpPr>
+            <p:spPr>
+              <a:xfrm flipV="1">
+                <a:off x="2067553" y="5161114"/>
+                <a:ext cx="0" cy="239606"/>
+              </a:xfrm>
+              <a:prstGeom prst="line">
+                <a:avLst/>
+              </a:prstGeom>
+              <a:ln w="38100">
+                <a:solidFill>
+                  <a:schemeClr val="tx1"/>
+                </a:solidFill>
+              </a:ln>
+            </p:spPr>
+            <p:style>
+              <a:lnRef idx="1">
+                <a:schemeClr val="accent1"/>
+              </a:lnRef>
+              <a:fillRef idx="0">
+                <a:schemeClr val="accent1"/>
+              </a:fillRef>
+              <a:effectRef idx="0">
+                <a:schemeClr val="accent1"/>
+              </a:effectRef>
+              <a:fontRef idx="minor">
+                <a:schemeClr val="tx1"/>
+              </a:fontRef>
+            </p:style>
+          </p:cxnSp>
+          <p:cxnSp>
+            <p:nvCxnSpPr>
+              <p:cNvPr id="73" name="Straight Connector 72"/>
+              <p:cNvCxnSpPr/>
+              <p:nvPr/>
+            </p:nvCxnSpPr>
+            <p:spPr>
+              <a:xfrm flipV="1">
+                <a:off x="3253311" y="5161114"/>
+                <a:ext cx="0" cy="239606"/>
+              </a:xfrm>
+              <a:prstGeom prst="line">
+                <a:avLst/>
+              </a:prstGeom>
+              <a:ln w="38100">
+                <a:solidFill>
+                  <a:schemeClr val="tx1"/>
+                </a:solidFill>
+              </a:ln>
+            </p:spPr>
+            <p:style>
+              <a:lnRef idx="1">
+                <a:schemeClr val="accent1"/>
+              </a:lnRef>
+              <a:fillRef idx="0">
+                <a:schemeClr val="accent1"/>
+              </a:fillRef>
+              <a:effectRef idx="0">
+                <a:schemeClr val="accent1"/>
+              </a:effectRef>
+              <a:fontRef idx="minor">
+                <a:schemeClr val="tx1"/>
+              </a:fontRef>
+            </p:style>
+          </p:cxnSp>
+          <mc:AlternateContent xmlns:mc="http://schemas.openxmlformats.org/markup-compatibility/2006" xmlns:a14="http://schemas.microsoft.com/office/drawing/2010/main">
+            <mc:Choice Requires="a14">
+              <p:sp>
+                <p:nvSpPr>
+                  <p:cNvPr id="74" name="TextBox 73"/>
+                  <p:cNvSpPr txBox="1"/>
+                  <p:nvPr/>
+                </p:nvSpPr>
+                <p:spPr>
+                  <a:xfrm>
+                    <a:off x="2000477" y="5391027"/>
+                    <a:ext cx="287322" cy="307777"/>
+                  </a:xfrm>
+                  <a:prstGeom prst="rect">
+                    <a:avLst/>
+                  </a:prstGeom>
+                  <a:noFill/>
+                </p:spPr>
+                <p:txBody>
+                  <a:bodyPr wrap="none" lIns="0" tIns="0" rIns="0" bIns="0" rtlCol="0">
+                    <a:spAutoFit/>
+                  </a:bodyPr>
+                  <a:lstStyle/>
+                  <a:p>
+                    <a:pPr/>
+                    <a14:m>
+                      <m:oMathPara xmlns:m="http://schemas.openxmlformats.org/officeDocument/2006/math">
+                        <m:oMathParaPr>
+                          <m:jc m:val="centerGroup"/>
+                        </m:oMathParaPr>
+                        <m:oMath xmlns:m="http://schemas.openxmlformats.org/officeDocument/2006/math">
+                          <m:sSub>
+                            <m:sSubPr>
+                              <m:ctrlPr>
+                                <a:rPr lang="en-US" sz="2000" b="0" i="1" smtClean="0">
+                                  <a:latin typeface="Cambria Math" panose="02040503050406030204" pitchFamily="18" charset="0"/>
+                                  <a:cs typeface="Arial" panose="020B0604020202020204" pitchFamily="34" charset="0"/>
+                                </a:rPr>
+                              </m:ctrlPr>
+                            </m:sSubPr>
+                            <m:e>
+                              <m:r>
+                                <a:rPr lang="en-US" sz="2000" b="0" i="1" smtClean="0">
+                                  <a:latin typeface="Cambria Math" panose="02040503050406030204" pitchFamily="18" charset="0"/>
+                                  <a:cs typeface="Arial" panose="020B0604020202020204" pitchFamily="34" charset="0"/>
+                                </a:rPr>
+                                <m:t>𝑟</m:t>
+                              </m:r>
+                            </m:e>
+                            <m:sub>
+                              <m:r>
+                                <a:rPr lang="en-US" sz="2000" b="0" i="1" smtClean="0">
+                                  <a:latin typeface="Cambria Math" panose="02040503050406030204" pitchFamily="18" charset="0"/>
+                                  <a:cs typeface="Arial" panose="020B0604020202020204" pitchFamily="34" charset="0"/>
+                                </a:rPr>
+                                <m:t>𝐴</m:t>
+                              </m:r>
+                            </m:sub>
+                          </m:sSub>
+                        </m:oMath>
+                      </m:oMathPara>
+                    </a14:m>
+                    <a:endParaRPr lang="en-US" sz="2000" dirty="0" smtClean="0">
+                      <a:latin typeface="Arial" panose="020B0604020202020204" pitchFamily="34" charset="0"/>
+                      <a:cs typeface="Arial" panose="020B0604020202020204" pitchFamily="34" charset="0"/>
+                    </a:endParaRPr>
+                  </a:p>
+                </p:txBody>
+              </p:sp>
+            </mc:Choice>
+            <mc:Fallback xmlns="">
+              <p:sp>
+                <p:nvSpPr>
+                  <p:cNvPr id="92" name="TextBox 91"/>
+                  <p:cNvSpPr txBox="1">
+                    <a:spLocks noRot="1" noChangeAspect="1" noMove="1" noResize="1" noEditPoints="1" noAdjustHandles="1" noChangeArrowheads="1" noChangeShapeType="1" noTextEdit="1"/>
+                  </p:cNvSpPr>
+                  <p:nvPr/>
+                </p:nvSpPr>
+                <p:spPr>
+                  <a:xfrm>
+                    <a:off x="2000477" y="5391027"/>
+                    <a:ext cx="287322" cy="307777"/>
+                  </a:xfrm>
+                  <a:prstGeom prst="rect">
+                    <a:avLst/>
+                  </a:prstGeom>
+                  <a:blipFill>
+                    <a:blip r:embed="rId14"/>
+                    <a:stretch>
+                      <a:fillRect l="-8511" r="-8511" b="-19608"/>
+                    </a:stretch>
+                  </a:blipFill>
+                </p:spPr>
+                <p:txBody>
+                  <a:bodyPr/>
+                  <a:lstStyle/>
+                  <a:p>
+                    <a:r>
+                      <a:rPr lang="en-US">
+                        <a:noFill/>
+                      </a:rPr>
+                      <a:t> </a:t>
+                    </a:r>
+                  </a:p>
+                </p:txBody>
+              </p:sp>
+            </mc:Fallback>
+          </mc:AlternateContent>
+          <mc:AlternateContent xmlns:mc="http://schemas.openxmlformats.org/markup-compatibility/2006" xmlns:a14="http://schemas.microsoft.com/office/drawing/2010/main">
+            <mc:Choice Requires="a14">
+              <p:sp>
+                <p:nvSpPr>
+                  <p:cNvPr id="75" name="TextBox 74"/>
+                  <p:cNvSpPr txBox="1"/>
+                  <p:nvPr/>
+                </p:nvSpPr>
+                <p:spPr>
+                  <a:xfrm>
+                    <a:off x="3125832" y="5391026"/>
+                    <a:ext cx="306494" cy="307777"/>
+                  </a:xfrm>
+                  <a:prstGeom prst="rect">
+                    <a:avLst/>
+                  </a:prstGeom>
+                  <a:noFill/>
+                </p:spPr>
+                <p:txBody>
+                  <a:bodyPr wrap="none" lIns="0" tIns="0" rIns="0" bIns="0" rtlCol="0">
+                    <a:spAutoFit/>
+                  </a:bodyPr>
+                  <a:lstStyle/>
+                  <a:p>
+                    <a:pPr/>
+                    <a14:m>
+                      <m:oMathPara xmlns:m="http://schemas.openxmlformats.org/officeDocument/2006/math">
+                        <m:oMathParaPr>
+                          <m:jc m:val="centerGroup"/>
+                        </m:oMathParaPr>
+                        <m:oMath xmlns:m="http://schemas.openxmlformats.org/officeDocument/2006/math">
+                          <m:sSub>
+                            <m:sSubPr>
+                              <m:ctrlPr>
+                                <a:rPr lang="en-US" sz="2000" b="0" i="1" smtClean="0">
+                                  <a:latin typeface="Cambria Math" panose="02040503050406030204" pitchFamily="18" charset="0"/>
+                                  <a:cs typeface="Arial" panose="020B0604020202020204" pitchFamily="34" charset="0"/>
+                                </a:rPr>
+                              </m:ctrlPr>
+                            </m:sSubPr>
+                            <m:e>
+                              <m:r>
+                                <a:rPr lang="en-US" sz="2000" b="0" i="1" smtClean="0">
+                                  <a:latin typeface="Cambria Math" panose="02040503050406030204" pitchFamily="18" charset="0"/>
+                                  <a:cs typeface="Arial" panose="020B0604020202020204" pitchFamily="34" charset="0"/>
+                                </a:rPr>
+                                <m:t>𝑟</m:t>
+                              </m:r>
+                            </m:e>
+                            <m:sub>
+                              <m:r>
+                                <a:rPr lang="en-US" sz="2000" b="0" i="1" smtClean="0">
+                                  <a:latin typeface="Cambria Math" panose="02040503050406030204" pitchFamily="18" charset="0"/>
+                                  <a:cs typeface="Arial" panose="020B0604020202020204" pitchFamily="34" charset="0"/>
+                                </a:rPr>
+                                <m:t>𝐵</m:t>
+                              </m:r>
+                            </m:sub>
+                          </m:sSub>
+                        </m:oMath>
+                      </m:oMathPara>
+                    </a14:m>
+                    <a:endParaRPr lang="en-US" sz="2000" dirty="0" smtClean="0">
+                      <a:latin typeface="Arial" panose="020B0604020202020204" pitchFamily="34" charset="0"/>
+                      <a:cs typeface="Arial" panose="020B0604020202020204" pitchFamily="34" charset="0"/>
+                    </a:endParaRPr>
+                  </a:p>
+                </p:txBody>
+              </p:sp>
+            </mc:Choice>
+            <mc:Fallback xmlns="">
+              <p:sp>
+                <p:nvSpPr>
+                  <p:cNvPr id="93" name="TextBox 92"/>
+                  <p:cNvSpPr txBox="1">
+                    <a:spLocks noRot="1" noChangeAspect="1" noMove="1" noResize="1" noEditPoints="1" noAdjustHandles="1" noChangeArrowheads="1" noChangeShapeType="1" noTextEdit="1"/>
+                  </p:cNvSpPr>
+                  <p:nvPr/>
+                </p:nvSpPr>
+                <p:spPr>
+                  <a:xfrm>
+                    <a:off x="3125832" y="5391026"/>
+                    <a:ext cx="306494" cy="307777"/>
+                  </a:xfrm>
+                  <a:prstGeom prst="rect">
+                    <a:avLst/>
+                  </a:prstGeom>
+                  <a:blipFill>
+                    <a:blip r:embed="rId15"/>
+                    <a:stretch>
+                      <a:fillRect l="-10000" r="-4000" b="-19608"/>
+                    </a:stretch>
+                  </a:blipFill>
+                </p:spPr>
+                <p:txBody>
+                  <a:bodyPr/>
+                  <a:lstStyle/>
+                  <a:p>
+                    <a:r>
+                      <a:rPr lang="en-US">
+                        <a:noFill/>
+                      </a:rPr>
+                      <a:t> </a:t>
+                    </a:r>
+                  </a:p>
+                </p:txBody>
+              </p:sp>
+            </mc:Fallback>
+          </mc:AlternateContent>
+          <p:cxnSp>
+            <p:nvCxnSpPr>
+              <p:cNvPr id="76" name="Straight Arrow Connector 75"/>
+              <p:cNvCxnSpPr/>
+              <p:nvPr/>
+            </p:nvCxnSpPr>
+            <p:spPr>
+              <a:xfrm>
+                <a:off x="2108351" y="4841808"/>
+                <a:ext cx="900056" cy="0"/>
+              </a:xfrm>
+              <a:prstGeom prst="straightConnector1">
+                <a:avLst/>
+              </a:prstGeom>
+              <a:ln w="38100">
+                <a:solidFill>
+                  <a:schemeClr val="tx1"/>
+                </a:solidFill>
+                <a:tailEnd type="triangle"/>
+              </a:ln>
+            </p:spPr>
+            <p:style>
+              <a:lnRef idx="1">
+                <a:schemeClr val="accent1"/>
+              </a:lnRef>
+              <a:fillRef idx="0">
+                <a:schemeClr val="accent1"/>
+              </a:fillRef>
+              <a:effectRef idx="0">
+                <a:schemeClr val="accent1"/>
+              </a:effectRef>
+              <a:fontRef idx="minor">
+                <a:schemeClr val="tx1"/>
+              </a:fontRef>
+            </p:style>
+          </p:cxnSp>
+          <mc:AlternateContent xmlns:mc="http://schemas.openxmlformats.org/markup-compatibility/2006">
+            <mc:Choice xmlns:a14="http://schemas.microsoft.com/office/drawing/2010/main" Requires="a14">
+              <p:sp>
+                <p:nvSpPr>
+                  <p:cNvPr id="77" name="TextBox 76"/>
+                  <p:cNvSpPr txBox="1"/>
+                  <p:nvPr/>
+                </p:nvSpPr>
+                <p:spPr>
+                  <a:xfrm>
+                    <a:off x="1918270" y="4284593"/>
+                    <a:ext cx="714875" cy="345159"/>
+                  </a:xfrm>
+                  <a:prstGeom prst="rect">
+                    <a:avLst/>
+                  </a:prstGeom>
+                  <a:noFill/>
+                </p:spPr>
+                <p:txBody>
+                  <a:bodyPr wrap="none" lIns="0" tIns="0" rIns="0" bIns="0" rtlCol="0">
+                    <a:spAutoFit/>
+                  </a:bodyPr>
+                  <a:lstStyle/>
+                  <a:p>
+                    <a:pPr/>
+                    <a14:m>
+                      <m:oMathPara xmlns:m="http://schemas.openxmlformats.org/officeDocument/2006/math">
+                        <m:oMathParaPr>
+                          <m:jc m:val="centerGroup"/>
+                        </m:oMathParaPr>
+                        <m:oMath xmlns:m="http://schemas.openxmlformats.org/officeDocument/2006/math">
+                          <m:sSup>
+                            <m:sSupPr>
+                              <m:ctrlPr>
+                                <a:rPr lang="en-US" sz="2000" b="0" i="1" smtClean="0">
+                                  <a:latin typeface="Cambria Math" panose="02040503050406030204" pitchFamily="18" charset="0"/>
+                                  <a:cs typeface="Arial" panose="020B0604020202020204" pitchFamily="34" charset="0"/>
+                                </a:rPr>
+                              </m:ctrlPr>
+                            </m:sSupPr>
+                            <m:e>
+                              <m:acc>
+                                <m:accPr>
+                                  <m:chr m:val="⃗"/>
+                                  <m:ctrlPr>
+                                    <a:rPr lang="en-US" sz="2000" b="0" i="1" smtClean="0">
+                                      <a:latin typeface="Cambria Math" panose="02040503050406030204" pitchFamily="18" charset="0"/>
+                                      <a:cs typeface="Arial" panose="020B0604020202020204" pitchFamily="34" charset="0"/>
+                                    </a:rPr>
+                                  </m:ctrlPr>
+                                </m:accPr>
+                                <m:e>
+                                  <m:r>
+                                    <a:rPr lang="en-US" sz="2000" b="0" i="1" smtClean="0">
+                                      <a:latin typeface="Cambria Math" panose="02040503050406030204" pitchFamily="18" charset="0"/>
+                                      <a:cs typeface="Arial" panose="020B0604020202020204" pitchFamily="34" charset="0"/>
+                                    </a:rPr>
+                                    <m:t>𝐹</m:t>
+                                  </m:r>
+                                </m:e>
+                              </m:acc>
+                            </m:e>
+                            <m:sup>
+                              <m:r>
+                                <a:rPr lang="en-US" sz="2000" b="0" i="1" smtClean="0">
+                                  <a:latin typeface="Cambria Math" panose="02040503050406030204" pitchFamily="18" charset="0"/>
+                                  <a:cs typeface="Arial" panose="020B0604020202020204" pitchFamily="34" charset="0"/>
+                                </a:rPr>
+                                <m:t>𝐸</m:t>
+                              </m:r>
+                            </m:sup>
+                          </m:sSup>
+                          <m:r>
+                            <a:rPr lang="en-US" sz="2000" b="0" i="1" smtClean="0">
+                              <a:latin typeface="Cambria Math" panose="02040503050406030204" pitchFamily="18" charset="0"/>
+                              <a:cs typeface="Arial" panose="020B0604020202020204" pitchFamily="34" charset="0"/>
+                            </a:rPr>
+                            <m:t>(</m:t>
+                          </m:r>
+                          <m:r>
+                            <a:rPr lang="en-US" sz="2000" b="0" i="1" smtClean="0">
+                              <a:latin typeface="Cambria Math" panose="02040503050406030204" pitchFamily="18" charset="0"/>
+                              <a:cs typeface="Arial" panose="020B0604020202020204" pitchFamily="34" charset="0"/>
+                            </a:rPr>
+                            <m:t>𝑟</m:t>
+                          </m:r>
+                          <m:r>
+                            <a:rPr lang="en-US" sz="2000" b="0" i="1" smtClean="0">
+                              <a:latin typeface="Cambria Math" panose="02040503050406030204" pitchFamily="18" charset="0"/>
+                              <a:cs typeface="Arial" panose="020B0604020202020204" pitchFamily="34" charset="0"/>
+                            </a:rPr>
+                            <m:t>)</m:t>
+                          </m:r>
+                        </m:oMath>
+                      </m:oMathPara>
+                    </a14:m>
+                    <a:endParaRPr lang="en-US" sz="2000" dirty="0" smtClean="0">
+                      <a:latin typeface="Arial" panose="020B0604020202020204" pitchFamily="34" charset="0"/>
+                      <a:cs typeface="Arial" panose="020B0604020202020204" pitchFamily="34" charset="0"/>
+                    </a:endParaRPr>
+                  </a:p>
+                </p:txBody>
+              </p:sp>
+            </mc:Choice>
+            <mc:Fallback>
+              <p:sp>
+                <p:nvSpPr>
+                  <p:cNvPr id="77" name="TextBox 76"/>
+                  <p:cNvSpPr txBox="1">
+                    <a:spLocks noRot="1" noChangeAspect="1" noMove="1" noResize="1" noEditPoints="1" noAdjustHandles="1" noChangeArrowheads="1" noChangeShapeType="1" noTextEdit="1"/>
+                  </p:cNvSpPr>
+                  <p:nvPr/>
+                </p:nvSpPr>
+                <p:spPr>
+                  <a:xfrm>
+                    <a:off x="1918270" y="4284593"/>
+                    <a:ext cx="714875" cy="345159"/>
+                  </a:xfrm>
+                  <a:prstGeom prst="rect">
+                    <a:avLst/>
+                  </a:prstGeom>
+                  <a:blipFill>
+                    <a:blip r:embed="rId16"/>
+                    <a:stretch>
+                      <a:fillRect l="-6838" t="-35088" r="-11966" b="-33333"/>
+                    </a:stretch>
+                  </a:blipFill>
+                </p:spPr>
+                <p:txBody>
+                  <a:bodyPr/>
+                  <a:lstStyle/>
+                  <a:p>
+                    <a:r>
+                      <a:rPr lang="en-US">
+                        <a:noFill/>
+                      </a:rPr>
+                      <a:t> </a:t>
+                    </a:r>
+                  </a:p>
+                </p:txBody>
+              </p:sp>
+            </mc:Fallback>
+          </mc:AlternateContent>
+        </p:grpSp>
+        <p:sp>
+          <p:nvSpPr>
+            <p:cNvPr id="64" name="Oval 63"/>
+            <p:cNvSpPr/>
+            <p:nvPr/>
+          </p:nvSpPr>
+          <p:spPr>
+            <a:xfrm>
+              <a:off x="2002647" y="5218268"/>
+              <a:ext cx="120943" cy="119766"/>
+            </a:xfrm>
+            <a:prstGeom prst="ellipse">
+              <a:avLst/>
+            </a:prstGeom>
+            <a:solidFill>
+              <a:schemeClr val="tx1"/>
+            </a:solidFill>
+            <a:ln w="38100">
+              <a:solidFill>
+                <a:schemeClr val="tx1"/>
+              </a:solidFill>
+            </a:ln>
+          </p:spPr>
+          <p:style>
+            <a:lnRef idx="2">
+              <a:schemeClr val="accent1">
+                <a:shade val="50000"/>
+              </a:schemeClr>
+            </a:lnRef>
+            <a:fillRef idx="1">
+              <a:schemeClr val="accent1"/>
+            </a:fillRef>
+            <a:effectRef idx="0">
+              <a:schemeClr val="accent1"/>
+            </a:effectRef>
+            <a:fontRef idx="minor">
+              <a:schemeClr val="lt1"/>
+            </a:fontRef>
+          </p:style>
+          <p:txBody>
+            <a:bodyPr rtlCol="0" anchor="ctr"/>
+            <a:lstStyle/>
+            <a:p>
+              <a:pPr algn="ctr"/>
+              <a:endParaRPr lang="en-US"/>
+            </a:p>
+          </p:txBody>
+        </p:sp>
+        <mc:AlternateContent xmlns:mc="http://schemas.openxmlformats.org/markup-compatibility/2006">
+          <mc:Choice xmlns:a14="http://schemas.microsoft.com/office/drawing/2010/main" Requires="a14">
+            <p:sp>
+              <p:nvSpPr>
+                <p:cNvPr id="65" name="TextBox 64"/>
+                <p:cNvSpPr txBox="1"/>
+                <p:nvPr/>
+              </p:nvSpPr>
+              <p:spPr>
+                <a:xfrm>
+                  <a:off x="880640" y="5305986"/>
+                  <a:ext cx="443519" cy="307777"/>
+                </a:xfrm>
+                <a:prstGeom prst="rect">
+                  <a:avLst/>
+                </a:prstGeom>
+                <a:noFill/>
+              </p:spPr>
+              <p:txBody>
+                <a:bodyPr wrap="none" lIns="0" tIns="0" rIns="0" bIns="0" rtlCol="0">
+                  <a:spAutoFit/>
+                </a:bodyPr>
+                <a:lstStyle/>
+                <a:p>
+                  <a:pPr/>
+                  <a14:m>
+                    <m:oMathPara xmlns:m="http://schemas.openxmlformats.org/officeDocument/2006/math">
+                      <m:oMathParaPr>
+                        <m:jc m:val="centerGroup"/>
+                      </m:oMathParaPr>
+                      <m:oMath xmlns:m="http://schemas.openxmlformats.org/officeDocument/2006/math">
+                        <m:r>
+                          <a:rPr lang="en-US" sz="2000" b="0" i="1" smtClean="0">
+                            <a:latin typeface="Cambria Math" panose="02040503050406030204" pitchFamily="18" charset="0"/>
+                            <a:cs typeface="Arial" panose="020B0604020202020204" pitchFamily="34" charset="0"/>
+                          </a:rPr>
+                          <m:t>+</m:t>
+                        </m:r>
+                        <m:r>
+                          <a:rPr lang="en-US" sz="2000" b="0" i="1" smtClean="0">
+                            <a:latin typeface="Cambria Math" panose="02040503050406030204" pitchFamily="18" charset="0"/>
+                            <a:cs typeface="Arial" panose="020B0604020202020204" pitchFamily="34" charset="0"/>
+                          </a:rPr>
+                          <m:t>𝑄</m:t>
+                        </m:r>
+                      </m:oMath>
+                    </m:oMathPara>
+                  </a14:m>
+                  <a:endParaRPr lang="en-US" sz="2000" dirty="0" smtClean="0">
+                    <a:latin typeface="Arial" panose="020B0604020202020204" pitchFamily="34" charset="0"/>
+                    <a:cs typeface="Arial" panose="020B0604020202020204" pitchFamily="34" charset="0"/>
+                  </a:endParaRPr>
+                </a:p>
+              </p:txBody>
+            </p:sp>
+          </mc:Choice>
+          <mc:Fallback>
+            <p:sp>
+              <p:nvSpPr>
+                <p:cNvPr id="65" name="TextBox 64"/>
+                <p:cNvSpPr txBox="1">
+                  <a:spLocks noRot="1" noChangeAspect="1" noMove="1" noResize="1" noEditPoints="1" noAdjustHandles="1" noChangeArrowheads="1" noChangeShapeType="1" noTextEdit="1"/>
+                </p:cNvSpPr>
+                <p:nvPr/>
+              </p:nvSpPr>
+              <p:spPr>
+                <a:xfrm>
+                  <a:off x="880640" y="5305986"/>
+                  <a:ext cx="443519" cy="307777"/>
+                </a:xfrm>
+                <a:prstGeom prst="rect">
+                  <a:avLst/>
+                </a:prstGeom>
+                <a:blipFill>
+                  <a:blip r:embed="rId17"/>
+                  <a:stretch>
+                    <a:fillRect l="-10959" r="-13699" b="-29412"/>
+                  </a:stretch>
+                </a:blipFill>
+              </p:spPr>
+              <p:txBody>
+                <a:bodyPr/>
+                <a:lstStyle/>
+                <a:p>
+                  <a:r>
+                    <a:rPr lang="en-US">
+                      <a:noFill/>
+                    </a:rPr>
+                    <a:t> </a:t>
+                  </a:r>
+                </a:p>
+              </p:txBody>
+            </p:sp>
+          </mc:Fallback>
+        </mc:AlternateContent>
+        <mc:AlternateContent xmlns:mc="http://schemas.openxmlformats.org/markup-compatibility/2006">
+          <mc:Choice xmlns:a14="http://schemas.microsoft.com/office/drawing/2010/main" Requires="a14">
+            <p:sp>
+              <p:nvSpPr>
+                <p:cNvPr id="66" name="TextBox 65"/>
+                <p:cNvSpPr txBox="1"/>
+                <p:nvPr/>
+              </p:nvSpPr>
+              <p:spPr>
+                <a:xfrm>
+                  <a:off x="1846970" y="4841808"/>
+                  <a:ext cx="408510" cy="307777"/>
+                </a:xfrm>
+                <a:prstGeom prst="rect">
+                  <a:avLst/>
+                </a:prstGeom>
+                <a:noFill/>
+              </p:spPr>
+              <p:txBody>
+                <a:bodyPr wrap="none" lIns="0" tIns="0" rIns="0" bIns="0" rtlCol="0">
+                  <a:spAutoFit/>
+                </a:bodyPr>
+                <a:lstStyle/>
+                <a:p>
+                  <a:pPr/>
+                  <a14:m>
+                    <m:oMathPara xmlns:m="http://schemas.openxmlformats.org/officeDocument/2006/math">
+                      <m:oMathParaPr>
+                        <m:jc m:val="centerGroup"/>
+                      </m:oMathParaPr>
+                      <m:oMath xmlns:m="http://schemas.openxmlformats.org/officeDocument/2006/math">
+                        <m:r>
+                          <a:rPr lang="en-US" sz="2000" b="0" i="1" smtClean="0">
+                            <a:latin typeface="Cambria Math" panose="02040503050406030204" pitchFamily="18" charset="0"/>
+                            <a:cs typeface="Arial" panose="020B0604020202020204" pitchFamily="34" charset="0"/>
+                          </a:rPr>
+                          <m:t>+</m:t>
+                        </m:r>
+                        <m:r>
+                          <a:rPr lang="en-US" sz="2000" b="0" i="1" smtClean="0">
+                            <a:latin typeface="Cambria Math" panose="02040503050406030204" pitchFamily="18" charset="0"/>
+                            <a:cs typeface="Arial" panose="020B0604020202020204" pitchFamily="34" charset="0"/>
+                          </a:rPr>
+                          <m:t>𝑞</m:t>
+                        </m:r>
+                      </m:oMath>
+                    </m:oMathPara>
+                  </a14:m>
+                  <a:endParaRPr lang="en-US" sz="2000" dirty="0" smtClean="0">
+                    <a:latin typeface="Arial" panose="020B0604020202020204" pitchFamily="34" charset="0"/>
+                    <a:cs typeface="Arial" panose="020B0604020202020204" pitchFamily="34" charset="0"/>
+                  </a:endParaRPr>
+                </a:p>
+              </p:txBody>
+            </p:sp>
+          </mc:Choice>
+          <mc:Fallback>
+            <p:sp>
+              <p:nvSpPr>
+                <p:cNvPr id="66" name="TextBox 65"/>
+                <p:cNvSpPr txBox="1">
+                  <a:spLocks noRot="1" noChangeAspect="1" noMove="1" noResize="1" noEditPoints="1" noAdjustHandles="1" noChangeArrowheads="1" noChangeShapeType="1" noTextEdit="1"/>
+                </p:cNvSpPr>
+                <p:nvPr/>
+              </p:nvSpPr>
+              <p:spPr>
+                <a:xfrm>
+                  <a:off x="1846970" y="4841808"/>
+                  <a:ext cx="408510" cy="307777"/>
+                </a:xfrm>
+                <a:prstGeom prst="rect">
+                  <a:avLst/>
+                </a:prstGeom>
+                <a:blipFill>
+                  <a:blip r:embed="rId18"/>
+                  <a:stretch>
+                    <a:fillRect l="-11940" r="-11940" b="-27451"/>
+                  </a:stretch>
+                </a:blipFill>
+              </p:spPr>
+              <p:txBody>
+                <a:bodyPr/>
+                <a:lstStyle/>
+                <a:p>
+                  <a:r>
+                    <a:rPr lang="en-US">
+                      <a:noFill/>
+                    </a:rPr>
+                    <a:t> </a:t>
+                  </a:r>
+                </a:p>
+              </p:txBody>
+            </p:sp>
+          </mc:Fallback>
+        </mc:AlternateContent>
+      </p:grpSp>
     </p:spTree>
     <p:extLst>
       <p:ext uri="{BB962C8B-B14F-4D97-AF65-F5344CB8AC3E}">

--- a/tex/figures/Potential/Figures.pptx
+++ b/tex/figures/Potential/Figures.pptx
@@ -201,7 +201,7 @@
           <a:p>
             <a:fld id="{FA15A6B2-55AC-CD4B-A1E6-BB01091FE9DC}" type="datetimeFigureOut">
               <a:rPr lang="en-US" smtClean="0"/>
-              <a:t>5/27/2019</a:t>
+              <a:t>5/28/2019</a:t>
             </a:fld>
             <a:endParaRPr lang="en-US"/>
           </a:p>
@@ -600,7 +600,7 @@
           <a:p>
             <a:fld id="{F7249F8D-641B-4CAF-BAE5-10524742F6F1}" type="datetimeFigureOut">
               <a:rPr lang="en-CA" smtClean="0"/>
-              <a:t>2019-05-27</a:t>
+              <a:t>2019-05-28</a:t>
             </a:fld>
             <a:endParaRPr lang="en-CA"/>
           </a:p>
@@ -770,7 +770,7 @@
           <a:p>
             <a:fld id="{F7249F8D-641B-4CAF-BAE5-10524742F6F1}" type="datetimeFigureOut">
               <a:rPr lang="en-CA" smtClean="0"/>
-              <a:t>2019-05-27</a:t>
+              <a:t>2019-05-28</a:t>
             </a:fld>
             <a:endParaRPr lang="en-CA"/>
           </a:p>
@@ -950,7 +950,7 @@
           <a:p>
             <a:fld id="{F7249F8D-641B-4CAF-BAE5-10524742F6F1}" type="datetimeFigureOut">
               <a:rPr lang="en-CA" smtClean="0"/>
-              <a:t>2019-05-27</a:t>
+              <a:t>2019-05-28</a:t>
             </a:fld>
             <a:endParaRPr lang="en-CA"/>
           </a:p>
@@ -1120,7 +1120,7 @@
           <a:p>
             <a:fld id="{F7249F8D-641B-4CAF-BAE5-10524742F6F1}" type="datetimeFigureOut">
               <a:rPr lang="en-CA" smtClean="0"/>
-              <a:t>2019-05-27</a:t>
+              <a:t>2019-05-28</a:t>
             </a:fld>
             <a:endParaRPr lang="en-CA"/>
           </a:p>
@@ -1366,7 +1366,7 @@
           <a:p>
             <a:fld id="{F7249F8D-641B-4CAF-BAE5-10524742F6F1}" type="datetimeFigureOut">
               <a:rPr lang="en-CA" smtClean="0"/>
-              <a:t>2019-05-27</a:t>
+              <a:t>2019-05-28</a:t>
             </a:fld>
             <a:endParaRPr lang="en-CA"/>
           </a:p>
@@ -1598,7 +1598,7 @@
           <a:p>
             <a:fld id="{F7249F8D-641B-4CAF-BAE5-10524742F6F1}" type="datetimeFigureOut">
               <a:rPr lang="en-CA" smtClean="0"/>
-              <a:t>2019-05-27</a:t>
+              <a:t>2019-05-28</a:t>
             </a:fld>
             <a:endParaRPr lang="en-CA"/>
           </a:p>
@@ -1965,7 +1965,7 @@
           <a:p>
             <a:fld id="{F7249F8D-641B-4CAF-BAE5-10524742F6F1}" type="datetimeFigureOut">
               <a:rPr lang="en-CA" smtClean="0"/>
-              <a:t>2019-05-27</a:t>
+              <a:t>2019-05-28</a:t>
             </a:fld>
             <a:endParaRPr lang="en-CA"/>
           </a:p>
@@ -2083,7 +2083,7 @@
           <a:p>
             <a:fld id="{F7249F8D-641B-4CAF-BAE5-10524742F6F1}" type="datetimeFigureOut">
               <a:rPr lang="en-CA" smtClean="0"/>
-              <a:t>2019-05-27</a:t>
+              <a:t>2019-05-28</a:t>
             </a:fld>
             <a:endParaRPr lang="en-CA"/>
           </a:p>
@@ -2178,7 +2178,7 @@
           <a:p>
             <a:fld id="{F7249F8D-641B-4CAF-BAE5-10524742F6F1}" type="datetimeFigureOut">
               <a:rPr lang="en-CA" smtClean="0"/>
-              <a:t>2019-05-27</a:t>
+              <a:t>2019-05-28</a:t>
             </a:fld>
             <a:endParaRPr lang="en-CA"/>
           </a:p>
@@ -2455,7 +2455,7 @@
           <a:p>
             <a:fld id="{F7249F8D-641B-4CAF-BAE5-10524742F6F1}" type="datetimeFigureOut">
               <a:rPr lang="en-CA" smtClean="0"/>
-              <a:t>2019-05-27</a:t>
+              <a:t>2019-05-28</a:t>
             </a:fld>
             <a:endParaRPr lang="en-CA"/>
           </a:p>
@@ -2708,7 +2708,7 @@
           <a:p>
             <a:fld id="{F7249F8D-641B-4CAF-BAE5-10524742F6F1}" type="datetimeFigureOut">
               <a:rPr lang="en-CA" smtClean="0"/>
-              <a:t>2019-05-27</a:t>
+              <a:t>2019-05-28</a:t>
             </a:fld>
             <a:endParaRPr lang="en-CA"/>
           </a:p>
@@ -2921,7 +2921,7 @@
           <a:p>
             <a:fld id="{F7249F8D-641B-4CAF-BAE5-10524742F6F1}" type="datetimeFigureOut">
               <a:rPr lang="en-CA" smtClean="0"/>
-              <a:t>2019-05-27</a:t>
+              <a:t>2019-05-28</a:t>
             </a:fld>
             <a:endParaRPr lang="en-CA"/>
           </a:p>
@@ -7141,42 +7141,819 @@
       </p:grpSpPr>
       <p:grpSp>
         <p:nvGrpSpPr>
-          <p:cNvPr id="60" name="Group 59"/>
+          <p:cNvPr id="3" name="Group 2"/>
           <p:cNvGrpSpPr/>
           <p:nvPr/>
         </p:nvGrpSpPr>
         <p:grpSpPr>
           <a:xfrm>
-            <a:off x="785554" y="999205"/>
-            <a:ext cx="3985570" cy="1579583"/>
-            <a:chOff x="880640" y="4284593"/>
-            <a:chExt cx="3985570" cy="1579583"/>
+            <a:off x="785554" y="1063836"/>
+            <a:ext cx="3985570" cy="1514952"/>
+            <a:chOff x="785554" y="1063836"/>
+            <a:chExt cx="3985570" cy="1514952"/>
           </a:xfrm>
         </p:grpSpPr>
         <p:grpSp>
           <p:nvGrpSpPr>
-            <p:cNvPr id="63" name="Group 62"/>
+            <p:cNvPr id="60" name="Group 59"/>
             <p:cNvGrpSpPr/>
             <p:nvPr/>
           </p:nvGrpSpPr>
           <p:grpSpPr>
             <a:xfrm>
-              <a:off x="1368037" y="4284593"/>
-              <a:ext cx="3498173" cy="1579583"/>
-              <a:chOff x="1368037" y="4284593"/>
-              <a:chExt cx="3498173" cy="1579583"/>
+              <a:off x="785554" y="1063836"/>
+              <a:ext cx="3985570" cy="1514952"/>
+              <a:chOff x="880640" y="4349224"/>
+              <a:chExt cx="3985570" cy="1514952"/>
             </a:xfrm>
           </p:grpSpPr>
+          <p:grpSp>
+            <p:nvGrpSpPr>
+              <p:cNvPr id="63" name="Group 62"/>
+              <p:cNvGrpSpPr/>
+              <p:nvPr/>
+            </p:nvGrpSpPr>
+            <p:grpSpPr>
+              <a:xfrm>
+                <a:off x="1368037" y="4349224"/>
+                <a:ext cx="3498173" cy="1514952"/>
+                <a:chOff x="1368037" y="4349224"/>
+                <a:chExt cx="3498173" cy="1514952"/>
+              </a:xfrm>
+            </p:grpSpPr>
+            <p:sp>
+              <p:nvSpPr>
+                <p:cNvPr id="67" name="Oval 66"/>
+                <p:cNvSpPr/>
+                <p:nvPr/>
+              </p:nvSpPr>
+              <p:spPr>
+                <a:xfrm>
+                  <a:off x="1368037" y="5116975"/>
+                  <a:ext cx="342900" cy="342900"/>
+                </a:xfrm>
+                <a:prstGeom prst="ellipse">
+                  <a:avLst/>
+                </a:prstGeom>
+                <a:solidFill>
+                  <a:schemeClr val="tx1"/>
+                </a:solidFill>
+                <a:ln w="38100">
+                  <a:solidFill>
+                    <a:schemeClr val="tx1"/>
+                  </a:solidFill>
+                </a:ln>
+              </p:spPr>
+              <p:style>
+                <a:lnRef idx="2">
+                  <a:schemeClr val="accent1">
+                    <a:shade val="50000"/>
+                  </a:schemeClr>
+                </a:lnRef>
+                <a:fillRef idx="1">
+                  <a:schemeClr val="accent1"/>
+                </a:fillRef>
+                <a:effectRef idx="0">
+                  <a:schemeClr val="accent1"/>
+                </a:effectRef>
+                <a:fontRef idx="minor">
+                  <a:schemeClr val="lt1"/>
+                </a:fontRef>
+              </p:style>
+              <p:txBody>
+                <a:bodyPr rtlCol="0" anchor="ctr"/>
+                <a:lstStyle/>
+                <a:p>
+                  <a:pPr algn="ctr"/>
+                  <a:endParaRPr lang="en-US"/>
+                </a:p>
+              </p:txBody>
+            </p:sp>
+            <p:cxnSp>
+              <p:nvCxnSpPr>
+                <p:cNvPr id="68" name="Straight Arrow Connector 67"/>
+                <p:cNvCxnSpPr/>
+                <p:nvPr/>
+              </p:nvCxnSpPr>
+              <p:spPr>
+                <a:xfrm>
+                  <a:off x="1541124" y="5280917"/>
+                  <a:ext cx="3226085" cy="0"/>
+                </a:xfrm>
+                <a:prstGeom prst="straightConnector1">
+                  <a:avLst/>
+                </a:prstGeom>
+                <a:ln w="38100">
+                  <a:solidFill>
+                    <a:schemeClr val="tx1"/>
+                  </a:solidFill>
+                  <a:tailEnd type="triangle"/>
+                </a:ln>
+              </p:spPr>
+              <p:style>
+                <a:lnRef idx="1">
+                  <a:schemeClr val="accent1"/>
+                </a:lnRef>
+                <a:fillRef idx="0">
+                  <a:schemeClr val="accent1"/>
+                </a:fillRef>
+                <a:effectRef idx="0">
+                  <a:schemeClr val="accent1"/>
+                </a:effectRef>
+                <a:fontRef idx="minor">
+                  <a:schemeClr val="tx1"/>
+                </a:fontRef>
+              </p:style>
+            </p:cxnSp>
+            <mc:AlternateContent xmlns:mc="http://schemas.openxmlformats.org/markup-compatibility/2006" xmlns:a14="http://schemas.microsoft.com/office/drawing/2010/main">
+              <mc:Choice Requires="a14">
+                <p:sp>
+                  <p:nvSpPr>
+                    <p:cNvPr id="69" name="TextBox 68"/>
+                    <p:cNvSpPr txBox="1"/>
+                    <p:nvPr/>
+                  </p:nvSpPr>
+                  <p:spPr>
+                    <a:xfrm>
+                      <a:off x="4668207" y="5331224"/>
+                      <a:ext cx="198003" cy="307777"/>
+                    </a:xfrm>
+                    <a:prstGeom prst="rect">
+                      <a:avLst/>
+                    </a:prstGeom>
+                    <a:noFill/>
+                  </p:spPr>
+                  <p:txBody>
+                    <a:bodyPr wrap="none" lIns="0" tIns="0" rIns="0" bIns="0" rtlCol="0">
+                      <a:spAutoFit/>
+                    </a:bodyPr>
+                    <a:lstStyle/>
+                    <a:p>
+                      <a:pPr/>
+                      <a14:m>
+                        <m:oMathPara xmlns:m="http://schemas.openxmlformats.org/officeDocument/2006/math">
+                          <m:oMathParaPr>
+                            <m:jc m:val="centerGroup"/>
+                          </m:oMathParaPr>
+                          <m:oMath xmlns:m="http://schemas.openxmlformats.org/officeDocument/2006/math">
+                            <m:r>
+                              <a:rPr lang="en-US" sz="2000" b="0" i="1" smtClean="0">
+                                <a:latin typeface="Cambria Math" panose="02040503050406030204" pitchFamily="18" charset="0"/>
+                                <a:cs typeface="Arial" panose="020B0604020202020204" pitchFamily="34" charset="0"/>
+                              </a:rPr>
+                              <m:t>𝑟</m:t>
+                            </m:r>
+                          </m:oMath>
+                        </m:oMathPara>
+                      </a14:m>
+                      <a:endParaRPr lang="en-US" sz="2000" dirty="0" smtClean="0">
+                        <a:latin typeface="Arial" panose="020B0604020202020204" pitchFamily="34" charset="0"/>
+                        <a:cs typeface="Arial" panose="020B0604020202020204" pitchFamily="34" charset="0"/>
+                      </a:endParaRPr>
+                    </a:p>
+                  </p:txBody>
+                </p:sp>
+              </mc:Choice>
+              <mc:Fallback xmlns="">
+                <p:sp>
+                  <p:nvSpPr>
+                    <p:cNvPr id="86" name="TextBox 85"/>
+                    <p:cNvSpPr txBox="1">
+                      <a:spLocks noRot="1" noChangeAspect="1" noMove="1" noResize="1" noEditPoints="1" noAdjustHandles="1" noChangeArrowheads="1" noChangeShapeType="1" noTextEdit="1"/>
+                    </p:cNvSpPr>
+                    <p:nvPr/>
+                  </p:nvSpPr>
+                  <p:spPr>
+                    <a:xfrm>
+                      <a:off x="4668207" y="5331224"/>
+                      <a:ext cx="198003" cy="307777"/>
+                    </a:xfrm>
+                    <a:prstGeom prst="rect">
+                      <a:avLst/>
+                    </a:prstGeom>
+                    <a:blipFill>
+                      <a:blip r:embed="rId12"/>
+                      <a:stretch>
+                        <a:fillRect l="-15625" r="-12500" b="-2000"/>
+                      </a:stretch>
+                    </a:blipFill>
+                  </p:spPr>
+                  <p:txBody>
+                    <a:bodyPr/>
+                    <a:lstStyle/>
+                    <a:p>
+                      <a:r>
+                        <a:rPr lang="en-US">
+                          <a:noFill/>
+                        </a:rPr>
+                        <a:t> </a:t>
+                      </a:r>
+                    </a:p>
+                  </p:txBody>
+                </p:sp>
+              </mc:Fallback>
+            </mc:AlternateContent>
+            <p:cxnSp>
+              <p:nvCxnSpPr>
+                <p:cNvPr id="70" name="Straight Connector 69"/>
+                <p:cNvCxnSpPr/>
+                <p:nvPr/>
+              </p:nvCxnSpPr>
+              <p:spPr>
+                <a:xfrm flipV="1">
+                  <a:off x="1530850" y="5331224"/>
+                  <a:ext cx="0" cy="239606"/>
+                </a:xfrm>
+                <a:prstGeom prst="line">
+                  <a:avLst/>
+                </a:prstGeom>
+                <a:ln w="38100">
+                  <a:solidFill>
+                    <a:schemeClr val="tx1"/>
+                  </a:solidFill>
+                </a:ln>
+              </p:spPr>
+              <p:style>
+                <a:lnRef idx="1">
+                  <a:schemeClr val="accent1"/>
+                </a:lnRef>
+                <a:fillRef idx="0">
+                  <a:schemeClr val="accent1"/>
+                </a:fillRef>
+                <a:effectRef idx="0">
+                  <a:schemeClr val="accent1"/>
+                </a:effectRef>
+                <a:fontRef idx="minor">
+                  <a:schemeClr val="tx1"/>
+                </a:fontRef>
+              </p:style>
+            </p:cxnSp>
+            <mc:AlternateContent xmlns:mc="http://schemas.openxmlformats.org/markup-compatibility/2006" xmlns:a14="http://schemas.microsoft.com/office/drawing/2010/main">
+              <mc:Choice Requires="a14">
+                <p:sp>
+                  <p:nvSpPr>
+                    <p:cNvPr id="71" name="TextBox 70"/>
+                    <p:cNvSpPr txBox="1"/>
+                    <p:nvPr/>
+                  </p:nvSpPr>
+                  <p:spPr>
+                    <a:xfrm>
+                      <a:off x="1436093" y="5556399"/>
+                      <a:ext cx="213200" cy="307777"/>
+                    </a:xfrm>
+                    <a:prstGeom prst="rect">
+                      <a:avLst/>
+                    </a:prstGeom>
+                    <a:noFill/>
+                  </p:spPr>
+                  <p:txBody>
+                    <a:bodyPr wrap="none" lIns="0" tIns="0" rIns="0" bIns="0" rtlCol="0">
+                      <a:spAutoFit/>
+                    </a:bodyPr>
+                    <a:lstStyle/>
+                    <a:p>
+                      <a:pPr/>
+                      <a14:m>
+                        <m:oMathPara xmlns:m="http://schemas.openxmlformats.org/officeDocument/2006/math">
+                          <m:oMathParaPr>
+                            <m:jc m:val="centerGroup"/>
+                          </m:oMathParaPr>
+                          <m:oMath xmlns:m="http://schemas.openxmlformats.org/officeDocument/2006/math">
+                            <m:r>
+                              <a:rPr lang="en-US" sz="2000" b="0" i="1" smtClean="0">
+                                <a:latin typeface="Cambria Math" panose="02040503050406030204" pitchFamily="18" charset="0"/>
+                                <a:cs typeface="Arial" panose="020B0604020202020204" pitchFamily="34" charset="0"/>
+                              </a:rPr>
+                              <m:t>0</m:t>
+                            </m:r>
+                          </m:oMath>
+                        </m:oMathPara>
+                      </a14:m>
+                      <a:endParaRPr lang="en-US" sz="2000" dirty="0" smtClean="0">
+                        <a:latin typeface="Arial" panose="020B0604020202020204" pitchFamily="34" charset="0"/>
+                        <a:cs typeface="Arial" panose="020B0604020202020204" pitchFamily="34" charset="0"/>
+                      </a:endParaRPr>
+                    </a:p>
+                  </p:txBody>
+                </p:sp>
+              </mc:Choice>
+              <mc:Fallback xmlns="">
+                <p:sp>
+                  <p:nvSpPr>
+                    <p:cNvPr id="88" name="TextBox 87"/>
+                    <p:cNvSpPr txBox="1">
+                      <a:spLocks noRot="1" noChangeAspect="1" noMove="1" noResize="1" noEditPoints="1" noAdjustHandles="1" noChangeArrowheads="1" noChangeShapeType="1" noTextEdit="1"/>
+                    </p:cNvSpPr>
+                    <p:nvPr/>
+                  </p:nvSpPr>
+                  <p:spPr>
+                    <a:xfrm>
+                      <a:off x="1436093" y="5556399"/>
+                      <a:ext cx="213200" cy="307777"/>
+                    </a:xfrm>
+                    <a:prstGeom prst="rect">
+                      <a:avLst/>
+                    </a:prstGeom>
+                    <a:blipFill>
+                      <a:blip r:embed="rId13"/>
+                      <a:stretch>
+                        <a:fillRect l="-25714" r="-22857" b="-9804"/>
+                      </a:stretch>
+                    </a:blipFill>
+                  </p:spPr>
+                  <p:txBody>
+                    <a:bodyPr/>
+                    <a:lstStyle/>
+                    <a:p>
+                      <a:r>
+                        <a:rPr lang="en-US">
+                          <a:noFill/>
+                        </a:rPr>
+                        <a:t> </a:t>
+                      </a:r>
+                    </a:p>
+                  </p:txBody>
+                </p:sp>
+              </mc:Fallback>
+            </mc:AlternateContent>
+            <p:cxnSp>
+              <p:nvCxnSpPr>
+                <p:cNvPr id="72" name="Straight Connector 71"/>
+                <p:cNvCxnSpPr/>
+                <p:nvPr/>
+              </p:nvCxnSpPr>
+              <p:spPr>
+                <a:xfrm flipV="1">
+                  <a:off x="2067553" y="5161114"/>
+                  <a:ext cx="0" cy="239606"/>
+                </a:xfrm>
+                <a:prstGeom prst="line">
+                  <a:avLst/>
+                </a:prstGeom>
+                <a:ln w="38100">
+                  <a:solidFill>
+                    <a:schemeClr val="tx1"/>
+                  </a:solidFill>
+                </a:ln>
+              </p:spPr>
+              <p:style>
+                <a:lnRef idx="1">
+                  <a:schemeClr val="accent1"/>
+                </a:lnRef>
+                <a:fillRef idx="0">
+                  <a:schemeClr val="accent1"/>
+                </a:fillRef>
+                <a:effectRef idx="0">
+                  <a:schemeClr val="accent1"/>
+                </a:effectRef>
+                <a:fontRef idx="minor">
+                  <a:schemeClr val="tx1"/>
+                </a:fontRef>
+              </p:style>
+            </p:cxnSp>
+            <p:cxnSp>
+              <p:nvCxnSpPr>
+                <p:cNvPr id="73" name="Straight Connector 72"/>
+                <p:cNvCxnSpPr/>
+                <p:nvPr/>
+              </p:nvCxnSpPr>
+              <p:spPr>
+                <a:xfrm flipV="1">
+                  <a:off x="3253311" y="5161114"/>
+                  <a:ext cx="0" cy="239606"/>
+                </a:xfrm>
+                <a:prstGeom prst="line">
+                  <a:avLst/>
+                </a:prstGeom>
+                <a:ln w="38100">
+                  <a:solidFill>
+                    <a:schemeClr val="tx1"/>
+                  </a:solidFill>
+                </a:ln>
+              </p:spPr>
+              <p:style>
+                <a:lnRef idx="1">
+                  <a:schemeClr val="accent1"/>
+                </a:lnRef>
+                <a:fillRef idx="0">
+                  <a:schemeClr val="accent1"/>
+                </a:fillRef>
+                <a:effectRef idx="0">
+                  <a:schemeClr val="accent1"/>
+                </a:effectRef>
+                <a:fontRef idx="minor">
+                  <a:schemeClr val="tx1"/>
+                </a:fontRef>
+              </p:style>
+            </p:cxnSp>
+            <mc:AlternateContent xmlns:mc="http://schemas.openxmlformats.org/markup-compatibility/2006" xmlns:a14="http://schemas.microsoft.com/office/drawing/2010/main">
+              <mc:Choice Requires="a14">
+                <p:sp>
+                  <p:nvSpPr>
+                    <p:cNvPr id="74" name="TextBox 73"/>
+                    <p:cNvSpPr txBox="1"/>
+                    <p:nvPr/>
+                  </p:nvSpPr>
+                  <p:spPr>
+                    <a:xfrm>
+                      <a:off x="2000477" y="5391027"/>
+                      <a:ext cx="287322" cy="307777"/>
+                    </a:xfrm>
+                    <a:prstGeom prst="rect">
+                      <a:avLst/>
+                    </a:prstGeom>
+                    <a:noFill/>
+                  </p:spPr>
+                  <p:txBody>
+                    <a:bodyPr wrap="none" lIns="0" tIns="0" rIns="0" bIns="0" rtlCol="0">
+                      <a:spAutoFit/>
+                    </a:bodyPr>
+                    <a:lstStyle/>
+                    <a:p>
+                      <a:pPr/>
+                      <a14:m>
+                        <m:oMathPara xmlns:m="http://schemas.openxmlformats.org/officeDocument/2006/math">
+                          <m:oMathParaPr>
+                            <m:jc m:val="centerGroup"/>
+                          </m:oMathParaPr>
+                          <m:oMath xmlns:m="http://schemas.openxmlformats.org/officeDocument/2006/math">
+                            <m:sSub>
+                              <m:sSubPr>
+                                <m:ctrlPr>
+                                  <a:rPr lang="en-US" sz="2000" b="0" i="1" smtClean="0">
+                                    <a:latin typeface="Cambria Math" panose="02040503050406030204" pitchFamily="18" charset="0"/>
+                                    <a:cs typeface="Arial" panose="020B0604020202020204" pitchFamily="34" charset="0"/>
+                                  </a:rPr>
+                                </m:ctrlPr>
+                              </m:sSubPr>
+                              <m:e>
+                                <m:r>
+                                  <a:rPr lang="en-US" sz="2000" b="0" i="1" smtClean="0">
+                                    <a:latin typeface="Cambria Math" panose="02040503050406030204" pitchFamily="18" charset="0"/>
+                                    <a:cs typeface="Arial" panose="020B0604020202020204" pitchFamily="34" charset="0"/>
+                                  </a:rPr>
+                                  <m:t>𝑟</m:t>
+                                </m:r>
+                              </m:e>
+                              <m:sub>
+                                <m:r>
+                                  <a:rPr lang="en-US" sz="2000" b="0" i="1" smtClean="0">
+                                    <a:latin typeface="Cambria Math" panose="02040503050406030204" pitchFamily="18" charset="0"/>
+                                    <a:cs typeface="Arial" panose="020B0604020202020204" pitchFamily="34" charset="0"/>
+                                  </a:rPr>
+                                  <m:t>𝐴</m:t>
+                                </m:r>
+                              </m:sub>
+                            </m:sSub>
+                          </m:oMath>
+                        </m:oMathPara>
+                      </a14:m>
+                      <a:endParaRPr lang="en-US" sz="2000" dirty="0" smtClean="0">
+                        <a:latin typeface="Arial" panose="020B0604020202020204" pitchFamily="34" charset="0"/>
+                        <a:cs typeface="Arial" panose="020B0604020202020204" pitchFamily="34" charset="0"/>
+                      </a:endParaRPr>
+                    </a:p>
+                  </p:txBody>
+                </p:sp>
+              </mc:Choice>
+              <mc:Fallback xmlns="">
+                <p:sp>
+                  <p:nvSpPr>
+                    <p:cNvPr id="92" name="TextBox 91"/>
+                    <p:cNvSpPr txBox="1">
+                      <a:spLocks noRot="1" noChangeAspect="1" noMove="1" noResize="1" noEditPoints="1" noAdjustHandles="1" noChangeArrowheads="1" noChangeShapeType="1" noTextEdit="1"/>
+                    </p:cNvSpPr>
+                    <p:nvPr/>
+                  </p:nvSpPr>
+                  <p:spPr>
+                    <a:xfrm>
+                      <a:off x="2000477" y="5391027"/>
+                      <a:ext cx="287322" cy="307777"/>
+                    </a:xfrm>
+                    <a:prstGeom prst="rect">
+                      <a:avLst/>
+                    </a:prstGeom>
+                    <a:blipFill>
+                      <a:blip r:embed="rId14"/>
+                      <a:stretch>
+                        <a:fillRect l="-8511" r="-8511" b="-19608"/>
+                      </a:stretch>
+                    </a:blipFill>
+                  </p:spPr>
+                  <p:txBody>
+                    <a:bodyPr/>
+                    <a:lstStyle/>
+                    <a:p>
+                      <a:r>
+                        <a:rPr lang="en-US">
+                          <a:noFill/>
+                        </a:rPr>
+                        <a:t> </a:t>
+                      </a:r>
+                    </a:p>
+                  </p:txBody>
+                </p:sp>
+              </mc:Fallback>
+            </mc:AlternateContent>
+            <mc:AlternateContent xmlns:mc="http://schemas.openxmlformats.org/markup-compatibility/2006" xmlns:a14="http://schemas.microsoft.com/office/drawing/2010/main">
+              <mc:Choice Requires="a14">
+                <p:sp>
+                  <p:nvSpPr>
+                    <p:cNvPr id="75" name="TextBox 74"/>
+                    <p:cNvSpPr txBox="1"/>
+                    <p:nvPr/>
+                  </p:nvSpPr>
+                  <p:spPr>
+                    <a:xfrm>
+                      <a:off x="3125832" y="5391026"/>
+                      <a:ext cx="306494" cy="307777"/>
+                    </a:xfrm>
+                    <a:prstGeom prst="rect">
+                      <a:avLst/>
+                    </a:prstGeom>
+                    <a:noFill/>
+                  </p:spPr>
+                  <p:txBody>
+                    <a:bodyPr wrap="none" lIns="0" tIns="0" rIns="0" bIns="0" rtlCol="0">
+                      <a:spAutoFit/>
+                    </a:bodyPr>
+                    <a:lstStyle/>
+                    <a:p>
+                      <a:pPr/>
+                      <a14:m>
+                        <m:oMathPara xmlns:m="http://schemas.openxmlformats.org/officeDocument/2006/math">
+                          <m:oMathParaPr>
+                            <m:jc m:val="centerGroup"/>
+                          </m:oMathParaPr>
+                          <m:oMath xmlns:m="http://schemas.openxmlformats.org/officeDocument/2006/math">
+                            <m:sSub>
+                              <m:sSubPr>
+                                <m:ctrlPr>
+                                  <a:rPr lang="en-US" sz="2000" b="0" i="1" smtClean="0">
+                                    <a:latin typeface="Cambria Math" panose="02040503050406030204" pitchFamily="18" charset="0"/>
+                                    <a:cs typeface="Arial" panose="020B0604020202020204" pitchFamily="34" charset="0"/>
+                                  </a:rPr>
+                                </m:ctrlPr>
+                              </m:sSubPr>
+                              <m:e>
+                                <m:r>
+                                  <a:rPr lang="en-US" sz="2000" b="0" i="1" smtClean="0">
+                                    <a:latin typeface="Cambria Math" panose="02040503050406030204" pitchFamily="18" charset="0"/>
+                                    <a:cs typeface="Arial" panose="020B0604020202020204" pitchFamily="34" charset="0"/>
+                                  </a:rPr>
+                                  <m:t>𝑟</m:t>
+                                </m:r>
+                              </m:e>
+                              <m:sub>
+                                <m:r>
+                                  <a:rPr lang="en-US" sz="2000" b="0" i="1" smtClean="0">
+                                    <a:latin typeface="Cambria Math" panose="02040503050406030204" pitchFamily="18" charset="0"/>
+                                    <a:cs typeface="Arial" panose="020B0604020202020204" pitchFamily="34" charset="0"/>
+                                  </a:rPr>
+                                  <m:t>𝐵</m:t>
+                                </m:r>
+                              </m:sub>
+                            </m:sSub>
+                          </m:oMath>
+                        </m:oMathPara>
+                      </a14:m>
+                      <a:endParaRPr lang="en-US" sz="2000" dirty="0" smtClean="0">
+                        <a:latin typeface="Arial" panose="020B0604020202020204" pitchFamily="34" charset="0"/>
+                        <a:cs typeface="Arial" panose="020B0604020202020204" pitchFamily="34" charset="0"/>
+                      </a:endParaRPr>
+                    </a:p>
+                  </p:txBody>
+                </p:sp>
+              </mc:Choice>
+              <mc:Fallback xmlns="">
+                <p:sp>
+                  <p:nvSpPr>
+                    <p:cNvPr id="93" name="TextBox 92"/>
+                    <p:cNvSpPr txBox="1">
+                      <a:spLocks noRot="1" noChangeAspect="1" noMove="1" noResize="1" noEditPoints="1" noAdjustHandles="1" noChangeArrowheads="1" noChangeShapeType="1" noTextEdit="1"/>
+                    </p:cNvSpPr>
+                    <p:nvPr/>
+                  </p:nvSpPr>
+                  <p:spPr>
+                    <a:xfrm>
+                      <a:off x="3125832" y="5391026"/>
+                      <a:ext cx="306494" cy="307777"/>
+                    </a:xfrm>
+                    <a:prstGeom prst="rect">
+                      <a:avLst/>
+                    </a:prstGeom>
+                    <a:blipFill>
+                      <a:blip r:embed="rId15"/>
+                      <a:stretch>
+                        <a:fillRect l="-10000" r="-4000" b="-19608"/>
+                      </a:stretch>
+                    </a:blipFill>
+                  </p:spPr>
+                  <p:txBody>
+                    <a:bodyPr/>
+                    <a:lstStyle/>
+                    <a:p>
+                      <a:r>
+                        <a:rPr lang="en-US">
+                          <a:noFill/>
+                        </a:rPr>
+                        <a:t> </a:t>
+                      </a:r>
+                    </a:p>
+                  </p:txBody>
+                </p:sp>
+              </mc:Fallback>
+            </mc:AlternateContent>
+            <p:cxnSp>
+              <p:nvCxnSpPr>
+                <p:cNvPr id="76" name="Straight Arrow Connector 75"/>
+                <p:cNvCxnSpPr/>
+                <p:nvPr/>
+              </p:nvCxnSpPr>
+              <p:spPr>
+                <a:xfrm>
+                  <a:off x="2108351" y="4841808"/>
+                  <a:ext cx="900056" cy="0"/>
+                </a:xfrm>
+                <a:prstGeom prst="straightConnector1">
+                  <a:avLst/>
+                </a:prstGeom>
+                <a:ln w="38100">
+                  <a:solidFill>
+                    <a:schemeClr val="tx1"/>
+                  </a:solidFill>
+                  <a:tailEnd type="triangle"/>
+                </a:ln>
+              </p:spPr>
+              <p:style>
+                <a:lnRef idx="1">
+                  <a:schemeClr val="accent1"/>
+                </a:lnRef>
+                <a:fillRef idx="0">
+                  <a:schemeClr val="accent1"/>
+                </a:fillRef>
+                <a:effectRef idx="0">
+                  <a:schemeClr val="accent1"/>
+                </a:effectRef>
+                <a:fontRef idx="minor">
+                  <a:schemeClr val="tx1"/>
+                </a:fontRef>
+              </p:style>
+            </p:cxnSp>
+            <mc:AlternateContent xmlns:mc="http://schemas.openxmlformats.org/markup-compatibility/2006">
+              <mc:Choice xmlns:a14="http://schemas.microsoft.com/office/drawing/2010/main" Requires="a14">
+                <p:sp>
+                  <p:nvSpPr>
+                    <p:cNvPr id="77" name="TextBox 76"/>
+                    <p:cNvSpPr txBox="1"/>
+                    <p:nvPr/>
+                  </p:nvSpPr>
+                  <p:spPr>
+                    <a:xfrm>
+                      <a:off x="2073422" y="4349224"/>
+                      <a:ext cx="714875" cy="345159"/>
+                    </a:xfrm>
+                    <a:prstGeom prst="rect">
+                      <a:avLst/>
+                    </a:prstGeom>
+                    <a:noFill/>
+                  </p:spPr>
+                  <p:txBody>
+                    <a:bodyPr wrap="none" lIns="0" tIns="0" rIns="0" bIns="0" rtlCol="0">
+                      <a:spAutoFit/>
+                    </a:bodyPr>
+                    <a:lstStyle/>
+                    <a:p>
+                      <a:pPr/>
+                      <a14:m>
+                        <m:oMathPara xmlns:m="http://schemas.openxmlformats.org/officeDocument/2006/math">
+                          <m:oMathParaPr>
+                            <m:jc m:val="centerGroup"/>
+                          </m:oMathParaPr>
+                          <m:oMath xmlns:m="http://schemas.openxmlformats.org/officeDocument/2006/math">
+                            <m:sSup>
+                              <m:sSupPr>
+                                <m:ctrlPr>
+                                  <a:rPr lang="en-US" sz="2000" b="0" i="1" smtClean="0">
+                                    <a:latin typeface="Cambria Math" panose="02040503050406030204" pitchFamily="18" charset="0"/>
+                                    <a:cs typeface="Arial" panose="020B0604020202020204" pitchFamily="34" charset="0"/>
+                                  </a:rPr>
+                                </m:ctrlPr>
+                              </m:sSupPr>
+                              <m:e>
+                                <m:acc>
+                                  <m:accPr>
+                                    <m:chr m:val="⃗"/>
+                                    <m:ctrlPr>
+                                      <a:rPr lang="en-US" sz="2000" b="0" i="1" smtClean="0">
+                                        <a:latin typeface="Cambria Math" panose="02040503050406030204" pitchFamily="18" charset="0"/>
+                                        <a:cs typeface="Arial" panose="020B0604020202020204" pitchFamily="34" charset="0"/>
+                                      </a:rPr>
+                                    </m:ctrlPr>
+                                  </m:accPr>
+                                  <m:e>
+                                    <m:r>
+                                      <a:rPr lang="en-US" sz="2000" b="0" i="1" smtClean="0">
+                                        <a:latin typeface="Cambria Math" panose="02040503050406030204" pitchFamily="18" charset="0"/>
+                                        <a:cs typeface="Arial" panose="020B0604020202020204" pitchFamily="34" charset="0"/>
+                                      </a:rPr>
+                                      <m:t>𝐹</m:t>
+                                    </m:r>
+                                  </m:e>
+                                </m:acc>
+                              </m:e>
+                              <m:sup>
+                                <m:r>
+                                  <a:rPr lang="en-US" sz="2000" b="0" i="1" smtClean="0">
+                                    <a:latin typeface="Cambria Math" panose="02040503050406030204" pitchFamily="18" charset="0"/>
+                                    <a:cs typeface="Arial" panose="020B0604020202020204" pitchFamily="34" charset="0"/>
+                                  </a:rPr>
+                                  <m:t>𝐸</m:t>
+                                </m:r>
+                              </m:sup>
+                            </m:sSup>
+                            <m:r>
+                              <a:rPr lang="en-US" sz="2000" b="0" i="1" smtClean="0">
+                                <a:latin typeface="Cambria Math" panose="02040503050406030204" pitchFamily="18" charset="0"/>
+                                <a:cs typeface="Arial" panose="020B0604020202020204" pitchFamily="34" charset="0"/>
+                              </a:rPr>
+                              <m:t>(</m:t>
+                            </m:r>
+                            <m:r>
+                              <a:rPr lang="en-US" sz="2000" b="0" i="1" smtClean="0">
+                                <a:latin typeface="Cambria Math" panose="02040503050406030204" pitchFamily="18" charset="0"/>
+                                <a:cs typeface="Arial" panose="020B0604020202020204" pitchFamily="34" charset="0"/>
+                              </a:rPr>
+                              <m:t>𝑟</m:t>
+                            </m:r>
+                            <m:r>
+                              <a:rPr lang="en-US" sz="2000" b="0" i="1" smtClean="0">
+                                <a:latin typeface="Cambria Math" panose="02040503050406030204" pitchFamily="18" charset="0"/>
+                                <a:cs typeface="Arial" panose="020B0604020202020204" pitchFamily="34" charset="0"/>
+                              </a:rPr>
+                              <m:t>)</m:t>
+                            </m:r>
+                          </m:oMath>
+                        </m:oMathPara>
+                      </a14:m>
+                      <a:endParaRPr lang="en-US" sz="2000" dirty="0" smtClean="0">
+                        <a:latin typeface="Arial" panose="020B0604020202020204" pitchFamily="34" charset="0"/>
+                        <a:cs typeface="Arial" panose="020B0604020202020204" pitchFamily="34" charset="0"/>
+                      </a:endParaRPr>
+                    </a:p>
+                  </p:txBody>
+                </p:sp>
+              </mc:Choice>
+              <mc:Fallback>
+                <p:sp>
+                  <p:nvSpPr>
+                    <p:cNvPr id="77" name="TextBox 76"/>
+                    <p:cNvSpPr txBox="1">
+                      <a:spLocks noRot="1" noChangeAspect="1" noMove="1" noResize="1" noEditPoints="1" noAdjustHandles="1" noChangeArrowheads="1" noChangeShapeType="1" noTextEdit="1"/>
+                    </p:cNvSpPr>
+                    <p:nvPr/>
+                  </p:nvSpPr>
+                  <p:spPr>
+                    <a:xfrm>
+                      <a:off x="2073422" y="4349224"/>
+                      <a:ext cx="714875" cy="345159"/>
+                    </a:xfrm>
+                    <a:prstGeom prst="rect">
+                      <a:avLst/>
+                    </a:prstGeom>
+                    <a:blipFill>
+                      <a:blip r:embed="rId16"/>
+                      <a:stretch>
+                        <a:fillRect l="-7692" t="-35714" r="-11966" b="-35714"/>
+                      </a:stretch>
+                    </a:blipFill>
+                  </p:spPr>
+                  <p:txBody>
+                    <a:bodyPr/>
+                    <a:lstStyle/>
+                    <a:p>
+                      <a:r>
+                        <a:rPr lang="en-US">
+                          <a:noFill/>
+                        </a:rPr>
+                        <a:t> </a:t>
+                      </a:r>
+                    </a:p>
+                  </p:txBody>
+                </p:sp>
+              </mc:Fallback>
+            </mc:AlternateContent>
+          </p:grpSp>
           <p:sp>
             <p:nvSpPr>
-              <p:cNvPr id="67" name="Oval 66"/>
+              <p:cNvPr id="64" name="Oval 63"/>
               <p:cNvSpPr/>
               <p:nvPr/>
             </p:nvSpPr>
             <p:spPr>
               <a:xfrm>
-                <a:off x="1368037" y="5116975"/>
-                <a:ext cx="342900" cy="342900"/>
+                <a:off x="2002647" y="5218268"/>
+                <a:ext cx="120943" cy="119766"/>
               </a:xfrm>
               <a:prstGeom prst="ellipse">
                 <a:avLst/>
@@ -7215,16 +7992,1458 @@
               </a:p>
             </p:txBody>
           </p:sp>
+          <mc:AlternateContent xmlns:mc="http://schemas.openxmlformats.org/markup-compatibility/2006" xmlns:a14="http://schemas.microsoft.com/office/drawing/2010/main">
+            <mc:Choice Requires="a14">
+              <p:sp>
+                <p:nvSpPr>
+                  <p:cNvPr id="65" name="TextBox 64"/>
+                  <p:cNvSpPr txBox="1"/>
+                  <p:nvPr/>
+                </p:nvSpPr>
+                <p:spPr>
+                  <a:xfrm>
+                    <a:off x="880640" y="5305986"/>
+                    <a:ext cx="443519" cy="307777"/>
+                  </a:xfrm>
+                  <a:prstGeom prst="rect">
+                    <a:avLst/>
+                  </a:prstGeom>
+                  <a:noFill/>
+                </p:spPr>
+                <p:txBody>
+                  <a:bodyPr wrap="none" lIns="0" tIns="0" rIns="0" bIns="0" rtlCol="0">
+                    <a:spAutoFit/>
+                  </a:bodyPr>
+                  <a:lstStyle/>
+                  <a:p>
+                    <a:pPr/>
+                    <a14:m>
+                      <m:oMathPara xmlns:m="http://schemas.openxmlformats.org/officeDocument/2006/math">
+                        <m:oMathParaPr>
+                          <m:jc m:val="centerGroup"/>
+                        </m:oMathParaPr>
+                        <m:oMath xmlns:m="http://schemas.openxmlformats.org/officeDocument/2006/math">
+                          <m:r>
+                            <a:rPr lang="en-US" sz="2000" b="0" i="1" smtClean="0">
+                              <a:latin typeface="Cambria Math" panose="02040503050406030204" pitchFamily="18" charset="0"/>
+                              <a:cs typeface="Arial" panose="020B0604020202020204" pitchFamily="34" charset="0"/>
+                            </a:rPr>
+                            <m:t>+</m:t>
+                          </m:r>
+                          <m:r>
+                            <a:rPr lang="en-US" sz="2000" b="0" i="1" smtClean="0">
+                              <a:latin typeface="Cambria Math" panose="02040503050406030204" pitchFamily="18" charset="0"/>
+                              <a:cs typeface="Arial" panose="020B0604020202020204" pitchFamily="34" charset="0"/>
+                            </a:rPr>
+                            <m:t>𝑄</m:t>
+                          </m:r>
+                        </m:oMath>
+                      </m:oMathPara>
+                    </a14:m>
+                    <a:endParaRPr lang="en-US" sz="2000" dirty="0" smtClean="0">
+                      <a:latin typeface="Arial" panose="020B0604020202020204" pitchFamily="34" charset="0"/>
+                      <a:cs typeface="Arial" panose="020B0604020202020204" pitchFamily="34" charset="0"/>
+                    </a:endParaRPr>
+                  </a:p>
+                </p:txBody>
+              </p:sp>
+            </mc:Choice>
+            <mc:Fallback xmlns="">
+              <p:sp>
+                <p:nvSpPr>
+                  <p:cNvPr id="65" name="TextBox 64"/>
+                  <p:cNvSpPr txBox="1">
+                    <a:spLocks noRot="1" noChangeAspect="1" noMove="1" noResize="1" noEditPoints="1" noAdjustHandles="1" noChangeArrowheads="1" noChangeShapeType="1" noTextEdit="1"/>
+                  </p:cNvSpPr>
+                  <p:nvPr/>
+                </p:nvSpPr>
+                <p:spPr>
+                  <a:xfrm>
+                    <a:off x="880640" y="5305986"/>
+                    <a:ext cx="443519" cy="307777"/>
+                  </a:xfrm>
+                  <a:prstGeom prst="rect">
+                    <a:avLst/>
+                  </a:prstGeom>
+                  <a:blipFill>
+                    <a:blip r:embed="rId17"/>
+                    <a:stretch>
+                      <a:fillRect l="-10959" r="-13699" b="-29412"/>
+                    </a:stretch>
+                  </a:blipFill>
+                </p:spPr>
+                <p:txBody>
+                  <a:bodyPr/>
+                  <a:lstStyle/>
+                  <a:p>
+                    <a:r>
+                      <a:rPr lang="en-US">
+                        <a:noFill/>
+                      </a:rPr>
+                      <a:t> </a:t>
+                    </a:r>
+                  </a:p>
+                </p:txBody>
+              </p:sp>
+            </mc:Fallback>
+          </mc:AlternateContent>
+          <mc:AlternateContent xmlns:mc="http://schemas.openxmlformats.org/markup-compatibility/2006" xmlns:a14="http://schemas.microsoft.com/office/drawing/2010/main">
+            <mc:Choice Requires="a14">
+              <p:sp>
+                <p:nvSpPr>
+                  <p:cNvPr id="66" name="TextBox 65"/>
+                  <p:cNvSpPr txBox="1"/>
+                  <p:nvPr/>
+                </p:nvSpPr>
+                <p:spPr>
+                  <a:xfrm>
+                    <a:off x="1846970" y="4841808"/>
+                    <a:ext cx="408510" cy="307777"/>
+                  </a:xfrm>
+                  <a:prstGeom prst="rect">
+                    <a:avLst/>
+                  </a:prstGeom>
+                  <a:noFill/>
+                </p:spPr>
+                <p:txBody>
+                  <a:bodyPr wrap="none" lIns="0" tIns="0" rIns="0" bIns="0" rtlCol="0">
+                    <a:spAutoFit/>
+                  </a:bodyPr>
+                  <a:lstStyle/>
+                  <a:p>
+                    <a:pPr/>
+                    <a14:m>
+                      <m:oMathPara xmlns:m="http://schemas.openxmlformats.org/officeDocument/2006/math">
+                        <m:oMathParaPr>
+                          <m:jc m:val="centerGroup"/>
+                        </m:oMathParaPr>
+                        <m:oMath xmlns:m="http://schemas.openxmlformats.org/officeDocument/2006/math">
+                          <m:r>
+                            <a:rPr lang="en-US" sz="2000" b="0" i="1" smtClean="0">
+                              <a:latin typeface="Cambria Math" panose="02040503050406030204" pitchFamily="18" charset="0"/>
+                              <a:cs typeface="Arial" panose="020B0604020202020204" pitchFamily="34" charset="0"/>
+                            </a:rPr>
+                            <m:t>+</m:t>
+                          </m:r>
+                          <m:r>
+                            <a:rPr lang="en-US" sz="2000" b="0" i="1" smtClean="0">
+                              <a:latin typeface="Cambria Math" panose="02040503050406030204" pitchFamily="18" charset="0"/>
+                              <a:cs typeface="Arial" panose="020B0604020202020204" pitchFamily="34" charset="0"/>
+                            </a:rPr>
+                            <m:t>𝑞</m:t>
+                          </m:r>
+                        </m:oMath>
+                      </m:oMathPara>
+                    </a14:m>
+                    <a:endParaRPr lang="en-US" sz="2000" dirty="0" smtClean="0">
+                      <a:latin typeface="Arial" panose="020B0604020202020204" pitchFamily="34" charset="0"/>
+                      <a:cs typeface="Arial" panose="020B0604020202020204" pitchFamily="34" charset="0"/>
+                    </a:endParaRPr>
+                  </a:p>
+                </p:txBody>
+              </p:sp>
+            </mc:Choice>
+            <mc:Fallback xmlns="">
+              <p:sp>
+                <p:nvSpPr>
+                  <p:cNvPr id="66" name="TextBox 65"/>
+                  <p:cNvSpPr txBox="1">
+                    <a:spLocks noRot="1" noChangeAspect="1" noMove="1" noResize="1" noEditPoints="1" noAdjustHandles="1" noChangeArrowheads="1" noChangeShapeType="1" noTextEdit="1"/>
+                  </p:cNvSpPr>
+                  <p:nvPr/>
+                </p:nvSpPr>
+                <p:spPr>
+                  <a:xfrm>
+                    <a:off x="1846970" y="4841808"/>
+                    <a:ext cx="408510" cy="307777"/>
+                  </a:xfrm>
+                  <a:prstGeom prst="rect">
+                    <a:avLst/>
+                  </a:prstGeom>
+                  <a:blipFill>
+                    <a:blip r:embed="rId18"/>
+                    <a:stretch>
+                      <a:fillRect l="-11940" r="-11940" b="-27451"/>
+                    </a:stretch>
+                  </a:blipFill>
+                </p:spPr>
+                <p:txBody>
+                  <a:bodyPr/>
+                  <a:lstStyle/>
+                  <a:p>
+                    <a:r>
+                      <a:rPr lang="en-US">
+                        <a:noFill/>
+                      </a:rPr>
+                      <a:t> </a:t>
+                    </a:r>
+                  </a:p>
+                </p:txBody>
+              </p:sp>
+            </mc:Fallback>
+          </mc:AlternateContent>
+        </p:grpSp>
+        <p:cxnSp>
+          <p:nvCxnSpPr>
+            <p:cNvPr id="18" name="Straight Arrow Connector 17"/>
+            <p:cNvCxnSpPr/>
+            <p:nvPr/>
+          </p:nvCxnSpPr>
+          <p:spPr>
+            <a:xfrm>
+              <a:off x="2296427" y="1720363"/>
+              <a:ext cx="372394" cy="3022"/>
+            </a:xfrm>
+            <a:prstGeom prst="straightConnector1">
+              <a:avLst/>
+            </a:prstGeom>
+            <a:ln w="38100">
+              <a:solidFill>
+                <a:schemeClr val="tx1"/>
+              </a:solidFill>
+              <a:tailEnd type="triangle"/>
+            </a:ln>
+          </p:spPr>
+          <p:style>
+            <a:lnRef idx="1">
+              <a:schemeClr val="accent1"/>
+            </a:lnRef>
+            <a:fillRef idx="0">
+              <a:schemeClr val="accent1"/>
+            </a:fillRef>
+            <a:effectRef idx="0">
+              <a:schemeClr val="accent1"/>
+            </a:effectRef>
+            <a:fontRef idx="minor">
+              <a:schemeClr val="tx1"/>
+            </a:fontRef>
+          </p:style>
+        </p:cxnSp>
+        <mc:AlternateContent xmlns:mc="http://schemas.openxmlformats.org/markup-compatibility/2006">
+          <mc:Choice xmlns:a14="http://schemas.microsoft.com/office/drawing/2010/main" Requires="a14">
+            <p:sp>
+              <p:nvSpPr>
+                <p:cNvPr id="20" name="TextBox 19"/>
+                <p:cNvSpPr txBox="1"/>
+                <p:nvPr/>
+              </p:nvSpPr>
+              <p:spPr>
+                <a:xfrm>
+                  <a:off x="2686451" y="1656427"/>
+                  <a:ext cx="355225" cy="307777"/>
+                </a:xfrm>
+                <a:prstGeom prst="rect">
+                  <a:avLst/>
+                </a:prstGeom>
+                <a:noFill/>
+              </p:spPr>
+              <p:txBody>
+                <a:bodyPr wrap="none" lIns="0" tIns="0" rIns="0" bIns="0" rtlCol="0">
+                  <a:spAutoFit/>
+                </a:bodyPr>
+                <a:lstStyle/>
+                <a:p>
+                  <a:pPr/>
+                  <a14:m>
+                    <m:oMathPara xmlns:m="http://schemas.openxmlformats.org/officeDocument/2006/math">
+                      <m:oMathParaPr>
+                        <m:jc m:val="centerGroup"/>
+                      </m:oMathParaPr>
+                      <m:oMath xmlns:m="http://schemas.openxmlformats.org/officeDocument/2006/math">
+                        <m:r>
+                          <a:rPr lang="en-US" sz="2000" b="0" i="1" smtClean="0">
+                            <a:latin typeface="Cambria Math" panose="02040503050406030204" pitchFamily="18" charset="0"/>
+                            <a:cs typeface="Arial" panose="020B0604020202020204" pitchFamily="34" charset="0"/>
+                          </a:rPr>
+                          <m:t>𝑑</m:t>
+                        </m:r>
+                        <m:acc>
+                          <m:accPr>
+                            <m:chr m:val="⃗"/>
+                            <m:ctrlPr>
+                              <a:rPr lang="en-US" sz="2000" b="0" i="1" smtClean="0">
+                                <a:latin typeface="Cambria Math" panose="02040503050406030204" pitchFamily="18" charset="0"/>
+                                <a:cs typeface="Arial" panose="020B0604020202020204" pitchFamily="34" charset="0"/>
+                              </a:rPr>
+                            </m:ctrlPr>
+                          </m:accPr>
+                          <m:e>
+                            <m:r>
+                              <a:rPr lang="en-US" sz="2000" b="0" i="1" smtClean="0">
+                                <a:latin typeface="Cambria Math" panose="02040503050406030204" pitchFamily="18" charset="0"/>
+                                <a:cs typeface="Arial" panose="020B0604020202020204" pitchFamily="34" charset="0"/>
+                              </a:rPr>
+                              <m:t>𝑟</m:t>
+                            </m:r>
+                          </m:e>
+                        </m:acc>
+                      </m:oMath>
+                    </m:oMathPara>
+                  </a14:m>
+                  <a:endParaRPr lang="en-US" sz="2000" dirty="0" smtClean="0">
+                    <a:latin typeface="Arial" panose="020B0604020202020204" pitchFamily="34" charset="0"/>
+                    <a:cs typeface="Arial" panose="020B0604020202020204" pitchFamily="34" charset="0"/>
+                  </a:endParaRPr>
+                </a:p>
+              </p:txBody>
+            </p:sp>
+          </mc:Choice>
+          <mc:Fallback>
+            <p:sp>
+              <p:nvSpPr>
+                <p:cNvPr id="20" name="TextBox 19"/>
+                <p:cNvSpPr txBox="1">
+                  <a:spLocks noRot="1" noChangeAspect="1" noMove="1" noResize="1" noEditPoints="1" noAdjustHandles="1" noChangeArrowheads="1" noChangeShapeType="1" noTextEdit="1"/>
+                </p:cNvSpPr>
+                <p:nvPr/>
+              </p:nvSpPr>
+              <p:spPr>
+                <a:xfrm>
+                  <a:off x="2686451" y="1656427"/>
+                  <a:ext cx="355225" cy="307777"/>
+                </a:xfrm>
+                <a:prstGeom prst="rect">
+                  <a:avLst/>
+                </a:prstGeom>
+                <a:blipFill>
+                  <a:blip r:embed="rId19"/>
+                  <a:stretch>
+                    <a:fillRect l="-15517" t="-36000" r="-96552" b="-12000"/>
+                  </a:stretch>
+                </a:blipFill>
+              </p:spPr>
+              <p:txBody>
+                <a:bodyPr/>
+                <a:lstStyle/>
+                <a:p>
+                  <a:r>
+                    <a:rPr lang="en-US">
+                      <a:noFill/>
+                    </a:rPr>
+                    <a:t> </a:t>
+                  </a:r>
+                </a:p>
+              </p:txBody>
+            </p:sp>
+          </mc:Fallback>
+        </mc:AlternateContent>
+      </p:grpSp>
+      <p:grpSp>
+        <p:nvGrpSpPr>
+          <p:cNvPr id="16" name="Group 15"/>
+          <p:cNvGrpSpPr/>
+          <p:nvPr/>
+        </p:nvGrpSpPr>
+        <p:grpSpPr>
+          <a:xfrm>
+            <a:off x="5908004" y="441046"/>
+            <a:ext cx="4031829" cy="3825134"/>
+            <a:chOff x="6031847" y="1236415"/>
+            <a:chExt cx="4031829" cy="3825134"/>
+          </a:xfrm>
+        </p:grpSpPr>
+        <p:grpSp>
+          <p:nvGrpSpPr>
+            <p:cNvPr id="15" name="Group 14"/>
+            <p:cNvGrpSpPr/>
+            <p:nvPr/>
+          </p:nvGrpSpPr>
+          <p:grpSpPr>
+            <a:xfrm>
+              <a:off x="6071266" y="1236415"/>
+              <a:ext cx="2847336" cy="3368968"/>
+              <a:chOff x="6071266" y="1236415"/>
+              <a:chExt cx="2847336" cy="3368968"/>
+            </a:xfrm>
+          </p:grpSpPr>
+          <p:sp>
+            <p:nvSpPr>
+              <p:cNvPr id="4" name="Rectangle 3"/>
+              <p:cNvSpPr/>
+              <p:nvPr/>
+            </p:nvSpPr>
+            <p:spPr>
+              <a:xfrm>
+                <a:off x="6127539" y="1656427"/>
+                <a:ext cx="145670" cy="2692289"/>
+              </a:xfrm>
+              <a:prstGeom prst="rect">
+                <a:avLst/>
+              </a:prstGeom>
+              <a:noFill/>
+              <a:ln w="38100">
+                <a:solidFill>
+                  <a:schemeClr val="tx1"/>
+                </a:solidFill>
+              </a:ln>
+            </p:spPr>
+            <p:style>
+              <a:lnRef idx="2">
+                <a:schemeClr val="accent1">
+                  <a:shade val="50000"/>
+                </a:schemeClr>
+              </a:lnRef>
+              <a:fillRef idx="1">
+                <a:schemeClr val="accent1"/>
+              </a:fillRef>
+              <a:effectRef idx="0">
+                <a:schemeClr val="accent1"/>
+              </a:effectRef>
+              <a:fontRef idx="minor">
+                <a:schemeClr val="lt1"/>
+              </a:fontRef>
+            </p:style>
+            <p:txBody>
+              <a:bodyPr rtlCol="0" anchor="ctr"/>
+              <a:lstStyle/>
+              <a:p>
+                <a:pPr algn="ctr"/>
+                <a:endParaRPr lang="en-US"/>
+              </a:p>
+            </p:txBody>
+          </p:sp>
+          <p:sp>
+            <p:nvSpPr>
+              <p:cNvPr id="23" name="Rectangle 22"/>
+              <p:cNvSpPr/>
+              <p:nvPr/>
+            </p:nvSpPr>
+            <p:spPr>
+              <a:xfrm>
+                <a:off x="8705950" y="1656427"/>
+                <a:ext cx="145670" cy="2692289"/>
+              </a:xfrm>
+              <a:prstGeom prst="rect">
+                <a:avLst/>
+              </a:prstGeom>
+              <a:noFill/>
+              <a:ln w="38100">
+                <a:solidFill>
+                  <a:schemeClr val="tx1"/>
+                </a:solidFill>
+              </a:ln>
+            </p:spPr>
+            <p:style>
+              <a:lnRef idx="2">
+                <a:schemeClr val="accent1">
+                  <a:shade val="50000"/>
+                </a:schemeClr>
+              </a:lnRef>
+              <a:fillRef idx="1">
+                <a:schemeClr val="accent1"/>
+              </a:fillRef>
+              <a:effectRef idx="0">
+                <a:schemeClr val="accent1"/>
+              </a:effectRef>
+              <a:fontRef idx="minor">
+                <a:schemeClr val="lt1"/>
+              </a:fontRef>
+            </p:style>
+            <p:txBody>
+              <a:bodyPr rtlCol="0" anchor="ctr"/>
+              <a:lstStyle/>
+              <a:p>
+                <a:pPr algn="ctr"/>
+                <a:endParaRPr lang="en-US"/>
+              </a:p>
+            </p:txBody>
+          </p:sp>
           <p:cxnSp>
             <p:nvCxnSpPr>
-              <p:cNvPr id="68" name="Straight Arrow Connector 67"/>
+              <p:cNvPr id="6" name="Straight Arrow Connector 5"/>
               <p:cNvCxnSpPr/>
               <p:nvPr/>
             </p:nvCxnSpPr>
             <p:spPr>
               <a:xfrm>
-                <a:off x="1541124" y="5280917"/>
-                <a:ext cx="3226085" cy="0"/>
+                <a:off x="6305108" y="1567053"/>
+                <a:ext cx="2305150" cy="0"/>
+              </a:xfrm>
+              <a:prstGeom prst="straightConnector1">
+                <a:avLst/>
+              </a:prstGeom>
+              <a:ln w="38100">
+                <a:solidFill>
+                  <a:schemeClr val="tx1"/>
+                </a:solidFill>
+                <a:headEnd type="triangle"/>
+                <a:tailEnd type="triangle"/>
+              </a:ln>
+            </p:spPr>
+            <p:style>
+              <a:lnRef idx="1">
+                <a:schemeClr val="accent1"/>
+              </a:lnRef>
+              <a:fillRef idx="0">
+                <a:schemeClr val="accent1"/>
+              </a:fillRef>
+              <a:effectRef idx="0">
+                <a:schemeClr val="accent1"/>
+              </a:effectRef>
+              <a:fontRef idx="minor">
+                <a:schemeClr val="tx1"/>
+              </a:fontRef>
+            </p:style>
+          </p:cxnSp>
+          <mc:AlternateContent xmlns:mc="http://schemas.openxmlformats.org/markup-compatibility/2006">
+            <mc:Choice xmlns:a14="http://schemas.microsoft.com/office/drawing/2010/main" Requires="a14">
+              <p:sp>
+                <p:nvSpPr>
+                  <p:cNvPr id="7" name="TextBox 6"/>
+                  <p:cNvSpPr txBox="1"/>
+                  <p:nvPr/>
+                </p:nvSpPr>
+                <p:spPr>
+                  <a:xfrm>
+                    <a:off x="7351660" y="1236415"/>
+                    <a:ext cx="212045" cy="307777"/>
+                  </a:xfrm>
+                  <a:prstGeom prst="rect">
+                    <a:avLst/>
+                  </a:prstGeom>
+                  <a:noFill/>
+                </p:spPr>
+                <p:txBody>
+                  <a:bodyPr wrap="none" lIns="0" tIns="0" rIns="0" bIns="0" rtlCol="0">
+                    <a:spAutoFit/>
+                  </a:bodyPr>
+                  <a:lstStyle/>
+                  <a:p>
+                    <a14:m>
+                      <m:oMathPara xmlns:m="http://schemas.openxmlformats.org/officeDocument/2006/math">
+                        <m:oMathParaPr>
+                          <m:jc m:val="centerGroup"/>
+                        </m:oMathParaPr>
+                        <m:oMath xmlns:m="http://schemas.openxmlformats.org/officeDocument/2006/math">
+                          <m:r>
+                            <a:rPr lang="en-US" sz="2000" b="0" i="1" smtClean="0">
+                              <a:latin typeface="Cambria Math" panose="02040503050406030204" pitchFamily="18" charset="0"/>
+                              <a:cs typeface="Arial" panose="020B0604020202020204" pitchFamily="34" charset="0"/>
+                            </a:rPr>
+                            <m:t>𝐿</m:t>
+                          </m:r>
+                        </m:oMath>
+                      </m:oMathPara>
+                    </a14:m>
+                    <a:endParaRPr lang="en-US" sz="2000" dirty="0" smtClean="0">
+                      <a:latin typeface="Arial" panose="020B0604020202020204" pitchFamily="34" charset="0"/>
+                      <a:cs typeface="Arial" panose="020B0604020202020204" pitchFamily="34" charset="0"/>
+                    </a:endParaRPr>
+                  </a:p>
+                </p:txBody>
+              </p:sp>
+            </mc:Choice>
+            <mc:Fallback>
+              <p:sp>
+                <p:nvSpPr>
+                  <p:cNvPr id="7" name="TextBox 6"/>
+                  <p:cNvSpPr txBox="1">
+                    <a:spLocks noRot="1" noChangeAspect="1" noMove="1" noResize="1" noEditPoints="1" noAdjustHandles="1" noChangeArrowheads="1" noChangeShapeType="1" noTextEdit="1"/>
+                  </p:cNvSpPr>
+                  <p:nvPr/>
+                </p:nvSpPr>
+                <p:spPr>
+                  <a:xfrm>
+                    <a:off x="7351660" y="1236415"/>
+                    <a:ext cx="212045" cy="307777"/>
+                  </a:xfrm>
+                  <a:prstGeom prst="rect">
+                    <a:avLst/>
+                  </a:prstGeom>
+                  <a:blipFill>
+                    <a:blip r:embed="rId20"/>
+                    <a:stretch>
+                      <a:fillRect l="-26471" r="-23529" b="-9804"/>
+                    </a:stretch>
+                  </a:blipFill>
+                </p:spPr>
+                <p:txBody>
+                  <a:bodyPr/>
+                  <a:lstStyle/>
+                  <a:p>
+                    <a:r>
+                      <a:rPr lang="en-US">
+                        <a:noFill/>
+                      </a:rPr>
+                      <a:t> </a:t>
+                    </a:r>
+                  </a:p>
+                </p:txBody>
+              </p:sp>
+            </mc:Fallback>
+          </mc:AlternateContent>
+          <p:sp>
+            <p:nvSpPr>
+              <p:cNvPr id="8" name="TextBox 7"/>
+              <p:cNvSpPr txBox="1"/>
+              <p:nvPr/>
+            </p:nvSpPr>
+            <p:spPr>
+              <a:xfrm>
+                <a:off x="8610258" y="1701599"/>
+                <a:ext cx="308344" cy="2554545"/>
+              </a:xfrm>
+              <a:prstGeom prst="rect">
+                <a:avLst/>
+              </a:prstGeom>
+              <a:noFill/>
+            </p:spPr>
+            <p:txBody>
+              <a:bodyPr wrap="square" rtlCol="0">
+                <a:spAutoFit/>
+              </a:bodyPr>
+              <a:lstStyle/>
+              <a:p>
+                <a:r>
+                  <a:rPr lang="en-US" sz="2000" dirty="0" smtClean="0">
+                    <a:latin typeface="Arial" panose="020B0604020202020204" pitchFamily="34" charset="0"/>
+                    <a:cs typeface="Arial" panose="020B0604020202020204" pitchFamily="34" charset="0"/>
+                  </a:rPr>
+                  <a:t>+</a:t>
+                </a:r>
+              </a:p>
+              <a:p>
+                <a:r>
+                  <a:rPr lang="en-US" sz="2000" dirty="0" smtClean="0">
+                    <a:latin typeface="Arial" panose="020B0604020202020204" pitchFamily="34" charset="0"/>
+                    <a:cs typeface="Arial" panose="020B0604020202020204" pitchFamily="34" charset="0"/>
+                  </a:rPr>
+                  <a:t>+</a:t>
+                </a:r>
+              </a:p>
+              <a:p>
+                <a:r>
+                  <a:rPr lang="en-US" sz="2000" dirty="0" smtClean="0">
+                    <a:latin typeface="Arial" panose="020B0604020202020204" pitchFamily="34" charset="0"/>
+                    <a:cs typeface="Arial" panose="020B0604020202020204" pitchFamily="34" charset="0"/>
+                  </a:rPr>
+                  <a:t>+</a:t>
+                </a:r>
+              </a:p>
+              <a:p>
+                <a:r>
+                  <a:rPr lang="en-US" sz="2000" dirty="0" smtClean="0">
+                    <a:latin typeface="Arial" panose="020B0604020202020204" pitchFamily="34" charset="0"/>
+                    <a:cs typeface="Arial" panose="020B0604020202020204" pitchFamily="34" charset="0"/>
+                  </a:rPr>
+                  <a:t>+</a:t>
+                </a:r>
+              </a:p>
+              <a:p>
+                <a:r>
+                  <a:rPr lang="en-US" sz="2000" dirty="0" smtClean="0">
+                    <a:latin typeface="Arial" panose="020B0604020202020204" pitchFamily="34" charset="0"/>
+                    <a:cs typeface="Arial" panose="020B0604020202020204" pitchFamily="34" charset="0"/>
+                  </a:rPr>
+                  <a:t>+</a:t>
+                </a:r>
+              </a:p>
+              <a:p>
+                <a:r>
+                  <a:rPr lang="en-US" sz="2000" dirty="0" smtClean="0">
+                    <a:latin typeface="Arial" panose="020B0604020202020204" pitchFamily="34" charset="0"/>
+                    <a:cs typeface="Arial" panose="020B0604020202020204" pitchFamily="34" charset="0"/>
+                  </a:rPr>
+                  <a:t>+</a:t>
+                </a:r>
+              </a:p>
+              <a:p>
+                <a:r>
+                  <a:rPr lang="en-US" sz="2000" dirty="0" smtClean="0">
+                    <a:latin typeface="Arial" panose="020B0604020202020204" pitchFamily="34" charset="0"/>
+                    <a:cs typeface="Arial" panose="020B0604020202020204" pitchFamily="34" charset="0"/>
+                  </a:rPr>
+                  <a:t>+</a:t>
+                </a:r>
+              </a:p>
+              <a:p>
+                <a:r>
+                  <a:rPr lang="en-US" sz="2000" dirty="0">
+                    <a:latin typeface="Arial" panose="020B0604020202020204" pitchFamily="34" charset="0"/>
+                    <a:cs typeface="Arial" panose="020B0604020202020204" pitchFamily="34" charset="0"/>
+                  </a:rPr>
+                  <a:t>+</a:t>
+                </a:r>
+                <a:endParaRPr lang="en-US" sz="2000" dirty="0" smtClean="0">
+                  <a:latin typeface="Arial" panose="020B0604020202020204" pitchFamily="34" charset="0"/>
+                  <a:cs typeface="Arial" panose="020B0604020202020204" pitchFamily="34" charset="0"/>
+                </a:endParaRPr>
+              </a:p>
+            </p:txBody>
+          </p:sp>
+          <p:sp>
+            <p:nvSpPr>
+              <p:cNvPr id="28" name="TextBox 27"/>
+              <p:cNvSpPr txBox="1"/>
+              <p:nvPr/>
+            </p:nvSpPr>
+            <p:spPr>
+              <a:xfrm>
+                <a:off x="6071266" y="1743061"/>
+                <a:ext cx="207337" cy="2862322"/>
+              </a:xfrm>
+              <a:prstGeom prst="rect">
+                <a:avLst/>
+              </a:prstGeom>
+              <a:noFill/>
+            </p:spPr>
+            <p:txBody>
+              <a:bodyPr wrap="square" rtlCol="0">
+                <a:spAutoFit/>
+              </a:bodyPr>
+              <a:lstStyle/>
+              <a:p>
+                <a:r>
+                  <a:rPr lang="en-US" sz="2000" dirty="0" smtClean="0">
+                    <a:latin typeface="Arial" panose="020B0604020202020204" pitchFamily="34" charset="0"/>
+                    <a:cs typeface="Arial" panose="020B0604020202020204" pitchFamily="34" charset="0"/>
+                  </a:rPr>
+                  <a:t>-</a:t>
+                </a:r>
+              </a:p>
+              <a:p>
+                <a:r>
+                  <a:rPr lang="en-US" sz="2000" dirty="0" smtClean="0">
+                    <a:latin typeface="Arial" panose="020B0604020202020204" pitchFamily="34" charset="0"/>
+                    <a:cs typeface="Arial" panose="020B0604020202020204" pitchFamily="34" charset="0"/>
+                  </a:rPr>
+                  <a:t>-</a:t>
+                </a:r>
+              </a:p>
+              <a:p>
+                <a:r>
+                  <a:rPr lang="en-US" sz="2000" dirty="0" smtClean="0">
+                    <a:latin typeface="Arial" panose="020B0604020202020204" pitchFamily="34" charset="0"/>
+                    <a:cs typeface="Arial" panose="020B0604020202020204" pitchFamily="34" charset="0"/>
+                  </a:rPr>
+                  <a:t>-</a:t>
+                </a:r>
+              </a:p>
+              <a:p>
+                <a:r>
+                  <a:rPr lang="en-US" sz="2000" dirty="0" smtClean="0">
+                    <a:latin typeface="Arial" panose="020B0604020202020204" pitchFamily="34" charset="0"/>
+                    <a:cs typeface="Arial" panose="020B0604020202020204" pitchFamily="34" charset="0"/>
+                  </a:rPr>
+                  <a:t>-</a:t>
+                </a:r>
+              </a:p>
+              <a:p>
+                <a:r>
+                  <a:rPr lang="en-US" sz="2000" dirty="0" smtClean="0">
+                    <a:latin typeface="Arial" panose="020B0604020202020204" pitchFamily="34" charset="0"/>
+                    <a:cs typeface="Arial" panose="020B0604020202020204" pitchFamily="34" charset="0"/>
+                  </a:rPr>
+                  <a:t>-</a:t>
+                </a:r>
+              </a:p>
+              <a:p>
+                <a:r>
+                  <a:rPr lang="en-US" sz="2000" dirty="0" smtClean="0">
+                    <a:latin typeface="Arial" panose="020B0604020202020204" pitchFamily="34" charset="0"/>
+                    <a:cs typeface="Arial" panose="020B0604020202020204" pitchFamily="34" charset="0"/>
+                  </a:rPr>
+                  <a:t>-</a:t>
+                </a:r>
+              </a:p>
+              <a:p>
+                <a:r>
+                  <a:rPr lang="en-US" sz="2000" dirty="0" smtClean="0">
+                    <a:latin typeface="Arial" panose="020B0604020202020204" pitchFamily="34" charset="0"/>
+                    <a:cs typeface="Arial" panose="020B0604020202020204" pitchFamily="34" charset="0"/>
+                  </a:rPr>
+                  <a:t>-</a:t>
+                </a:r>
+              </a:p>
+              <a:p>
+                <a:r>
+                  <a:rPr lang="en-US" sz="2000" dirty="0" smtClean="0">
+                    <a:latin typeface="Arial" panose="020B0604020202020204" pitchFamily="34" charset="0"/>
+                    <a:cs typeface="Arial" panose="020B0604020202020204" pitchFamily="34" charset="0"/>
+                  </a:rPr>
+                  <a:t>-</a:t>
+                </a:r>
+              </a:p>
+              <a:p>
+                <a:endParaRPr lang="en-US" sz="2000" dirty="0" smtClean="0">
+                  <a:latin typeface="Arial" panose="020B0604020202020204" pitchFamily="34" charset="0"/>
+                  <a:cs typeface="Arial" panose="020B0604020202020204" pitchFamily="34" charset="0"/>
+                </a:endParaRPr>
+              </a:p>
+            </p:txBody>
+          </p:sp>
+          <mc:AlternateContent xmlns:mc="http://schemas.openxmlformats.org/markup-compatibility/2006">
+            <mc:Choice xmlns:a14="http://schemas.microsoft.com/office/drawing/2010/main" Requires="a14">
+              <p:sp>
+                <p:nvSpPr>
+                  <p:cNvPr id="9" name="TextBox 8"/>
+                  <p:cNvSpPr txBox="1"/>
+                  <p:nvPr/>
+                </p:nvSpPr>
+                <p:spPr>
+                  <a:xfrm>
+                    <a:off x="8230203" y="4138150"/>
+                    <a:ext cx="408765" cy="307777"/>
+                  </a:xfrm>
+                  <a:prstGeom prst="rect">
+                    <a:avLst/>
+                  </a:prstGeom>
+                  <a:noFill/>
+                </p:spPr>
+                <p:txBody>
+                  <a:bodyPr wrap="none" lIns="0" tIns="0" rIns="0" bIns="0" rtlCol="0">
+                    <a:spAutoFit/>
+                  </a:bodyPr>
+                  <a:lstStyle/>
+                  <a:p>
+                    <a14:m>
+                      <m:oMathPara xmlns:m="http://schemas.openxmlformats.org/officeDocument/2006/math">
+                        <m:oMathParaPr>
+                          <m:jc m:val="centerGroup"/>
+                        </m:oMathParaPr>
+                        <m:oMath xmlns:m="http://schemas.openxmlformats.org/officeDocument/2006/math">
+                          <m:r>
+                            <a:rPr lang="en-US" sz="2000" b="0" i="1" smtClean="0">
+                              <a:latin typeface="Cambria Math" panose="02040503050406030204" pitchFamily="18" charset="0"/>
+                              <a:cs typeface="Arial" panose="020B0604020202020204" pitchFamily="34" charset="0"/>
+                            </a:rPr>
+                            <m:t>+</m:t>
+                          </m:r>
+                          <m:r>
+                            <m:rPr>
+                              <m:sty m:val="p"/>
+                            </m:rPr>
+                            <a:rPr lang="en-US" sz="2000" b="0" i="1" smtClean="0">
+                              <a:latin typeface="Cambria Math" panose="02040503050406030204" pitchFamily="18" charset="0"/>
+                              <a:cs typeface="Arial" panose="020B0604020202020204" pitchFamily="34" charset="0"/>
+                            </a:rPr>
+                            <m:t>σ</m:t>
+                          </m:r>
+                        </m:oMath>
+                      </m:oMathPara>
+                    </a14:m>
+                    <a:endParaRPr lang="en-US" sz="2000" b="0" dirty="0" smtClean="0">
+                      <a:latin typeface="Arial" panose="020B0604020202020204" pitchFamily="34" charset="0"/>
+                      <a:cs typeface="Arial" panose="020B0604020202020204" pitchFamily="34" charset="0"/>
+                    </a:endParaRPr>
+                  </a:p>
+                </p:txBody>
+              </p:sp>
+            </mc:Choice>
+            <mc:Fallback>
+              <p:sp>
+                <p:nvSpPr>
+                  <p:cNvPr id="9" name="TextBox 8"/>
+                  <p:cNvSpPr txBox="1">
+                    <a:spLocks noRot="1" noChangeAspect="1" noMove="1" noResize="1" noEditPoints="1" noAdjustHandles="1" noChangeArrowheads="1" noChangeShapeType="1" noTextEdit="1"/>
+                  </p:cNvSpPr>
+                  <p:nvPr/>
+                </p:nvSpPr>
+                <p:spPr>
+                  <a:xfrm>
+                    <a:off x="8230203" y="4138150"/>
+                    <a:ext cx="408765" cy="307777"/>
+                  </a:xfrm>
+                  <a:prstGeom prst="rect">
+                    <a:avLst/>
+                  </a:prstGeom>
+                  <a:blipFill>
+                    <a:blip r:embed="rId21"/>
+                    <a:stretch>
+                      <a:fillRect l="-11940" r="-5970" b="-9804"/>
+                    </a:stretch>
+                  </a:blipFill>
+                </p:spPr>
+                <p:txBody>
+                  <a:bodyPr/>
+                  <a:lstStyle/>
+                  <a:p>
+                    <a:r>
+                      <a:rPr lang="en-US">
+                        <a:noFill/>
+                      </a:rPr>
+                      <a:t> </a:t>
+                    </a:r>
+                  </a:p>
+                </p:txBody>
+              </p:sp>
+            </mc:Fallback>
+          </mc:AlternateContent>
+          <mc:AlternateContent xmlns:mc="http://schemas.openxmlformats.org/markup-compatibility/2006">
+            <mc:Choice xmlns:a14="http://schemas.microsoft.com/office/drawing/2010/main" Requires="a14">
+              <p:sp>
+                <p:nvSpPr>
+                  <p:cNvPr id="30" name="TextBox 29"/>
+                  <p:cNvSpPr txBox="1"/>
+                  <p:nvPr/>
+                </p:nvSpPr>
+                <p:spPr>
+                  <a:xfrm>
+                    <a:off x="6357242" y="4171519"/>
+                    <a:ext cx="408765" cy="307777"/>
+                  </a:xfrm>
+                  <a:prstGeom prst="rect">
+                    <a:avLst/>
+                  </a:prstGeom>
+                  <a:noFill/>
+                </p:spPr>
+                <p:txBody>
+                  <a:bodyPr wrap="none" lIns="0" tIns="0" rIns="0" bIns="0" rtlCol="0">
+                    <a:spAutoFit/>
+                  </a:bodyPr>
+                  <a:lstStyle/>
+                  <a:p>
+                    <a14:m>
+                      <m:oMathPara xmlns:m="http://schemas.openxmlformats.org/officeDocument/2006/math">
+                        <m:oMathParaPr>
+                          <m:jc m:val="centerGroup"/>
+                        </m:oMathParaPr>
+                        <m:oMath xmlns:m="http://schemas.openxmlformats.org/officeDocument/2006/math">
+                          <m:r>
+                            <a:rPr lang="en-US" sz="2000" b="0" i="1" smtClean="0">
+                              <a:latin typeface="Cambria Math" panose="02040503050406030204" pitchFamily="18" charset="0"/>
+                              <a:cs typeface="Arial" panose="020B0604020202020204" pitchFamily="34" charset="0"/>
+                            </a:rPr>
+                            <m:t>−</m:t>
+                          </m:r>
+                          <m:r>
+                            <m:rPr>
+                              <m:sty m:val="p"/>
+                            </m:rPr>
+                            <a:rPr lang="en-US" sz="2000" b="0" i="1" smtClean="0">
+                              <a:latin typeface="Cambria Math" panose="02040503050406030204" pitchFamily="18" charset="0"/>
+                              <a:cs typeface="Arial" panose="020B0604020202020204" pitchFamily="34" charset="0"/>
+                            </a:rPr>
+                            <m:t>σ</m:t>
+                          </m:r>
+                        </m:oMath>
+                      </m:oMathPara>
+                    </a14:m>
+                    <a:endParaRPr lang="en-US" sz="2000" b="0" dirty="0" smtClean="0">
+                      <a:latin typeface="Arial" panose="020B0604020202020204" pitchFamily="34" charset="0"/>
+                      <a:cs typeface="Arial" panose="020B0604020202020204" pitchFamily="34" charset="0"/>
+                    </a:endParaRPr>
+                  </a:p>
+                </p:txBody>
+              </p:sp>
+            </mc:Choice>
+            <mc:Fallback>
+              <p:sp>
+                <p:nvSpPr>
+                  <p:cNvPr id="30" name="TextBox 29"/>
+                  <p:cNvSpPr txBox="1">
+                    <a:spLocks noRot="1" noChangeAspect="1" noMove="1" noResize="1" noEditPoints="1" noAdjustHandles="1" noChangeArrowheads="1" noChangeShapeType="1" noTextEdit="1"/>
+                  </p:cNvSpPr>
+                  <p:nvPr/>
+                </p:nvSpPr>
+                <p:spPr>
+                  <a:xfrm>
+                    <a:off x="6357242" y="4171519"/>
+                    <a:ext cx="408765" cy="307777"/>
+                  </a:xfrm>
+                  <a:prstGeom prst="rect">
+                    <a:avLst/>
+                  </a:prstGeom>
+                  <a:blipFill>
+                    <a:blip r:embed="rId22"/>
+                    <a:stretch>
+                      <a:fillRect l="-2985" r="-5970" b="-2000"/>
+                    </a:stretch>
+                  </a:blipFill>
+                </p:spPr>
+                <p:txBody>
+                  <a:bodyPr/>
+                  <a:lstStyle/>
+                  <a:p>
+                    <a:r>
+                      <a:rPr lang="en-US">
+                        <a:noFill/>
+                      </a:rPr>
+                      <a:t> </a:t>
+                    </a:r>
+                  </a:p>
+                </p:txBody>
+              </p:sp>
+            </mc:Fallback>
+          </mc:AlternateContent>
+          <p:cxnSp>
+            <p:nvCxnSpPr>
+              <p:cNvPr id="11" name="Straight Arrow Connector 10"/>
+              <p:cNvCxnSpPr/>
+              <p:nvPr/>
+            </p:nvCxnSpPr>
+            <p:spPr>
+              <a:xfrm>
+                <a:off x="7781772" y="1935768"/>
+                <a:ext cx="642516" cy="0"/>
+              </a:xfrm>
+              <a:prstGeom prst="straightConnector1">
+                <a:avLst/>
+              </a:prstGeom>
+              <a:ln w="38100">
+                <a:solidFill>
+                  <a:schemeClr val="tx1"/>
+                </a:solidFill>
+                <a:headEnd type="triangle"/>
+                <a:tailEnd type="none"/>
+              </a:ln>
+            </p:spPr>
+            <p:style>
+              <a:lnRef idx="1">
+                <a:schemeClr val="accent1"/>
+              </a:lnRef>
+              <a:fillRef idx="0">
+                <a:schemeClr val="accent1"/>
+              </a:fillRef>
+              <a:effectRef idx="0">
+                <a:schemeClr val="accent1"/>
+              </a:effectRef>
+              <a:fontRef idx="minor">
+                <a:schemeClr val="tx1"/>
+              </a:fontRef>
+            </p:style>
+          </p:cxnSp>
+          <mc:AlternateContent xmlns:mc="http://schemas.openxmlformats.org/markup-compatibility/2006">
+            <mc:Choice xmlns:a14="http://schemas.microsoft.com/office/drawing/2010/main" Requires="a14">
+              <p:sp>
+                <p:nvSpPr>
+                  <p:cNvPr id="12" name="TextBox 11"/>
+                  <p:cNvSpPr txBox="1"/>
+                  <p:nvPr/>
+                </p:nvSpPr>
+                <p:spPr>
+                  <a:xfrm>
+                    <a:off x="7953764" y="2100800"/>
+                    <a:ext cx="363946" cy="345159"/>
+                  </a:xfrm>
+                  <a:prstGeom prst="rect">
+                    <a:avLst/>
+                  </a:prstGeom>
+                  <a:noFill/>
+                </p:spPr>
+                <p:txBody>
+                  <a:bodyPr wrap="none" lIns="0" tIns="0" rIns="0" bIns="0" rtlCol="0">
+                    <a:spAutoFit/>
+                  </a:bodyPr>
+                  <a:lstStyle/>
+                  <a:p>
+                    <a14:m>
+                      <m:oMathPara xmlns:m="http://schemas.openxmlformats.org/officeDocument/2006/math">
+                        <m:oMathParaPr>
+                          <m:jc m:val="centerGroup"/>
+                        </m:oMathParaPr>
+                        <m:oMath xmlns:m="http://schemas.openxmlformats.org/officeDocument/2006/math">
+                          <m:sSub>
+                            <m:sSubPr>
+                              <m:ctrlPr>
+                                <a:rPr lang="en-US" sz="2000" b="0" i="1" smtClean="0">
+                                  <a:latin typeface="Cambria Math" panose="02040503050406030204" pitchFamily="18" charset="0"/>
+                                  <a:cs typeface="Arial" panose="020B0604020202020204" pitchFamily="34" charset="0"/>
+                                </a:rPr>
+                              </m:ctrlPr>
+                            </m:sSubPr>
+                            <m:e>
+                              <m:acc>
+                                <m:accPr>
+                                  <m:chr m:val="⃗"/>
+                                  <m:ctrlPr>
+                                    <a:rPr lang="en-US" sz="2000" b="0" i="1" smtClean="0">
+                                      <a:latin typeface="Cambria Math" panose="02040503050406030204" pitchFamily="18" charset="0"/>
+                                      <a:cs typeface="Arial" panose="020B0604020202020204" pitchFamily="34" charset="0"/>
+                                    </a:rPr>
+                                  </m:ctrlPr>
+                                </m:accPr>
+                                <m:e>
+                                  <m:r>
+                                    <a:rPr lang="en-US" sz="2000" b="0" i="1" smtClean="0">
+                                      <a:latin typeface="Cambria Math" panose="02040503050406030204" pitchFamily="18" charset="0"/>
+                                      <a:cs typeface="Arial" panose="020B0604020202020204" pitchFamily="34" charset="0"/>
+                                    </a:rPr>
+                                    <m:t>𝐸</m:t>
+                                  </m:r>
+                                </m:e>
+                              </m:acc>
+                            </m:e>
+                            <m:sub>
+                              <m:r>
+                                <a:rPr lang="en-US" sz="2000" b="0" i="1" smtClean="0">
+                                  <a:latin typeface="Cambria Math" panose="02040503050406030204" pitchFamily="18" charset="0"/>
+                                  <a:cs typeface="Arial" panose="020B0604020202020204" pitchFamily="34" charset="0"/>
+                                </a:rPr>
+                                <m:t>+</m:t>
+                              </m:r>
+                            </m:sub>
+                          </m:sSub>
+                        </m:oMath>
+                      </m:oMathPara>
+                    </a14:m>
+                    <a:endParaRPr lang="en-US" sz="2000" dirty="0" smtClean="0">
+                      <a:latin typeface="Arial" panose="020B0604020202020204" pitchFamily="34" charset="0"/>
+                      <a:cs typeface="Arial" panose="020B0604020202020204" pitchFamily="34" charset="0"/>
+                    </a:endParaRPr>
+                  </a:p>
+                </p:txBody>
+              </p:sp>
+            </mc:Choice>
+            <mc:Fallback>
+              <p:sp>
+                <p:nvSpPr>
+                  <p:cNvPr id="12" name="TextBox 11"/>
+                  <p:cNvSpPr txBox="1">
+                    <a:spLocks noRot="1" noChangeAspect="1" noMove="1" noResize="1" noEditPoints="1" noAdjustHandles="1" noChangeArrowheads="1" noChangeShapeType="1" noTextEdit="1"/>
+                  </p:cNvSpPr>
+                  <p:nvPr/>
+                </p:nvSpPr>
+                <p:spPr>
+                  <a:xfrm>
+                    <a:off x="7953764" y="2100800"/>
+                    <a:ext cx="363946" cy="345159"/>
+                  </a:xfrm>
+                  <a:prstGeom prst="rect">
+                    <a:avLst/>
+                  </a:prstGeom>
+                  <a:blipFill>
+                    <a:blip r:embed="rId23"/>
+                    <a:stretch>
+                      <a:fillRect l="-13333" r="-5000" b="-15789"/>
+                    </a:stretch>
+                  </a:blipFill>
+                </p:spPr>
+                <p:txBody>
+                  <a:bodyPr/>
+                  <a:lstStyle/>
+                  <a:p>
+                    <a:r>
+                      <a:rPr lang="en-US">
+                        <a:noFill/>
+                      </a:rPr>
+                      <a:t> </a:t>
+                    </a:r>
+                  </a:p>
+                </p:txBody>
+              </p:sp>
+            </mc:Fallback>
+          </mc:AlternateContent>
+          <p:cxnSp>
+            <p:nvCxnSpPr>
+              <p:cNvPr id="34" name="Straight Arrow Connector 33"/>
+              <p:cNvCxnSpPr/>
+              <p:nvPr/>
+            </p:nvCxnSpPr>
+            <p:spPr>
+              <a:xfrm>
+                <a:off x="6444749" y="1935768"/>
+                <a:ext cx="642516" cy="0"/>
+              </a:xfrm>
+              <a:prstGeom prst="straightConnector1">
+                <a:avLst/>
+              </a:prstGeom>
+              <a:ln w="38100">
+                <a:solidFill>
+                  <a:schemeClr val="tx1"/>
+                </a:solidFill>
+                <a:headEnd type="triangle"/>
+                <a:tailEnd type="none"/>
+              </a:ln>
+            </p:spPr>
+            <p:style>
+              <a:lnRef idx="1">
+                <a:schemeClr val="accent1"/>
+              </a:lnRef>
+              <a:fillRef idx="0">
+                <a:schemeClr val="accent1"/>
+              </a:fillRef>
+              <a:effectRef idx="0">
+                <a:schemeClr val="accent1"/>
+              </a:effectRef>
+              <a:fontRef idx="minor">
+                <a:schemeClr val="tx1"/>
+              </a:fontRef>
+            </p:style>
+          </p:cxnSp>
+          <mc:AlternateContent xmlns:mc="http://schemas.openxmlformats.org/markup-compatibility/2006">
+            <mc:Choice xmlns:a14="http://schemas.microsoft.com/office/drawing/2010/main" Requires="a14">
+              <p:sp>
+                <p:nvSpPr>
+                  <p:cNvPr id="35" name="TextBox 34"/>
+                  <p:cNvSpPr txBox="1"/>
+                  <p:nvPr/>
+                </p:nvSpPr>
+                <p:spPr>
+                  <a:xfrm>
+                    <a:off x="6584034" y="2038124"/>
+                    <a:ext cx="363946" cy="345159"/>
+                  </a:xfrm>
+                  <a:prstGeom prst="rect">
+                    <a:avLst/>
+                  </a:prstGeom>
+                  <a:noFill/>
+                </p:spPr>
+                <p:txBody>
+                  <a:bodyPr wrap="none" lIns="0" tIns="0" rIns="0" bIns="0" rtlCol="0">
+                    <a:spAutoFit/>
+                  </a:bodyPr>
+                  <a:lstStyle/>
+                  <a:p>
+                    <a14:m>
+                      <m:oMathPara xmlns:m="http://schemas.openxmlformats.org/officeDocument/2006/math">
+                        <m:oMathParaPr>
+                          <m:jc m:val="centerGroup"/>
+                        </m:oMathParaPr>
+                        <m:oMath xmlns:m="http://schemas.openxmlformats.org/officeDocument/2006/math">
+                          <m:sSub>
+                            <m:sSubPr>
+                              <m:ctrlPr>
+                                <a:rPr lang="en-US" sz="2000" b="0" i="1" smtClean="0">
+                                  <a:latin typeface="Cambria Math" panose="02040503050406030204" pitchFamily="18" charset="0"/>
+                                  <a:cs typeface="Arial" panose="020B0604020202020204" pitchFamily="34" charset="0"/>
+                                </a:rPr>
+                              </m:ctrlPr>
+                            </m:sSubPr>
+                            <m:e>
+                              <m:acc>
+                                <m:accPr>
+                                  <m:chr m:val="⃗"/>
+                                  <m:ctrlPr>
+                                    <a:rPr lang="en-US" sz="2000" b="0" i="1" smtClean="0">
+                                      <a:latin typeface="Cambria Math" panose="02040503050406030204" pitchFamily="18" charset="0"/>
+                                      <a:cs typeface="Arial" panose="020B0604020202020204" pitchFamily="34" charset="0"/>
+                                    </a:rPr>
+                                  </m:ctrlPr>
+                                </m:accPr>
+                                <m:e>
+                                  <m:r>
+                                    <a:rPr lang="en-US" sz="2000" b="0" i="1" smtClean="0">
+                                      <a:latin typeface="Cambria Math" panose="02040503050406030204" pitchFamily="18" charset="0"/>
+                                      <a:cs typeface="Arial" panose="020B0604020202020204" pitchFamily="34" charset="0"/>
+                                    </a:rPr>
+                                    <m:t>𝐸</m:t>
+                                  </m:r>
+                                </m:e>
+                              </m:acc>
+                            </m:e>
+                            <m:sub>
+                              <m:r>
+                                <a:rPr lang="en-US" sz="2000" b="0" i="1" smtClean="0">
+                                  <a:latin typeface="Cambria Math" panose="02040503050406030204" pitchFamily="18" charset="0"/>
+                                  <a:cs typeface="Arial" panose="020B0604020202020204" pitchFamily="34" charset="0"/>
+                                </a:rPr>
+                                <m:t>−</m:t>
+                              </m:r>
+                            </m:sub>
+                          </m:sSub>
+                        </m:oMath>
+                      </m:oMathPara>
+                    </a14:m>
+                    <a:endParaRPr lang="en-US" sz="2000" dirty="0" smtClean="0">
+                      <a:latin typeface="Arial" panose="020B0604020202020204" pitchFamily="34" charset="0"/>
+                      <a:cs typeface="Arial" panose="020B0604020202020204" pitchFamily="34" charset="0"/>
+                    </a:endParaRPr>
+                  </a:p>
+                </p:txBody>
+              </p:sp>
+            </mc:Choice>
+            <mc:Fallback>
+              <p:sp>
+                <p:nvSpPr>
+                  <p:cNvPr id="35" name="TextBox 34"/>
+                  <p:cNvSpPr txBox="1">
+                    <a:spLocks noRot="1" noChangeAspect="1" noMove="1" noResize="1" noEditPoints="1" noAdjustHandles="1" noChangeArrowheads="1" noChangeShapeType="1" noTextEdit="1"/>
+                  </p:cNvSpPr>
+                  <p:nvPr/>
+                </p:nvSpPr>
+                <p:spPr>
+                  <a:xfrm>
+                    <a:off x="6584034" y="2038124"/>
+                    <a:ext cx="363946" cy="345159"/>
+                  </a:xfrm>
+                  <a:prstGeom prst="rect">
+                    <a:avLst/>
+                  </a:prstGeom>
+                  <a:blipFill>
+                    <a:blip r:embed="rId24"/>
+                    <a:stretch>
+                      <a:fillRect l="-15254" b="-8929"/>
+                    </a:stretch>
+                  </a:blipFill>
+                </p:spPr>
+                <p:txBody>
+                  <a:bodyPr/>
+                  <a:lstStyle/>
+                  <a:p>
+                    <a:r>
+                      <a:rPr lang="en-US">
+                        <a:noFill/>
+                      </a:rPr>
+                      <a:t> </a:t>
+                    </a:r>
+                  </a:p>
+                </p:txBody>
+              </p:sp>
+            </mc:Fallback>
+          </mc:AlternateContent>
+          <p:cxnSp>
+            <p:nvCxnSpPr>
+              <p:cNvPr id="36" name="Straight Arrow Connector 35"/>
+              <p:cNvCxnSpPr/>
+              <p:nvPr/>
+            </p:nvCxnSpPr>
+            <p:spPr>
+              <a:xfrm>
+                <a:off x="6827813" y="2839308"/>
+                <a:ext cx="1268162" cy="0"/>
+              </a:xfrm>
+              <a:prstGeom prst="straightConnector1">
+                <a:avLst/>
+              </a:prstGeom>
+              <a:ln w="38100">
+                <a:solidFill>
+                  <a:schemeClr val="tx1"/>
+                </a:solidFill>
+                <a:headEnd type="triangle"/>
+                <a:tailEnd type="none"/>
+              </a:ln>
+            </p:spPr>
+            <p:style>
+              <a:lnRef idx="1">
+                <a:schemeClr val="accent1"/>
+              </a:lnRef>
+              <a:fillRef idx="0">
+                <a:schemeClr val="accent1"/>
+              </a:fillRef>
+              <a:effectRef idx="0">
+                <a:schemeClr val="accent1"/>
+              </a:effectRef>
+              <a:fontRef idx="minor">
+                <a:schemeClr val="tx1"/>
+              </a:fontRef>
+            </p:style>
+          </p:cxnSp>
+          <mc:AlternateContent xmlns:mc="http://schemas.openxmlformats.org/markup-compatibility/2006">
+            <mc:Choice xmlns:a14="http://schemas.microsoft.com/office/drawing/2010/main" Requires="a14">
+              <p:sp>
+                <p:nvSpPr>
+                  <p:cNvPr id="39" name="TextBox 38"/>
+                  <p:cNvSpPr txBox="1"/>
+                  <p:nvPr/>
+                </p:nvSpPr>
+                <p:spPr>
+                  <a:xfrm>
+                    <a:off x="7299859" y="2875437"/>
+                    <a:ext cx="240835" cy="345159"/>
+                  </a:xfrm>
+                  <a:prstGeom prst="rect">
+                    <a:avLst/>
+                  </a:prstGeom>
+                  <a:noFill/>
+                </p:spPr>
+                <p:txBody>
+                  <a:bodyPr wrap="none" lIns="0" tIns="0" rIns="0" bIns="0" rtlCol="0">
+                    <a:spAutoFit/>
+                  </a:bodyPr>
+                  <a:lstStyle/>
+                  <a:p>
+                    <a14:m>
+                      <m:oMathPara xmlns:m="http://schemas.openxmlformats.org/officeDocument/2006/math">
+                        <m:oMathParaPr>
+                          <m:jc m:val="centerGroup"/>
+                        </m:oMathParaPr>
+                        <m:oMath xmlns:m="http://schemas.openxmlformats.org/officeDocument/2006/math">
+                          <m:acc>
+                            <m:accPr>
+                              <m:chr m:val="⃗"/>
+                              <m:ctrlPr>
+                                <a:rPr lang="en-US" sz="2000" b="0" i="1" smtClean="0">
+                                  <a:latin typeface="Cambria Math" panose="02040503050406030204" pitchFamily="18" charset="0"/>
+                                  <a:cs typeface="Arial" panose="020B0604020202020204" pitchFamily="34" charset="0"/>
+                                </a:rPr>
+                              </m:ctrlPr>
+                            </m:accPr>
+                            <m:e>
+                              <m:r>
+                                <a:rPr lang="en-US" sz="2000" b="0" i="1" smtClean="0">
+                                  <a:latin typeface="Cambria Math" panose="02040503050406030204" pitchFamily="18" charset="0"/>
+                                  <a:cs typeface="Arial" panose="020B0604020202020204" pitchFamily="34" charset="0"/>
+                                </a:rPr>
+                                <m:t>𝐸</m:t>
+                              </m:r>
+                            </m:e>
+                          </m:acc>
+                        </m:oMath>
+                      </m:oMathPara>
+                    </a14:m>
+                    <a:endParaRPr lang="en-US" sz="2000" dirty="0" smtClean="0">
+                      <a:latin typeface="Arial" panose="020B0604020202020204" pitchFamily="34" charset="0"/>
+                      <a:cs typeface="Arial" panose="020B0604020202020204" pitchFamily="34" charset="0"/>
+                    </a:endParaRPr>
+                  </a:p>
+                </p:txBody>
+              </p:sp>
+            </mc:Choice>
+            <mc:Fallback>
+              <p:sp>
+                <p:nvSpPr>
+                  <p:cNvPr id="39" name="TextBox 38"/>
+                  <p:cNvSpPr txBox="1">
+                    <a:spLocks noRot="1" noChangeAspect="1" noMove="1" noResize="1" noEditPoints="1" noAdjustHandles="1" noChangeArrowheads="1" noChangeShapeType="1" noTextEdit="1"/>
+                  </p:cNvSpPr>
+                  <p:nvPr/>
+                </p:nvSpPr>
+                <p:spPr>
+                  <a:xfrm>
+                    <a:off x="7299859" y="2875437"/>
+                    <a:ext cx="240835" cy="345159"/>
+                  </a:xfrm>
+                  <a:prstGeom prst="rect">
+                    <a:avLst/>
+                  </a:prstGeom>
+                  <a:blipFill>
+                    <a:blip r:embed="rId25"/>
+                    <a:stretch>
+                      <a:fillRect l="-20000" r="-17500" b="-8772"/>
+                    </a:stretch>
+                  </a:blipFill>
+                </p:spPr>
+                <p:txBody>
+                  <a:bodyPr/>
+                  <a:lstStyle/>
+                  <a:p>
+                    <a:r>
+                      <a:rPr lang="en-US">
+                        <a:noFill/>
+                      </a:rPr>
+                      <a:t> </a:t>
+                    </a:r>
+                  </a:p>
+                </p:txBody>
+              </p:sp>
+            </mc:Fallback>
+          </mc:AlternateContent>
+        </p:grpSp>
+        <p:grpSp>
+          <p:nvGrpSpPr>
+            <p:cNvPr id="41" name="Group 40"/>
+            <p:cNvGrpSpPr/>
+            <p:nvPr/>
+          </p:nvGrpSpPr>
+          <p:grpSpPr>
+            <a:xfrm>
+              <a:off x="6031847" y="4503015"/>
+              <a:ext cx="4031829" cy="558534"/>
+              <a:chOff x="919312" y="3331012"/>
+              <a:chExt cx="4031829" cy="558534"/>
+            </a:xfrm>
+          </p:grpSpPr>
+          <p:cxnSp>
+            <p:nvCxnSpPr>
+              <p:cNvPr id="42" name="Straight Arrow Connector 41"/>
+              <p:cNvCxnSpPr/>
+              <p:nvPr/>
+            </p:nvCxnSpPr>
+            <p:spPr>
+              <a:xfrm flipV="1">
+                <a:off x="1025912" y="3438955"/>
+                <a:ext cx="3925229" cy="1"/>
               </a:xfrm>
               <a:prstGeom prst="straightConnector1">
                 <a:avLst/>
@@ -7255,22 +9474,21 @@
             <mc:Choice Requires="a14">
               <p:sp>
                 <p:nvSpPr>
-                  <p:cNvPr id="69" name="TextBox 68"/>
-                  <p:cNvSpPr txBox="1"/>
+                  <p:cNvPr id="43" name="Rectangle 42"/>
+                  <p:cNvSpPr/>
                   <p:nvPr/>
                 </p:nvSpPr>
                 <p:spPr>
                   <a:xfrm>
-                    <a:off x="4668207" y="5331224"/>
-                    <a:ext cx="198003" cy="307777"/>
+                    <a:off x="4404738" y="3438955"/>
+                    <a:ext cx="367985" cy="369332"/>
                   </a:xfrm>
                   <a:prstGeom prst="rect">
                     <a:avLst/>
                   </a:prstGeom>
-                  <a:noFill/>
                 </p:spPr>
                 <p:txBody>
-                  <a:bodyPr wrap="none" lIns="0" tIns="0" rIns="0" bIns="0" rtlCol="0">
+                  <a:bodyPr wrap="square">
                     <a:spAutoFit/>
                   </a:bodyPr>
                   <a:lstStyle/>
@@ -7283,19 +9501,16 @@
                         </m:oMathParaPr>
                         <m:oMath xmlns:m="http://schemas.openxmlformats.org/officeDocument/2006/math">
                           <m:r>
-                            <a:rPr lang="en-US" sz="2000" b="0" i="1" smtClean="0">
+                            <a:rPr lang="en-US" i="1">
                               <a:latin typeface="Cambria Math" panose="02040503050406030204" pitchFamily="18" charset="0"/>
                               <a:cs typeface="Arial" panose="020B0604020202020204" pitchFamily="34" charset="0"/>
                             </a:rPr>
-                            <m:t>𝑟</m:t>
+                            <m:t>𝑥</m:t>
                           </m:r>
                         </m:oMath>
                       </m:oMathPara>
                     </a14:m>
-                    <a:endParaRPr lang="en-US" sz="2000" dirty="0" smtClean="0">
-                      <a:latin typeface="Arial" panose="020B0604020202020204" pitchFamily="34" charset="0"/>
-                      <a:cs typeface="Arial" panose="020B0604020202020204" pitchFamily="34" charset="0"/>
-                    </a:endParaRPr>
+                    <a:endParaRPr lang="en-CA" dirty="0"/>
                   </a:p>
                 </p:txBody>
               </p:sp>
@@ -7303,24 +9518,24 @@
             <mc:Fallback xmlns="">
               <p:sp>
                 <p:nvSpPr>
-                  <p:cNvPr id="86" name="TextBox 85"/>
-                  <p:cNvSpPr txBox="1">
+                  <p:cNvPr id="28" name="Rectangle 27"/>
+                  <p:cNvSpPr>
                     <a:spLocks noRot="1" noChangeAspect="1" noMove="1" noResize="1" noEditPoints="1" noAdjustHandles="1" noChangeArrowheads="1" noChangeShapeType="1" noTextEdit="1"/>
                   </p:cNvSpPr>
                   <p:nvPr/>
                 </p:nvSpPr>
                 <p:spPr>
                   <a:xfrm>
-                    <a:off x="4668207" y="5331224"/>
-                    <a:ext cx="198003" cy="307777"/>
+                    <a:off x="4404738" y="3438955"/>
+                    <a:ext cx="367985" cy="369332"/>
                   </a:xfrm>
                   <a:prstGeom prst="rect">
                     <a:avLst/>
                   </a:prstGeom>
                   <a:blipFill>
-                    <a:blip r:embed="rId12"/>
+                    <a:blip r:embed="rId30"/>
                     <a:stretch>
-                      <a:fillRect l="-15625" r="-12500" b="-2000"/>
+                      <a:fillRect/>
                     </a:stretch>
                   </a:blipFill>
                 </p:spPr>
@@ -7339,52 +9554,17 @@
               </p:sp>
             </mc:Fallback>
           </mc:AlternateContent>
-          <p:cxnSp>
-            <p:nvCxnSpPr>
-              <p:cNvPr id="70" name="Straight Connector 69"/>
-              <p:cNvCxnSpPr/>
-              <p:nvPr/>
-            </p:nvCxnSpPr>
-            <p:spPr>
-              <a:xfrm flipV="1">
-                <a:off x="1530850" y="5331224"/>
-                <a:ext cx="0" cy="239606"/>
-              </a:xfrm>
-              <a:prstGeom prst="line">
-                <a:avLst/>
-              </a:prstGeom>
-              <a:ln w="38100">
-                <a:solidFill>
-                  <a:schemeClr val="tx1"/>
-                </a:solidFill>
-              </a:ln>
-            </p:spPr>
-            <p:style>
-              <a:lnRef idx="1">
-                <a:schemeClr val="accent1"/>
-              </a:lnRef>
-              <a:fillRef idx="0">
-                <a:schemeClr val="accent1"/>
-              </a:fillRef>
-              <a:effectRef idx="0">
-                <a:schemeClr val="accent1"/>
-              </a:effectRef>
-              <a:fontRef idx="minor">
-                <a:schemeClr val="tx1"/>
-              </a:fontRef>
-            </p:style>
-          </p:cxnSp>
           <mc:AlternateContent xmlns:mc="http://schemas.openxmlformats.org/markup-compatibility/2006" xmlns:a14="http://schemas.microsoft.com/office/drawing/2010/main">
             <mc:Choice Requires="a14">
               <p:sp>
                 <p:nvSpPr>
-                  <p:cNvPr id="71" name="TextBox 70"/>
+                  <p:cNvPr id="44" name="TextBox 43"/>
                   <p:cNvSpPr txBox="1"/>
                   <p:nvPr/>
                 </p:nvSpPr>
                 <p:spPr>
                   <a:xfrm>
-                    <a:off x="1436093" y="5556399"/>
+                    <a:off x="919312" y="3581769"/>
                     <a:ext cx="213200" cy="307777"/>
                   </a:xfrm>
                   <a:prstGeom prst="rect">
@@ -7426,7 +9606,7 @@
             <mc:Fallback xmlns="">
               <p:sp>
                 <p:nvSpPr>
-                  <p:cNvPr id="88" name="TextBox 87"/>
+                  <p:cNvPr id="29" name="TextBox 28"/>
                   <p:cNvSpPr txBox="1">
                     <a:spLocks noRot="1" noChangeAspect="1" noMove="1" noResize="1" noEditPoints="1" noAdjustHandles="1" noChangeArrowheads="1" noChangeShapeType="1" noTextEdit="1"/>
                   </p:cNvSpPr>
@@ -7434,16 +9614,16 @@
                 </p:nvSpPr>
                 <p:spPr>
                   <a:xfrm>
-                    <a:off x="1436093" y="5556399"/>
+                    <a:off x="919312" y="3581769"/>
                     <a:ext cx="213200" cy="307777"/>
                   </a:xfrm>
                   <a:prstGeom prst="rect">
                     <a:avLst/>
                   </a:prstGeom>
                   <a:blipFill>
-                    <a:blip r:embed="rId13"/>
+                    <a:blip r:embed="rId31"/>
                     <a:stretch>
-                      <a:fillRect l="-25714" r="-22857" b="-9804"/>
+                      <a:fillRect l="-25714" r="-22857" b="-10000"/>
                     </a:stretch>
                   </a:blipFill>
                 </p:spPr>
@@ -7464,13 +9644,13 @@
           </mc:AlternateContent>
           <p:cxnSp>
             <p:nvCxnSpPr>
-              <p:cNvPr id="72" name="Straight Connector 71"/>
+              <p:cNvPr id="45" name="Straight Connector 44"/>
               <p:cNvCxnSpPr/>
               <p:nvPr/>
             </p:nvCxnSpPr>
             <p:spPr>
               <a:xfrm flipV="1">
-                <a:off x="2067553" y="5161114"/>
+                <a:off x="1099058" y="3331012"/>
                 <a:ext cx="0" cy="239606"/>
               </a:xfrm>
               <a:prstGeom prst="line">
@@ -7497,449 +9677,32 @@
               </a:fontRef>
             </p:style>
           </p:cxnSp>
-          <p:cxnSp>
-            <p:nvCxnSpPr>
-              <p:cNvPr id="73" name="Straight Connector 72"/>
-              <p:cNvCxnSpPr/>
-              <p:nvPr/>
-            </p:nvCxnSpPr>
-            <p:spPr>
-              <a:xfrm flipV="1">
-                <a:off x="3253311" y="5161114"/>
-                <a:ext cx="0" cy="239606"/>
-              </a:xfrm>
-              <a:prstGeom prst="line">
-                <a:avLst/>
-              </a:prstGeom>
-              <a:ln w="38100">
-                <a:solidFill>
-                  <a:schemeClr val="tx1"/>
-                </a:solidFill>
-              </a:ln>
-            </p:spPr>
-            <p:style>
-              <a:lnRef idx="1">
-                <a:schemeClr val="accent1"/>
-              </a:lnRef>
-              <a:fillRef idx="0">
-                <a:schemeClr val="accent1"/>
-              </a:fillRef>
-              <a:effectRef idx="0">
-                <a:schemeClr val="accent1"/>
-              </a:effectRef>
-              <a:fontRef idx="minor">
-                <a:schemeClr val="tx1"/>
-              </a:fontRef>
-            </p:style>
-          </p:cxnSp>
-          <mc:AlternateContent xmlns:mc="http://schemas.openxmlformats.org/markup-compatibility/2006" xmlns:a14="http://schemas.microsoft.com/office/drawing/2010/main">
-            <mc:Choice Requires="a14">
-              <p:sp>
-                <p:nvSpPr>
-                  <p:cNvPr id="74" name="TextBox 73"/>
-                  <p:cNvSpPr txBox="1"/>
-                  <p:nvPr/>
-                </p:nvSpPr>
-                <p:spPr>
-                  <a:xfrm>
-                    <a:off x="2000477" y="5391027"/>
-                    <a:ext cx="287322" cy="307777"/>
-                  </a:xfrm>
-                  <a:prstGeom prst="rect">
-                    <a:avLst/>
-                  </a:prstGeom>
-                  <a:noFill/>
-                </p:spPr>
-                <p:txBody>
-                  <a:bodyPr wrap="none" lIns="0" tIns="0" rIns="0" bIns="0" rtlCol="0">
-                    <a:spAutoFit/>
-                  </a:bodyPr>
-                  <a:lstStyle/>
-                  <a:p>
-                    <a:pPr/>
-                    <a14:m>
-                      <m:oMathPara xmlns:m="http://schemas.openxmlformats.org/officeDocument/2006/math">
-                        <m:oMathParaPr>
-                          <m:jc m:val="centerGroup"/>
-                        </m:oMathParaPr>
-                        <m:oMath xmlns:m="http://schemas.openxmlformats.org/officeDocument/2006/math">
-                          <m:sSub>
-                            <m:sSubPr>
-                              <m:ctrlPr>
-                                <a:rPr lang="en-US" sz="2000" b="0" i="1" smtClean="0">
-                                  <a:latin typeface="Cambria Math" panose="02040503050406030204" pitchFamily="18" charset="0"/>
-                                  <a:cs typeface="Arial" panose="020B0604020202020204" pitchFamily="34" charset="0"/>
-                                </a:rPr>
-                              </m:ctrlPr>
-                            </m:sSubPr>
-                            <m:e>
-                              <m:r>
-                                <a:rPr lang="en-US" sz="2000" b="0" i="1" smtClean="0">
-                                  <a:latin typeface="Cambria Math" panose="02040503050406030204" pitchFamily="18" charset="0"/>
-                                  <a:cs typeface="Arial" panose="020B0604020202020204" pitchFamily="34" charset="0"/>
-                                </a:rPr>
-                                <m:t>𝑟</m:t>
-                              </m:r>
-                            </m:e>
-                            <m:sub>
-                              <m:r>
-                                <a:rPr lang="en-US" sz="2000" b="0" i="1" smtClean="0">
-                                  <a:latin typeface="Cambria Math" panose="02040503050406030204" pitchFamily="18" charset="0"/>
-                                  <a:cs typeface="Arial" panose="020B0604020202020204" pitchFamily="34" charset="0"/>
-                                </a:rPr>
-                                <m:t>𝐴</m:t>
-                              </m:r>
-                            </m:sub>
-                          </m:sSub>
-                        </m:oMath>
-                      </m:oMathPara>
-                    </a14:m>
-                    <a:endParaRPr lang="en-US" sz="2000" dirty="0" smtClean="0">
-                      <a:latin typeface="Arial" panose="020B0604020202020204" pitchFamily="34" charset="0"/>
-                      <a:cs typeface="Arial" panose="020B0604020202020204" pitchFamily="34" charset="0"/>
-                    </a:endParaRPr>
-                  </a:p>
-                </p:txBody>
-              </p:sp>
-            </mc:Choice>
-            <mc:Fallback xmlns="">
-              <p:sp>
-                <p:nvSpPr>
-                  <p:cNvPr id="92" name="TextBox 91"/>
-                  <p:cNvSpPr txBox="1">
-                    <a:spLocks noRot="1" noChangeAspect="1" noMove="1" noResize="1" noEditPoints="1" noAdjustHandles="1" noChangeArrowheads="1" noChangeShapeType="1" noTextEdit="1"/>
-                  </p:cNvSpPr>
-                  <p:nvPr/>
-                </p:nvSpPr>
-                <p:spPr>
-                  <a:xfrm>
-                    <a:off x="2000477" y="5391027"/>
-                    <a:ext cx="287322" cy="307777"/>
-                  </a:xfrm>
-                  <a:prstGeom prst="rect">
-                    <a:avLst/>
-                  </a:prstGeom>
-                  <a:blipFill>
-                    <a:blip r:embed="rId14"/>
-                    <a:stretch>
-                      <a:fillRect l="-8511" r="-8511" b="-19608"/>
-                    </a:stretch>
-                  </a:blipFill>
-                </p:spPr>
-                <p:txBody>
-                  <a:bodyPr/>
-                  <a:lstStyle/>
-                  <a:p>
-                    <a:r>
-                      <a:rPr lang="en-US">
-                        <a:noFill/>
-                      </a:rPr>
-                      <a:t> </a:t>
-                    </a:r>
-                  </a:p>
-                </p:txBody>
-              </p:sp>
-            </mc:Fallback>
-          </mc:AlternateContent>
-          <mc:AlternateContent xmlns:mc="http://schemas.openxmlformats.org/markup-compatibility/2006" xmlns:a14="http://schemas.microsoft.com/office/drawing/2010/main">
-            <mc:Choice Requires="a14">
-              <p:sp>
-                <p:nvSpPr>
-                  <p:cNvPr id="75" name="TextBox 74"/>
-                  <p:cNvSpPr txBox="1"/>
-                  <p:nvPr/>
-                </p:nvSpPr>
-                <p:spPr>
-                  <a:xfrm>
-                    <a:off x="3125832" y="5391026"/>
-                    <a:ext cx="306494" cy="307777"/>
-                  </a:xfrm>
-                  <a:prstGeom prst="rect">
-                    <a:avLst/>
-                  </a:prstGeom>
-                  <a:noFill/>
-                </p:spPr>
-                <p:txBody>
-                  <a:bodyPr wrap="none" lIns="0" tIns="0" rIns="0" bIns="0" rtlCol="0">
-                    <a:spAutoFit/>
-                  </a:bodyPr>
-                  <a:lstStyle/>
-                  <a:p>
-                    <a:pPr/>
-                    <a14:m>
-                      <m:oMathPara xmlns:m="http://schemas.openxmlformats.org/officeDocument/2006/math">
-                        <m:oMathParaPr>
-                          <m:jc m:val="centerGroup"/>
-                        </m:oMathParaPr>
-                        <m:oMath xmlns:m="http://schemas.openxmlformats.org/officeDocument/2006/math">
-                          <m:sSub>
-                            <m:sSubPr>
-                              <m:ctrlPr>
-                                <a:rPr lang="en-US" sz="2000" b="0" i="1" smtClean="0">
-                                  <a:latin typeface="Cambria Math" panose="02040503050406030204" pitchFamily="18" charset="0"/>
-                                  <a:cs typeface="Arial" panose="020B0604020202020204" pitchFamily="34" charset="0"/>
-                                </a:rPr>
-                              </m:ctrlPr>
-                            </m:sSubPr>
-                            <m:e>
-                              <m:r>
-                                <a:rPr lang="en-US" sz="2000" b="0" i="1" smtClean="0">
-                                  <a:latin typeface="Cambria Math" panose="02040503050406030204" pitchFamily="18" charset="0"/>
-                                  <a:cs typeface="Arial" panose="020B0604020202020204" pitchFamily="34" charset="0"/>
-                                </a:rPr>
-                                <m:t>𝑟</m:t>
-                              </m:r>
-                            </m:e>
-                            <m:sub>
-                              <m:r>
-                                <a:rPr lang="en-US" sz="2000" b="0" i="1" smtClean="0">
-                                  <a:latin typeface="Cambria Math" panose="02040503050406030204" pitchFamily="18" charset="0"/>
-                                  <a:cs typeface="Arial" panose="020B0604020202020204" pitchFamily="34" charset="0"/>
-                                </a:rPr>
-                                <m:t>𝐵</m:t>
-                              </m:r>
-                            </m:sub>
-                          </m:sSub>
-                        </m:oMath>
-                      </m:oMathPara>
-                    </a14:m>
-                    <a:endParaRPr lang="en-US" sz="2000" dirty="0" smtClean="0">
-                      <a:latin typeface="Arial" panose="020B0604020202020204" pitchFamily="34" charset="0"/>
-                      <a:cs typeface="Arial" panose="020B0604020202020204" pitchFamily="34" charset="0"/>
-                    </a:endParaRPr>
-                  </a:p>
-                </p:txBody>
-              </p:sp>
-            </mc:Choice>
-            <mc:Fallback xmlns="">
-              <p:sp>
-                <p:nvSpPr>
-                  <p:cNvPr id="93" name="TextBox 92"/>
-                  <p:cNvSpPr txBox="1">
-                    <a:spLocks noRot="1" noChangeAspect="1" noMove="1" noResize="1" noEditPoints="1" noAdjustHandles="1" noChangeArrowheads="1" noChangeShapeType="1" noTextEdit="1"/>
-                  </p:cNvSpPr>
-                  <p:nvPr/>
-                </p:nvSpPr>
-                <p:spPr>
-                  <a:xfrm>
-                    <a:off x="3125832" y="5391026"/>
-                    <a:ext cx="306494" cy="307777"/>
-                  </a:xfrm>
-                  <a:prstGeom prst="rect">
-                    <a:avLst/>
-                  </a:prstGeom>
-                  <a:blipFill>
-                    <a:blip r:embed="rId15"/>
-                    <a:stretch>
-                      <a:fillRect l="-10000" r="-4000" b="-19608"/>
-                    </a:stretch>
-                  </a:blipFill>
-                </p:spPr>
-                <p:txBody>
-                  <a:bodyPr/>
-                  <a:lstStyle/>
-                  <a:p>
-                    <a:r>
-                      <a:rPr lang="en-US">
-                        <a:noFill/>
-                      </a:rPr>
-                      <a:t> </a:t>
-                    </a:r>
-                  </a:p>
-                </p:txBody>
-              </p:sp>
-            </mc:Fallback>
-          </mc:AlternateContent>
-          <p:cxnSp>
-            <p:nvCxnSpPr>
-              <p:cNvPr id="76" name="Straight Arrow Connector 75"/>
-              <p:cNvCxnSpPr/>
-              <p:nvPr/>
-            </p:nvCxnSpPr>
-            <p:spPr>
-              <a:xfrm>
-                <a:off x="2108351" y="4841808"/>
-                <a:ext cx="900056" cy="0"/>
-              </a:xfrm>
-              <a:prstGeom prst="straightConnector1">
-                <a:avLst/>
-              </a:prstGeom>
-              <a:ln w="38100">
-                <a:solidFill>
-                  <a:schemeClr val="tx1"/>
-                </a:solidFill>
-                <a:tailEnd type="triangle"/>
-              </a:ln>
-            </p:spPr>
-            <p:style>
-              <a:lnRef idx="1">
-                <a:schemeClr val="accent1"/>
-              </a:lnRef>
-              <a:fillRef idx="0">
-                <a:schemeClr val="accent1"/>
-              </a:fillRef>
-              <a:effectRef idx="0">
-                <a:schemeClr val="accent1"/>
-              </a:effectRef>
-              <a:fontRef idx="minor">
-                <a:schemeClr val="tx1"/>
-              </a:fontRef>
-            </p:style>
-          </p:cxnSp>
-          <mc:AlternateContent xmlns:mc="http://schemas.openxmlformats.org/markup-compatibility/2006">
-            <mc:Choice xmlns:a14="http://schemas.microsoft.com/office/drawing/2010/main" Requires="a14">
-              <p:sp>
-                <p:nvSpPr>
-                  <p:cNvPr id="77" name="TextBox 76"/>
-                  <p:cNvSpPr txBox="1"/>
-                  <p:nvPr/>
-                </p:nvSpPr>
-                <p:spPr>
-                  <a:xfrm>
-                    <a:off x="1918270" y="4284593"/>
-                    <a:ext cx="714875" cy="345159"/>
-                  </a:xfrm>
-                  <a:prstGeom prst="rect">
-                    <a:avLst/>
-                  </a:prstGeom>
-                  <a:noFill/>
-                </p:spPr>
-                <p:txBody>
-                  <a:bodyPr wrap="none" lIns="0" tIns="0" rIns="0" bIns="0" rtlCol="0">
-                    <a:spAutoFit/>
-                  </a:bodyPr>
-                  <a:lstStyle/>
-                  <a:p>
-                    <a:pPr/>
-                    <a14:m>
-                      <m:oMathPara xmlns:m="http://schemas.openxmlformats.org/officeDocument/2006/math">
-                        <m:oMathParaPr>
-                          <m:jc m:val="centerGroup"/>
-                        </m:oMathParaPr>
-                        <m:oMath xmlns:m="http://schemas.openxmlformats.org/officeDocument/2006/math">
-                          <m:sSup>
-                            <m:sSupPr>
-                              <m:ctrlPr>
-                                <a:rPr lang="en-US" sz="2000" b="0" i="1" smtClean="0">
-                                  <a:latin typeface="Cambria Math" panose="02040503050406030204" pitchFamily="18" charset="0"/>
-                                  <a:cs typeface="Arial" panose="020B0604020202020204" pitchFamily="34" charset="0"/>
-                                </a:rPr>
-                              </m:ctrlPr>
-                            </m:sSupPr>
-                            <m:e>
-                              <m:acc>
-                                <m:accPr>
-                                  <m:chr m:val="⃗"/>
-                                  <m:ctrlPr>
-                                    <a:rPr lang="en-US" sz="2000" b="0" i="1" smtClean="0">
-                                      <a:latin typeface="Cambria Math" panose="02040503050406030204" pitchFamily="18" charset="0"/>
-                                      <a:cs typeface="Arial" panose="020B0604020202020204" pitchFamily="34" charset="0"/>
-                                    </a:rPr>
-                                  </m:ctrlPr>
-                                </m:accPr>
-                                <m:e>
-                                  <m:r>
-                                    <a:rPr lang="en-US" sz="2000" b="0" i="1" smtClean="0">
-                                      <a:latin typeface="Cambria Math" panose="02040503050406030204" pitchFamily="18" charset="0"/>
-                                      <a:cs typeface="Arial" panose="020B0604020202020204" pitchFamily="34" charset="0"/>
-                                    </a:rPr>
-                                    <m:t>𝐹</m:t>
-                                  </m:r>
-                                </m:e>
-                              </m:acc>
-                            </m:e>
-                            <m:sup>
-                              <m:r>
-                                <a:rPr lang="en-US" sz="2000" b="0" i="1" smtClean="0">
-                                  <a:latin typeface="Cambria Math" panose="02040503050406030204" pitchFamily="18" charset="0"/>
-                                  <a:cs typeface="Arial" panose="020B0604020202020204" pitchFamily="34" charset="0"/>
-                                </a:rPr>
-                                <m:t>𝐸</m:t>
-                              </m:r>
-                            </m:sup>
-                          </m:sSup>
-                          <m:r>
-                            <a:rPr lang="en-US" sz="2000" b="0" i="1" smtClean="0">
-                              <a:latin typeface="Cambria Math" panose="02040503050406030204" pitchFamily="18" charset="0"/>
-                              <a:cs typeface="Arial" panose="020B0604020202020204" pitchFamily="34" charset="0"/>
-                            </a:rPr>
-                            <m:t>(</m:t>
-                          </m:r>
-                          <m:r>
-                            <a:rPr lang="en-US" sz="2000" b="0" i="1" smtClean="0">
-                              <a:latin typeface="Cambria Math" panose="02040503050406030204" pitchFamily="18" charset="0"/>
-                              <a:cs typeface="Arial" panose="020B0604020202020204" pitchFamily="34" charset="0"/>
-                            </a:rPr>
-                            <m:t>𝑟</m:t>
-                          </m:r>
-                          <m:r>
-                            <a:rPr lang="en-US" sz="2000" b="0" i="1" smtClean="0">
-                              <a:latin typeface="Cambria Math" panose="02040503050406030204" pitchFamily="18" charset="0"/>
-                              <a:cs typeface="Arial" panose="020B0604020202020204" pitchFamily="34" charset="0"/>
-                            </a:rPr>
-                            <m:t>)</m:t>
-                          </m:r>
-                        </m:oMath>
-                      </m:oMathPara>
-                    </a14:m>
-                    <a:endParaRPr lang="en-US" sz="2000" dirty="0" smtClean="0">
-                      <a:latin typeface="Arial" panose="020B0604020202020204" pitchFamily="34" charset="0"/>
-                      <a:cs typeface="Arial" panose="020B0604020202020204" pitchFamily="34" charset="0"/>
-                    </a:endParaRPr>
-                  </a:p>
-                </p:txBody>
-              </p:sp>
-            </mc:Choice>
-            <mc:Fallback>
-              <p:sp>
-                <p:nvSpPr>
-                  <p:cNvPr id="77" name="TextBox 76"/>
-                  <p:cNvSpPr txBox="1">
-                    <a:spLocks noRot="1" noChangeAspect="1" noMove="1" noResize="1" noEditPoints="1" noAdjustHandles="1" noChangeArrowheads="1" noChangeShapeType="1" noTextEdit="1"/>
-                  </p:cNvSpPr>
-                  <p:nvPr/>
-                </p:nvSpPr>
-                <p:spPr>
-                  <a:xfrm>
-                    <a:off x="1918270" y="4284593"/>
-                    <a:ext cx="714875" cy="345159"/>
-                  </a:xfrm>
-                  <a:prstGeom prst="rect">
-                    <a:avLst/>
-                  </a:prstGeom>
-                  <a:blipFill>
-                    <a:blip r:embed="rId16"/>
-                    <a:stretch>
-                      <a:fillRect l="-6838" t="-35088" r="-11966" b="-33333"/>
-                    </a:stretch>
-                  </a:blipFill>
-                </p:spPr>
-                <p:txBody>
-                  <a:bodyPr/>
-                  <a:lstStyle/>
-                  <a:p>
-                    <a:r>
-                      <a:rPr lang="en-US">
-                        <a:noFill/>
-                      </a:rPr>
-                      <a:t> </a:t>
-                    </a:r>
-                  </a:p>
-                </p:txBody>
-              </p:sp>
-            </mc:Fallback>
-          </mc:AlternateContent>
         </p:grpSp>
+      </p:grpSp>
+      <p:grpSp>
+        <p:nvGrpSpPr>
+          <p:cNvPr id="48" name="Group 47"/>
+          <p:cNvGrpSpPr/>
+          <p:nvPr/>
+        </p:nvGrpSpPr>
+        <p:grpSpPr>
+          <a:xfrm>
+            <a:off x="1824295" y="3188892"/>
+            <a:ext cx="2455398" cy="1886053"/>
+            <a:chOff x="1824295" y="3188892"/>
+            <a:chExt cx="2455398" cy="1886053"/>
+          </a:xfrm>
+        </p:grpSpPr>
         <p:sp>
           <p:nvSpPr>
-            <p:cNvPr id="64" name="Oval 63"/>
+            <p:cNvPr id="21" name="Oval 20"/>
             <p:cNvSpPr/>
             <p:nvPr/>
           </p:nvSpPr>
           <p:spPr>
             <a:xfrm>
-              <a:off x="2002647" y="5218268"/>
-              <a:ext cx="120943" cy="119766"/>
+              <a:off x="2188554" y="4591016"/>
+              <a:ext cx="216965" cy="216965"/>
             </a:xfrm>
             <a:prstGeom prst="ellipse">
               <a:avLst/>
@@ -7978,18 +9741,492 @@
             </a:p>
           </p:txBody>
         </p:sp>
+        <p:grpSp>
+          <p:nvGrpSpPr>
+            <p:cNvPr id="50" name="Group 49"/>
+            <p:cNvGrpSpPr/>
+            <p:nvPr/>
+          </p:nvGrpSpPr>
+          <p:grpSpPr>
+            <a:xfrm>
+              <a:off x="1861985" y="4107086"/>
+              <a:ext cx="1021183" cy="967859"/>
+              <a:chOff x="343566" y="708040"/>
+              <a:chExt cx="2949631" cy="2911238"/>
+            </a:xfrm>
+          </p:grpSpPr>
+          <p:grpSp>
+            <p:nvGrpSpPr>
+              <p:cNvPr id="51" name="Group 50"/>
+              <p:cNvGrpSpPr/>
+              <p:nvPr/>
+            </p:nvGrpSpPr>
+            <p:grpSpPr>
+              <a:xfrm>
+                <a:off x="343566" y="708040"/>
+                <a:ext cx="2949631" cy="2911238"/>
+                <a:chOff x="370861" y="680744"/>
+                <a:chExt cx="2949631" cy="2911238"/>
+              </a:xfrm>
+            </p:grpSpPr>
+            <p:cxnSp>
+              <p:nvCxnSpPr>
+                <p:cNvPr id="53" name="Straight Arrow Connector 52"/>
+                <p:cNvCxnSpPr/>
+                <p:nvPr/>
+              </p:nvCxnSpPr>
+              <p:spPr>
+                <a:xfrm flipV="1">
+                  <a:off x="1516583" y="680744"/>
+                  <a:ext cx="7683" cy="1859535"/>
+                </a:xfrm>
+                <a:prstGeom prst="straightConnector1">
+                  <a:avLst/>
+                </a:prstGeom>
+                <a:ln w="38100">
+                  <a:solidFill>
+                    <a:schemeClr val="tx1"/>
+                  </a:solidFill>
+                  <a:tailEnd type="triangle"/>
+                </a:ln>
+              </p:spPr>
+              <p:style>
+                <a:lnRef idx="1">
+                  <a:schemeClr val="accent1"/>
+                </a:lnRef>
+                <a:fillRef idx="0">
+                  <a:schemeClr val="accent1"/>
+                </a:fillRef>
+                <a:effectRef idx="0">
+                  <a:schemeClr val="accent1"/>
+                </a:effectRef>
+                <a:fontRef idx="minor">
+                  <a:schemeClr val="tx1"/>
+                </a:fontRef>
+              </p:style>
+            </p:cxnSp>
+            <p:cxnSp>
+              <p:nvCxnSpPr>
+                <p:cNvPr id="54" name="Straight Arrow Connector 53"/>
+                <p:cNvCxnSpPr/>
+                <p:nvPr/>
+              </p:nvCxnSpPr>
+              <p:spPr>
+                <a:xfrm flipV="1">
+                  <a:off x="1445588" y="2503276"/>
+                  <a:ext cx="1874904" cy="0"/>
+                </a:xfrm>
+                <a:prstGeom prst="straightConnector1">
+                  <a:avLst/>
+                </a:prstGeom>
+                <a:ln w="38100">
+                  <a:solidFill>
+                    <a:schemeClr val="tx1"/>
+                  </a:solidFill>
+                  <a:tailEnd type="triangle"/>
+                </a:ln>
+              </p:spPr>
+              <p:style>
+                <a:lnRef idx="1">
+                  <a:schemeClr val="accent1"/>
+                </a:lnRef>
+                <a:fillRef idx="0">
+                  <a:schemeClr val="accent1"/>
+                </a:fillRef>
+                <a:effectRef idx="0">
+                  <a:schemeClr val="accent1"/>
+                </a:effectRef>
+                <a:fontRef idx="minor">
+                  <a:schemeClr val="tx1"/>
+                </a:fontRef>
+              </p:style>
+            </p:cxnSp>
+            <mc:AlternateContent xmlns:mc="http://schemas.openxmlformats.org/markup-compatibility/2006" xmlns:a14="http://schemas.microsoft.com/office/drawing/2010/main">
+              <mc:Choice Requires="a14">
+                <p:sp>
+                  <p:nvSpPr>
+                    <p:cNvPr id="55" name="Rectangle 54"/>
+                    <p:cNvSpPr/>
+                    <p:nvPr/>
+                  </p:nvSpPr>
+                  <p:spPr>
+                    <a:xfrm>
+                      <a:off x="2697555" y="2447016"/>
+                      <a:ext cx="367985" cy="369333"/>
+                    </a:xfrm>
+                    <a:prstGeom prst="rect">
+                      <a:avLst/>
+                    </a:prstGeom>
+                  </p:spPr>
+                  <p:txBody>
+                    <a:bodyPr wrap="none">
+                      <a:spAutoFit/>
+                    </a:bodyPr>
+                    <a:lstStyle/>
+                    <a:p>
+                      <a:pPr/>
+                      <a14:m>
+                        <m:oMathPara xmlns:m="http://schemas.openxmlformats.org/officeDocument/2006/math">
+                          <m:oMathParaPr>
+                            <m:jc m:val="centerGroup"/>
+                          </m:oMathParaPr>
+                          <m:oMath xmlns:m="http://schemas.openxmlformats.org/officeDocument/2006/math">
+                            <m:r>
+                              <a:rPr lang="en-US" i="1">
+                                <a:latin typeface="Cambria Math" panose="02040503050406030204" pitchFamily="18" charset="0"/>
+                                <a:cs typeface="Arial" panose="020B0604020202020204" pitchFamily="34" charset="0"/>
+                              </a:rPr>
+                              <m:t>𝑥</m:t>
+                            </m:r>
+                          </m:oMath>
+                        </m:oMathPara>
+                      </a14:m>
+                      <a:endParaRPr lang="en-CA" dirty="0"/>
+                    </a:p>
+                  </p:txBody>
+                </p:sp>
+              </mc:Choice>
+              <mc:Fallback xmlns="">
+                <p:sp>
+                  <p:nvSpPr>
+                    <p:cNvPr id="107" name="Rectangle 106"/>
+                    <p:cNvSpPr>
+                      <a:spLocks noRot="1" noChangeAspect="1" noMove="1" noResize="1" noEditPoints="1" noAdjustHandles="1" noChangeArrowheads="1" noChangeShapeType="1" noTextEdit="1"/>
+                    </p:cNvSpPr>
+                    <p:nvPr/>
+                  </p:nvSpPr>
+                  <p:spPr>
+                    <a:xfrm>
+                      <a:off x="2697555" y="2447016"/>
+                      <a:ext cx="367985" cy="369333"/>
+                    </a:xfrm>
+                    <a:prstGeom prst="rect">
+                      <a:avLst/>
+                    </a:prstGeom>
+                    <a:blipFill>
+                      <a:blip r:embed="rId27"/>
+                      <a:stretch>
+                        <a:fillRect r="-95238" b="-160000"/>
+                      </a:stretch>
+                    </a:blipFill>
+                  </p:spPr>
+                  <p:txBody>
+                    <a:bodyPr/>
+                    <a:lstStyle/>
+                    <a:p>
+                      <a:r>
+                        <a:rPr lang="en-US">
+                          <a:noFill/>
+                        </a:rPr>
+                        <a:t> </a:t>
+                      </a:r>
+                    </a:p>
+                  </p:txBody>
+                </p:sp>
+              </mc:Fallback>
+            </mc:AlternateContent>
+            <mc:AlternateContent xmlns:mc="http://schemas.openxmlformats.org/markup-compatibility/2006" xmlns:a14="http://schemas.microsoft.com/office/drawing/2010/main">
+              <mc:Choice Requires="a14">
+                <p:sp>
+                  <p:nvSpPr>
+                    <p:cNvPr id="56" name="Rectangle 55"/>
+                    <p:cNvSpPr/>
+                    <p:nvPr/>
+                  </p:nvSpPr>
+                  <p:spPr>
+                    <a:xfrm>
+                      <a:off x="785815" y="912420"/>
+                      <a:ext cx="371385" cy="369333"/>
+                    </a:xfrm>
+                    <a:prstGeom prst="rect">
+                      <a:avLst/>
+                    </a:prstGeom>
+                  </p:spPr>
+                  <p:txBody>
+                    <a:bodyPr wrap="none">
+                      <a:spAutoFit/>
+                    </a:bodyPr>
+                    <a:lstStyle/>
+                    <a:p>
+                      <a:pPr/>
+                      <a14:m>
+                        <m:oMathPara xmlns:m="http://schemas.openxmlformats.org/officeDocument/2006/math">
+                          <m:oMathParaPr>
+                            <m:jc m:val="centerGroup"/>
+                          </m:oMathParaPr>
+                          <m:oMath xmlns:m="http://schemas.openxmlformats.org/officeDocument/2006/math">
+                            <m:r>
+                              <a:rPr lang="en-US" b="0" i="1" smtClean="0">
+                                <a:latin typeface="Cambria Math" panose="02040503050406030204" pitchFamily="18" charset="0"/>
+                              </a:rPr>
+                              <m:t>𝑦</m:t>
+                            </m:r>
+                          </m:oMath>
+                        </m:oMathPara>
+                      </a14:m>
+                      <a:endParaRPr lang="en-CA" dirty="0"/>
+                    </a:p>
+                  </p:txBody>
+                </p:sp>
+              </mc:Choice>
+              <mc:Fallback xmlns="">
+                <p:sp>
+                  <p:nvSpPr>
+                    <p:cNvPr id="108" name="Rectangle 107"/>
+                    <p:cNvSpPr>
+                      <a:spLocks noRot="1" noChangeAspect="1" noMove="1" noResize="1" noEditPoints="1" noAdjustHandles="1" noChangeArrowheads="1" noChangeShapeType="1" noTextEdit="1"/>
+                    </p:cNvSpPr>
+                    <p:nvPr/>
+                  </p:nvSpPr>
+                  <p:spPr>
+                    <a:xfrm>
+                      <a:off x="785815" y="912420"/>
+                      <a:ext cx="371385" cy="369333"/>
+                    </a:xfrm>
+                    <a:prstGeom prst="rect">
+                      <a:avLst/>
+                    </a:prstGeom>
+                    <a:blipFill>
+                      <a:blip r:embed="rId28"/>
+                      <a:stretch>
+                        <a:fillRect l="-19048" r="-114286" b="-220000"/>
+                      </a:stretch>
+                    </a:blipFill>
+                  </p:spPr>
+                  <p:txBody>
+                    <a:bodyPr/>
+                    <a:lstStyle/>
+                    <a:p>
+                      <a:r>
+                        <a:rPr lang="en-US">
+                          <a:noFill/>
+                        </a:rPr>
+                        <a:t> </a:t>
+                      </a:r>
+                    </a:p>
+                  </p:txBody>
+                </p:sp>
+              </mc:Fallback>
+            </mc:AlternateContent>
+            <mc:AlternateContent xmlns:mc="http://schemas.openxmlformats.org/markup-compatibility/2006">
+              <mc:Choice xmlns:a14="http://schemas.microsoft.com/office/drawing/2010/main" Requires="a14">
+                <p:sp>
+                  <p:nvSpPr>
+                    <p:cNvPr id="57" name="Rectangle 56"/>
+                    <p:cNvSpPr/>
+                    <p:nvPr/>
+                  </p:nvSpPr>
+                  <p:spPr>
+                    <a:xfrm>
+                      <a:off x="370861" y="2481063"/>
+                      <a:ext cx="1003769" cy="1110919"/>
+                    </a:xfrm>
+                    <a:prstGeom prst="rect">
+                      <a:avLst/>
+                    </a:prstGeom>
+                  </p:spPr>
+                  <p:txBody>
+                    <a:bodyPr wrap="square">
+                      <a:spAutoFit/>
+                    </a:bodyPr>
+                    <a:lstStyle/>
+                    <a:p>
+                      <a:pPr/>
+                      <a14:m>
+                        <m:oMathPara xmlns:m="http://schemas.openxmlformats.org/officeDocument/2006/math">
+                          <m:oMathParaPr>
+                            <m:jc m:val="centerGroup"/>
+                          </m:oMathParaPr>
+                          <m:oMath xmlns:m="http://schemas.openxmlformats.org/officeDocument/2006/math">
+                            <m:r>
+                              <a:rPr lang="en-US" b="0" i="1" smtClean="0">
+                                <a:latin typeface="Cambria Math" panose="02040503050406030204" pitchFamily="18" charset="0"/>
+                                <a:cs typeface="Arial" panose="020B0604020202020204" pitchFamily="34" charset="0"/>
+                              </a:rPr>
+                              <m:t>0</m:t>
+                            </m:r>
+                          </m:oMath>
+                        </m:oMathPara>
+                      </a14:m>
+                      <a:endParaRPr lang="en-CA" dirty="0"/>
+                    </a:p>
+                  </p:txBody>
+                </p:sp>
+              </mc:Choice>
+              <mc:Fallback>
+                <p:sp>
+                  <p:nvSpPr>
+                    <p:cNvPr id="57" name="Rectangle 56"/>
+                    <p:cNvSpPr>
+                      <a:spLocks noRot="1" noChangeAspect="1" noMove="1" noResize="1" noEditPoints="1" noAdjustHandles="1" noChangeArrowheads="1" noChangeShapeType="1" noTextEdit="1"/>
+                    </p:cNvSpPr>
+                    <p:nvPr/>
+                  </p:nvSpPr>
+                  <p:spPr>
+                    <a:xfrm>
+                      <a:off x="370861" y="2481063"/>
+                      <a:ext cx="1003769" cy="1110919"/>
+                    </a:xfrm>
+                    <a:prstGeom prst="rect">
+                      <a:avLst/>
+                    </a:prstGeom>
+                    <a:blipFill>
+                      <a:blip r:embed="rId32"/>
+                      <a:stretch>
+                        <a:fillRect/>
+                      </a:stretch>
+                    </a:blipFill>
+                  </p:spPr>
+                  <p:txBody>
+                    <a:bodyPr/>
+                    <a:lstStyle/>
+                    <a:p>
+                      <a:r>
+                        <a:rPr lang="en-US">
+                          <a:noFill/>
+                        </a:rPr>
+                        <a:t> </a:t>
+                      </a:r>
+                    </a:p>
+                  </p:txBody>
+                </p:sp>
+              </mc:Fallback>
+            </mc:AlternateContent>
+          </p:grpSp>
+          <p:sp>
+            <p:nvSpPr>
+              <p:cNvPr id="52" name="Rectangle 51"/>
+              <p:cNvSpPr/>
+              <p:nvPr/>
+            </p:nvSpPr>
+            <p:spPr>
+              <a:xfrm>
+                <a:off x="1129904" y="1614682"/>
+                <a:ext cx="184731" cy="369332"/>
+              </a:xfrm>
+              <a:prstGeom prst="rect">
+                <a:avLst/>
+              </a:prstGeom>
+            </p:spPr>
+            <p:txBody>
+              <a:bodyPr wrap="none">
+                <a:spAutoFit/>
+              </a:bodyPr>
+              <a:lstStyle/>
+              <a:p>
+                <a:endParaRPr lang="en-CA" dirty="0"/>
+              </a:p>
+            </p:txBody>
+          </p:sp>
+        </p:grpSp>
+        <p:sp>
+          <p:nvSpPr>
+            <p:cNvPr id="58" name="Oval 57"/>
+            <p:cNvSpPr/>
+            <p:nvPr/>
+          </p:nvSpPr>
+          <p:spPr>
+            <a:xfrm>
+              <a:off x="3116076" y="3593049"/>
+              <a:ext cx="216965" cy="216965"/>
+            </a:xfrm>
+            <a:prstGeom prst="ellipse">
+              <a:avLst/>
+            </a:prstGeom>
+            <a:solidFill>
+              <a:schemeClr val="tx1"/>
+            </a:solidFill>
+            <a:ln w="38100">
+              <a:solidFill>
+                <a:schemeClr val="tx1"/>
+              </a:solidFill>
+            </a:ln>
+          </p:spPr>
+          <p:style>
+            <a:lnRef idx="2">
+              <a:schemeClr val="accent1">
+                <a:shade val="50000"/>
+              </a:schemeClr>
+            </a:lnRef>
+            <a:fillRef idx="1">
+              <a:schemeClr val="accent1"/>
+            </a:fillRef>
+            <a:effectRef idx="0">
+              <a:schemeClr val="accent1"/>
+            </a:effectRef>
+            <a:fontRef idx="minor">
+              <a:schemeClr val="lt1"/>
+            </a:fontRef>
+          </p:style>
+          <p:txBody>
+            <a:bodyPr rtlCol="0" anchor="ctr"/>
+            <a:lstStyle/>
+            <a:p>
+              <a:pPr algn="ctr"/>
+              <a:endParaRPr lang="en-US"/>
+            </a:p>
+          </p:txBody>
+        </p:sp>
+        <p:sp>
+          <p:nvSpPr>
+            <p:cNvPr id="59" name="Oval 58"/>
+            <p:cNvSpPr/>
+            <p:nvPr/>
+          </p:nvSpPr>
+          <p:spPr>
+            <a:xfrm>
+              <a:off x="3848174" y="4049215"/>
+              <a:ext cx="216965" cy="216965"/>
+            </a:xfrm>
+            <a:prstGeom prst="ellipse">
+              <a:avLst/>
+            </a:prstGeom>
+            <a:solidFill>
+              <a:schemeClr val="tx1"/>
+            </a:solidFill>
+            <a:ln w="38100">
+              <a:solidFill>
+                <a:schemeClr val="tx1"/>
+              </a:solidFill>
+            </a:ln>
+          </p:spPr>
+          <p:style>
+            <a:lnRef idx="2">
+              <a:schemeClr val="accent1">
+                <a:shade val="50000"/>
+              </a:schemeClr>
+            </a:lnRef>
+            <a:fillRef idx="1">
+              <a:schemeClr val="accent1"/>
+            </a:fillRef>
+            <a:effectRef idx="0">
+              <a:schemeClr val="accent1"/>
+            </a:effectRef>
+            <a:fontRef idx="minor">
+              <a:schemeClr val="lt1"/>
+            </a:fontRef>
+          </p:style>
+          <p:txBody>
+            <a:bodyPr rtlCol="0" anchor="ctr"/>
+            <a:lstStyle/>
+            <a:p>
+              <a:pPr algn="ctr"/>
+              <a:endParaRPr lang="en-US"/>
+            </a:p>
+          </p:txBody>
+        </p:sp>
         <mc:AlternateContent xmlns:mc="http://schemas.openxmlformats.org/markup-compatibility/2006">
           <mc:Choice xmlns:a14="http://schemas.microsoft.com/office/drawing/2010/main" Requires="a14">
             <p:sp>
               <p:nvSpPr>
-                <p:cNvPr id="65" name="TextBox 64"/>
+                <p:cNvPr id="22" name="TextBox 21"/>
                 <p:cNvSpPr txBox="1"/>
                 <p:nvPr/>
               </p:nvSpPr>
               <p:spPr>
                 <a:xfrm>
-                  <a:off x="880640" y="5305986"/>
-                  <a:ext cx="443519" cy="307777"/>
+                  <a:off x="1824295" y="4447910"/>
+                  <a:ext cx="317074" cy="307777"/>
                 </a:xfrm>
                 <a:prstGeom prst="rect">
                   <a:avLst/>
@@ -8002,27 +10239,40 @@
                 </a:bodyPr>
                 <a:lstStyle/>
                 <a:p>
-                  <a:pPr/>
                   <a14:m>
                     <m:oMathPara xmlns:m="http://schemas.openxmlformats.org/officeDocument/2006/math">
                       <m:oMathParaPr>
                         <m:jc m:val="centerGroup"/>
                       </m:oMathParaPr>
                       <m:oMath xmlns:m="http://schemas.openxmlformats.org/officeDocument/2006/math">
-                        <m:r>
-                          <a:rPr lang="en-US" sz="2000" b="0" i="1" smtClean="0">
-                            <a:latin typeface="Cambria Math" panose="02040503050406030204" pitchFamily="18" charset="0"/>
-                            <a:cs typeface="Arial" panose="020B0604020202020204" pitchFamily="34" charset="0"/>
-                          </a:rPr>
-                          <m:t>+</m:t>
-                        </m:r>
-                        <m:r>
-                          <a:rPr lang="en-US" sz="2000" b="0" i="1" smtClean="0">
-                            <a:latin typeface="Cambria Math" panose="02040503050406030204" pitchFamily="18" charset="0"/>
-                            <a:cs typeface="Arial" panose="020B0604020202020204" pitchFamily="34" charset="0"/>
-                          </a:rPr>
-                          <m:t>𝑄</m:t>
-                        </m:r>
+                        <m:sSub>
+                          <m:sSubPr>
+                            <m:ctrlPr>
+                              <a:rPr lang="en-US" sz="2000" b="0" i="1" smtClean="0">
+                                <a:latin typeface="Cambria Math" panose="02040503050406030204" pitchFamily="18" charset="0"/>
+                                <a:cs typeface="Arial" panose="020B0604020202020204" pitchFamily="34" charset="0"/>
+                              </a:rPr>
+                            </m:ctrlPr>
+                          </m:sSubPr>
+                          <m:e>
+                            <m:r>
+                              <a:rPr lang="en-US" sz="2000" b="0" i="1" smtClean="0">
+                                <a:latin typeface="Cambria Math" panose="02040503050406030204" pitchFamily="18" charset="0"/>
+                                <a:cs typeface="Arial" panose="020B0604020202020204" pitchFamily="34" charset="0"/>
+                              </a:rPr>
+                              <m:t>𝑞</m:t>
+                            </m:r>
+                          </m:e>
+                          <m:sub>
+                            <m:r>
+                              <a:rPr lang="en-US" sz="2000" b="0" i="1" smtClean="0">
+                                <a:latin typeface="Cambria Math" panose="02040503050406030204" pitchFamily="18" charset="0"/>
+                                <a:cs typeface="Arial" panose="020B0604020202020204" pitchFamily="34" charset="0"/>
+                              </a:rPr>
+                              <m:t>1</m:t>
+                            </m:r>
+                          </m:sub>
+                        </m:sSub>
                       </m:oMath>
                     </m:oMathPara>
                   </a14:m>
@@ -8037,7 +10287,7 @@
           <mc:Fallback>
             <p:sp>
               <p:nvSpPr>
-                <p:cNvPr id="65" name="TextBox 64"/>
+                <p:cNvPr id="22" name="TextBox 21"/>
                 <p:cNvSpPr txBox="1">
                   <a:spLocks noRot="1" noChangeAspect="1" noMove="1" noResize="1" noEditPoints="1" noAdjustHandles="1" noChangeArrowheads="1" noChangeShapeType="1" noTextEdit="1"/>
                 </p:cNvSpPr>
@@ -8045,16 +10295,16 @@
               </p:nvSpPr>
               <p:spPr>
                 <a:xfrm>
-                  <a:off x="880640" y="5305986"/>
-                  <a:ext cx="443519" cy="307777"/>
+                  <a:off x="1824295" y="4447910"/>
+                  <a:ext cx="317074" cy="307777"/>
                 </a:xfrm>
                 <a:prstGeom prst="rect">
                   <a:avLst/>
                 </a:prstGeom>
                 <a:blipFill>
-                  <a:blip r:embed="rId17"/>
+                  <a:blip r:embed="rId33"/>
                   <a:stretch>
-                    <a:fillRect l="-10959" r="-13699" b="-29412"/>
+                    <a:fillRect l="-17308" r="-5769" b="-30000"/>
                   </a:stretch>
                 </a:blipFill>
               </p:spPr>
@@ -8077,14 +10327,14 @@
           <mc:Choice xmlns:a14="http://schemas.microsoft.com/office/drawing/2010/main" Requires="a14">
             <p:sp>
               <p:nvSpPr>
-                <p:cNvPr id="66" name="TextBox 65"/>
+                <p:cNvPr id="61" name="TextBox 60"/>
                 <p:cNvSpPr txBox="1"/>
                 <p:nvPr/>
               </p:nvSpPr>
               <p:spPr>
                 <a:xfrm>
-                  <a:off x="1846970" y="4841808"/>
-                  <a:ext cx="408510" cy="307777"/>
+                  <a:off x="3116076" y="3188892"/>
+                  <a:ext cx="323037" cy="307777"/>
                 </a:xfrm>
                 <a:prstGeom prst="rect">
                   <a:avLst/>
@@ -8097,27 +10347,40 @@
                 </a:bodyPr>
                 <a:lstStyle/>
                 <a:p>
-                  <a:pPr/>
                   <a14:m>
                     <m:oMathPara xmlns:m="http://schemas.openxmlformats.org/officeDocument/2006/math">
                       <m:oMathParaPr>
                         <m:jc m:val="centerGroup"/>
                       </m:oMathParaPr>
                       <m:oMath xmlns:m="http://schemas.openxmlformats.org/officeDocument/2006/math">
-                        <m:r>
-                          <a:rPr lang="en-US" sz="2000" b="0" i="1" smtClean="0">
-                            <a:latin typeface="Cambria Math" panose="02040503050406030204" pitchFamily="18" charset="0"/>
-                            <a:cs typeface="Arial" panose="020B0604020202020204" pitchFamily="34" charset="0"/>
-                          </a:rPr>
-                          <m:t>+</m:t>
-                        </m:r>
-                        <m:r>
-                          <a:rPr lang="en-US" sz="2000" b="0" i="1" smtClean="0">
-                            <a:latin typeface="Cambria Math" panose="02040503050406030204" pitchFamily="18" charset="0"/>
-                            <a:cs typeface="Arial" panose="020B0604020202020204" pitchFamily="34" charset="0"/>
-                          </a:rPr>
-                          <m:t>𝑞</m:t>
-                        </m:r>
+                        <m:sSub>
+                          <m:sSubPr>
+                            <m:ctrlPr>
+                              <a:rPr lang="en-US" sz="2000" b="0" i="1" smtClean="0">
+                                <a:latin typeface="Cambria Math" panose="02040503050406030204" pitchFamily="18" charset="0"/>
+                                <a:cs typeface="Arial" panose="020B0604020202020204" pitchFamily="34" charset="0"/>
+                              </a:rPr>
+                            </m:ctrlPr>
+                          </m:sSubPr>
+                          <m:e>
+                            <m:r>
+                              <a:rPr lang="en-US" sz="2000" b="0" i="1" smtClean="0">
+                                <a:latin typeface="Cambria Math" panose="02040503050406030204" pitchFamily="18" charset="0"/>
+                                <a:cs typeface="Arial" panose="020B0604020202020204" pitchFamily="34" charset="0"/>
+                              </a:rPr>
+                              <m:t>𝑞</m:t>
+                            </m:r>
+                          </m:e>
+                          <m:sub>
+                            <m:r>
+                              <a:rPr lang="en-US" sz="2000" b="0" i="1" smtClean="0">
+                                <a:latin typeface="Cambria Math" panose="02040503050406030204" pitchFamily="18" charset="0"/>
+                                <a:cs typeface="Arial" panose="020B0604020202020204" pitchFamily="34" charset="0"/>
+                              </a:rPr>
+                              <m:t>2</m:t>
+                            </m:r>
+                          </m:sub>
+                        </m:sSub>
                       </m:oMath>
                     </m:oMathPara>
                   </a14:m>
@@ -8132,7 +10395,7 @@
           <mc:Fallback>
             <p:sp>
               <p:nvSpPr>
-                <p:cNvPr id="66" name="TextBox 65"/>
+                <p:cNvPr id="61" name="TextBox 60"/>
                 <p:cNvSpPr txBox="1">
                   <a:spLocks noRot="1" noChangeAspect="1" noMove="1" noResize="1" noEditPoints="1" noAdjustHandles="1" noChangeArrowheads="1" noChangeShapeType="1" noTextEdit="1"/>
                 </p:cNvSpPr>
@@ -8140,16 +10403,565 @@
               </p:nvSpPr>
               <p:spPr>
                 <a:xfrm>
-                  <a:off x="1846970" y="4841808"/>
-                  <a:ext cx="408510" cy="307777"/>
+                  <a:off x="3116076" y="3188892"/>
+                  <a:ext cx="323037" cy="307777"/>
                 </a:xfrm>
                 <a:prstGeom prst="rect">
                   <a:avLst/>
                 </a:prstGeom>
                 <a:blipFill>
-                  <a:blip r:embed="rId18"/>
+                  <a:blip r:embed="rId34"/>
                   <a:stretch>
-                    <a:fillRect l="-11940" r="-11940" b="-27451"/>
+                    <a:fillRect l="-16981" r="-7547" b="-27451"/>
+                  </a:stretch>
+                </a:blipFill>
+              </p:spPr>
+              <p:txBody>
+                <a:bodyPr/>
+                <a:lstStyle/>
+                <a:p>
+                  <a:r>
+                    <a:rPr lang="en-US">
+                      <a:noFill/>
+                    </a:rPr>
+                    <a:t> </a:t>
+                  </a:r>
+                </a:p>
+              </p:txBody>
+            </p:sp>
+          </mc:Fallback>
+        </mc:AlternateContent>
+        <mc:AlternateContent xmlns:mc="http://schemas.openxmlformats.org/markup-compatibility/2006">
+          <mc:Choice xmlns:a14="http://schemas.microsoft.com/office/drawing/2010/main" Requires="a14">
+            <p:sp>
+              <p:nvSpPr>
+                <p:cNvPr id="62" name="TextBox 61"/>
+                <p:cNvSpPr txBox="1"/>
+                <p:nvPr/>
+              </p:nvSpPr>
+              <p:spPr>
+                <a:xfrm>
+                  <a:off x="3956656" y="3723335"/>
+                  <a:ext cx="323037" cy="307777"/>
+                </a:xfrm>
+                <a:prstGeom prst="rect">
+                  <a:avLst/>
+                </a:prstGeom>
+                <a:noFill/>
+              </p:spPr>
+              <p:txBody>
+                <a:bodyPr wrap="none" lIns="0" tIns="0" rIns="0" bIns="0" rtlCol="0">
+                  <a:spAutoFit/>
+                </a:bodyPr>
+                <a:lstStyle/>
+                <a:p>
+                  <a14:m>
+                    <m:oMathPara xmlns:m="http://schemas.openxmlformats.org/officeDocument/2006/math">
+                      <m:oMathParaPr>
+                        <m:jc m:val="centerGroup"/>
+                      </m:oMathParaPr>
+                      <m:oMath xmlns:m="http://schemas.openxmlformats.org/officeDocument/2006/math">
+                        <m:sSub>
+                          <m:sSubPr>
+                            <m:ctrlPr>
+                              <a:rPr lang="en-US" sz="2000" b="0" i="1" smtClean="0">
+                                <a:latin typeface="Cambria Math" panose="02040503050406030204" pitchFamily="18" charset="0"/>
+                                <a:cs typeface="Arial" panose="020B0604020202020204" pitchFamily="34" charset="0"/>
+                              </a:rPr>
+                            </m:ctrlPr>
+                          </m:sSubPr>
+                          <m:e>
+                            <m:r>
+                              <a:rPr lang="en-US" sz="2000" b="0" i="1" smtClean="0">
+                                <a:latin typeface="Cambria Math" panose="02040503050406030204" pitchFamily="18" charset="0"/>
+                                <a:cs typeface="Arial" panose="020B0604020202020204" pitchFamily="34" charset="0"/>
+                              </a:rPr>
+                              <m:t>𝑞</m:t>
+                            </m:r>
+                          </m:e>
+                          <m:sub>
+                            <m:r>
+                              <a:rPr lang="en-US" sz="2000" b="0" i="1" smtClean="0">
+                                <a:latin typeface="Cambria Math" panose="02040503050406030204" pitchFamily="18" charset="0"/>
+                                <a:cs typeface="Arial" panose="020B0604020202020204" pitchFamily="34" charset="0"/>
+                              </a:rPr>
+                              <m:t>3</m:t>
+                            </m:r>
+                          </m:sub>
+                        </m:sSub>
+                      </m:oMath>
+                    </m:oMathPara>
+                  </a14:m>
+                  <a:endParaRPr lang="en-US" sz="2000" dirty="0" smtClean="0">
+                    <a:latin typeface="Arial" panose="020B0604020202020204" pitchFamily="34" charset="0"/>
+                    <a:cs typeface="Arial" panose="020B0604020202020204" pitchFamily="34" charset="0"/>
+                  </a:endParaRPr>
+                </a:p>
+              </p:txBody>
+            </p:sp>
+          </mc:Choice>
+          <mc:Fallback>
+            <p:sp>
+              <p:nvSpPr>
+                <p:cNvPr id="62" name="TextBox 61"/>
+                <p:cNvSpPr txBox="1">
+                  <a:spLocks noRot="1" noChangeAspect="1" noMove="1" noResize="1" noEditPoints="1" noAdjustHandles="1" noChangeArrowheads="1" noChangeShapeType="1" noTextEdit="1"/>
+                </p:cNvSpPr>
+                <p:nvPr/>
+              </p:nvSpPr>
+              <p:spPr>
+                <a:xfrm>
+                  <a:off x="3956656" y="3723335"/>
+                  <a:ext cx="323037" cy="307777"/>
+                </a:xfrm>
+                <a:prstGeom prst="rect">
+                  <a:avLst/>
+                </a:prstGeom>
+                <a:blipFill>
+                  <a:blip r:embed="rId35"/>
+                  <a:stretch>
+                    <a:fillRect l="-16981" r="-7547" b="-30000"/>
+                  </a:stretch>
+                </a:blipFill>
+              </p:spPr>
+              <p:txBody>
+                <a:bodyPr/>
+                <a:lstStyle/>
+                <a:p>
+                  <a:r>
+                    <a:rPr lang="en-US">
+                      <a:noFill/>
+                    </a:rPr>
+                    <a:t> </a:t>
+                  </a:r>
+                </a:p>
+              </p:txBody>
+            </p:sp>
+          </mc:Fallback>
+        </mc:AlternateContent>
+        <p:cxnSp>
+          <p:nvCxnSpPr>
+            <p:cNvPr id="25" name="Straight Connector 24"/>
+            <p:cNvCxnSpPr>
+              <a:stCxn id="21" idx="7"/>
+              <a:endCxn id="58" idx="3"/>
+            </p:cNvCxnSpPr>
+            <p:nvPr/>
+          </p:nvCxnSpPr>
+          <p:spPr>
+            <a:xfrm flipV="1">
+              <a:off x="2373745" y="3778240"/>
+              <a:ext cx="774105" cy="844550"/>
+            </a:xfrm>
+            <a:prstGeom prst="line">
+              <a:avLst/>
+            </a:prstGeom>
+            <a:ln w="19050">
+              <a:solidFill>
+                <a:schemeClr val="tx1"/>
+              </a:solidFill>
+              <a:prstDash val="sysDot"/>
+            </a:ln>
+          </p:spPr>
+          <p:style>
+            <a:lnRef idx="1">
+              <a:schemeClr val="accent1"/>
+            </a:lnRef>
+            <a:fillRef idx="0">
+              <a:schemeClr val="accent1"/>
+            </a:fillRef>
+            <a:effectRef idx="0">
+              <a:schemeClr val="accent1"/>
+            </a:effectRef>
+            <a:fontRef idx="minor">
+              <a:schemeClr val="tx1"/>
+            </a:fontRef>
+          </p:style>
+        </p:cxnSp>
+        <p:cxnSp>
+          <p:nvCxnSpPr>
+            <p:cNvPr id="78" name="Straight Connector 77"/>
+            <p:cNvCxnSpPr>
+              <a:stCxn id="59" idx="1"/>
+              <a:endCxn id="58" idx="5"/>
+            </p:cNvCxnSpPr>
+            <p:nvPr/>
+          </p:nvCxnSpPr>
+          <p:spPr>
+            <a:xfrm flipH="1" flipV="1">
+              <a:off x="3301267" y="3778240"/>
+              <a:ext cx="578681" cy="302749"/>
+            </a:xfrm>
+            <a:prstGeom prst="line">
+              <a:avLst/>
+            </a:prstGeom>
+            <a:ln w="19050">
+              <a:solidFill>
+                <a:schemeClr val="tx1"/>
+              </a:solidFill>
+              <a:prstDash val="sysDot"/>
+            </a:ln>
+          </p:spPr>
+          <p:style>
+            <a:lnRef idx="1">
+              <a:schemeClr val="accent1"/>
+            </a:lnRef>
+            <a:fillRef idx="0">
+              <a:schemeClr val="accent1"/>
+            </a:fillRef>
+            <a:effectRef idx="0">
+              <a:schemeClr val="accent1"/>
+            </a:effectRef>
+            <a:fontRef idx="minor">
+              <a:schemeClr val="tx1"/>
+            </a:fontRef>
+          </p:style>
+        </p:cxnSp>
+        <p:cxnSp>
+          <p:nvCxnSpPr>
+            <p:cNvPr id="79" name="Straight Connector 78"/>
+            <p:cNvCxnSpPr>
+              <a:stCxn id="59" idx="3"/>
+              <a:endCxn id="21" idx="6"/>
+            </p:cNvCxnSpPr>
+            <p:nvPr/>
+          </p:nvCxnSpPr>
+          <p:spPr>
+            <a:xfrm flipH="1">
+              <a:off x="2405519" y="4234406"/>
+              <a:ext cx="1474429" cy="465093"/>
+            </a:xfrm>
+            <a:prstGeom prst="line">
+              <a:avLst/>
+            </a:prstGeom>
+            <a:ln w="19050">
+              <a:solidFill>
+                <a:schemeClr val="tx1"/>
+              </a:solidFill>
+              <a:prstDash val="sysDot"/>
+            </a:ln>
+          </p:spPr>
+          <p:style>
+            <a:lnRef idx="1">
+              <a:schemeClr val="accent1"/>
+            </a:lnRef>
+            <a:fillRef idx="0">
+              <a:schemeClr val="accent1"/>
+            </a:fillRef>
+            <a:effectRef idx="0">
+              <a:schemeClr val="accent1"/>
+            </a:effectRef>
+            <a:fontRef idx="minor">
+              <a:schemeClr val="tx1"/>
+            </a:fontRef>
+          </p:style>
+        </p:cxnSp>
+        <mc:AlternateContent xmlns:mc="http://schemas.openxmlformats.org/markup-compatibility/2006">
+          <mc:Choice xmlns:a14="http://schemas.microsoft.com/office/drawing/2010/main" Requires="a14">
+            <p:sp>
+              <p:nvSpPr>
+                <p:cNvPr id="47" name="TextBox 46"/>
+                <p:cNvSpPr txBox="1"/>
+                <p:nvPr/>
+              </p:nvSpPr>
+              <p:spPr>
+                <a:xfrm>
+                  <a:off x="2404886" y="3793363"/>
+                  <a:ext cx="386901" cy="307777"/>
+                </a:xfrm>
+                <a:prstGeom prst="rect">
+                  <a:avLst/>
+                </a:prstGeom>
+                <a:noFill/>
+              </p:spPr>
+              <p:txBody>
+                <a:bodyPr wrap="none" lIns="0" tIns="0" rIns="0" bIns="0" rtlCol="0">
+                  <a:spAutoFit/>
+                </a:bodyPr>
+                <a:lstStyle/>
+                <a:p>
+                  <a14:m>
+                    <m:oMathPara xmlns:m="http://schemas.openxmlformats.org/officeDocument/2006/math">
+                      <m:oMathParaPr>
+                        <m:jc m:val="centerGroup"/>
+                      </m:oMathParaPr>
+                      <m:oMath xmlns:m="http://schemas.openxmlformats.org/officeDocument/2006/math">
+                        <m:sSub>
+                          <m:sSubPr>
+                            <m:ctrlPr>
+                              <a:rPr lang="en-US" sz="2000" b="0" i="1" smtClean="0">
+                                <a:latin typeface="Cambria Math" panose="02040503050406030204" pitchFamily="18" charset="0"/>
+                                <a:cs typeface="Arial" panose="020B0604020202020204" pitchFamily="34" charset="0"/>
+                              </a:rPr>
+                            </m:ctrlPr>
+                          </m:sSubPr>
+                          <m:e>
+                            <m:r>
+                              <a:rPr lang="en-US" sz="2000" b="0" i="1" smtClean="0">
+                                <a:latin typeface="Cambria Math" panose="02040503050406030204" pitchFamily="18" charset="0"/>
+                                <a:cs typeface="Arial" panose="020B0604020202020204" pitchFamily="34" charset="0"/>
+                              </a:rPr>
+                              <m:t>𝑟</m:t>
+                            </m:r>
+                          </m:e>
+                          <m:sub>
+                            <m:r>
+                              <a:rPr lang="en-US" sz="2000" b="0" i="1" smtClean="0">
+                                <a:latin typeface="Cambria Math" panose="02040503050406030204" pitchFamily="18" charset="0"/>
+                                <a:cs typeface="Arial" panose="020B0604020202020204" pitchFamily="34" charset="0"/>
+                              </a:rPr>
+                              <m:t>12</m:t>
+                            </m:r>
+                          </m:sub>
+                        </m:sSub>
+                      </m:oMath>
+                    </m:oMathPara>
+                  </a14:m>
+                  <a:endParaRPr lang="en-US" sz="2000" dirty="0" smtClean="0">
+                    <a:latin typeface="Arial" panose="020B0604020202020204" pitchFamily="34" charset="0"/>
+                    <a:cs typeface="Arial" panose="020B0604020202020204" pitchFamily="34" charset="0"/>
+                  </a:endParaRPr>
+                </a:p>
+              </p:txBody>
+            </p:sp>
+          </mc:Choice>
+          <mc:Fallback>
+            <p:sp>
+              <p:nvSpPr>
+                <p:cNvPr id="47" name="TextBox 46"/>
+                <p:cNvSpPr txBox="1">
+                  <a:spLocks noRot="1" noChangeAspect="1" noMove="1" noResize="1" noEditPoints="1" noAdjustHandles="1" noChangeArrowheads="1" noChangeShapeType="1" noTextEdit="1"/>
+                </p:cNvSpPr>
+                <p:nvPr/>
+              </p:nvSpPr>
+              <p:spPr>
+                <a:xfrm>
+                  <a:off x="2404886" y="3793363"/>
+                  <a:ext cx="386901" cy="307777"/>
+                </a:xfrm>
+                <a:prstGeom prst="rect">
+                  <a:avLst/>
+                </a:prstGeom>
+                <a:blipFill>
+                  <a:blip r:embed="rId36"/>
+                  <a:stretch>
+                    <a:fillRect l="-7937" r="-4762" b="-19608"/>
+                  </a:stretch>
+                </a:blipFill>
+              </p:spPr>
+              <p:txBody>
+                <a:bodyPr/>
+                <a:lstStyle/>
+                <a:p>
+                  <a:r>
+                    <a:rPr lang="en-US">
+                      <a:noFill/>
+                    </a:rPr>
+                    <a:t> </a:t>
+                  </a:r>
+                </a:p>
+              </p:txBody>
+            </p:sp>
+          </mc:Fallback>
+        </mc:AlternateContent>
+        <mc:AlternateContent xmlns:mc="http://schemas.openxmlformats.org/markup-compatibility/2006">
+          <mc:Choice xmlns:a14="http://schemas.microsoft.com/office/drawing/2010/main" Requires="a14">
+            <p:sp>
+              <p:nvSpPr>
+                <p:cNvPr id="80" name="TextBox 79"/>
+                <p:cNvSpPr txBox="1"/>
+                <p:nvPr/>
+              </p:nvSpPr>
+              <p:spPr>
+                <a:xfrm>
+                  <a:off x="3554265" y="3568086"/>
+                  <a:ext cx="392864" cy="307777"/>
+                </a:xfrm>
+                <a:prstGeom prst="rect">
+                  <a:avLst/>
+                </a:prstGeom>
+                <a:noFill/>
+              </p:spPr>
+              <p:txBody>
+                <a:bodyPr wrap="none" lIns="0" tIns="0" rIns="0" bIns="0" rtlCol="0">
+                  <a:spAutoFit/>
+                </a:bodyPr>
+                <a:lstStyle/>
+                <a:p>
+                  <a14:m>
+                    <m:oMathPara xmlns:m="http://schemas.openxmlformats.org/officeDocument/2006/math">
+                      <m:oMathParaPr>
+                        <m:jc m:val="centerGroup"/>
+                      </m:oMathParaPr>
+                      <m:oMath xmlns:m="http://schemas.openxmlformats.org/officeDocument/2006/math">
+                        <m:sSub>
+                          <m:sSubPr>
+                            <m:ctrlPr>
+                              <a:rPr lang="en-US" sz="2000" b="0" i="1" smtClean="0">
+                                <a:latin typeface="Cambria Math" panose="02040503050406030204" pitchFamily="18" charset="0"/>
+                                <a:cs typeface="Arial" panose="020B0604020202020204" pitchFamily="34" charset="0"/>
+                              </a:rPr>
+                            </m:ctrlPr>
+                          </m:sSubPr>
+                          <m:e>
+                            <m:r>
+                              <a:rPr lang="en-US" sz="2000" b="0" i="1" smtClean="0">
+                                <a:latin typeface="Cambria Math" panose="02040503050406030204" pitchFamily="18" charset="0"/>
+                                <a:cs typeface="Arial" panose="020B0604020202020204" pitchFamily="34" charset="0"/>
+                              </a:rPr>
+                              <m:t>𝑟</m:t>
+                            </m:r>
+                          </m:e>
+                          <m:sub>
+                            <m:r>
+                              <a:rPr lang="en-US" sz="2000" b="0" i="1" smtClean="0">
+                                <a:latin typeface="Cambria Math" panose="02040503050406030204" pitchFamily="18" charset="0"/>
+                                <a:cs typeface="Arial" panose="020B0604020202020204" pitchFamily="34" charset="0"/>
+                              </a:rPr>
+                              <m:t>23</m:t>
+                            </m:r>
+                          </m:sub>
+                        </m:sSub>
+                      </m:oMath>
+                    </m:oMathPara>
+                  </a14:m>
+                  <a:endParaRPr lang="en-US" sz="2000" dirty="0" smtClean="0">
+                    <a:latin typeface="Arial" panose="020B0604020202020204" pitchFamily="34" charset="0"/>
+                    <a:cs typeface="Arial" panose="020B0604020202020204" pitchFamily="34" charset="0"/>
+                  </a:endParaRPr>
+                </a:p>
+              </p:txBody>
+            </p:sp>
+          </mc:Choice>
+          <mc:Fallback>
+            <p:sp>
+              <p:nvSpPr>
+                <p:cNvPr id="80" name="TextBox 79"/>
+                <p:cNvSpPr txBox="1">
+                  <a:spLocks noRot="1" noChangeAspect="1" noMove="1" noResize="1" noEditPoints="1" noAdjustHandles="1" noChangeArrowheads="1" noChangeShapeType="1" noTextEdit="1"/>
+                </p:cNvSpPr>
+                <p:nvPr/>
+              </p:nvSpPr>
+              <p:spPr>
+                <a:xfrm>
+                  <a:off x="3554265" y="3568086"/>
+                  <a:ext cx="392864" cy="307777"/>
+                </a:xfrm>
+                <a:prstGeom prst="rect">
+                  <a:avLst/>
+                </a:prstGeom>
+                <a:blipFill>
+                  <a:blip r:embed="rId37"/>
+                  <a:stretch>
+                    <a:fillRect l="-6250" r="-6250" b="-19608"/>
+                  </a:stretch>
+                </a:blipFill>
+              </p:spPr>
+              <p:txBody>
+                <a:bodyPr/>
+                <a:lstStyle/>
+                <a:p>
+                  <a:r>
+                    <a:rPr lang="en-US">
+                      <a:noFill/>
+                    </a:rPr>
+                    <a:t> </a:t>
+                  </a:r>
+                </a:p>
+              </p:txBody>
+            </p:sp>
+          </mc:Fallback>
+        </mc:AlternateContent>
+        <mc:AlternateContent xmlns:mc="http://schemas.openxmlformats.org/markup-compatibility/2006">
+          <mc:Choice xmlns:a14="http://schemas.microsoft.com/office/drawing/2010/main" Requires="a14">
+            <p:sp>
+              <p:nvSpPr>
+                <p:cNvPr id="81" name="TextBox 80"/>
+                <p:cNvSpPr txBox="1"/>
+                <p:nvPr/>
+              </p:nvSpPr>
+              <p:spPr>
+                <a:xfrm>
+                  <a:off x="3281158" y="4373495"/>
+                  <a:ext cx="386901" cy="307777"/>
+                </a:xfrm>
+                <a:prstGeom prst="rect">
+                  <a:avLst/>
+                </a:prstGeom>
+                <a:noFill/>
+              </p:spPr>
+              <p:txBody>
+                <a:bodyPr wrap="none" lIns="0" tIns="0" rIns="0" bIns="0" rtlCol="0">
+                  <a:spAutoFit/>
+                </a:bodyPr>
+                <a:lstStyle/>
+                <a:p>
+                  <a14:m>
+                    <m:oMathPara xmlns:m="http://schemas.openxmlformats.org/officeDocument/2006/math">
+                      <m:oMathParaPr>
+                        <m:jc m:val="centerGroup"/>
+                      </m:oMathParaPr>
+                      <m:oMath xmlns:m="http://schemas.openxmlformats.org/officeDocument/2006/math">
+                        <m:sSub>
+                          <m:sSubPr>
+                            <m:ctrlPr>
+                              <a:rPr lang="en-US" sz="2000" b="0" i="1" smtClean="0">
+                                <a:latin typeface="Cambria Math" panose="02040503050406030204" pitchFamily="18" charset="0"/>
+                                <a:cs typeface="Arial" panose="020B0604020202020204" pitchFamily="34" charset="0"/>
+                              </a:rPr>
+                            </m:ctrlPr>
+                          </m:sSubPr>
+                          <m:e>
+                            <m:r>
+                              <a:rPr lang="en-US" sz="2000" b="0" i="1" smtClean="0">
+                                <a:latin typeface="Cambria Math" panose="02040503050406030204" pitchFamily="18" charset="0"/>
+                                <a:cs typeface="Arial" panose="020B0604020202020204" pitchFamily="34" charset="0"/>
+                              </a:rPr>
+                              <m:t>𝑟</m:t>
+                            </m:r>
+                          </m:e>
+                          <m:sub>
+                            <m:r>
+                              <a:rPr lang="en-US" sz="2000" b="0" i="1" smtClean="0">
+                                <a:latin typeface="Cambria Math" panose="02040503050406030204" pitchFamily="18" charset="0"/>
+                                <a:cs typeface="Arial" panose="020B0604020202020204" pitchFamily="34" charset="0"/>
+                              </a:rPr>
+                              <m:t>13</m:t>
+                            </m:r>
+                          </m:sub>
+                        </m:sSub>
+                      </m:oMath>
+                    </m:oMathPara>
+                  </a14:m>
+                  <a:endParaRPr lang="en-US" sz="2000" dirty="0" smtClean="0">
+                    <a:latin typeface="Arial" panose="020B0604020202020204" pitchFamily="34" charset="0"/>
+                    <a:cs typeface="Arial" panose="020B0604020202020204" pitchFamily="34" charset="0"/>
+                  </a:endParaRPr>
+                </a:p>
+              </p:txBody>
+            </p:sp>
+          </mc:Choice>
+          <mc:Fallback>
+            <p:sp>
+              <p:nvSpPr>
+                <p:cNvPr id="81" name="TextBox 80"/>
+                <p:cNvSpPr txBox="1">
+                  <a:spLocks noRot="1" noChangeAspect="1" noMove="1" noResize="1" noEditPoints="1" noAdjustHandles="1" noChangeArrowheads="1" noChangeShapeType="1" noTextEdit="1"/>
+                </p:cNvSpPr>
+                <p:nvPr/>
+              </p:nvSpPr>
+              <p:spPr>
+                <a:xfrm>
+                  <a:off x="3281158" y="4373495"/>
+                  <a:ext cx="386901" cy="307777"/>
+                </a:xfrm>
+                <a:prstGeom prst="rect">
+                  <a:avLst/>
+                </a:prstGeom>
+                <a:blipFill>
+                  <a:blip r:embed="rId38"/>
+                  <a:stretch>
+                    <a:fillRect l="-6250" r="-4688" b="-19608"/>
                   </a:stretch>
                 </a:blipFill>
               </p:spPr>

--- a/tex/figures/Potential/Figures.pptx
+++ b/tex/figures/Potential/Figures.pptx
@@ -8336,7 +8336,7 @@
         </p:nvGrpSpPr>
         <p:grpSpPr>
           <a:xfrm>
-            <a:off x="5908004" y="441046"/>
+            <a:off x="5372447" y="1015901"/>
             <a:ext cx="4031829" cy="3825134"/>
             <a:chOff x="6031847" y="1236415"/>
             <a:chExt cx="4031829" cy="3825134"/>
@@ -8553,7 +8553,7 @@
                   <a:blipFill>
                     <a:blip r:embed="rId20"/>
                     <a:stretch>
-                      <a:fillRect l="-26471" r="-23529" b="-9804"/>
+                      <a:fillRect l="-25714" r="-20000" b="-10000"/>
                     </a:stretch>
                   </a:blipFill>
                 </p:spPr>
@@ -8850,7 +8850,7 @@
                   <a:blipFill>
                     <a:blip r:embed="rId21"/>
                     <a:stretch>
-                      <a:fillRect l="-11940" r="-5970" b="-9804"/>
+                      <a:fillRect l="-11940" r="-5970" b="-12000"/>
                     </a:stretch>
                   </a:blipFill>
                 </p:spPr>
@@ -8947,7 +8947,7 @@
                   <a:blipFill>
                     <a:blip r:embed="rId22"/>
                     <a:stretch>
-                      <a:fillRect l="-2985" r="-5970" b="-2000"/>
+                      <a:fillRect l="-2985" r="-5970" b="-1961"/>
                     </a:stretch>
                   </a:blipFill>
                 </p:spPr>
@@ -9105,7 +9105,7 @@
                   <a:blipFill>
                     <a:blip r:embed="rId23"/>
                     <a:stretch>
-                      <a:fillRect l="-13333" r="-5000" b="-15789"/>
+                      <a:fillRect l="-15254" r="-5085" b="-15789"/>
                     </a:stretch>
                   </a:blipFill>
                 </p:spPr>
@@ -9263,7 +9263,7 @@
                   <a:blipFill>
                     <a:blip r:embed="rId24"/>
                     <a:stretch>
-                      <a:fillRect l="-15254" b="-8929"/>
+                      <a:fillRect l="-15000" b="-8772"/>
                     </a:stretch>
                   </a:blipFill>
                 </p:spPr>
@@ -9400,7 +9400,7 @@
                   <a:blipFill>
                     <a:blip r:embed="rId25"/>
                     <a:stretch>
-                      <a:fillRect l="-20000" r="-17500" b="-8772"/>
+                      <a:fillRect l="-20000" r="-17500" b="-8929"/>
                     </a:stretch>
                   </a:blipFill>
                 </p:spPr>
@@ -11018,6 +11018,4886 @@
           <a:chExt cx="0" cy="0"/>
         </a:xfrm>
       </p:grpSpPr>
+      <p:grpSp>
+        <p:nvGrpSpPr>
+          <p:cNvPr id="23" name="Group 22"/>
+          <p:cNvGrpSpPr/>
+          <p:nvPr/>
+        </p:nvGrpSpPr>
+        <p:grpSpPr>
+          <a:xfrm>
+            <a:off x="232432" y="1409593"/>
+            <a:ext cx="3625480" cy="3408868"/>
+            <a:chOff x="2013607" y="1876318"/>
+            <a:chExt cx="3625480" cy="3408868"/>
+          </a:xfrm>
+        </p:grpSpPr>
+        <p:grpSp>
+          <p:nvGrpSpPr>
+            <p:cNvPr id="3" name="Group 2"/>
+            <p:cNvGrpSpPr/>
+            <p:nvPr/>
+          </p:nvGrpSpPr>
+          <p:grpSpPr>
+            <a:xfrm rot="16200000">
+              <a:off x="2687930" y="2214975"/>
+              <a:ext cx="2847336" cy="3054979"/>
+              <a:chOff x="6071266" y="1656427"/>
+              <a:chExt cx="2847336" cy="3054979"/>
+            </a:xfrm>
+          </p:grpSpPr>
+          <p:sp>
+            <p:nvSpPr>
+              <p:cNvPr id="9" name="Rectangle 8"/>
+              <p:cNvSpPr/>
+              <p:nvPr/>
+            </p:nvSpPr>
+            <p:spPr>
+              <a:xfrm>
+                <a:off x="6127539" y="1656427"/>
+                <a:ext cx="145670" cy="2692289"/>
+              </a:xfrm>
+              <a:prstGeom prst="rect">
+                <a:avLst/>
+              </a:prstGeom>
+              <a:noFill/>
+              <a:ln w="38100">
+                <a:solidFill>
+                  <a:schemeClr val="tx1"/>
+                </a:solidFill>
+              </a:ln>
+            </p:spPr>
+            <p:style>
+              <a:lnRef idx="2">
+                <a:schemeClr val="accent1">
+                  <a:shade val="50000"/>
+                </a:schemeClr>
+              </a:lnRef>
+              <a:fillRef idx="1">
+                <a:schemeClr val="accent1"/>
+              </a:fillRef>
+              <a:effectRef idx="0">
+                <a:schemeClr val="accent1"/>
+              </a:effectRef>
+              <a:fontRef idx="minor">
+                <a:schemeClr val="lt1"/>
+              </a:fontRef>
+            </p:style>
+            <p:txBody>
+              <a:bodyPr rtlCol="0" anchor="ctr"/>
+              <a:lstStyle/>
+              <a:p>
+                <a:pPr algn="ctr"/>
+                <a:endParaRPr lang="en-US"/>
+              </a:p>
+            </p:txBody>
+          </p:sp>
+          <p:sp>
+            <p:nvSpPr>
+              <p:cNvPr id="10" name="Rectangle 9"/>
+              <p:cNvSpPr/>
+              <p:nvPr/>
+            </p:nvSpPr>
+            <p:spPr>
+              <a:xfrm>
+                <a:off x="8705950" y="1656427"/>
+                <a:ext cx="145670" cy="2692289"/>
+              </a:xfrm>
+              <a:prstGeom prst="rect">
+                <a:avLst/>
+              </a:prstGeom>
+              <a:noFill/>
+              <a:ln w="38100">
+                <a:solidFill>
+                  <a:schemeClr val="tx1"/>
+                </a:solidFill>
+              </a:ln>
+            </p:spPr>
+            <p:style>
+              <a:lnRef idx="2">
+                <a:schemeClr val="accent1">
+                  <a:shade val="50000"/>
+                </a:schemeClr>
+              </a:lnRef>
+              <a:fillRef idx="1">
+                <a:schemeClr val="accent1"/>
+              </a:fillRef>
+              <a:effectRef idx="0">
+                <a:schemeClr val="accent1"/>
+              </a:effectRef>
+              <a:fontRef idx="minor">
+                <a:schemeClr val="lt1"/>
+              </a:fontRef>
+            </p:style>
+            <p:txBody>
+              <a:bodyPr rtlCol="0" anchor="ctr"/>
+              <a:lstStyle/>
+              <a:p>
+                <a:pPr algn="ctr"/>
+                <a:endParaRPr lang="en-US"/>
+              </a:p>
+            </p:txBody>
+          </p:sp>
+          <p:cxnSp>
+            <p:nvCxnSpPr>
+              <p:cNvPr id="11" name="Straight Arrow Connector 10"/>
+              <p:cNvCxnSpPr/>
+              <p:nvPr/>
+            </p:nvCxnSpPr>
+            <p:spPr>
+              <a:xfrm>
+                <a:off x="6360665" y="4441612"/>
+                <a:ext cx="2305150" cy="0"/>
+              </a:xfrm>
+              <a:prstGeom prst="straightConnector1">
+                <a:avLst/>
+              </a:prstGeom>
+              <a:ln w="38100">
+                <a:solidFill>
+                  <a:schemeClr val="tx1"/>
+                </a:solidFill>
+                <a:headEnd type="triangle"/>
+                <a:tailEnd type="triangle"/>
+              </a:ln>
+            </p:spPr>
+            <p:style>
+              <a:lnRef idx="1">
+                <a:schemeClr val="accent1"/>
+              </a:lnRef>
+              <a:fillRef idx="0">
+                <a:schemeClr val="accent1"/>
+              </a:fillRef>
+              <a:effectRef idx="0">
+                <a:schemeClr val="accent1"/>
+              </a:effectRef>
+              <a:fontRef idx="minor">
+                <a:schemeClr val="tx1"/>
+              </a:fontRef>
+            </p:style>
+          </p:cxnSp>
+          <mc:AlternateContent xmlns:mc="http://schemas.openxmlformats.org/markup-compatibility/2006">
+            <mc:Choice xmlns:a14="http://schemas.microsoft.com/office/drawing/2010/main" Requires="a14">
+              <p:sp>
+                <p:nvSpPr>
+                  <p:cNvPr id="12" name="TextBox 11"/>
+                  <p:cNvSpPr txBox="1"/>
+                  <p:nvPr/>
+                </p:nvSpPr>
+                <p:spPr>
+                  <a:xfrm rot="5400000">
+                    <a:off x="7468143" y="4451495"/>
+                    <a:ext cx="212045" cy="307777"/>
+                  </a:xfrm>
+                  <a:prstGeom prst="rect">
+                    <a:avLst/>
+                  </a:prstGeom>
+                  <a:noFill/>
+                </p:spPr>
+                <p:txBody>
+                  <a:bodyPr wrap="none" lIns="0" tIns="0" rIns="0" bIns="0" rtlCol="0">
+                    <a:spAutoFit/>
+                  </a:bodyPr>
+                  <a:lstStyle/>
+                  <a:p>
+                    <a14:m>
+                      <m:oMathPara xmlns:m="http://schemas.openxmlformats.org/officeDocument/2006/math">
+                        <m:oMathParaPr>
+                          <m:jc m:val="centerGroup"/>
+                        </m:oMathParaPr>
+                        <m:oMath xmlns:m="http://schemas.openxmlformats.org/officeDocument/2006/math">
+                          <m:r>
+                            <a:rPr lang="en-US" sz="2000" b="0" i="1" smtClean="0">
+                              <a:latin typeface="Cambria Math" panose="02040503050406030204" pitchFamily="18" charset="0"/>
+                              <a:cs typeface="Arial" panose="020B0604020202020204" pitchFamily="34" charset="0"/>
+                            </a:rPr>
+                            <m:t>𝐿</m:t>
+                          </m:r>
+                        </m:oMath>
+                      </m:oMathPara>
+                    </a14:m>
+                    <a:endParaRPr lang="en-US" sz="2000" dirty="0" smtClean="0">
+                      <a:latin typeface="Arial" panose="020B0604020202020204" pitchFamily="34" charset="0"/>
+                      <a:cs typeface="Arial" panose="020B0604020202020204" pitchFamily="34" charset="0"/>
+                    </a:endParaRPr>
+                  </a:p>
+                </p:txBody>
+              </p:sp>
+            </mc:Choice>
+            <mc:Fallback>
+              <p:sp>
+                <p:nvSpPr>
+                  <p:cNvPr id="12" name="TextBox 11"/>
+                  <p:cNvSpPr txBox="1">
+                    <a:spLocks noRot="1" noChangeAspect="1" noMove="1" noResize="1" noEditPoints="1" noAdjustHandles="1" noChangeArrowheads="1" noChangeShapeType="1" noTextEdit="1"/>
+                  </p:cNvSpPr>
+                  <p:nvPr/>
+                </p:nvSpPr>
+                <p:spPr>
+                  <a:xfrm rot="5400000">
+                    <a:off x="7468143" y="4451495"/>
+                    <a:ext cx="212045" cy="307777"/>
+                  </a:xfrm>
+                  <a:prstGeom prst="rect">
+                    <a:avLst/>
+                  </a:prstGeom>
+                  <a:blipFill>
+                    <a:blip r:embed="rId2"/>
+                    <a:stretch>
+                      <a:fillRect l="-22857" r="-22857" b="-9804"/>
+                    </a:stretch>
+                  </a:blipFill>
+                </p:spPr>
+                <p:txBody>
+                  <a:bodyPr/>
+                  <a:lstStyle/>
+                  <a:p>
+                    <a:r>
+                      <a:rPr lang="en-US">
+                        <a:noFill/>
+                      </a:rPr>
+                      <a:t> </a:t>
+                    </a:r>
+                  </a:p>
+                </p:txBody>
+              </p:sp>
+            </mc:Fallback>
+          </mc:AlternateContent>
+          <p:sp>
+            <p:nvSpPr>
+              <p:cNvPr id="13" name="TextBox 12"/>
+              <p:cNvSpPr txBox="1"/>
+              <p:nvPr/>
+            </p:nvSpPr>
+            <p:spPr>
+              <a:xfrm>
+                <a:off x="8610258" y="1701599"/>
+                <a:ext cx="308344" cy="2554545"/>
+              </a:xfrm>
+              <a:prstGeom prst="rect">
+                <a:avLst/>
+              </a:prstGeom>
+              <a:noFill/>
+            </p:spPr>
+            <p:txBody>
+              <a:bodyPr wrap="square" rtlCol="0">
+                <a:spAutoFit/>
+              </a:bodyPr>
+              <a:lstStyle/>
+              <a:p>
+                <a:r>
+                  <a:rPr lang="en-US" sz="2000" dirty="0" smtClean="0">
+                    <a:latin typeface="Arial" panose="020B0604020202020204" pitchFamily="34" charset="0"/>
+                    <a:cs typeface="Arial" panose="020B0604020202020204" pitchFamily="34" charset="0"/>
+                  </a:rPr>
+                  <a:t>+</a:t>
+                </a:r>
+              </a:p>
+              <a:p>
+                <a:r>
+                  <a:rPr lang="en-US" sz="2000" dirty="0" smtClean="0">
+                    <a:latin typeface="Arial" panose="020B0604020202020204" pitchFamily="34" charset="0"/>
+                    <a:cs typeface="Arial" panose="020B0604020202020204" pitchFamily="34" charset="0"/>
+                  </a:rPr>
+                  <a:t>+</a:t>
+                </a:r>
+              </a:p>
+              <a:p>
+                <a:r>
+                  <a:rPr lang="en-US" sz="2000" dirty="0" smtClean="0">
+                    <a:latin typeface="Arial" panose="020B0604020202020204" pitchFamily="34" charset="0"/>
+                    <a:cs typeface="Arial" panose="020B0604020202020204" pitchFamily="34" charset="0"/>
+                  </a:rPr>
+                  <a:t>+</a:t>
+                </a:r>
+              </a:p>
+              <a:p>
+                <a:r>
+                  <a:rPr lang="en-US" sz="2000" dirty="0" smtClean="0">
+                    <a:latin typeface="Arial" panose="020B0604020202020204" pitchFamily="34" charset="0"/>
+                    <a:cs typeface="Arial" panose="020B0604020202020204" pitchFamily="34" charset="0"/>
+                  </a:rPr>
+                  <a:t>+</a:t>
+                </a:r>
+              </a:p>
+              <a:p>
+                <a:r>
+                  <a:rPr lang="en-US" sz="2000" dirty="0" smtClean="0">
+                    <a:latin typeface="Arial" panose="020B0604020202020204" pitchFamily="34" charset="0"/>
+                    <a:cs typeface="Arial" panose="020B0604020202020204" pitchFamily="34" charset="0"/>
+                  </a:rPr>
+                  <a:t>+</a:t>
+                </a:r>
+              </a:p>
+              <a:p>
+                <a:r>
+                  <a:rPr lang="en-US" sz="2000" dirty="0" smtClean="0">
+                    <a:latin typeface="Arial" panose="020B0604020202020204" pitchFamily="34" charset="0"/>
+                    <a:cs typeface="Arial" panose="020B0604020202020204" pitchFamily="34" charset="0"/>
+                  </a:rPr>
+                  <a:t>+</a:t>
+                </a:r>
+              </a:p>
+              <a:p>
+                <a:r>
+                  <a:rPr lang="en-US" sz="2000" dirty="0" smtClean="0">
+                    <a:latin typeface="Arial" panose="020B0604020202020204" pitchFamily="34" charset="0"/>
+                    <a:cs typeface="Arial" panose="020B0604020202020204" pitchFamily="34" charset="0"/>
+                  </a:rPr>
+                  <a:t>+</a:t>
+                </a:r>
+              </a:p>
+              <a:p>
+                <a:r>
+                  <a:rPr lang="en-US" sz="2000" dirty="0">
+                    <a:latin typeface="Arial" panose="020B0604020202020204" pitchFamily="34" charset="0"/>
+                    <a:cs typeface="Arial" panose="020B0604020202020204" pitchFamily="34" charset="0"/>
+                  </a:rPr>
+                  <a:t>+</a:t>
+                </a:r>
+                <a:endParaRPr lang="en-US" sz="2000" dirty="0" smtClean="0">
+                  <a:latin typeface="Arial" panose="020B0604020202020204" pitchFamily="34" charset="0"/>
+                  <a:cs typeface="Arial" panose="020B0604020202020204" pitchFamily="34" charset="0"/>
+                </a:endParaRPr>
+              </a:p>
+            </p:txBody>
+          </p:sp>
+          <p:sp>
+            <p:nvSpPr>
+              <p:cNvPr id="14" name="TextBox 13"/>
+              <p:cNvSpPr txBox="1"/>
+              <p:nvPr/>
+            </p:nvSpPr>
+            <p:spPr>
+              <a:xfrm>
+                <a:off x="6071266" y="1743061"/>
+                <a:ext cx="207337" cy="2862322"/>
+              </a:xfrm>
+              <a:prstGeom prst="rect">
+                <a:avLst/>
+              </a:prstGeom>
+              <a:noFill/>
+            </p:spPr>
+            <p:txBody>
+              <a:bodyPr wrap="square" rtlCol="0">
+                <a:spAutoFit/>
+              </a:bodyPr>
+              <a:lstStyle/>
+              <a:p>
+                <a:r>
+                  <a:rPr lang="en-US" sz="2000" dirty="0" smtClean="0">
+                    <a:latin typeface="Arial" panose="020B0604020202020204" pitchFamily="34" charset="0"/>
+                    <a:cs typeface="Arial" panose="020B0604020202020204" pitchFamily="34" charset="0"/>
+                  </a:rPr>
+                  <a:t>-</a:t>
+                </a:r>
+              </a:p>
+              <a:p>
+                <a:r>
+                  <a:rPr lang="en-US" sz="2000" dirty="0" smtClean="0">
+                    <a:latin typeface="Arial" panose="020B0604020202020204" pitchFamily="34" charset="0"/>
+                    <a:cs typeface="Arial" panose="020B0604020202020204" pitchFamily="34" charset="0"/>
+                  </a:rPr>
+                  <a:t>-</a:t>
+                </a:r>
+              </a:p>
+              <a:p>
+                <a:r>
+                  <a:rPr lang="en-US" sz="2000" dirty="0" smtClean="0">
+                    <a:latin typeface="Arial" panose="020B0604020202020204" pitchFamily="34" charset="0"/>
+                    <a:cs typeface="Arial" panose="020B0604020202020204" pitchFamily="34" charset="0"/>
+                  </a:rPr>
+                  <a:t>-</a:t>
+                </a:r>
+              </a:p>
+              <a:p>
+                <a:r>
+                  <a:rPr lang="en-US" sz="2000" dirty="0" smtClean="0">
+                    <a:latin typeface="Arial" panose="020B0604020202020204" pitchFamily="34" charset="0"/>
+                    <a:cs typeface="Arial" panose="020B0604020202020204" pitchFamily="34" charset="0"/>
+                  </a:rPr>
+                  <a:t>-</a:t>
+                </a:r>
+              </a:p>
+              <a:p>
+                <a:r>
+                  <a:rPr lang="en-US" sz="2000" dirty="0" smtClean="0">
+                    <a:latin typeface="Arial" panose="020B0604020202020204" pitchFamily="34" charset="0"/>
+                    <a:cs typeface="Arial" panose="020B0604020202020204" pitchFamily="34" charset="0"/>
+                  </a:rPr>
+                  <a:t>-</a:t>
+                </a:r>
+              </a:p>
+              <a:p>
+                <a:r>
+                  <a:rPr lang="en-US" sz="2000" dirty="0" smtClean="0">
+                    <a:latin typeface="Arial" panose="020B0604020202020204" pitchFamily="34" charset="0"/>
+                    <a:cs typeface="Arial" panose="020B0604020202020204" pitchFamily="34" charset="0"/>
+                  </a:rPr>
+                  <a:t>-</a:t>
+                </a:r>
+              </a:p>
+              <a:p>
+                <a:r>
+                  <a:rPr lang="en-US" sz="2000" dirty="0" smtClean="0">
+                    <a:latin typeface="Arial" panose="020B0604020202020204" pitchFamily="34" charset="0"/>
+                    <a:cs typeface="Arial" panose="020B0604020202020204" pitchFamily="34" charset="0"/>
+                  </a:rPr>
+                  <a:t>-</a:t>
+                </a:r>
+              </a:p>
+              <a:p>
+                <a:r>
+                  <a:rPr lang="en-US" sz="2000" dirty="0" smtClean="0">
+                    <a:latin typeface="Arial" panose="020B0604020202020204" pitchFamily="34" charset="0"/>
+                    <a:cs typeface="Arial" panose="020B0604020202020204" pitchFamily="34" charset="0"/>
+                  </a:rPr>
+                  <a:t>-</a:t>
+                </a:r>
+              </a:p>
+              <a:p>
+                <a:endParaRPr lang="en-US" sz="2000" dirty="0" smtClean="0">
+                  <a:latin typeface="Arial" panose="020B0604020202020204" pitchFamily="34" charset="0"/>
+                  <a:cs typeface="Arial" panose="020B0604020202020204" pitchFamily="34" charset="0"/>
+                </a:endParaRPr>
+              </a:p>
+            </p:txBody>
+          </p:sp>
+          <mc:AlternateContent xmlns:mc="http://schemas.openxmlformats.org/markup-compatibility/2006">
+            <mc:Choice xmlns:a14="http://schemas.microsoft.com/office/drawing/2010/main" Requires="a14">
+              <p:sp>
+                <p:nvSpPr>
+                  <p:cNvPr id="15" name="TextBox 14"/>
+                  <p:cNvSpPr txBox="1"/>
+                  <p:nvPr/>
+                </p:nvSpPr>
+                <p:spPr>
+                  <a:xfrm rot="5400000">
+                    <a:off x="8333490" y="3790206"/>
+                    <a:ext cx="408765" cy="307777"/>
+                  </a:xfrm>
+                  <a:prstGeom prst="rect">
+                    <a:avLst/>
+                  </a:prstGeom>
+                  <a:noFill/>
+                </p:spPr>
+                <p:txBody>
+                  <a:bodyPr wrap="none" lIns="0" tIns="0" rIns="0" bIns="0" rtlCol="0">
+                    <a:spAutoFit/>
+                  </a:bodyPr>
+                  <a:lstStyle/>
+                  <a:p>
+                    <a14:m>
+                      <m:oMathPara xmlns:m="http://schemas.openxmlformats.org/officeDocument/2006/math">
+                        <m:oMathParaPr>
+                          <m:jc m:val="centerGroup"/>
+                        </m:oMathParaPr>
+                        <m:oMath xmlns:m="http://schemas.openxmlformats.org/officeDocument/2006/math">
+                          <m:r>
+                            <a:rPr lang="en-US" sz="2000" b="0" i="1" smtClean="0">
+                              <a:latin typeface="Cambria Math" panose="02040503050406030204" pitchFamily="18" charset="0"/>
+                              <a:cs typeface="Arial" panose="020B0604020202020204" pitchFamily="34" charset="0"/>
+                            </a:rPr>
+                            <m:t>+</m:t>
+                          </m:r>
+                          <m:r>
+                            <m:rPr>
+                              <m:sty m:val="p"/>
+                            </m:rPr>
+                            <a:rPr lang="en-US" sz="2000" b="0" i="1" smtClean="0">
+                              <a:latin typeface="Cambria Math" panose="02040503050406030204" pitchFamily="18" charset="0"/>
+                              <a:cs typeface="Arial" panose="020B0604020202020204" pitchFamily="34" charset="0"/>
+                            </a:rPr>
+                            <m:t>σ</m:t>
+                          </m:r>
+                        </m:oMath>
+                      </m:oMathPara>
+                    </a14:m>
+                    <a:endParaRPr lang="en-US" sz="2000" b="0" dirty="0" smtClean="0">
+                      <a:latin typeface="Arial" panose="020B0604020202020204" pitchFamily="34" charset="0"/>
+                      <a:cs typeface="Arial" panose="020B0604020202020204" pitchFamily="34" charset="0"/>
+                    </a:endParaRPr>
+                  </a:p>
+                </p:txBody>
+              </p:sp>
+            </mc:Choice>
+            <mc:Fallback>
+              <p:sp>
+                <p:nvSpPr>
+                  <p:cNvPr id="15" name="TextBox 14"/>
+                  <p:cNvSpPr txBox="1">
+                    <a:spLocks noRot="1" noChangeAspect="1" noMove="1" noResize="1" noEditPoints="1" noAdjustHandles="1" noChangeArrowheads="1" noChangeShapeType="1" noTextEdit="1"/>
+                  </p:cNvSpPr>
+                  <p:nvPr/>
+                </p:nvSpPr>
+                <p:spPr>
+                  <a:xfrm rot="5400000">
+                    <a:off x="8333490" y="3790206"/>
+                    <a:ext cx="408765" cy="307777"/>
+                  </a:xfrm>
+                  <a:prstGeom prst="rect">
+                    <a:avLst/>
+                  </a:prstGeom>
+                  <a:blipFill>
+                    <a:blip r:embed="rId3"/>
+                    <a:stretch>
+                      <a:fillRect l="-11765" r="-5882" b="-9804"/>
+                    </a:stretch>
+                  </a:blipFill>
+                </p:spPr>
+                <p:txBody>
+                  <a:bodyPr/>
+                  <a:lstStyle/>
+                  <a:p>
+                    <a:r>
+                      <a:rPr lang="en-US">
+                        <a:noFill/>
+                      </a:rPr>
+                      <a:t> </a:t>
+                    </a:r>
+                  </a:p>
+                </p:txBody>
+              </p:sp>
+            </mc:Fallback>
+          </mc:AlternateContent>
+          <mc:AlternateContent xmlns:mc="http://schemas.openxmlformats.org/markup-compatibility/2006">
+            <mc:Choice xmlns:a14="http://schemas.microsoft.com/office/drawing/2010/main" Requires="a14">
+              <p:sp>
+                <p:nvSpPr>
+                  <p:cNvPr id="16" name="TextBox 15"/>
+                  <p:cNvSpPr txBox="1"/>
+                  <p:nvPr/>
+                </p:nvSpPr>
+                <p:spPr>
+                  <a:xfrm rot="5400000">
+                    <a:off x="6260497" y="3822988"/>
+                    <a:ext cx="408765" cy="307777"/>
+                  </a:xfrm>
+                  <a:prstGeom prst="rect">
+                    <a:avLst/>
+                  </a:prstGeom>
+                  <a:noFill/>
+                </p:spPr>
+                <p:txBody>
+                  <a:bodyPr wrap="none" lIns="0" tIns="0" rIns="0" bIns="0" rtlCol="0">
+                    <a:spAutoFit/>
+                  </a:bodyPr>
+                  <a:lstStyle/>
+                  <a:p>
+                    <a14:m>
+                      <m:oMathPara xmlns:m="http://schemas.openxmlformats.org/officeDocument/2006/math">
+                        <m:oMathParaPr>
+                          <m:jc m:val="centerGroup"/>
+                        </m:oMathParaPr>
+                        <m:oMath xmlns:m="http://schemas.openxmlformats.org/officeDocument/2006/math">
+                          <m:r>
+                            <a:rPr lang="en-US" sz="2000" b="0" i="1" smtClean="0">
+                              <a:latin typeface="Cambria Math" panose="02040503050406030204" pitchFamily="18" charset="0"/>
+                              <a:cs typeface="Arial" panose="020B0604020202020204" pitchFamily="34" charset="0"/>
+                            </a:rPr>
+                            <m:t>−</m:t>
+                          </m:r>
+                          <m:r>
+                            <m:rPr>
+                              <m:sty m:val="p"/>
+                            </m:rPr>
+                            <a:rPr lang="en-US" sz="2000" b="0" i="1" smtClean="0">
+                              <a:latin typeface="Cambria Math" panose="02040503050406030204" pitchFamily="18" charset="0"/>
+                              <a:cs typeface="Arial" panose="020B0604020202020204" pitchFamily="34" charset="0"/>
+                            </a:rPr>
+                            <m:t>σ</m:t>
+                          </m:r>
+                        </m:oMath>
+                      </m:oMathPara>
+                    </a14:m>
+                    <a:endParaRPr lang="en-US" sz="2000" b="0" dirty="0" smtClean="0">
+                      <a:latin typeface="Arial" panose="020B0604020202020204" pitchFamily="34" charset="0"/>
+                      <a:cs typeface="Arial" panose="020B0604020202020204" pitchFamily="34" charset="0"/>
+                    </a:endParaRPr>
+                  </a:p>
+                </p:txBody>
+              </p:sp>
+            </mc:Choice>
+            <mc:Fallback>
+              <p:sp>
+                <p:nvSpPr>
+                  <p:cNvPr id="16" name="TextBox 15"/>
+                  <p:cNvSpPr txBox="1">
+                    <a:spLocks noRot="1" noChangeAspect="1" noMove="1" noResize="1" noEditPoints="1" noAdjustHandles="1" noChangeArrowheads="1" noChangeShapeType="1" noTextEdit="1"/>
+                  </p:cNvSpPr>
+                  <p:nvPr/>
+                </p:nvSpPr>
+                <p:spPr>
+                  <a:xfrm rot="5400000">
+                    <a:off x="6260497" y="3822988"/>
+                    <a:ext cx="408765" cy="307777"/>
+                  </a:xfrm>
+                  <a:prstGeom prst="rect">
+                    <a:avLst/>
+                  </a:prstGeom>
+                  <a:blipFill>
+                    <a:blip r:embed="rId4"/>
+                    <a:stretch>
+                      <a:fillRect l="-2985" r="-5970" b="-1961"/>
+                    </a:stretch>
+                  </a:blipFill>
+                </p:spPr>
+                <p:txBody>
+                  <a:bodyPr/>
+                  <a:lstStyle/>
+                  <a:p>
+                    <a:r>
+                      <a:rPr lang="en-US">
+                        <a:noFill/>
+                      </a:rPr>
+                      <a:t> </a:t>
+                    </a:r>
+                  </a:p>
+                </p:txBody>
+              </p:sp>
+            </mc:Fallback>
+          </mc:AlternateContent>
+          <p:cxnSp>
+            <p:nvCxnSpPr>
+              <p:cNvPr id="17" name="Straight Arrow Connector 16"/>
+              <p:cNvCxnSpPr/>
+              <p:nvPr/>
+            </p:nvCxnSpPr>
+            <p:spPr>
+              <a:xfrm>
+                <a:off x="7781772" y="1935768"/>
+                <a:ext cx="642516" cy="0"/>
+              </a:xfrm>
+              <a:prstGeom prst="straightConnector1">
+                <a:avLst/>
+              </a:prstGeom>
+              <a:ln w="38100">
+                <a:solidFill>
+                  <a:schemeClr val="tx1"/>
+                </a:solidFill>
+                <a:headEnd type="triangle"/>
+                <a:tailEnd type="none"/>
+              </a:ln>
+            </p:spPr>
+            <p:style>
+              <a:lnRef idx="1">
+                <a:schemeClr val="accent1"/>
+              </a:lnRef>
+              <a:fillRef idx="0">
+                <a:schemeClr val="accent1"/>
+              </a:fillRef>
+              <a:effectRef idx="0">
+                <a:schemeClr val="accent1"/>
+              </a:effectRef>
+              <a:fontRef idx="minor">
+                <a:schemeClr val="tx1"/>
+              </a:fontRef>
+            </p:style>
+          </p:cxnSp>
+          <mc:AlternateContent xmlns:mc="http://schemas.openxmlformats.org/markup-compatibility/2006">
+            <mc:Choice xmlns:a14="http://schemas.microsoft.com/office/drawing/2010/main" Requires="a14">
+              <p:sp>
+                <p:nvSpPr>
+                  <p:cNvPr id="18" name="TextBox 17"/>
+                  <p:cNvSpPr txBox="1"/>
+                  <p:nvPr/>
+                </p:nvSpPr>
+                <p:spPr>
+                  <a:xfrm rot="5400000">
+                    <a:off x="7982377" y="2025431"/>
+                    <a:ext cx="363946" cy="345159"/>
+                  </a:xfrm>
+                  <a:prstGeom prst="rect">
+                    <a:avLst/>
+                  </a:prstGeom>
+                  <a:noFill/>
+                </p:spPr>
+                <p:txBody>
+                  <a:bodyPr wrap="none" lIns="0" tIns="0" rIns="0" bIns="0" rtlCol="0">
+                    <a:spAutoFit/>
+                  </a:bodyPr>
+                  <a:lstStyle/>
+                  <a:p>
+                    <a14:m>
+                      <m:oMathPara xmlns:m="http://schemas.openxmlformats.org/officeDocument/2006/math">
+                        <m:oMathParaPr>
+                          <m:jc m:val="centerGroup"/>
+                        </m:oMathParaPr>
+                        <m:oMath xmlns:m="http://schemas.openxmlformats.org/officeDocument/2006/math">
+                          <m:sSub>
+                            <m:sSubPr>
+                              <m:ctrlPr>
+                                <a:rPr lang="en-US" sz="2000" b="0" i="1" smtClean="0">
+                                  <a:latin typeface="Cambria Math" panose="02040503050406030204" pitchFamily="18" charset="0"/>
+                                  <a:cs typeface="Arial" panose="020B0604020202020204" pitchFamily="34" charset="0"/>
+                                </a:rPr>
+                              </m:ctrlPr>
+                            </m:sSubPr>
+                            <m:e>
+                              <m:acc>
+                                <m:accPr>
+                                  <m:chr m:val="⃗"/>
+                                  <m:ctrlPr>
+                                    <a:rPr lang="en-US" sz="2000" b="0" i="1" smtClean="0">
+                                      <a:latin typeface="Cambria Math" panose="02040503050406030204" pitchFamily="18" charset="0"/>
+                                      <a:cs typeface="Arial" panose="020B0604020202020204" pitchFamily="34" charset="0"/>
+                                    </a:rPr>
+                                  </m:ctrlPr>
+                                </m:accPr>
+                                <m:e>
+                                  <m:r>
+                                    <a:rPr lang="en-US" sz="2000" b="0" i="1" smtClean="0">
+                                      <a:latin typeface="Cambria Math" panose="02040503050406030204" pitchFamily="18" charset="0"/>
+                                      <a:cs typeface="Arial" panose="020B0604020202020204" pitchFamily="34" charset="0"/>
+                                    </a:rPr>
+                                    <m:t>𝐸</m:t>
+                                  </m:r>
+                                </m:e>
+                              </m:acc>
+                            </m:e>
+                            <m:sub>
+                              <m:r>
+                                <a:rPr lang="en-US" sz="2000" b="0" i="1" smtClean="0">
+                                  <a:latin typeface="Cambria Math" panose="02040503050406030204" pitchFamily="18" charset="0"/>
+                                  <a:cs typeface="Arial" panose="020B0604020202020204" pitchFamily="34" charset="0"/>
+                                </a:rPr>
+                                <m:t>+</m:t>
+                              </m:r>
+                            </m:sub>
+                          </m:sSub>
+                        </m:oMath>
+                      </m:oMathPara>
+                    </a14:m>
+                    <a:endParaRPr lang="en-US" sz="2000" dirty="0" smtClean="0">
+                      <a:latin typeface="Arial" panose="020B0604020202020204" pitchFamily="34" charset="0"/>
+                      <a:cs typeface="Arial" panose="020B0604020202020204" pitchFamily="34" charset="0"/>
+                    </a:endParaRPr>
+                  </a:p>
+                </p:txBody>
+              </p:sp>
+            </mc:Choice>
+            <mc:Fallback>
+              <p:sp>
+                <p:nvSpPr>
+                  <p:cNvPr id="18" name="TextBox 17"/>
+                  <p:cNvSpPr txBox="1">
+                    <a:spLocks noRot="1" noChangeAspect="1" noMove="1" noResize="1" noEditPoints="1" noAdjustHandles="1" noChangeArrowheads="1" noChangeShapeType="1" noTextEdit="1"/>
+                  </p:cNvSpPr>
+                  <p:nvPr/>
+                </p:nvSpPr>
+                <p:spPr>
+                  <a:xfrm rot="5400000">
+                    <a:off x="7982377" y="2025431"/>
+                    <a:ext cx="363946" cy="345159"/>
+                  </a:xfrm>
+                  <a:prstGeom prst="rect">
+                    <a:avLst/>
+                  </a:prstGeom>
+                  <a:blipFill>
+                    <a:blip r:embed="rId5"/>
+                    <a:stretch>
+                      <a:fillRect l="-15254" r="-5085" b="-15789"/>
+                    </a:stretch>
+                  </a:blipFill>
+                </p:spPr>
+                <p:txBody>
+                  <a:bodyPr/>
+                  <a:lstStyle/>
+                  <a:p>
+                    <a:r>
+                      <a:rPr lang="en-US">
+                        <a:noFill/>
+                      </a:rPr>
+                      <a:t> </a:t>
+                    </a:r>
+                  </a:p>
+                </p:txBody>
+              </p:sp>
+            </mc:Fallback>
+          </mc:AlternateContent>
+          <p:cxnSp>
+            <p:nvCxnSpPr>
+              <p:cNvPr id="19" name="Straight Arrow Connector 18"/>
+              <p:cNvCxnSpPr/>
+              <p:nvPr/>
+            </p:nvCxnSpPr>
+            <p:spPr>
+              <a:xfrm>
+                <a:off x="6444749" y="1935768"/>
+                <a:ext cx="642516" cy="0"/>
+              </a:xfrm>
+              <a:prstGeom prst="straightConnector1">
+                <a:avLst/>
+              </a:prstGeom>
+              <a:ln w="38100">
+                <a:solidFill>
+                  <a:schemeClr val="tx1"/>
+                </a:solidFill>
+                <a:headEnd type="triangle"/>
+                <a:tailEnd type="none"/>
+              </a:ln>
+            </p:spPr>
+            <p:style>
+              <a:lnRef idx="1">
+                <a:schemeClr val="accent1"/>
+              </a:lnRef>
+              <a:fillRef idx="0">
+                <a:schemeClr val="accent1"/>
+              </a:fillRef>
+              <a:effectRef idx="0">
+                <a:schemeClr val="accent1"/>
+              </a:effectRef>
+              <a:fontRef idx="minor">
+                <a:schemeClr val="tx1"/>
+              </a:fontRef>
+            </p:style>
+          </p:cxnSp>
+          <mc:AlternateContent xmlns:mc="http://schemas.openxmlformats.org/markup-compatibility/2006">
+            <mc:Choice xmlns:a14="http://schemas.microsoft.com/office/drawing/2010/main" Requires="a14">
+              <p:sp>
+                <p:nvSpPr>
+                  <p:cNvPr id="20" name="TextBox 19"/>
+                  <p:cNvSpPr txBox="1"/>
+                  <p:nvPr/>
+                </p:nvSpPr>
+                <p:spPr>
+                  <a:xfrm rot="5400000">
+                    <a:off x="6584033" y="2038125"/>
+                    <a:ext cx="363946" cy="345159"/>
+                  </a:xfrm>
+                  <a:prstGeom prst="rect">
+                    <a:avLst/>
+                  </a:prstGeom>
+                  <a:noFill/>
+                </p:spPr>
+                <p:txBody>
+                  <a:bodyPr wrap="none" lIns="0" tIns="0" rIns="0" bIns="0" rtlCol="0">
+                    <a:spAutoFit/>
+                  </a:bodyPr>
+                  <a:lstStyle/>
+                  <a:p>
+                    <a14:m>
+                      <m:oMathPara xmlns:m="http://schemas.openxmlformats.org/officeDocument/2006/math">
+                        <m:oMathParaPr>
+                          <m:jc m:val="centerGroup"/>
+                        </m:oMathParaPr>
+                        <m:oMath xmlns:m="http://schemas.openxmlformats.org/officeDocument/2006/math">
+                          <m:sSub>
+                            <m:sSubPr>
+                              <m:ctrlPr>
+                                <a:rPr lang="en-US" sz="2000" b="0" i="1" smtClean="0">
+                                  <a:latin typeface="Cambria Math" panose="02040503050406030204" pitchFamily="18" charset="0"/>
+                                  <a:cs typeface="Arial" panose="020B0604020202020204" pitchFamily="34" charset="0"/>
+                                </a:rPr>
+                              </m:ctrlPr>
+                            </m:sSubPr>
+                            <m:e>
+                              <m:acc>
+                                <m:accPr>
+                                  <m:chr m:val="⃗"/>
+                                  <m:ctrlPr>
+                                    <a:rPr lang="en-US" sz="2000" b="0" i="1" smtClean="0">
+                                      <a:latin typeface="Cambria Math" panose="02040503050406030204" pitchFamily="18" charset="0"/>
+                                      <a:cs typeface="Arial" panose="020B0604020202020204" pitchFamily="34" charset="0"/>
+                                    </a:rPr>
+                                  </m:ctrlPr>
+                                </m:accPr>
+                                <m:e>
+                                  <m:r>
+                                    <a:rPr lang="en-US" sz="2000" b="0" i="1" smtClean="0">
+                                      <a:latin typeface="Cambria Math" panose="02040503050406030204" pitchFamily="18" charset="0"/>
+                                      <a:cs typeface="Arial" panose="020B0604020202020204" pitchFamily="34" charset="0"/>
+                                    </a:rPr>
+                                    <m:t>𝐸</m:t>
+                                  </m:r>
+                                </m:e>
+                              </m:acc>
+                            </m:e>
+                            <m:sub>
+                              <m:r>
+                                <a:rPr lang="en-US" sz="2000" b="0" i="1" smtClean="0">
+                                  <a:latin typeface="Cambria Math" panose="02040503050406030204" pitchFamily="18" charset="0"/>
+                                  <a:cs typeface="Arial" panose="020B0604020202020204" pitchFamily="34" charset="0"/>
+                                </a:rPr>
+                                <m:t>−</m:t>
+                              </m:r>
+                            </m:sub>
+                          </m:sSub>
+                        </m:oMath>
+                      </m:oMathPara>
+                    </a14:m>
+                    <a:endParaRPr lang="en-US" sz="2000" dirty="0" smtClean="0">
+                      <a:latin typeface="Arial" panose="020B0604020202020204" pitchFamily="34" charset="0"/>
+                      <a:cs typeface="Arial" panose="020B0604020202020204" pitchFamily="34" charset="0"/>
+                    </a:endParaRPr>
+                  </a:p>
+                </p:txBody>
+              </p:sp>
+            </mc:Choice>
+            <mc:Fallback>
+              <p:sp>
+                <p:nvSpPr>
+                  <p:cNvPr id="20" name="TextBox 19"/>
+                  <p:cNvSpPr txBox="1">
+                    <a:spLocks noRot="1" noChangeAspect="1" noMove="1" noResize="1" noEditPoints="1" noAdjustHandles="1" noChangeArrowheads="1" noChangeShapeType="1" noTextEdit="1"/>
+                  </p:cNvSpPr>
+                  <p:nvPr/>
+                </p:nvSpPr>
+                <p:spPr>
+                  <a:xfrm rot="5400000">
+                    <a:off x="6584033" y="2038125"/>
+                    <a:ext cx="363946" cy="345159"/>
+                  </a:xfrm>
+                  <a:prstGeom prst="rect">
+                    <a:avLst/>
+                  </a:prstGeom>
+                  <a:blipFill>
+                    <a:blip r:embed="rId6"/>
+                    <a:stretch>
+                      <a:fillRect l="-15254" b="-8929"/>
+                    </a:stretch>
+                  </a:blipFill>
+                </p:spPr>
+                <p:txBody>
+                  <a:bodyPr/>
+                  <a:lstStyle/>
+                  <a:p>
+                    <a:r>
+                      <a:rPr lang="en-US">
+                        <a:noFill/>
+                      </a:rPr>
+                      <a:t> </a:t>
+                    </a:r>
+                  </a:p>
+                </p:txBody>
+              </p:sp>
+            </mc:Fallback>
+          </mc:AlternateContent>
+          <p:cxnSp>
+            <p:nvCxnSpPr>
+              <p:cNvPr id="21" name="Straight Arrow Connector 20"/>
+              <p:cNvCxnSpPr/>
+              <p:nvPr/>
+            </p:nvCxnSpPr>
+            <p:spPr>
+              <a:xfrm>
+                <a:off x="6827813" y="2839308"/>
+                <a:ext cx="1268162" cy="0"/>
+              </a:xfrm>
+              <a:prstGeom prst="straightConnector1">
+                <a:avLst/>
+              </a:prstGeom>
+              <a:ln w="38100">
+                <a:solidFill>
+                  <a:schemeClr val="tx1"/>
+                </a:solidFill>
+                <a:headEnd type="triangle"/>
+                <a:tailEnd type="none"/>
+              </a:ln>
+            </p:spPr>
+            <p:style>
+              <a:lnRef idx="1">
+                <a:schemeClr val="accent1"/>
+              </a:lnRef>
+              <a:fillRef idx="0">
+                <a:schemeClr val="accent1"/>
+              </a:fillRef>
+              <a:effectRef idx="0">
+                <a:schemeClr val="accent1"/>
+              </a:effectRef>
+              <a:fontRef idx="minor">
+                <a:schemeClr val="tx1"/>
+              </a:fontRef>
+            </p:style>
+          </p:cxnSp>
+          <mc:AlternateContent xmlns:mc="http://schemas.openxmlformats.org/markup-compatibility/2006">
+            <mc:Choice xmlns:a14="http://schemas.microsoft.com/office/drawing/2010/main" Requires="a14">
+              <p:sp>
+                <p:nvSpPr>
+                  <p:cNvPr id="22" name="TextBox 21"/>
+                  <p:cNvSpPr txBox="1"/>
+                  <p:nvPr/>
+                </p:nvSpPr>
+                <p:spPr>
+                  <a:xfrm rot="5400000">
+                    <a:off x="7299859" y="2875437"/>
+                    <a:ext cx="240835" cy="345159"/>
+                  </a:xfrm>
+                  <a:prstGeom prst="rect">
+                    <a:avLst/>
+                  </a:prstGeom>
+                  <a:noFill/>
+                </p:spPr>
+                <p:txBody>
+                  <a:bodyPr wrap="none" lIns="0" tIns="0" rIns="0" bIns="0" rtlCol="0">
+                    <a:spAutoFit/>
+                  </a:bodyPr>
+                  <a:lstStyle/>
+                  <a:p>
+                    <a14:m>
+                      <m:oMathPara xmlns:m="http://schemas.openxmlformats.org/officeDocument/2006/math">
+                        <m:oMathParaPr>
+                          <m:jc m:val="centerGroup"/>
+                        </m:oMathParaPr>
+                        <m:oMath xmlns:m="http://schemas.openxmlformats.org/officeDocument/2006/math">
+                          <m:acc>
+                            <m:accPr>
+                              <m:chr m:val="⃗"/>
+                              <m:ctrlPr>
+                                <a:rPr lang="en-US" sz="2000" b="0" i="1" smtClean="0">
+                                  <a:latin typeface="Cambria Math" panose="02040503050406030204" pitchFamily="18" charset="0"/>
+                                  <a:cs typeface="Arial" panose="020B0604020202020204" pitchFamily="34" charset="0"/>
+                                </a:rPr>
+                              </m:ctrlPr>
+                            </m:accPr>
+                            <m:e>
+                              <m:r>
+                                <a:rPr lang="en-US" sz="2000" b="0" i="1" smtClean="0">
+                                  <a:latin typeface="Cambria Math" panose="02040503050406030204" pitchFamily="18" charset="0"/>
+                                  <a:cs typeface="Arial" panose="020B0604020202020204" pitchFamily="34" charset="0"/>
+                                </a:rPr>
+                                <m:t>𝐸</m:t>
+                              </m:r>
+                            </m:e>
+                          </m:acc>
+                        </m:oMath>
+                      </m:oMathPara>
+                    </a14:m>
+                    <a:endParaRPr lang="en-US" sz="2000" dirty="0" smtClean="0">
+                      <a:latin typeface="Arial" panose="020B0604020202020204" pitchFamily="34" charset="0"/>
+                      <a:cs typeface="Arial" panose="020B0604020202020204" pitchFamily="34" charset="0"/>
+                    </a:endParaRPr>
+                  </a:p>
+                </p:txBody>
+              </p:sp>
+            </mc:Choice>
+            <mc:Fallback>
+              <p:sp>
+                <p:nvSpPr>
+                  <p:cNvPr id="22" name="TextBox 21"/>
+                  <p:cNvSpPr txBox="1">
+                    <a:spLocks noRot="1" noChangeAspect="1" noMove="1" noResize="1" noEditPoints="1" noAdjustHandles="1" noChangeArrowheads="1" noChangeShapeType="1" noTextEdit="1"/>
+                  </p:cNvSpPr>
+                  <p:nvPr/>
+                </p:nvSpPr>
+                <p:spPr>
+                  <a:xfrm rot="5400000">
+                    <a:off x="7299859" y="2875437"/>
+                    <a:ext cx="240835" cy="345159"/>
+                  </a:xfrm>
+                  <a:prstGeom prst="rect">
+                    <a:avLst/>
+                  </a:prstGeom>
+                  <a:blipFill>
+                    <a:blip r:embed="rId7"/>
+                    <a:stretch>
+                      <a:fillRect l="-20000" r="-17500" b="-8772"/>
+                    </a:stretch>
+                  </a:blipFill>
+                </p:spPr>
+                <p:txBody>
+                  <a:bodyPr/>
+                  <a:lstStyle/>
+                  <a:p>
+                    <a:r>
+                      <a:rPr lang="en-US">
+                        <a:noFill/>
+                      </a:rPr>
+                      <a:t> </a:t>
+                    </a:r>
+                  </a:p>
+                </p:txBody>
+              </p:sp>
+            </mc:Fallback>
+          </mc:AlternateContent>
+        </p:grpSp>
+        <p:grpSp>
+          <p:nvGrpSpPr>
+            <p:cNvPr id="4" name="Group 3"/>
+            <p:cNvGrpSpPr/>
+            <p:nvPr/>
+          </p:nvGrpSpPr>
+          <p:grpSpPr>
+            <a:xfrm rot="16200000">
+              <a:off x="666758" y="3223167"/>
+              <a:ext cx="3408868" cy="715170"/>
+              <a:chOff x="872024" y="3112265"/>
+              <a:chExt cx="3408868" cy="715170"/>
+            </a:xfrm>
+          </p:grpSpPr>
+          <p:cxnSp>
+            <p:nvCxnSpPr>
+              <p:cNvPr id="5" name="Straight Arrow Connector 4"/>
+              <p:cNvCxnSpPr/>
+              <p:nvPr/>
+            </p:nvCxnSpPr>
+            <p:spPr>
+              <a:xfrm rot="5400000" flipV="1">
+                <a:off x="2619289" y="1845579"/>
+                <a:ext cx="20492" cy="3207249"/>
+              </a:xfrm>
+              <a:prstGeom prst="straightConnector1">
+                <a:avLst/>
+              </a:prstGeom>
+              <a:ln w="38100">
+                <a:solidFill>
+                  <a:schemeClr val="tx1"/>
+                </a:solidFill>
+                <a:tailEnd type="triangle"/>
+              </a:ln>
+            </p:spPr>
+            <p:style>
+              <a:lnRef idx="1">
+                <a:schemeClr val="accent1"/>
+              </a:lnRef>
+              <a:fillRef idx="0">
+                <a:schemeClr val="accent1"/>
+              </a:fillRef>
+              <a:effectRef idx="0">
+                <a:schemeClr val="accent1"/>
+              </a:effectRef>
+              <a:fontRef idx="minor">
+                <a:schemeClr val="tx1"/>
+              </a:fontRef>
+            </p:style>
+          </p:cxnSp>
+          <mc:AlternateContent xmlns:mc="http://schemas.openxmlformats.org/markup-compatibility/2006">
+            <mc:Choice xmlns:a14="http://schemas.microsoft.com/office/drawing/2010/main" Requires="a14">
+              <p:sp>
+                <p:nvSpPr>
+                  <p:cNvPr id="6" name="Rectangle 5"/>
+                  <p:cNvSpPr/>
+                  <p:nvPr/>
+                </p:nvSpPr>
+                <p:spPr>
+                  <a:xfrm rot="5400000">
+                    <a:off x="3912233" y="3458777"/>
+                    <a:ext cx="367985" cy="369332"/>
+                  </a:xfrm>
+                  <a:prstGeom prst="rect">
+                    <a:avLst/>
+                  </a:prstGeom>
+                </p:spPr>
+                <p:txBody>
+                  <a:bodyPr wrap="square">
+                    <a:spAutoFit/>
+                  </a:bodyPr>
+                  <a:lstStyle/>
+                  <a:p>
+                    <a:pPr/>
+                    <a14:m>
+                      <m:oMathPara xmlns:m="http://schemas.openxmlformats.org/officeDocument/2006/math">
+                        <m:oMathParaPr>
+                          <m:jc m:val="centerGroup"/>
+                        </m:oMathParaPr>
+                        <m:oMath xmlns:m="http://schemas.openxmlformats.org/officeDocument/2006/math">
+                          <m:r>
+                            <a:rPr lang="en-US" i="1">
+                              <a:latin typeface="Cambria Math" panose="02040503050406030204" pitchFamily="18" charset="0"/>
+                              <a:cs typeface="Arial" panose="020B0604020202020204" pitchFamily="34" charset="0"/>
+                            </a:rPr>
+                            <m:t>𝑥</m:t>
+                          </m:r>
+                        </m:oMath>
+                      </m:oMathPara>
+                    </a14:m>
+                    <a:endParaRPr lang="en-CA" dirty="0"/>
+                  </a:p>
+                </p:txBody>
+              </p:sp>
+            </mc:Choice>
+            <mc:Fallback>
+              <p:sp>
+                <p:nvSpPr>
+                  <p:cNvPr id="6" name="Rectangle 5"/>
+                  <p:cNvSpPr>
+                    <a:spLocks noRot="1" noChangeAspect="1" noMove="1" noResize="1" noEditPoints="1" noAdjustHandles="1" noChangeArrowheads="1" noChangeShapeType="1" noTextEdit="1"/>
+                  </p:cNvSpPr>
+                  <p:nvPr/>
+                </p:nvSpPr>
+                <p:spPr>
+                  <a:xfrm rot="5400000">
+                    <a:off x="3912233" y="3458777"/>
+                    <a:ext cx="367985" cy="369332"/>
+                  </a:xfrm>
+                  <a:prstGeom prst="rect">
+                    <a:avLst/>
+                  </a:prstGeom>
+                  <a:blipFill>
+                    <a:blip r:embed="rId8"/>
+                    <a:stretch>
+                      <a:fillRect/>
+                    </a:stretch>
+                  </a:blipFill>
+                </p:spPr>
+                <p:txBody>
+                  <a:bodyPr/>
+                  <a:lstStyle/>
+                  <a:p>
+                    <a:r>
+                      <a:rPr lang="en-US">
+                        <a:noFill/>
+                      </a:rPr>
+                      <a:t> </a:t>
+                    </a:r>
+                  </a:p>
+                </p:txBody>
+              </p:sp>
+            </mc:Fallback>
+          </mc:AlternateContent>
+          <mc:AlternateContent xmlns:mc="http://schemas.openxmlformats.org/markup-compatibility/2006">
+            <mc:Choice xmlns:a14="http://schemas.microsoft.com/office/drawing/2010/main" Requires="a14">
+              <p:sp>
+                <p:nvSpPr>
+                  <p:cNvPr id="7" name="TextBox 6"/>
+                  <p:cNvSpPr txBox="1"/>
+                  <p:nvPr/>
+                </p:nvSpPr>
+                <p:spPr>
+                  <a:xfrm rot="5400000">
+                    <a:off x="919313" y="3064976"/>
+                    <a:ext cx="213200" cy="307777"/>
+                  </a:xfrm>
+                  <a:prstGeom prst="rect">
+                    <a:avLst/>
+                  </a:prstGeom>
+                  <a:noFill/>
+                </p:spPr>
+                <p:txBody>
+                  <a:bodyPr wrap="none" lIns="0" tIns="0" rIns="0" bIns="0" rtlCol="0">
+                    <a:spAutoFit/>
+                  </a:bodyPr>
+                  <a:lstStyle/>
+                  <a:p>
+                    <a:pPr/>
+                    <a14:m>
+                      <m:oMathPara xmlns:m="http://schemas.openxmlformats.org/officeDocument/2006/math">
+                        <m:oMathParaPr>
+                          <m:jc m:val="centerGroup"/>
+                        </m:oMathParaPr>
+                        <m:oMath xmlns:m="http://schemas.openxmlformats.org/officeDocument/2006/math">
+                          <m:r>
+                            <a:rPr lang="en-US" sz="2000" b="0" i="1" smtClean="0">
+                              <a:latin typeface="Cambria Math" panose="02040503050406030204" pitchFamily="18" charset="0"/>
+                              <a:cs typeface="Arial" panose="020B0604020202020204" pitchFamily="34" charset="0"/>
+                            </a:rPr>
+                            <m:t>0</m:t>
+                          </m:r>
+                        </m:oMath>
+                      </m:oMathPara>
+                    </a14:m>
+                    <a:endParaRPr lang="en-US" sz="2000" dirty="0" smtClean="0">
+                      <a:latin typeface="Arial" panose="020B0604020202020204" pitchFamily="34" charset="0"/>
+                      <a:cs typeface="Arial" panose="020B0604020202020204" pitchFamily="34" charset="0"/>
+                    </a:endParaRPr>
+                  </a:p>
+                </p:txBody>
+              </p:sp>
+            </mc:Choice>
+            <mc:Fallback>
+              <p:sp>
+                <p:nvSpPr>
+                  <p:cNvPr id="7" name="TextBox 6"/>
+                  <p:cNvSpPr txBox="1">
+                    <a:spLocks noRot="1" noChangeAspect="1" noMove="1" noResize="1" noEditPoints="1" noAdjustHandles="1" noChangeArrowheads="1" noChangeShapeType="1" noTextEdit="1"/>
+                  </p:cNvSpPr>
+                  <p:nvPr/>
+                </p:nvSpPr>
+                <p:spPr>
+                  <a:xfrm rot="5400000">
+                    <a:off x="919313" y="3064976"/>
+                    <a:ext cx="213200" cy="307777"/>
+                  </a:xfrm>
+                  <a:prstGeom prst="rect">
+                    <a:avLst/>
+                  </a:prstGeom>
+                  <a:blipFill>
+                    <a:blip r:embed="rId9"/>
+                    <a:stretch>
+                      <a:fillRect l="-22857" r="-25714" b="-10000"/>
+                    </a:stretch>
+                  </a:blipFill>
+                </p:spPr>
+                <p:txBody>
+                  <a:bodyPr/>
+                  <a:lstStyle/>
+                  <a:p>
+                    <a:r>
+                      <a:rPr lang="en-US">
+                        <a:noFill/>
+                      </a:rPr>
+                      <a:t> </a:t>
+                    </a:r>
+                  </a:p>
+                </p:txBody>
+              </p:sp>
+            </mc:Fallback>
+          </mc:AlternateContent>
+          <p:cxnSp>
+            <p:nvCxnSpPr>
+              <p:cNvPr id="8" name="Straight Connector 7"/>
+              <p:cNvCxnSpPr/>
+              <p:nvPr/>
+            </p:nvCxnSpPr>
+            <p:spPr>
+              <a:xfrm flipV="1">
+                <a:off x="1099058" y="3331012"/>
+                <a:ext cx="0" cy="239606"/>
+              </a:xfrm>
+              <a:prstGeom prst="line">
+                <a:avLst/>
+              </a:prstGeom>
+              <a:ln w="38100">
+                <a:solidFill>
+                  <a:schemeClr val="tx1"/>
+                </a:solidFill>
+              </a:ln>
+            </p:spPr>
+            <p:style>
+              <a:lnRef idx="1">
+                <a:schemeClr val="accent1"/>
+              </a:lnRef>
+              <a:fillRef idx="0">
+                <a:schemeClr val="accent1"/>
+              </a:fillRef>
+              <a:effectRef idx="0">
+                <a:schemeClr val="accent1"/>
+              </a:effectRef>
+              <a:fontRef idx="minor">
+                <a:schemeClr val="tx1"/>
+              </a:fontRef>
+            </p:style>
+          </p:cxnSp>
+        </p:grpSp>
+      </p:grpSp>
+      <p:grpSp>
+        <p:nvGrpSpPr>
+          <p:cNvPr id="58" name="Group 57"/>
+          <p:cNvGrpSpPr/>
+          <p:nvPr/>
+        </p:nvGrpSpPr>
+        <p:grpSpPr>
+          <a:xfrm>
+            <a:off x="4537968" y="863756"/>
+            <a:ext cx="3027610" cy="3524657"/>
+            <a:chOff x="4537968" y="863756"/>
+            <a:chExt cx="3027610" cy="3524657"/>
+          </a:xfrm>
+        </p:grpSpPr>
+        <p:grpSp>
+          <p:nvGrpSpPr>
+            <p:cNvPr id="56" name="Group 55"/>
+            <p:cNvGrpSpPr/>
+            <p:nvPr/>
+          </p:nvGrpSpPr>
+          <p:grpSpPr>
+            <a:xfrm>
+              <a:off x="4537968" y="863756"/>
+              <a:ext cx="3027610" cy="3524657"/>
+              <a:chOff x="4537968" y="863756"/>
+              <a:chExt cx="3027610" cy="3524657"/>
+            </a:xfrm>
+          </p:grpSpPr>
+          <p:grpSp>
+            <p:nvGrpSpPr>
+              <p:cNvPr id="25" name="Group 24"/>
+              <p:cNvGrpSpPr/>
+              <p:nvPr/>
+            </p:nvGrpSpPr>
+            <p:grpSpPr>
+              <a:xfrm>
+                <a:off x="4537968" y="863756"/>
+                <a:ext cx="3027610" cy="3524657"/>
+                <a:chOff x="4537968" y="863756"/>
+                <a:chExt cx="3027610" cy="3524657"/>
+              </a:xfrm>
+            </p:grpSpPr>
+            <p:grpSp>
+              <p:nvGrpSpPr>
+                <p:cNvPr id="26" name="Group 25"/>
+                <p:cNvGrpSpPr/>
+                <p:nvPr/>
+              </p:nvGrpSpPr>
+              <p:grpSpPr>
+                <a:xfrm>
+                  <a:off x="4537968" y="863756"/>
+                  <a:ext cx="3027610" cy="3524657"/>
+                  <a:chOff x="5048330" y="1332430"/>
+                  <a:chExt cx="3027610" cy="3524657"/>
+                </a:xfrm>
+              </p:grpSpPr>
+              <p:grpSp>
+                <p:nvGrpSpPr>
+                  <p:cNvPr id="29" name="Group 28"/>
+                  <p:cNvGrpSpPr/>
+                  <p:nvPr/>
+                </p:nvGrpSpPr>
+                <p:grpSpPr>
+                  <a:xfrm>
+                    <a:off x="5769348" y="1332430"/>
+                    <a:ext cx="2306592" cy="2324888"/>
+                    <a:chOff x="1129904" y="-3473283"/>
+                    <a:chExt cx="6662466" cy="6993065"/>
+                  </a:xfrm>
+                </p:grpSpPr>
+                <p:grpSp>
+                  <p:nvGrpSpPr>
+                    <p:cNvPr id="48" name="Group 47"/>
+                    <p:cNvGrpSpPr/>
+                    <p:nvPr/>
+                  </p:nvGrpSpPr>
+                  <p:grpSpPr>
+                    <a:xfrm>
+                      <a:off x="1129905" y="-3473283"/>
+                      <a:ext cx="6662465" cy="6993065"/>
+                      <a:chOff x="1157200" y="-3500579"/>
+                      <a:chExt cx="6662465" cy="6993065"/>
+                    </a:xfrm>
+                  </p:grpSpPr>
+                  <p:cxnSp>
+                    <p:nvCxnSpPr>
+                      <p:cNvPr id="50" name="Straight Arrow Connector 49"/>
+                      <p:cNvCxnSpPr/>
+                      <p:nvPr/>
+                    </p:nvCxnSpPr>
+                    <p:spPr>
+                      <a:xfrm flipV="1">
+                        <a:off x="1516586" y="-3217471"/>
+                        <a:ext cx="56143" cy="5757754"/>
+                      </a:xfrm>
+                      <a:prstGeom prst="straightConnector1">
+                        <a:avLst/>
+                      </a:prstGeom>
+                      <a:ln w="38100">
+                        <a:solidFill>
+                          <a:schemeClr val="tx1"/>
+                        </a:solidFill>
+                        <a:tailEnd type="triangle"/>
+                      </a:ln>
+                    </p:spPr>
+                    <p:style>
+                      <a:lnRef idx="1">
+                        <a:schemeClr val="accent1"/>
+                      </a:lnRef>
+                      <a:fillRef idx="0">
+                        <a:schemeClr val="accent1"/>
+                      </a:fillRef>
+                      <a:effectRef idx="0">
+                        <a:schemeClr val="accent1"/>
+                      </a:effectRef>
+                      <a:fontRef idx="minor">
+                        <a:schemeClr val="tx1"/>
+                      </a:fontRef>
+                    </p:style>
+                  </p:cxnSp>
+                  <p:cxnSp>
+                    <p:nvCxnSpPr>
+                      <p:cNvPr id="51" name="Straight Arrow Connector 50"/>
+                      <p:cNvCxnSpPr/>
+                      <p:nvPr/>
+                    </p:nvCxnSpPr>
+                    <p:spPr>
+                      <a:xfrm>
+                        <a:off x="1445588" y="2503276"/>
+                        <a:ext cx="5957990" cy="31980"/>
+                      </a:xfrm>
+                      <a:prstGeom prst="straightConnector1">
+                        <a:avLst/>
+                      </a:prstGeom>
+                      <a:ln w="38100">
+                        <a:solidFill>
+                          <a:schemeClr val="tx1"/>
+                        </a:solidFill>
+                        <a:tailEnd type="triangle"/>
+                      </a:ln>
+                    </p:spPr>
+                    <p:style>
+                      <a:lnRef idx="1">
+                        <a:schemeClr val="accent1"/>
+                      </a:lnRef>
+                      <a:fillRef idx="0">
+                        <a:schemeClr val="accent1"/>
+                      </a:fillRef>
+                      <a:effectRef idx="0">
+                        <a:schemeClr val="accent1"/>
+                      </a:effectRef>
+                      <a:fontRef idx="minor">
+                        <a:schemeClr val="tx1"/>
+                      </a:fontRef>
+                    </p:style>
+                  </p:cxnSp>
+                  <mc:AlternateContent xmlns:mc="http://schemas.openxmlformats.org/markup-compatibility/2006" xmlns:a14="http://schemas.microsoft.com/office/drawing/2010/main">
+                    <mc:Choice Requires="a14">
+                      <p:sp>
+                        <p:nvSpPr>
+                          <p:cNvPr id="52" name="Rectangle 51"/>
+                          <p:cNvSpPr/>
+                          <p:nvPr/>
+                        </p:nvSpPr>
+                        <p:spPr>
+                          <a:xfrm>
+                            <a:off x="6955153" y="2381567"/>
+                            <a:ext cx="864512" cy="1110919"/>
+                          </a:xfrm>
+                          <a:prstGeom prst="rect">
+                            <a:avLst/>
+                          </a:prstGeom>
+                        </p:spPr>
+                        <p:txBody>
+                          <a:bodyPr wrap="square">
+                            <a:spAutoFit/>
+                          </a:bodyPr>
+                          <a:lstStyle/>
+                          <a:p>
+                            <a:pPr/>
+                            <a14:m>
+                              <m:oMathPara xmlns:m="http://schemas.openxmlformats.org/officeDocument/2006/math">
+                                <m:oMathParaPr>
+                                  <m:jc m:val="centerGroup"/>
+                                </m:oMathParaPr>
+                                <m:oMath xmlns:m="http://schemas.openxmlformats.org/officeDocument/2006/math">
+                                  <m:r>
+                                    <a:rPr lang="en-US" b="0" i="1" smtClean="0">
+                                      <a:latin typeface="Cambria Math" panose="02040503050406030204" pitchFamily="18" charset="0"/>
+                                      <a:cs typeface="Arial" panose="020B0604020202020204" pitchFamily="34" charset="0"/>
+                                    </a:rPr>
+                                    <m:t>𝑧</m:t>
+                                  </m:r>
+                                </m:oMath>
+                              </m:oMathPara>
+                            </a14:m>
+                            <a:endParaRPr lang="en-CA" dirty="0"/>
+                          </a:p>
+                        </p:txBody>
+                      </p:sp>
+                    </mc:Choice>
+                    <mc:Fallback xmlns="">
+                      <p:sp>
+                        <p:nvSpPr>
+                          <p:cNvPr id="41" name="Rectangle 40"/>
+                          <p:cNvSpPr>
+                            <a:spLocks noRot="1" noChangeAspect="1" noMove="1" noResize="1" noEditPoints="1" noAdjustHandles="1" noChangeArrowheads="1" noChangeShapeType="1" noTextEdit="1"/>
+                          </p:cNvSpPr>
+                          <p:nvPr/>
+                        </p:nvSpPr>
+                        <p:spPr>
+                          <a:xfrm>
+                            <a:off x="6955153" y="2381567"/>
+                            <a:ext cx="864512" cy="1110919"/>
+                          </a:xfrm>
+                          <a:prstGeom prst="rect">
+                            <a:avLst/>
+                          </a:prstGeom>
+                          <a:blipFill>
+                            <a:blip r:embed="rId22"/>
+                            <a:stretch>
+                              <a:fillRect/>
+                            </a:stretch>
+                          </a:blipFill>
+                        </p:spPr>
+                        <p:txBody>
+                          <a:bodyPr/>
+                          <a:lstStyle/>
+                          <a:p>
+                            <a:r>
+                              <a:rPr lang="en-US">
+                                <a:noFill/>
+                              </a:rPr>
+                              <a:t> </a:t>
+                            </a:r>
+                          </a:p>
+                        </p:txBody>
+                      </p:sp>
+                    </mc:Fallback>
+                  </mc:AlternateContent>
+                  <mc:AlternateContent xmlns:mc="http://schemas.openxmlformats.org/markup-compatibility/2006" xmlns:a14="http://schemas.microsoft.com/office/drawing/2010/main">
+                    <mc:Choice Requires="a14">
+                      <p:sp>
+                        <p:nvSpPr>
+                          <p:cNvPr id="53" name="Rectangle 52"/>
+                          <p:cNvSpPr/>
+                          <p:nvPr/>
+                        </p:nvSpPr>
+                        <p:spPr>
+                          <a:xfrm>
+                            <a:off x="1642031" y="-3500579"/>
+                            <a:ext cx="1042388" cy="1110919"/>
+                          </a:xfrm>
+                          <a:prstGeom prst="rect">
+                            <a:avLst/>
+                          </a:prstGeom>
+                        </p:spPr>
+                        <p:txBody>
+                          <a:bodyPr wrap="square">
+                            <a:spAutoFit/>
+                          </a:bodyPr>
+                          <a:lstStyle/>
+                          <a:p>
+                            <a:pPr/>
+                            <a14:m>
+                              <m:oMathPara xmlns:m="http://schemas.openxmlformats.org/officeDocument/2006/math">
+                                <m:oMathParaPr>
+                                  <m:jc m:val="centerGroup"/>
+                                </m:oMathParaPr>
+                                <m:oMath xmlns:m="http://schemas.openxmlformats.org/officeDocument/2006/math">
+                                  <m:r>
+                                    <a:rPr lang="en-US" b="0" i="1" smtClean="0">
+                                      <a:latin typeface="Cambria Math" panose="02040503050406030204" pitchFamily="18" charset="0"/>
+                                    </a:rPr>
+                                    <m:t>𝑥</m:t>
+                                  </m:r>
+                                </m:oMath>
+                              </m:oMathPara>
+                            </a14:m>
+                            <a:endParaRPr lang="en-CA" dirty="0"/>
+                          </a:p>
+                        </p:txBody>
+                      </p:sp>
+                    </mc:Choice>
+                    <mc:Fallback xmlns="">
+                      <p:sp>
+                        <p:nvSpPr>
+                          <p:cNvPr id="42" name="Rectangle 41"/>
+                          <p:cNvSpPr>
+                            <a:spLocks noRot="1" noChangeAspect="1" noMove="1" noResize="1" noEditPoints="1" noAdjustHandles="1" noChangeArrowheads="1" noChangeShapeType="1" noTextEdit="1"/>
+                          </p:cNvSpPr>
+                          <p:nvPr/>
+                        </p:nvSpPr>
+                        <p:spPr>
+                          <a:xfrm>
+                            <a:off x="1642031" y="-3500579"/>
+                            <a:ext cx="1042388" cy="1110919"/>
+                          </a:xfrm>
+                          <a:prstGeom prst="rect">
+                            <a:avLst/>
+                          </a:prstGeom>
+                          <a:blipFill>
+                            <a:blip r:embed="rId23"/>
+                            <a:stretch>
+                              <a:fillRect/>
+                            </a:stretch>
+                          </a:blipFill>
+                        </p:spPr>
+                        <p:txBody>
+                          <a:bodyPr/>
+                          <a:lstStyle/>
+                          <a:p>
+                            <a:r>
+                              <a:rPr lang="en-US">
+                                <a:noFill/>
+                              </a:rPr>
+                              <a:t> </a:t>
+                            </a:r>
+                          </a:p>
+                        </p:txBody>
+                      </p:sp>
+                    </mc:Fallback>
+                  </mc:AlternateContent>
+                  <mc:AlternateContent xmlns:mc="http://schemas.openxmlformats.org/markup-compatibility/2006" xmlns:a14="http://schemas.microsoft.com/office/drawing/2010/main">
+                    <mc:Choice Requires="a14">
+                      <p:sp>
+                        <p:nvSpPr>
+                          <p:cNvPr id="54" name="Rectangle 53"/>
+                          <p:cNvSpPr/>
+                          <p:nvPr/>
+                        </p:nvSpPr>
+                        <p:spPr>
+                          <a:xfrm>
+                            <a:off x="1157200" y="2381567"/>
+                            <a:ext cx="1124827" cy="1110919"/>
+                          </a:xfrm>
+                          <a:prstGeom prst="rect">
+                            <a:avLst/>
+                          </a:prstGeom>
+                        </p:spPr>
+                        <p:txBody>
+                          <a:bodyPr wrap="square">
+                            <a:spAutoFit/>
+                          </a:bodyPr>
+                          <a:lstStyle/>
+                          <a:p>
+                            <a:pPr/>
+                            <a14:m>
+                              <m:oMathPara xmlns:m="http://schemas.openxmlformats.org/officeDocument/2006/math">
+                                <m:oMathParaPr>
+                                  <m:jc m:val="centerGroup"/>
+                                </m:oMathParaPr>
+                                <m:oMath xmlns:m="http://schemas.openxmlformats.org/officeDocument/2006/math">
+                                  <m:r>
+                                    <a:rPr lang="en-US" b="0" i="1" smtClean="0">
+                                      <a:latin typeface="Cambria Math" panose="02040503050406030204" pitchFamily="18" charset="0"/>
+                                      <a:cs typeface="Arial" panose="020B0604020202020204" pitchFamily="34" charset="0"/>
+                                    </a:rPr>
+                                    <m:t>0</m:t>
+                                  </m:r>
+                                </m:oMath>
+                              </m:oMathPara>
+                            </a14:m>
+                            <a:endParaRPr lang="en-CA" dirty="0"/>
+                          </a:p>
+                        </p:txBody>
+                      </p:sp>
+                    </mc:Choice>
+                    <mc:Fallback xmlns="">
+                      <p:sp>
+                        <p:nvSpPr>
+                          <p:cNvPr id="43" name="Rectangle 42"/>
+                          <p:cNvSpPr>
+                            <a:spLocks noRot="1" noChangeAspect="1" noMove="1" noResize="1" noEditPoints="1" noAdjustHandles="1" noChangeArrowheads="1" noChangeShapeType="1" noTextEdit="1"/>
+                          </p:cNvSpPr>
+                          <p:nvPr/>
+                        </p:nvSpPr>
+                        <p:spPr>
+                          <a:xfrm>
+                            <a:off x="1157200" y="2381567"/>
+                            <a:ext cx="1124827" cy="1110919"/>
+                          </a:xfrm>
+                          <a:prstGeom prst="rect">
+                            <a:avLst/>
+                          </a:prstGeom>
+                          <a:blipFill>
+                            <a:blip r:embed="rId24"/>
+                            <a:stretch>
+                              <a:fillRect/>
+                            </a:stretch>
+                          </a:blipFill>
+                        </p:spPr>
+                        <p:txBody>
+                          <a:bodyPr/>
+                          <a:lstStyle/>
+                          <a:p>
+                            <a:r>
+                              <a:rPr lang="en-US">
+                                <a:noFill/>
+                              </a:rPr>
+                              <a:t> </a:t>
+                            </a:r>
+                          </a:p>
+                        </p:txBody>
+                      </p:sp>
+                    </mc:Fallback>
+                  </mc:AlternateContent>
+                </p:grpSp>
+                <p:sp>
+                  <p:nvSpPr>
+                    <p:cNvPr id="49" name="Rectangle 48"/>
+                    <p:cNvSpPr/>
+                    <p:nvPr/>
+                  </p:nvSpPr>
+                  <p:spPr>
+                    <a:xfrm>
+                      <a:off x="1129904" y="1614682"/>
+                      <a:ext cx="184731" cy="369332"/>
+                    </a:xfrm>
+                    <a:prstGeom prst="rect">
+                      <a:avLst/>
+                    </a:prstGeom>
+                  </p:spPr>
+                  <p:txBody>
+                    <a:bodyPr wrap="none">
+                      <a:spAutoFit/>
+                    </a:bodyPr>
+                    <a:lstStyle/>
+                    <a:p>
+                      <a:endParaRPr lang="en-CA" dirty="0"/>
+                    </a:p>
+                  </p:txBody>
+                </p:sp>
+              </p:grpSp>
+              <p:cxnSp>
+                <p:nvCxnSpPr>
+                  <p:cNvPr id="30" name="Straight Arrow Connector 29"/>
+                  <p:cNvCxnSpPr/>
+                  <p:nvPr/>
+                </p:nvCxnSpPr>
+                <p:spPr>
+                  <a:xfrm flipH="1">
+                    <a:off x="5332031" y="3333125"/>
+                    <a:ext cx="561740" cy="797306"/>
+                  </a:xfrm>
+                  <a:prstGeom prst="straightConnector1">
+                    <a:avLst/>
+                  </a:prstGeom>
+                  <a:ln w="38100">
+                    <a:solidFill>
+                      <a:schemeClr val="tx1"/>
+                    </a:solidFill>
+                    <a:tailEnd type="triangle"/>
+                  </a:ln>
+                </p:spPr>
+                <p:style>
+                  <a:lnRef idx="1">
+                    <a:schemeClr val="accent1"/>
+                  </a:lnRef>
+                  <a:fillRef idx="0">
+                    <a:schemeClr val="accent1"/>
+                  </a:fillRef>
+                  <a:effectRef idx="0">
+                    <a:schemeClr val="accent1"/>
+                  </a:effectRef>
+                  <a:fontRef idx="minor">
+                    <a:schemeClr val="tx1"/>
+                  </a:fontRef>
+                </p:style>
+              </p:cxnSp>
+              <p:grpSp>
+                <p:nvGrpSpPr>
+                  <p:cNvPr id="31" name="Group 30"/>
+                  <p:cNvGrpSpPr/>
+                  <p:nvPr/>
+                </p:nvGrpSpPr>
+                <p:grpSpPr>
+                  <a:xfrm>
+                    <a:off x="5652110" y="1794910"/>
+                    <a:ext cx="504586" cy="3062177"/>
+                    <a:chOff x="9831571" y="1558741"/>
+                    <a:chExt cx="504586" cy="3062177"/>
+                  </a:xfrm>
+                </p:grpSpPr>
+                <p:sp>
+                  <p:nvSpPr>
+                    <p:cNvPr id="46" name="Arc 45"/>
+                    <p:cNvSpPr/>
+                    <p:nvPr/>
+                  </p:nvSpPr>
+                  <p:spPr>
+                    <a:xfrm>
+                      <a:off x="9854608" y="1558741"/>
+                      <a:ext cx="481549" cy="3051544"/>
+                    </a:xfrm>
+                    <a:prstGeom prst="arc">
+                      <a:avLst>
+                        <a:gd name="adj1" fmla="val 16200000"/>
+                        <a:gd name="adj2" fmla="val 5342088"/>
+                      </a:avLst>
+                    </a:prstGeom>
+                    <a:ln w="38100">
+                      <a:solidFill>
+                        <a:schemeClr val="tx1"/>
+                      </a:solidFill>
+                      <a:prstDash val="dash"/>
+                    </a:ln>
+                  </p:spPr>
+                  <p:style>
+                    <a:lnRef idx="1">
+                      <a:schemeClr val="accent1"/>
+                    </a:lnRef>
+                    <a:fillRef idx="0">
+                      <a:schemeClr val="accent1"/>
+                    </a:fillRef>
+                    <a:effectRef idx="0">
+                      <a:schemeClr val="accent1"/>
+                    </a:effectRef>
+                    <a:fontRef idx="minor">
+                      <a:schemeClr val="tx1"/>
+                    </a:fontRef>
+                  </p:style>
+                  <p:txBody>
+                    <a:bodyPr rtlCol="0" anchor="ctr"/>
+                    <a:lstStyle/>
+                    <a:p>
+                      <a:pPr algn="ctr"/>
+                      <a:endParaRPr lang="en-US"/>
+                    </a:p>
+                  </p:txBody>
+                </p:sp>
+                <p:sp>
+                  <p:nvSpPr>
+                    <p:cNvPr id="47" name="Arc 46"/>
+                    <p:cNvSpPr/>
+                    <p:nvPr/>
+                  </p:nvSpPr>
+                  <p:spPr>
+                    <a:xfrm>
+                      <a:off x="9831571" y="1569374"/>
+                      <a:ext cx="481549" cy="3051544"/>
+                    </a:xfrm>
+                    <a:prstGeom prst="arc">
+                      <a:avLst>
+                        <a:gd name="adj1" fmla="val 5305153"/>
+                        <a:gd name="adj2" fmla="val 16224316"/>
+                      </a:avLst>
+                    </a:prstGeom>
+                    <a:ln w="38100">
+                      <a:solidFill>
+                        <a:schemeClr val="tx1"/>
+                      </a:solidFill>
+                    </a:ln>
+                  </p:spPr>
+                  <p:style>
+                    <a:lnRef idx="1">
+                      <a:schemeClr val="accent1"/>
+                    </a:lnRef>
+                    <a:fillRef idx="0">
+                      <a:schemeClr val="accent1"/>
+                    </a:fillRef>
+                    <a:effectRef idx="0">
+                      <a:schemeClr val="accent1"/>
+                    </a:effectRef>
+                    <a:fontRef idx="minor">
+                      <a:schemeClr val="tx1"/>
+                    </a:fontRef>
+                  </p:style>
+                  <p:txBody>
+                    <a:bodyPr rtlCol="0" anchor="ctr"/>
+                    <a:lstStyle/>
+                    <a:p>
+                      <a:pPr algn="ctr"/>
+                      <a:endParaRPr lang="en-US"/>
+                    </a:p>
+                  </p:txBody>
+                </p:sp>
+              </p:grpSp>
+              <p:sp>
+                <p:nvSpPr>
+                  <p:cNvPr id="32" name="Arc 31"/>
+                  <p:cNvSpPr/>
+                  <p:nvPr/>
+                </p:nvSpPr>
+                <p:spPr>
+                  <a:xfrm>
+                    <a:off x="5664938" y="1800202"/>
+                    <a:ext cx="481549" cy="3051544"/>
+                  </a:xfrm>
+                  <a:prstGeom prst="arc">
+                    <a:avLst>
+                      <a:gd name="adj1" fmla="val 15991244"/>
+                      <a:gd name="adj2" fmla="val 16399563"/>
+                    </a:avLst>
+                  </a:prstGeom>
+                  <a:ln w="38100">
+                    <a:solidFill>
+                      <a:srgbClr val="FF0000"/>
+                    </a:solidFill>
+                  </a:ln>
+                </p:spPr>
+                <p:style>
+                  <a:lnRef idx="1">
+                    <a:schemeClr val="accent1"/>
+                  </a:lnRef>
+                  <a:fillRef idx="0">
+                    <a:schemeClr val="accent1"/>
+                  </a:fillRef>
+                  <a:effectRef idx="0">
+                    <a:schemeClr val="accent1"/>
+                  </a:effectRef>
+                  <a:fontRef idx="minor">
+                    <a:schemeClr val="tx1"/>
+                  </a:fontRef>
+                </p:style>
+                <p:txBody>
+                  <a:bodyPr rtlCol="0" anchor="ctr"/>
+                  <a:lstStyle/>
+                  <a:p>
+                    <a:pPr algn="ctr"/>
+                    <a:endParaRPr lang="en-US"/>
+                  </a:p>
+                </p:txBody>
+              </p:sp>
+              <mc:AlternateContent xmlns:mc="http://schemas.openxmlformats.org/markup-compatibility/2006" xmlns:a14="http://schemas.microsoft.com/office/drawing/2010/main">
+                <mc:Choice Requires="a14">
+                  <p:sp>
+                    <p:nvSpPr>
+                      <p:cNvPr id="34" name="Rectangle 33"/>
+                      <p:cNvSpPr/>
+                      <p:nvPr/>
+                    </p:nvSpPr>
+                    <p:spPr>
+                      <a:xfrm>
+                        <a:off x="5350969" y="1496930"/>
+                        <a:ext cx="502638" cy="369332"/>
+                      </a:xfrm>
+                      <a:prstGeom prst="rect">
+                        <a:avLst/>
+                      </a:prstGeom>
+                    </p:spPr>
+                    <p:txBody>
+                      <a:bodyPr wrap="none">
+                        <a:spAutoFit/>
+                      </a:bodyPr>
+                      <a:lstStyle/>
+                      <a:p>
+                        <a:pPr/>
+                        <a14:m>
+                          <m:oMathPara xmlns:m="http://schemas.openxmlformats.org/officeDocument/2006/math">
+                            <m:oMathParaPr>
+                              <m:jc m:val="centerGroup"/>
+                            </m:oMathParaPr>
+                            <m:oMath xmlns:m="http://schemas.openxmlformats.org/officeDocument/2006/math">
+                              <m:r>
+                                <a:rPr lang="en-US" b="0" i="1" smtClean="0">
+                                  <a:solidFill>
+                                    <a:srgbClr val="FF0000"/>
+                                  </a:solidFill>
+                                  <a:latin typeface="Cambria Math" panose="02040503050406030204" pitchFamily="18" charset="0"/>
+                                  <a:cs typeface="Arial" panose="020B0604020202020204" pitchFamily="34" charset="0"/>
+                                </a:rPr>
+                                <m:t>𝑑𝑞</m:t>
+                              </m:r>
+                            </m:oMath>
+                          </m:oMathPara>
+                        </a14:m>
+                        <a:endParaRPr lang="en-CA" dirty="0">
+                          <a:solidFill>
+                            <a:srgbClr val="FF0000"/>
+                          </a:solidFill>
+                        </a:endParaRPr>
+                      </a:p>
+                    </p:txBody>
+                  </p:sp>
+                </mc:Choice>
+                <mc:Fallback xmlns="">
+                  <p:sp>
+                    <p:nvSpPr>
+                      <p:cNvPr id="59" name="Rectangle 58"/>
+                      <p:cNvSpPr>
+                        <a:spLocks noRot="1" noChangeAspect="1" noMove="1" noResize="1" noEditPoints="1" noAdjustHandles="1" noChangeArrowheads="1" noChangeShapeType="1" noTextEdit="1"/>
+                      </p:cNvSpPr>
+                      <p:nvPr/>
+                    </p:nvSpPr>
+                    <p:spPr>
+                      <a:xfrm>
+                        <a:off x="5350969" y="1496930"/>
+                        <a:ext cx="502638" cy="369332"/>
+                      </a:xfrm>
+                      <a:prstGeom prst="rect">
+                        <a:avLst/>
+                      </a:prstGeom>
+                      <a:blipFill>
+                        <a:blip r:embed="rId25"/>
+                        <a:stretch>
+                          <a:fillRect b="-13333"/>
+                        </a:stretch>
+                      </a:blipFill>
+                    </p:spPr>
+                    <p:txBody>
+                      <a:bodyPr/>
+                      <a:lstStyle/>
+                      <a:p>
+                        <a:r>
+                          <a:rPr lang="en-US">
+                            <a:noFill/>
+                          </a:rPr>
+                          <a:t> </a:t>
+                        </a:r>
+                      </a:p>
+                    </p:txBody>
+                  </p:sp>
+                </mc:Fallback>
+              </mc:AlternateContent>
+              <p:cxnSp>
+                <p:nvCxnSpPr>
+                  <p:cNvPr id="36" name="Straight Connector 35"/>
+                  <p:cNvCxnSpPr/>
+                  <p:nvPr/>
+                </p:nvCxnSpPr>
+                <p:spPr>
+                  <a:xfrm>
+                    <a:off x="5894724" y="1783165"/>
+                    <a:ext cx="1556448" cy="1562479"/>
+                  </a:xfrm>
+                  <a:prstGeom prst="line">
+                    <a:avLst/>
+                  </a:prstGeom>
+                  <a:ln w="28575">
+                    <a:solidFill>
+                      <a:srgbClr val="FF0000"/>
+                    </a:solidFill>
+                    <a:prstDash val="sysDot"/>
+                  </a:ln>
+                </p:spPr>
+                <p:style>
+                  <a:lnRef idx="1">
+                    <a:schemeClr val="accent1"/>
+                  </a:lnRef>
+                  <a:fillRef idx="0">
+                    <a:schemeClr val="accent1"/>
+                  </a:fillRef>
+                  <a:effectRef idx="0">
+                    <a:schemeClr val="accent1"/>
+                  </a:effectRef>
+                  <a:fontRef idx="minor">
+                    <a:schemeClr val="tx1"/>
+                  </a:fontRef>
+                </p:style>
+              </p:cxnSp>
+              <mc:AlternateContent xmlns:mc="http://schemas.openxmlformats.org/markup-compatibility/2006">
+                <mc:Choice xmlns:a14="http://schemas.microsoft.com/office/drawing/2010/main" Requires="a14">
+                  <p:sp>
+                    <p:nvSpPr>
+                      <p:cNvPr id="37" name="Rectangle 36"/>
+                      <p:cNvSpPr/>
+                      <p:nvPr/>
+                    </p:nvSpPr>
+                    <p:spPr>
+                      <a:xfrm>
+                        <a:off x="6496466" y="3285669"/>
+                        <a:ext cx="371447" cy="369332"/>
+                      </a:xfrm>
+                      <a:prstGeom prst="rect">
+                        <a:avLst/>
+                      </a:prstGeom>
+                    </p:spPr>
+                    <p:txBody>
+                      <a:bodyPr wrap="none">
+                        <a:spAutoFit/>
+                      </a:bodyPr>
+                      <a:lstStyle/>
+                      <a:p>
+                        <a:pPr/>
+                        <a14:m>
+                          <m:oMathPara xmlns:m="http://schemas.openxmlformats.org/officeDocument/2006/math">
+                            <m:oMathParaPr>
+                              <m:jc m:val="centerGroup"/>
+                            </m:oMathParaPr>
+                            <m:oMath xmlns:m="http://schemas.openxmlformats.org/officeDocument/2006/math">
+                              <m:r>
+                                <a:rPr lang="en-US" b="0" i="1" smtClean="0">
+                                  <a:solidFill>
+                                    <a:schemeClr val="tx1"/>
+                                  </a:solidFill>
+                                  <a:latin typeface="Cambria Math" panose="02040503050406030204" pitchFamily="18" charset="0"/>
+                                  <a:cs typeface="Arial" panose="020B0604020202020204" pitchFamily="34" charset="0"/>
+                                </a:rPr>
+                                <m:t>𝑎</m:t>
+                              </m:r>
+                            </m:oMath>
+                          </m:oMathPara>
+                        </a14:m>
+                        <a:endParaRPr lang="en-CA" dirty="0">
+                          <a:solidFill>
+                            <a:schemeClr val="tx1"/>
+                          </a:solidFill>
+                        </a:endParaRPr>
+                      </a:p>
+                    </p:txBody>
+                  </p:sp>
+                </mc:Choice>
+                <mc:Fallback>
+                  <p:sp>
+                    <p:nvSpPr>
+                      <p:cNvPr id="37" name="Rectangle 36"/>
+                      <p:cNvSpPr>
+                        <a:spLocks noRot="1" noChangeAspect="1" noMove="1" noResize="1" noEditPoints="1" noAdjustHandles="1" noChangeArrowheads="1" noChangeShapeType="1" noTextEdit="1"/>
+                      </p:cNvSpPr>
+                      <p:nvPr/>
+                    </p:nvSpPr>
+                    <p:spPr>
+                      <a:xfrm>
+                        <a:off x="6496466" y="3285669"/>
+                        <a:ext cx="371447" cy="369332"/>
+                      </a:xfrm>
+                      <a:prstGeom prst="rect">
+                        <a:avLst/>
+                      </a:prstGeom>
+                      <a:blipFill>
+                        <a:blip r:embed="rId26"/>
+                        <a:stretch>
+                          <a:fillRect/>
+                        </a:stretch>
+                      </a:blipFill>
+                    </p:spPr>
+                    <p:txBody>
+                      <a:bodyPr/>
+                      <a:lstStyle/>
+                      <a:p>
+                        <a:r>
+                          <a:rPr lang="en-US">
+                            <a:noFill/>
+                          </a:rPr>
+                          <a:t> </a:t>
+                        </a:r>
+                      </a:p>
+                    </p:txBody>
+                  </p:sp>
+                </mc:Fallback>
+              </mc:AlternateContent>
+              <mc:AlternateContent xmlns:mc="http://schemas.openxmlformats.org/markup-compatibility/2006" xmlns:a14="http://schemas.microsoft.com/office/drawing/2010/main">
+                <mc:Choice Requires="a14">
+                  <p:sp>
+                    <p:nvSpPr>
+                      <p:cNvPr id="38" name="Rectangle 37"/>
+                      <p:cNvSpPr/>
+                      <p:nvPr/>
+                    </p:nvSpPr>
+                    <p:spPr>
+                      <a:xfrm>
+                        <a:off x="5048330" y="3906337"/>
+                        <a:ext cx="299300" cy="369332"/>
+                      </a:xfrm>
+                      <a:prstGeom prst="rect">
+                        <a:avLst/>
+                      </a:prstGeom>
+                    </p:spPr>
+                    <p:txBody>
+                      <a:bodyPr wrap="square">
+                        <a:spAutoFit/>
+                      </a:bodyPr>
+                      <a:lstStyle/>
+                      <a:p>
+                        <a:pPr/>
+                        <a14:m>
+                          <m:oMathPara xmlns:m="http://schemas.openxmlformats.org/officeDocument/2006/math">
+                            <m:oMathParaPr>
+                              <m:jc m:val="centerGroup"/>
+                            </m:oMathParaPr>
+                            <m:oMath xmlns:m="http://schemas.openxmlformats.org/officeDocument/2006/math">
+                              <m:r>
+                                <a:rPr lang="en-US" b="0" i="1" smtClean="0">
+                                  <a:latin typeface="Cambria Math" panose="02040503050406030204" pitchFamily="18" charset="0"/>
+                                  <a:cs typeface="Arial" panose="020B0604020202020204" pitchFamily="34" charset="0"/>
+                                </a:rPr>
+                                <m:t>𝑦</m:t>
+                              </m:r>
+                            </m:oMath>
+                          </m:oMathPara>
+                        </a14:m>
+                        <a:endParaRPr lang="en-CA" dirty="0"/>
+                      </a:p>
+                    </p:txBody>
+                  </p:sp>
+                </mc:Choice>
+                <mc:Fallback xmlns="">
+                  <p:sp>
+                    <p:nvSpPr>
+                      <p:cNvPr id="64" name="Rectangle 63"/>
+                      <p:cNvSpPr>
+                        <a:spLocks noRot="1" noChangeAspect="1" noMove="1" noResize="1" noEditPoints="1" noAdjustHandles="1" noChangeArrowheads="1" noChangeShapeType="1" noTextEdit="1"/>
+                      </p:cNvSpPr>
+                      <p:nvPr/>
+                    </p:nvSpPr>
+                    <p:spPr>
+                      <a:xfrm>
+                        <a:off x="5048330" y="3906337"/>
+                        <a:ext cx="299300" cy="369332"/>
+                      </a:xfrm>
+                      <a:prstGeom prst="rect">
+                        <a:avLst/>
+                      </a:prstGeom>
+                      <a:blipFill>
+                        <a:blip r:embed="rId28"/>
+                        <a:stretch>
+                          <a:fillRect b="-4918"/>
+                        </a:stretch>
+                      </a:blipFill>
+                    </p:spPr>
+                    <p:txBody>
+                      <a:bodyPr/>
+                      <a:lstStyle/>
+                      <a:p>
+                        <a:r>
+                          <a:rPr lang="en-US">
+                            <a:noFill/>
+                          </a:rPr>
+                          <a:t> </a:t>
+                        </a:r>
+                      </a:p>
+                    </p:txBody>
+                  </p:sp>
+                </mc:Fallback>
+              </mc:AlternateContent>
+              <mc:AlternateContent xmlns:mc="http://schemas.openxmlformats.org/markup-compatibility/2006" xmlns:a14="http://schemas.microsoft.com/office/drawing/2010/main">
+                <mc:Choice Requires="a14">
+                  <p:sp>
+                    <p:nvSpPr>
+                      <p:cNvPr id="39" name="Rectangle 38"/>
+                      <p:cNvSpPr/>
+                      <p:nvPr/>
+                    </p:nvSpPr>
+                    <p:spPr>
+                      <a:xfrm>
+                        <a:off x="5602288" y="2308793"/>
+                        <a:ext cx="391774" cy="369332"/>
+                      </a:xfrm>
+                      <a:prstGeom prst="rect">
+                        <a:avLst/>
+                      </a:prstGeom>
+                    </p:spPr>
+                    <p:txBody>
+                      <a:bodyPr wrap="none">
+                        <a:spAutoFit/>
+                      </a:bodyPr>
+                      <a:lstStyle/>
+                      <a:p>
+                        <a:pPr/>
+                        <a14:m>
+                          <m:oMathPara xmlns:m="http://schemas.openxmlformats.org/officeDocument/2006/math">
+                            <m:oMathParaPr>
+                              <m:jc m:val="centerGroup"/>
+                            </m:oMathParaPr>
+                            <m:oMath xmlns:m="http://schemas.openxmlformats.org/officeDocument/2006/math">
+                              <m:r>
+                                <a:rPr lang="en-US" b="0" i="1" smtClean="0">
+                                  <a:solidFill>
+                                    <a:schemeClr val="tx1"/>
+                                  </a:solidFill>
+                                  <a:latin typeface="Cambria Math" panose="02040503050406030204" pitchFamily="18" charset="0"/>
+                                  <a:cs typeface="Arial" panose="020B0604020202020204" pitchFamily="34" charset="0"/>
+                                </a:rPr>
+                                <m:t>𝑅</m:t>
+                              </m:r>
+                            </m:oMath>
+                          </m:oMathPara>
+                        </a14:m>
+                        <a:endParaRPr lang="en-CA" dirty="0">
+                          <a:solidFill>
+                            <a:schemeClr val="tx1"/>
+                          </a:solidFill>
+                        </a:endParaRPr>
+                      </a:p>
+                    </p:txBody>
+                  </p:sp>
+                </mc:Choice>
+                <mc:Fallback xmlns="">
+                  <p:sp>
+                    <p:nvSpPr>
+                      <p:cNvPr id="66" name="Rectangle 65"/>
+                      <p:cNvSpPr>
+                        <a:spLocks noRot="1" noChangeAspect="1" noMove="1" noResize="1" noEditPoints="1" noAdjustHandles="1" noChangeArrowheads="1" noChangeShapeType="1" noTextEdit="1"/>
+                      </p:cNvSpPr>
+                      <p:nvPr/>
+                    </p:nvSpPr>
+                    <p:spPr>
+                      <a:xfrm>
+                        <a:off x="5602288" y="2308793"/>
+                        <a:ext cx="391774" cy="369332"/>
+                      </a:xfrm>
+                      <a:prstGeom prst="rect">
+                        <a:avLst/>
+                      </a:prstGeom>
+                      <a:blipFill>
+                        <a:blip r:embed="rId29"/>
+                        <a:stretch>
+                          <a:fillRect/>
+                        </a:stretch>
+                      </a:blipFill>
+                    </p:spPr>
+                    <p:txBody>
+                      <a:bodyPr/>
+                      <a:lstStyle/>
+                      <a:p>
+                        <a:r>
+                          <a:rPr lang="en-US">
+                            <a:noFill/>
+                          </a:rPr>
+                          <a:t> </a:t>
+                        </a:r>
+                      </a:p>
+                    </p:txBody>
+                  </p:sp>
+                </mc:Fallback>
+              </mc:AlternateContent>
+              <mc:AlternateContent xmlns:mc="http://schemas.openxmlformats.org/markup-compatibility/2006" xmlns:a14="http://schemas.microsoft.com/office/drawing/2010/main">
+                <mc:Choice Requires="a14">
+                  <p:sp>
+                    <p:nvSpPr>
+                      <p:cNvPr id="40" name="Rectangle 39"/>
+                      <p:cNvSpPr/>
+                      <p:nvPr/>
+                    </p:nvSpPr>
+                    <p:spPr>
+                      <a:xfrm>
+                        <a:off x="6574894" y="2243953"/>
+                        <a:ext cx="351635" cy="369332"/>
+                      </a:xfrm>
+                      <a:prstGeom prst="rect">
+                        <a:avLst/>
+                      </a:prstGeom>
+                    </p:spPr>
+                    <p:txBody>
+                      <a:bodyPr wrap="none">
+                        <a:spAutoFit/>
+                      </a:bodyPr>
+                      <a:lstStyle/>
+                      <a:p>
+                        <a:pPr/>
+                        <a14:m>
+                          <m:oMathPara xmlns:m="http://schemas.openxmlformats.org/officeDocument/2006/math">
+                            <m:oMathParaPr>
+                              <m:jc m:val="centerGroup"/>
+                            </m:oMathParaPr>
+                            <m:oMath xmlns:m="http://schemas.openxmlformats.org/officeDocument/2006/math">
+                              <m:r>
+                                <a:rPr lang="en-US" b="0" i="1" smtClean="0">
+                                  <a:solidFill>
+                                    <a:srgbClr val="FF0000"/>
+                                  </a:solidFill>
+                                  <a:latin typeface="Cambria Math" panose="02040503050406030204" pitchFamily="18" charset="0"/>
+                                  <a:cs typeface="Arial" panose="020B0604020202020204" pitchFamily="34" charset="0"/>
+                                </a:rPr>
+                                <m:t>𝑟</m:t>
+                              </m:r>
+                            </m:oMath>
+                          </m:oMathPara>
+                        </a14:m>
+                        <a:endParaRPr lang="en-CA" dirty="0"/>
+                      </a:p>
+                    </p:txBody>
+                  </p:sp>
+                </mc:Choice>
+                <mc:Fallback xmlns="">
+                  <p:sp>
+                    <p:nvSpPr>
+                      <p:cNvPr id="67" name="Rectangle 66"/>
+                      <p:cNvSpPr>
+                        <a:spLocks noRot="1" noChangeAspect="1" noMove="1" noResize="1" noEditPoints="1" noAdjustHandles="1" noChangeArrowheads="1" noChangeShapeType="1" noTextEdit="1"/>
+                      </p:cNvSpPr>
+                      <p:nvPr/>
+                    </p:nvSpPr>
+                    <p:spPr>
+                      <a:xfrm>
+                        <a:off x="6574894" y="2243953"/>
+                        <a:ext cx="351635" cy="369332"/>
+                      </a:xfrm>
+                      <a:prstGeom prst="rect">
+                        <a:avLst/>
+                      </a:prstGeom>
+                      <a:blipFill>
+                        <a:blip r:embed="rId30"/>
+                        <a:stretch>
+                          <a:fillRect/>
+                        </a:stretch>
+                      </a:blipFill>
+                    </p:spPr>
+                    <p:txBody>
+                      <a:bodyPr/>
+                      <a:lstStyle/>
+                      <a:p>
+                        <a:r>
+                          <a:rPr lang="en-US">
+                            <a:noFill/>
+                          </a:rPr>
+                          <a:t> </a:t>
+                        </a:r>
+                      </a:p>
+                    </p:txBody>
+                  </p:sp>
+                </mc:Fallback>
+              </mc:AlternateContent>
+            </p:grpSp>
+            <mc:AlternateContent xmlns:mc="http://schemas.openxmlformats.org/markup-compatibility/2006" xmlns:a14="http://schemas.microsoft.com/office/drawing/2010/main">
+              <mc:Choice Requires="a14">
+                <p:sp>
+                  <p:nvSpPr>
+                    <p:cNvPr id="27" name="Rectangle 26"/>
+                    <p:cNvSpPr/>
+                    <p:nvPr/>
+                  </p:nvSpPr>
+                  <p:spPr>
+                    <a:xfrm>
+                      <a:off x="4774521" y="1694983"/>
+                      <a:ext cx="399788" cy="369332"/>
+                    </a:xfrm>
+                    <a:prstGeom prst="rect">
+                      <a:avLst/>
+                    </a:prstGeom>
+                  </p:spPr>
+                  <p:txBody>
+                    <a:bodyPr wrap="none">
+                      <a:spAutoFit/>
+                    </a:bodyPr>
+                    <a:lstStyle/>
+                    <a:p>
+                      <a:pPr/>
+                      <a14:m>
+                        <m:oMathPara xmlns:m="http://schemas.openxmlformats.org/officeDocument/2006/math">
+                          <m:oMathParaPr>
+                            <m:jc m:val="centerGroup"/>
+                          </m:oMathParaPr>
+                          <m:oMath xmlns:m="http://schemas.openxmlformats.org/officeDocument/2006/math">
+                            <m:r>
+                              <a:rPr lang="en-US" b="0" i="1" smtClean="0">
+                                <a:solidFill>
+                                  <a:schemeClr val="tx1"/>
+                                </a:solidFill>
+                                <a:latin typeface="Cambria Math" panose="02040503050406030204" pitchFamily="18" charset="0"/>
+                                <a:cs typeface="Arial" panose="020B0604020202020204" pitchFamily="34" charset="0"/>
+                              </a:rPr>
+                              <m:t>𝑄</m:t>
+                            </m:r>
+                          </m:oMath>
+                        </m:oMathPara>
+                      </a14:m>
+                      <a:endParaRPr lang="en-CA" dirty="0">
+                        <a:solidFill>
+                          <a:schemeClr val="tx1"/>
+                        </a:solidFill>
+                      </a:endParaRPr>
+                    </a:p>
+                  </p:txBody>
+                </p:sp>
+              </mc:Choice>
+              <mc:Fallback xmlns="">
+                <p:sp>
+                  <p:nvSpPr>
+                    <p:cNvPr id="79" name="Rectangle 78"/>
+                    <p:cNvSpPr>
+                      <a:spLocks noRot="1" noChangeAspect="1" noMove="1" noResize="1" noEditPoints="1" noAdjustHandles="1" noChangeArrowheads="1" noChangeShapeType="1" noTextEdit="1"/>
+                    </p:cNvSpPr>
+                    <p:nvPr/>
+                  </p:nvSpPr>
+                  <p:spPr>
+                    <a:xfrm>
+                      <a:off x="4774521" y="1694983"/>
+                      <a:ext cx="399788" cy="369332"/>
+                    </a:xfrm>
+                    <a:prstGeom prst="rect">
+                      <a:avLst/>
+                    </a:prstGeom>
+                    <a:blipFill>
+                      <a:blip r:embed="rId34"/>
+                      <a:stretch>
+                        <a:fillRect b="-9836"/>
+                      </a:stretch>
+                    </a:blipFill>
+                  </p:spPr>
+                  <p:txBody>
+                    <a:bodyPr/>
+                    <a:lstStyle/>
+                    <a:p>
+                      <a:r>
+                        <a:rPr lang="en-US">
+                          <a:noFill/>
+                        </a:rPr>
+                        <a:t> </a:t>
+                      </a:r>
+                    </a:p>
+                  </p:txBody>
+                </p:sp>
+              </mc:Fallback>
+            </mc:AlternateContent>
+            <p:cxnSp>
+              <p:nvCxnSpPr>
+                <p:cNvPr id="28" name="Straight Connector 27"/>
+                <p:cNvCxnSpPr/>
+                <p:nvPr/>
+              </p:nvCxnSpPr>
+              <p:spPr>
+                <a:xfrm flipH="1" flipV="1">
+                  <a:off x="5174309" y="2144611"/>
+                  <a:ext cx="212352" cy="692954"/>
+                </a:xfrm>
+                <a:prstGeom prst="line">
+                  <a:avLst/>
+                </a:prstGeom>
+                <a:ln w="19050">
+                  <a:solidFill>
+                    <a:schemeClr val="tx1"/>
+                  </a:solidFill>
+                  <a:prstDash val="sysDot"/>
+                </a:ln>
+              </p:spPr>
+              <p:style>
+                <a:lnRef idx="1">
+                  <a:schemeClr val="accent1"/>
+                </a:lnRef>
+                <a:fillRef idx="0">
+                  <a:schemeClr val="accent1"/>
+                </a:fillRef>
+                <a:effectRef idx="0">
+                  <a:schemeClr val="accent1"/>
+                </a:effectRef>
+                <a:fontRef idx="minor">
+                  <a:schemeClr val="tx1"/>
+                </a:fontRef>
+              </p:style>
+            </p:cxnSp>
+          </p:grpSp>
+          <p:sp>
+            <p:nvSpPr>
+              <p:cNvPr id="55" name="Oval 54"/>
+              <p:cNvSpPr/>
+              <p:nvPr/>
+            </p:nvSpPr>
+            <p:spPr>
+              <a:xfrm>
+                <a:off x="6875125" y="2816995"/>
+                <a:ext cx="104775" cy="104775"/>
+              </a:xfrm>
+              <a:prstGeom prst="ellipse">
+                <a:avLst/>
+              </a:prstGeom>
+              <a:solidFill>
+                <a:schemeClr val="tx1"/>
+              </a:solidFill>
+              <a:ln w="38100">
+                <a:solidFill>
+                  <a:schemeClr val="tx1"/>
+                </a:solidFill>
+              </a:ln>
+            </p:spPr>
+            <p:style>
+              <a:lnRef idx="2">
+                <a:schemeClr val="accent1">
+                  <a:shade val="50000"/>
+                </a:schemeClr>
+              </a:lnRef>
+              <a:fillRef idx="1">
+                <a:schemeClr val="accent1"/>
+              </a:fillRef>
+              <a:effectRef idx="0">
+                <a:schemeClr val="accent1"/>
+              </a:effectRef>
+              <a:fontRef idx="minor">
+                <a:schemeClr val="lt1"/>
+              </a:fontRef>
+            </p:style>
+            <p:txBody>
+              <a:bodyPr rtlCol="0" anchor="ctr"/>
+              <a:lstStyle/>
+              <a:p>
+                <a:pPr algn="ctr"/>
+                <a:endParaRPr lang="en-US"/>
+              </a:p>
+            </p:txBody>
+          </p:sp>
+        </p:grpSp>
+        <mc:AlternateContent xmlns:mc="http://schemas.openxmlformats.org/markup-compatibility/2006">
+          <mc:Choice xmlns:a14="http://schemas.microsoft.com/office/drawing/2010/main" Requires="a14">
+            <p:sp>
+              <p:nvSpPr>
+                <p:cNvPr id="57" name="TextBox 56"/>
+                <p:cNvSpPr txBox="1"/>
+                <p:nvPr/>
+              </p:nvSpPr>
+              <p:spPr>
+                <a:xfrm>
+                  <a:off x="6819281" y="2943969"/>
+                  <a:ext cx="235514" cy="307777"/>
+                </a:xfrm>
+                <a:prstGeom prst="rect">
+                  <a:avLst/>
+                </a:prstGeom>
+                <a:noFill/>
+              </p:spPr>
+              <p:txBody>
+                <a:bodyPr wrap="none" lIns="0" tIns="0" rIns="0" bIns="0" rtlCol="0">
+                  <a:spAutoFit/>
+                </a:bodyPr>
+                <a:lstStyle/>
+                <a:p>
+                  <a14:m>
+                    <m:oMathPara xmlns:m="http://schemas.openxmlformats.org/officeDocument/2006/math">
+                      <m:oMathParaPr>
+                        <m:jc m:val="centerGroup"/>
+                      </m:oMathParaPr>
+                      <m:oMath xmlns:m="http://schemas.openxmlformats.org/officeDocument/2006/math">
+                        <m:r>
+                          <a:rPr lang="en-US" sz="2000" b="0" i="1" smtClean="0">
+                            <a:latin typeface="Cambria Math" panose="02040503050406030204" pitchFamily="18" charset="0"/>
+                            <a:cs typeface="Arial" panose="020B0604020202020204" pitchFamily="34" charset="0"/>
+                          </a:rPr>
+                          <m:t>𝑃</m:t>
+                        </m:r>
+                      </m:oMath>
+                    </m:oMathPara>
+                  </a14:m>
+                  <a:endParaRPr lang="en-US" sz="2000" dirty="0" smtClean="0">
+                    <a:latin typeface="Arial" panose="020B0604020202020204" pitchFamily="34" charset="0"/>
+                    <a:cs typeface="Arial" panose="020B0604020202020204" pitchFamily="34" charset="0"/>
+                  </a:endParaRPr>
+                </a:p>
+              </p:txBody>
+            </p:sp>
+          </mc:Choice>
+          <mc:Fallback>
+            <p:sp>
+              <p:nvSpPr>
+                <p:cNvPr id="57" name="TextBox 56"/>
+                <p:cNvSpPr txBox="1">
+                  <a:spLocks noRot="1" noChangeAspect="1" noMove="1" noResize="1" noEditPoints="1" noAdjustHandles="1" noChangeArrowheads="1" noChangeShapeType="1" noTextEdit="1"/>
+                </p:cNvSpPr>
+                <p:nvPr/>
+              </p:nvSpPr>
+              <p:spPr>
+                <a:xfrm>
+                  <a:off x="6819281" y="2943969"/>
+                  <a:ext cx="235514" cy="307777"/>
+                </a:xfrm>
+                <a:prstGeom prst="rect">
+                  <a:avLst/>
+                </a:prstGeom>
+                <a:blipFill>
+                  <a:blip r:embed="rId35"/>
+                  <a:stretch>
+                    <a:fillRect l="-23684" r="-21053" b="-10000"/>
+                  </a:stretch>
+                </a:blipFill>
+              </p:spPr>
+              <p:txBody>
+                <a:bodyPr/>
+                <a:lstStyle/>
+                <a:p>
+                  <a:r>
+                    <a:rPr lang="en-US">
+                      <a:noFill/>
+                    </a:rPr>
+                    <a:t> </a:t>
+                  </a:r>
+                </a:p>
+              </p:txBody>
+            </p:sp>
+          </mc:Fallback>
+        </mc:AlternateContent>
+      </p:grpSp>
+      <p:grpSp>
+        <p:nvGrpSpPr>
+          <p:cNvPr id="71" name="Group 70"/>
+          <p:cNvGrpSpPr/>
+          <p:nvPr/>
+        </p:nvGrpSpPr>
+        <p:grpSpPr>
+          <a:xfrm>
+            <a:off x="7697828" y="3616228"/>
+            <a:ext cx="3759453" cy="2073473"/>
+            <a:chOff x="7768662" y="3154890"/>
+            <a:chExt cx="3759453" cy="2073473"/>
+          </a:xfrm>
+        </p:grpSpPr>
+        <p:sp>
+          <p:nvSpPr>
+            <p:cNvPr id="59" name="Oval 58"/>
+            <p:cNvSpPr/>
+            <p:nvPr/>
+          </p:nvSpPr>
+          <p:spPr>
+            <a:xfrm>
+              <a:off x="7768662" y="3437663"/>
+              <a:ext cx="1790700" cy="1790700"/>
+            </a:xfrm>
+            <a:prstGeom prst="ellipse">
+              <a:avLst/>
+            </a:prstGeom>
+            <a:noFill/>
+            <a:ln w="38100">
+              <a:solidFill>
+                <a:schemeClr val="tx1"/>
+              </a:solidFill>
+            </a:ln>
+          </p:spPr>
+          <p:style>
+            <a:lnRef idx="2">
+              <a:schemeClr val="accent1">
+                <a:shade val="50000"/>
+              </a:schemeClr>
+            </a:lnRef>
+            <a:fillRef idx="1">
+              <a:schemeClr val="accent1"/>
+            </a:fillRef>
+            <a:effectRef idx="0">
+              <a:schemeClr val="accent1"/>
+            </a:effectRef>
+            <a:fontRef idx="minor">
+              <a:schemeClr val="lt1"/>
+            </a:fontRef>
+          </p:style>
+          <p:txBody>
+            <a:bodyPr rtlCol="0" anchor="ctr"/>
+            <a:lstStyle/>
+            <a:p>
+              <a:pPr algn="ctr"/>
+              <a:endParaRPr lang="en-US"/>
+            </a:p>
+          </p:txBody>
+        </p:sp>
+        <p:sp>
+          <p:nvSpPr>
+            <p:cNvPr id="60" name="Oval 59"/>
+            <p:cNvSpPr/>
+            <p:nvPr/>
+          </p:nvSpPr>
+          <p:spPr>
+            <a:xfrm>
+              <a:off x="10665996" y="3894865"/>
+              <a:ext cx="862119" cy="862119"/>
+            </a:xfrm>
+            <a:prstGeom prst="ellipse">
+              <a:avLst/>
+            </a:prstGeom>
+            <a:noFill/>
+            <a:ln w="38100">
+              <a:solidFill>
+                <a:schemeClr val="tx1"/>
+              </a:solidFill>
+            </a:ln>
+          </p:spPr>
+          <p:style>
+            <a:lnRef idx="2">
+              <a:schemeClr val="accent1">
+                <a:shade val="50000"/>
+              </a:schemeClr>
+            </a:lnRef>
+            <a:fillRef idx="1">
+              <a:schemeClr val="accent1"/>
+            </a:fillRef>
+            <a:effectRef idx="0">
+              <a:schemeClr val="accent1"/>
+            </a:effectRef>
+            <a:fontRef idx="minor">
+              <a:schemeClr val="lt1"/>
+            </a:fontRef>
+          </p:style>
+          <p:txBody>
+            <a:bodyPr rtlCol="0" anchor="ctr"/>
+            <a:lstStyle/>
+            <a:p>
+              <a:pPr algn="ctr"/>
+              <a:endParaRPr lang="en-US"/>
+            </a:p>
+          </p:txBody>
+        </p:sp>
+        <p:cxnSp>
+          <p:nvCxnSpPr>
+            <p:cNvPr id="61" name="Straight Connector 60"/>
+            <p:cNvCxnSpPr/>
+            <p:nvPr/>
+          </p:nvCxnSpPr>
+          <p:spPr>
+            <a:xfrm flipH="1" flipV="1">
+              <a:off x="8267192" y="3548388"/>
+              <a:ext cx="396820" cy="784625"/>
+            </a:xfrm>
+            <a:prstGeom prst="line">
+              <a:avLst/>
+            </a:prstGeom>
+            <a:ln w="19050">
+              <a:solidFill>
+                <a:schemeClr val="tx1"/>
+              </a:solidFill>
+              <a:prstDash val="sysDot"/>
+            </a:ln>
+          </p:spPr>
+          <p:style>
+            <a:lnRef idx="1">
+              <a:schemeClr val="accent1"/>
+            </a:lnRef>
+            <a:fillRef idx="0">
+              <a:schemeClr val="accent1"/>
+            </a:fillRef>
+            <a:effectRef idx="0">
+              <a:schemeClr val="accent1"/>
+            </a:effectRef>
+            <a:fontRef idx="minor">
+              <a:schemeClr val="tx1"/>
+            </a:fontRef>
+          </p:style>
+        </p:cxnSp>
+        <p:cxnSp>
+          <p:nvCxnSpPr>
+            <p:cNvPr id="63" name="Straight Connector 62"/>
+            <p:cNvCxnSpPr/>
+            <p:nvPr/>
+          </p:nvCxnSpPr>
+          <p:spPr>
+            <a:xfrm flipH="1" flipV="1">
+              <a:off x="10818253" y="3963084"/>
+              <a:ext cx="256667" cy="369929"/>
+            </a:xfrm>
+            <a:prstGeom prst="line">
+              <a:avLst/>
+            </a:prstGeom>
+            <a:ln w="19050">
+              <a:solidFill>
+                <a:schemeClr val="tx1"/>
+              </a:solidFill>
+              <a:prstDash val="sysDot"/>
+            </a:ln>
+          </p:spPr>
+          <p:style>
+            <a:lnRef idx="1">
+              <a:schemeClr val="accent1"/>
+            </a:lnRef>
+            <a:fillRef idx="0">
+              <a:schemeClr val="accent1"/>
+            </a:fillRef>
+            <a:effectRef idx="0">
+              <a:schemeClr val="accent1"/>
+            </a:effectRef>
+            <a:fontRef idx="minor">
+              <a:schemeClr val="tx1"/>
+            </a:fontRef>
+          </p:style>
+        </p:cxnSp>
+        <mc:AlternateContent xmlns:mc="http://schemas.openxmlformats.org/markup-compatibility/2006">
+          <mc:Choice xmlns:a14="http://schemas.microsoft.com/office/drawing/2010/main" Requires="a14">
+            <p:sp>
+              <p:nvSpPr>
+                <p:cNvPr id="66" name="Rectangle 65"/>
+                <p:cNvSpPr/>
+                <p:nvPr/>
+              </p:nvSpPr>
+              <p:spPr>
+                <a:xfrm>
+                  <a:off x="8336455" y="3548388"/>
+                  <a:ext cx="483081" cy="369332"/>
+                </a:xfrm>
+                <a:prstGeom prst="rect">
+                  <a:avLst/>
+                </a:prstGeom>
+              </p:spPr>
+              <p:txBody>
+                <a:bodyPr wrap="none">
+                  <a:spAutoFit/>
+                </a:bodyPr>
+                <a:lstStyle/>
+                <a:p>
+                  <a:pPr/>
+                  <a14:m>
+                    <m:oMathPara xmlns:m="http://schemas.openxmlformats.org/officeDocument/2006/math">
+                      <m:oMathParaPr>
+                        <m:jc m:val="centerGroup"/>
+                      </m:oMathParaPr>
+                      <m:oMath xmlns:m="http://schemas.openxmlformats.org/officeDocument/2006/math">
+                        <m:sSub>
+                          <m:sSubPr>
+                            <m:ctrlPr>
+                              <a:rPr lang="en-US" b="0" i="1" smtClean="0">
+                                <a:solidFill>
+                                  <a:schemeClr val="tx1"/>
+                                </a:solidFill>
+                                <a:latin typeface="Cambria Math" panose="02040503050406030204" pitchFamily="18" charset="0"/>
+                                <a:cs typeface="Arial" panose="020B0604020202020204" pitchFamily="34" charset="0"/>
+                              </a:rPr>
+                            </m:ctrlPr>
+                          </m:sSubPr>
+                          <m:e>
+                            <m:r>
+                              <a:rPr lang="en-US" b="0" i="1" smtClean="0">
+                                <a:solidFill>
+                                  <a:schemeClr val="tx1"/>
+                                </a:solidFill>
+                                <a:latin typeface="Cambria Math" panose="02040503050406030204" pitchFamily="18" charset="0"/>
+                                <a:cs typeface="Arial" panose="020B0604020202020204" pitchFamily="34" charset="0"/>
+                              </a:rPr>
+                              <m:t>𝑅</m:t>
+                            </m:r>
+                          </m:e>
+                          <m:sub>
+                            <m:r>
+                              <a:rPr lang="en-US" b="0" i="1" smtClean="0">
+                                <a:solidFill>
+                                  <a:schemeClr val="tx1"/>
+                                </a:solidFill>
+                                <a:latin typeface="Cambria Math" panose="02040503050406030204" pitchFamily="18" charset="0"/>
+                                <a:cs typeface="Arial" panose="020B0604020202020204" pitchFamily="34" charset="0"/>
+                              </a:rPr>
+                              <m:t>1</m:t>
+                            </m:r>
+                          </m:sub>
+                        </m:sSub>
+                      </m:oMath>
+                    </m:oMathPara>
+                  </a14:m>
+                  <a:endParaRPr lang="en-CA" dirty="0">
+                    <a:solidFill>
+                      <a:schemeClr val="tx1"/>
+                    </a:solidFill>
+                  </a:endParaRPr>
+                </a:p>
+              </p:txBody>
+            </p:sp>
+          </mc:Choice>
+          <mc:Fallback>
+            <p:sp>
+              <p:nvSpPr>
+                <p:cNvPr id="66" name="Rectangle 65"/>
+                <p:cNvSpPr>
+                  <a:spLocks noRot="1" noChangeAspect="1" noMove="1" noResize="1" noEditPoints="1" noAdjustHandles="1" noChangeArrowheads="1" noChangeShapeType="1" noTextEdit="1"/>
+                </p:cNvSpPr>
+                <p:nvPr/>
+              </p:nvSpPr>
+              <p:spPr>
+                <a:xfrm>
+                  <a:off x="8336455" y="3548388"/>
+                  <a:ext cx="483081" cy="369332"/>
+                </a:xfrm>
+                <a:prstGeom prst="rect">
+                  <a:avLst/>
+                </a:prstGeom>
+                <a:blipFill>
+                  <a:blip r:embed="rId36"/>
+                  <a:stretch>
+                    <a:fillRect/>
+                  </a:stretch>
+                </a:blipFill>
+              </p:spPr>
+              <p:txBody>
+                <a:bodyPr/>
+                <a:lstStyle/>
+                <a:p>
+                  <a:r>
+                    <a:rPr lang="en-US">
+                      <a:noFill/>
+                    </a:rPr>
+                    <a:t> </a:t>
+                  </a:r>
+                </a:p>
+              </p:txBody>
+            </p:sp>
+          </mc:Fallback>
+        </mc:AlternateContent>
+        <mc:AlternateContent xmlns:mc="http://schemas.openxmlformats.org/markup-compatibility/2006">
+          <mc:Choice xmlns:a14="http://schemas.microsoft.com/office/drawing/2010/main" Requires="a14">
+            <p:sp>
+              <p:nvSpPr>
+                <p:cNvPr id="67" name="Rectangle 66"/>
+                <p:cNvSpPr/>
+                <p:nvPr/>
+              </p:nvSpPr>
+              <p:spPr>
+                <a:xfrm>
+                  <a:off x="10916793" y="3917720"/>
+                  <a:ext cx="488403" cy="369332"/>
+                </a:xfrm>
+                <a:prstGeom prst="rect">
+                  <a:avLst/>
+                </a:prstGeom>
+              </p:spPr>
+              <p:txBody>
+                <a:bodyPr wrap="none">
+                  <a:spAutoFit/>
+                </a:bodyPr>
+                <a:lstStyle/>
+                <a:p>
+                  <a:pPr/>
+                  <a14:m>
+                    <m:oMathPara xmlns:m="http://schemas.openxmlformats.org/officeDocument/2006/math">
+                      <m:oMathParaPr>
+                        <m:jc m:val="centerGroup"/>
+                      </m:oMathParaPr>
+                      <m:oMath xmlns:m="http://schemas.openxmlformats.org/officeDocument/2006/math">
+                        <m:sSub>
+                          <m:sSubPr>
+                            <m:ctrlPr>
+                              <a:rPr lang="en-US" b="0" i="1" smtClean="0">
+                                <a:solidFill>
+                                  <a:schemeClr val="tx1"/>
+                                </a:solidFill>
+                                <a:latin typeface="Cambria Math" panose="02040503050406030204" pitchFamily="18" charset="0"/>
+                                <a:cs typeface="Arial" panose="020B0604020202020204" pitchFamily="34" charset="0"/>
+                              </a:rPr>
+                            </m:ctrlPr>
+                          </m:sSubPr>
+                          <m:e>
+                            <m:r>
+                              <a:rPr lang="en-US" b="0" i="1" smtClean="0">
+                                <a:solidFill>
+                                  <a:schemeClr val="tx1"/>
+                                </a:solidFill>
+                                <a:latin typeface="Cambria Math" panose="02040503050406030204" pitchFamily="18" charset="0"/>
+                                <a:cs typeface="Arial" panose="020B0604020202020204" pitchFamily="34" charset="0"/>
+                              </a:rPr>
+                              <m:t>𝑅</m:t>
+                            </m:r>
+                          </m:e>
+                          <m:sub>
+                            <m:r>
+                              <a:rPr lang="en-US" b="0" i="1" smtClean="0">
+                                <a:solidFill>
+                                  <a:schemeClr val="tx1"/>
+                                </a:solidFill>
+                                <a:latin typeface="Cambria Math" panose="02040503050406030204" pitchFamily="18" charset="0"/>
+                                <a:cs typeface="Arial" panose="020B0604020202020204" pitchFamily="34" charset="0"/>
+                              </a:rPr>
+                              <m:t>2</m:t>
+                            </m:r>
+                          </m:sub>
+                        </m:sSub>
+                      </m:oMath>
+                    </m:oMathPara>
+                  </a14:m>
+                  <a:endParaRPr lang="en-CA" dirty="0">
+                    <a:solidFill>
+                      <a:schemeClr val="tx1"/>
+                    </a:solidFill>
+                  </a:endParaRPr>
+                </a:p>
+              </p:txBody>
+            </p:sp>
+          </mc:Choice>
+          <mc:Fallback>
+            <p:sp>
+              <p:nvSpPr>
+                <p:cNvPr id="67" name="Rectangle 66"/>
+                <p:cNvSpPr>
+                  <a:spLocks noRot="1" noChangeAspect="1" noMove="1" noResize="1" noEditPoints="1" noAdjustHandles="1" noChangeArrowheads="1" noChangeShapeType="1" noTextEdit="1"/>
+                </p:cNvSpPr>
+                <p:nvPr/>
+              </p:nvSpPr>
+              <p:spPr>
+                <a:xfrm>
+                  <a:off x="10916793" y="3917720"/>
+                  <a:ext cx="488403" cy="369332"/>
+                </a:xfrm>
+                <a:prstGeom prst="rect">
+                  <a:avLst/>
+                </a:prstGeom>
+                <a:blipFill>
+                  <a:blip r:embed="rId37"/>
+                  <a:stretch>
+                    <a:fillRect/>
+                  </a:stretch>
+                </a:blipFill>
+              </p:spPr>
+              <p:txBody>
+                <a:bodyPr/>
+                <a:lstStyle/>
+                <a:p>
+                  <a:r>
+                    <a:rPr lang="en-US">
+                      <a:noFill/>
+                    </a:rPr>
+                    <a:t> </a:t>
+                  </a:r>
+                </a:p>
+              </p:txBody>
+            </p:sp>
+          </mc:Fallback>
+        </mc:AlternateContent>
+        <p:sp>
+          <p:nvSpPr>
+            <p:cNvPr id="68" name="Freeform 67"/>
+            <p:cNvSpPr/>
+            <p:nvPr/>
+          </p:nvSpPr>
+          <p:spPr>
+            <a:xfrm>
+              <a:off x="9544050" y="3915892"/>
+              <a:ext cx="1123950" cy="652922"/>
+            </a:xfrm>
+            <a:custGeom>
+              <a:avLst/>
+              <a:gdLst>
+                <a:gd name="connsiteX0" fmla="*/ 0 w 1123950"/>
+                <a:gd name="connsiteY0" fmla="*/ 227483 h 652922"/>
+                <a:gd name="connsiteX1" fmla="*/ 485775 w 1123950"/>
+                <a:gd name="connsiteY1" fmla="*/ 17933 h 652922"/>
+                <a:gd name="connsiteX2" fmla="*/ 695325 w 1123950"/>
+                <a:gd name="connsiteY2" fmla="*/ 637058 h 652922"/>
+                <a:gd name="connsiteX3" fmla="*/ 1123950 w 1123950"/>
+                <a:gd name="connsiteY3" fmla="*/ 408458 h 652922"/>
+              </a:gdLst>
+              <a:ahLst/>
+              <a:cxnLst>
+                <a:cxn ang="0">
+                  <a:pos x="connsiteX0" y="connsiteY0"/>
+                </a:cxn>
+                <a:cxn ang="0">
+                  <a:pos x="connsiteX1" y="connsiteY1"/>
+                </a:cxn>
+                <a:cxn ang="0">
+                  <a:pos x="connsiteX2" y="connsiteY2"/>
+                </a:cxn>
+                <a:cxn ang="0">
+                  <a:pos x="connsiteX3" y="connsiteY3"/>
+                </a:cxn>
+              </a:cxnLst>
+              <a:rect l="l" t="t" r="r" b="b"/>
+              <a:pathLst>
+                <a:path w="1123950" h="652922">
+                  <a:moveTo>
+                    <a:pt x="0" y="227483"/>
+                  </a:moveTo>
+                  <a:cubicBezTo>
+                    <a:pt x="184944" y="88577"/>
+                    <a:pt x="369888" y="-50329"/>
+                    <a:pt x="485775" y="17933"/>
+                  </a:cubicBezTo>
+                  <a:cubicBezTo>
+                    <a:pt x="601662" y="86195"/>
+                    <a:pt x="588963" y="571971"/>
+                    <a:pt x="695325" y="637058"/>
+                  </a:cubicBezTo>
+                  <a:cubicBezTo>
+                    <a:pt x="801687" y="702145"/>
+                    <a:pt x="962818" y="555301"/>
+                    <a:pt x="1123950" y="408458"/>
+                  </a:cubicBezTo>
+                </a:path>
+              </a:pathLst>
+            </a:custGeom>
+            <a:noFill/>
+            <a:ln w="38100">
+              <a:solidFill>
+                <a:schemeClr val="tx1"/>
+              </a:solidFill>
+            </a:ln>
+          </p:spPr>
+          <p:style>
+            <a:lnRef idx="2">
+              <a:schemeClr val="accent1">
+                <a:shade val="50000"/>
+              </a:schemeClr>
+            </a:lnRef>
+            <a:fillRef idx="1">
+              <a:schemeClr val="accent1"/>
+            </a:fillRef>
+            <a:effectRef idx="0">
+              <a:schemeClr val="accent1"/>
+            </a:effectRef>
+            <a:fontRef idx="minor">
+              <a:schemeClr val="lt1"/>
+            </a:fontRef>
+          </p:style>
+          <p:txBody>
+            <a:bodyPr rtlCol="0" anchor="ctr"/>
+            <a:lstStyle/>
+            <a:p>
+              <a:pPr algn="ctr"/>
+              <a:endParaRPr lang="en-US"/>
+            </a:p>
+          </p:txBody>
+        </p:sp>
+        <mc:AlternateContent xmlns:mc="http://schemas.openxmlformats.org/markup-compatibility/2006">
+          <mc:Choice xmlns:a14="http://schemas.microsoft.com/office/drawing/2010/main" Requires="a14">
+            <p:sp>
+              <p:nvSpPr>
+                <p:cNvPr id="69" name="TextBox 68"/>
+                <p:cNvSpPr txBox="1"/>
+                <p:nvPr/>
+              </p:nvSpPr>
+              <p:spPr>
+                <a:xfrm>
+                  <a:off x="8936108" y="3154890"/>
+                  <a:ext cx="349198" cy="307777"/>
+                </a:xfrm>
+                <a:prstGeom prst="rect">
+                  <a:avLst/>
+                </a:prstGeom>
+                <a:noFill/>
+              </p:spPr>
+              <p:txBody>
+                <a:bodyPr wrap="none" lIns="0" tIns="0" rIns="0" bIns="0" rtlCol="0">
+                  <a:spAutoFit/>
+                </a:bodyPr>
+                <a:lstStyle/>
+                <a:p>
+                  <a14:m>
+                    <m:oMathPara xmlns:m="http://schemas.openxmlformats.org/officeDocument/2006/math">
+                      <m:oMathParaPr>
+                        <m:jc m:val="centerGroup"/>
+                      </m:oMathParaPr>
+                      <m:oMath xmlns:m="http://schemas.openxmlformats.org/officeDocument/2006/math">
+                        <m:sSub>
+                          <m:sSubPr>
+                            <m:ctrlPr>
+                              <a:rPr lang="en-US" sz="2000" b="0" i="1" smtClean="0">
+                                <a:latin typeface="Cambria Math" panose="02040503050406030204" pitchFamily="18" charset="0"/>
+                                <a:cs typeface="Arial" panose="020B0604020202020204" pitchFamily="34" charset="0"/>
+                              </a:rPr>
+                            </m:ctrlPr>
+                          </m:sSubPr>
+                          <m:e>
+                            <m:r>
+                              <a:rPr lang="en-US" sz="2000" b="0" i="1" smtClean="0">
+                                <a:latin typeface="Cambria Math" panose="02040503050406030204" pitchFamily="18" charset="0"/>
+                                <a:cs typeface="Arial" panose="020B0604020202020204" pitchFamily="34" charset="0"/>
+                              </a:rPr>
+                              <m:t>𝑄</m:t>
+                            </m:r>
+                          </m:e>
+                          <m:sub>
+                            <m:r>
+                              <a:rPr lang="en-US" sz="2000" b="0" i="1" smtClean="0">
+                                <a:latin typeface="Cambria Math" panose="02040503050406030204" pitchFamily="18" charset="0"/>
+                                <a:cs typeface="Arial" panose="020B0604020202020204" pitchFamily="34" charset="0"/>
+                              </a:rPr>
+                              <m:t>1</m:t>
+                            </m:r>
+                          </m:sub>
+                        </m:sSub>
+                      </m:oMath>
+                    </m:oMathPara>
+                  </a14:m>
+                  <a:endParaRPr lang="en-US" sz="2000" dirty="0" smtClean="0">
+                    <a:latin typeface="Arial" panose="020B0604020202020204" pitchFamily="34" charset="0"/>
+                    <a:cs typeface="Arial" panose="020B0604020202020204" pitchFamily="34" charset="0"/>
+                  </a:endParaRPr>
+                </a:p>
+              </p:txBody>
+            </p:sp>
+          </mc:Choice>
+          <mc:Fallback>
+            <p:sp>
+              <p:nvSpPr>
+                <p:cNvPr id="69" name="TextBox 68"/>
+                <p:cNvSpPr txBox="1">
+                  <a:spLocks noRot="1" noChangeAspect="1" noMove="1" noResize="1" noEditPoints="1" noAdjustHandles="1" noChangeArrowheads="1" noChangeShapeType="1" noTextEdit="1"/>
+                </p:cNvSpPr>
+                <p:nvPr/>
+              </p:nvSpPr>
+              <p:spPr>
+                <a:xfrm>
+                  <a:off x="8936108" y="3154890"/>
+                  <a:ext cx="349198" cy="307777"/>
+                </a:xfrm>
+                <a:prstGeom prst="rect">
+                  <a:avLst/>
+                </a:prstGeom>
+                <a:blipFill>
+                  <a:blip r:embed="rId38"/>
+                  <a:stretch>
+                    <a:fillRect l="-20690" r="-3448" b="-29412"/>
+                  </a:stretch>
+                </a:blipFill>
+              </p:spPr>
+              <p:txBody>
+                <a:bodyPr/>
+                <a:lstStyle/>
+                <a:p>
+                  <a:r>
+                    <a:rPr lang="en-US">
+                      <a:noFill/>
+                    </a:rPr>
+                    <a:t> </a:t>
+                  </a:r>
+                </a:p>
+              </p:txBody>
+            </p:sp>
+          </mc:Fallback>
+        </mc:AlternateContent>
+        <mc:AlternateContent xmlns:mc="http://schemas.openxmlformats.org/markup-compatibility/2006">
+          <mc:Choice xmlns:a14="http://schemas.microsoft.com/office/drawing/2010/main" Requires="a14">
+            <p:sp>
+              <p:nvSpPr>
+                <p:cNvPr id="70" name="TextBox 69"/>
+                <p:cNvSpPr txBox="1"/>
+                <p:nvPr/>
+              </p:nvSpPr>
+              <p:spPr>
+                <a:xfrm>
+                  <a:off x="10775438" y="3489778"/>
+                  <a:ext cx="355162" cy="307777"/>
+                </a:xfrm>
+                <a:prstGeom prst="rect">
+                  <a:avLst/>
+                </a:prstGeom>
+                <a:noFill/>
+              </p:spPr>
+              <p:txBody>
+                <a:bodyPr wrap="none" lIns="0" tIns="0" rIns="0" bIns="0" rtlCol="0">
+                  <a:spAutoFit/>
+                </a:bodyPr>
+                <a:lstStyle/>
+                <a:p>
+                  <a14:m>
+                    <m:oMathPara xmlns:m="http://schemas.openxmlformats.org/officeDocument/2006/math">
+                      <m:oMathParaPr>
+                        <m:jc m:val="centerGroup"/>
+                      </m:oMathParaPr>
+                      <m:oMath xmlns:m="http://schemas.openxmlformats.org/officeDocument/2006/math">
+                        <m:sSub>
+                          <m:sSubPr>
+                            <m:ctrlPr>
+                              <a:rPr lang="en-US" sz="2000" b="0" i="1" smtClean="0">
+                                <a:latin typeface="Cambria Math" panose="02040503050406030204" pitchFamily="18" charset="0"/>
+                                <a:cs typeface="Arial" panose="020B0604020202020204" pitchFamily="34" charset="0"/>
+                              </a:rPr>
+                            </m:ctrlPr>
+                          </m:sSubPr>
+                          <m:e>
+                            <m:r>
+                              <a:rPr lang="en-US" sz="2000" b="0" i="1" smtClean="0">
+                                <a:latin typeface="Cambria Math" panose="02040503050406030204" pitchFamily="18" charset="0"/>
+                                <a:cs typeface="Arial" panose="020B0604020202020204" pitchFamily="34" charset="0"/>
+                              </a:rPr>
+                              <m:t>𝑄</m:t>
+                            </m:r>
+                          </m:e>
+                          <m:sub>
+                            <m:r>
+                              <a:rPr lang="en-US" sz="2000" b="0" i="1" smtClean="0">
+                                <a:latin typeface="Cambria Math" panose="02040503050406030204" pitchFamily="18" charset="0"/>
+                                <a:cs typeface="Arial" panose="020B0604020202020204" pitchFamily="34" charset="0"/>
+                              </a:rPr>
+                              <m:t>2</m:t>
+                            </m:r>
+                          </m:sub>
+                        </m:sSub>
+                      </m:oMath>
+                    </m:oMathPara>
+                  </a14:m>
+                  <a:endParaRPr lang="en-US" sz="2000" dirty="0" smtClean="0">
+                    <a:latin typeface="Arial" panose="020B0604020202020204" pitchFamily="34" charset="0"/>
+                    <a:cs typeface="Arial" panose="020B0604020202020204" pitchFamily="34" charset="0"/>
+                  </a:endParaRPr>
+                </a:p>
+              </p:txBody>
+            </p:sp>
+          </mc:Choice>
+          <mc:Fallback>
+            <p:sp>
+              <p:nvSpPr>
+                <p:cNvPr id="70" name="TextBox 69"/>
+                <p:cNvSpPr txBox="1">
+                  <a:spLocks noRot="1" noChangeAspect="1" noMove="1" noResize="1" noEditPoints="1" noAdjustHandles="1" noChangeArrowheads="1" noChangeShapeType="1" noTextEdit="1"/>
+                </p:cNvSpPr>
+                <p:nvPr/>
+              </p:nvSpPr>
+              <p:spPr>
+                <a:xfrm>
+                  <a:off x="10775438" y="3489778"/>
+                  <a:ext cx="355162" cy="307777"/>
+                </a:xfrm>
+                <a:prstGeom prst="rect">
+                  <a:avLst/>
+                </a:prstGeom>
+                <a:blipFill>
+                  <a:blip r:embed="rId39"/>
+                  <a:stretch>
+                    <a:fillRect l="-20690" r="-6897" b="-29412"/>
+                  </a:stretch>
+                </a:blipFill>
+              </p:spPr>
+              <p:txBody>
+                <a:bodyPr/>
+                <a:lstStyle/>
+                <a:p>
+                  <a:r>
+                    <a:rPr lang="en-US">
+                      <a:noFill/>
+                    </a:rPr>
+                    <a:t> </a:t>
+                  </a:r>
+                </a:p>
+              </p:txBody>
+            </p:sp>
+          </mc:Fallback>
+        </mc:AlternateContent>
+      </p:grpSp>
+      <p:grpSp>
+        <p:nvGrpSpPr>
+          <p:cNvPr id="94" name="Group 93"/>
+          <p:cNvGrpSpPr/>
+          <p:nvPr/>
+        </p:nvGrpSpPr>
+        <p:grpSpPr>
+          <a:xfrm>
+            <a:off x="7263338" y="408501"/>
+            <a:ext cx="4327397" cy="2682157"/>
+            <a:chOff x="7263338" y="408501"/>
+            <a:chExt cx="4327397" cy="2682157"/>
+          </a:xfrm>
+        </p:grpSpPr>
+        <p:sp>
+          <p:nvSpPr>
+            <p:cNvPr id="73" name="Freeform 72"/>
+            <p:cNvSpPr/>
+            <p:nvPr/>
+          </p:nvSpPr>
+          <p:spPr>
+            <a:xfrm>
+              <a:off x="7565578" y="700249"/>
+              <a:ext cx="3776954" cy="2107636"/>
+            </a:xfrm>
+            <a:custGeom>
+              <a:avLst/>
+              <a:gdLst>
+                <a:gd name="connsiteX0" fmla="*/ 57150 w 3619500"/>
+                <a:gd name="connsiteY0" fmla="*/ 771525 h 2047875"/>
+                <a:gd name="connsiteX1" fmla="*/ 0 w 3619500"/>
+                <a:gd name="connsiteY1" fmla="*/ 1752600 h 2047875"/>
+                <a:gd name="connsiteX2" fmla="*/ 1219200 w 3619500"/>
+                <a:gd name="connsiteY2" fmla="*/ 2047875 h 2047875"/>
+                <a:gd name="connsiteX3" fmla="*/ 1819275 w 3619500"/>
+                <a:gd name="connsiteY3" fmla="*/ 1438275 h 2047875"/>
+                <a:gd name="connsiteX4" fmla="*/ 2695575 w 3619500"/>
+                <a:gd name="connsiteY4" fmla="*/ 933450 h 2047875"/>
+                <a:gd name="connsiteX5" fmla="*/ 3314700 w 3619500"/>
+                <a:gd name="connsiteY5" fmla="*/ 638175 h 2047875"/>
+                <a:gd name="connsiteX6" fmla="*/ 3619500 w 3619500"/>
+                <a:gd name="connsiteY6" fmla="*/ 0 h 2047875"/>
+                <a:gd name="connsiteX7" fmla="*/ 3171825 w 3619500"/>
+                <a:gd name="connsiteY7" fmla="*/ 190500 h 2047875"/>
+                <a:gd name="connsiteX8" fmla="*/ 1647825 w 3619500"/>
+                <a:gd name="connsiteY8" fmla="*/ 295275 h 2047875"/>
+                <a:gd name="connsiteX9" fmla="*/ 57150 w 3619500"/>
+                <a:gd name="connsiteY9" fmla="*/ 771525 h 2047875"/>
+                <a:gd name="connsiteX0" fmla="*/ 57150 w 3619500"/>
+                <a:gd name="connsiteY0" fmla="*/ 771582 h 2047932"/>
+                <a:gd name="connsiteX1" fmla="*/ 0 w 3619500"/>
+                <a:gd name="connsiteY1" fmla="*/ 1752657 h 2047932"/>
+                <a:gd name="connsiteX2" fmla="*/ 1219200 w 3619500"/>
+                <a:gd name="connsiteY2" fmla="*/ 2047932 h 2047932"/>
+                <a:gd name="connsiteX3" fmla="*/ 1819275 w 3619500"/>
+                <a:gd name="connsiteY3" fmla="*/ 1438332 h 2047932"/>
+                <a:gd name="connsiteX4" fmla="*/ 2695575 w 3619500"/>
+                <a:gd name="connsiteY4" fmla="*/ 933507 h 2047932"/>
+                <a:gd name="connsiteX5" fmla="*/ 3314700 w 3619500"/>
+                <a:gd name="connsiteY5" fmla="*/ 638232 h 2047932"/>
+                <a:gd name="connsiteX6" fmla="*/ 3619500 w 3619500"/>
+                <a:gd name="connsiteY6" fmla="*/ 57 h 2047932"/>
+                <a:gd name="connsiteX7" fmla="*/ 3171825 w 3619500"/>
+                <a:gd name="connsiteY7" fmla="*/ 190557 h 2047932"/>
+                <a:gd name="connsiteX8" fmla="*/ 1647825 w 3619500"/>
+                <a:gd name="connsiteY8" fmla="*/ 295332 h 2047932"/>
+                <a:gd name="connsiteX9" fmla="*/ 57150 w 3619500"/>
+                <a:gd name="connsiteY9" fmla="*/ 771582 h 2047932"/>
+                <a:gd name="connsiteX0" fmla="*/ 57150 w 3621031"/>
+                <a:gd name="connsiteY0" fmla="*/ 771582 h 2047932"/>
+                <a:gd name="connsiteX1" fmla="*/ 0 w 3621031"/>
+                <a:gd name="connsiteY1" fmla="*/ 1752657 h 2047932"/>
+                <a:gd name="connsiteX2" fmla="*/ 1219200 w 3621031"/>
+                <a:gd name="connsiteY2" fmla="*/ 2047932 h 2047932"/>
+                <a:gd name="connsiteX3" fmla="*/ 1819275 w 3621031"/>
+                <a:gd name="connsiteY3" fmla="*/ 1438332 h 2047932"/>
+                <a:gd name="connsiteX4" fmla="*/ 2695575 w 3621031"/>
+                <a:gd name="connsiteY4" fmla="*/ 933507 h 2047932"/>
+                <a:gd name="connsiteX5" fmla="*/ 3314700 w 3621031"/>
+                <a:gd name="connsiteY5" fmla="*/ 638232 h 2047932"/>
+                <a:gd name="connsiteX6" fmla="*/ 3619500 w 3621031"/>
+                <a:gd name="connsiteY6" fmla="*/ 57 h 2047932"/>
+                <a:gd name="connsiteX7" fmla="*/ 3171825 w 3621031"/>
+                <a:gd name="connsiteY7" fmla="*/ 190557 h 2047932"/>
+                <a:gd name="connsiteX8" fmla="*/ 1647825 w 3621031"/>
+                <a:gd name="connsiteY8" fmla="*/ 295332 h 2047932"/>
+                <a:gd name="connsiteX9" fmla="*/ 57150 w 3621031"/>
+                <a:gd name="connsiteY9" fmla="*/ 771582 h 2047932"/>
+                <a:gd name="connsiteX0" fmla="*/ 57150 w 3621031"/>
+                <a:gd name="connsiteY0" fmla="*/ 771597 h 2047947"/>
+                <a:gd name="connsiteX1" fmla="*/ 0 w 3621031"/>
+                <a:gd name="connsiteY1" fmla="*/ 1752672 h 2047947"/>
+                <a:gd name="connsiteX2" fmla="*/ 1219200 w 3621031"/>
+                <a:gd name="connsiteY2" fmla="*/ 2047947 h 2047947"/>
+                <a:gd name="connsiteX3" fmla="*/ 1819275 w 3621031"/>
+                <a:gd name="connsiteY3" fmla="*/ 1438347 h 2047947"/>
+                <a:gd name="connsiteX4" fmla="*/ 2695575 w 3621031"/>
+                <a:gd name="connsiteY4" fmla="*/ 933522 h 2047947"/>
+                <a:gd name="connsiteX5" fmla="*/ 3314700 w 3621031"/>
+                <a:gd name="connsiteY5" fmla="*/ 638247 h 2047947"/>
+                <a:gd name="connsiteX6" fmla="*/ 3619500 w 3621031"/>
+                <a:gd name="connsiteY6" fmla="*/ 72 h 2047947"/>
+                <a:gd name="connsiteX7" fmla="*/ 3171825 w 3621031"/>
+                <a:gd name="connsiteY7" fmla="*/ 190572 h 2047947"/>
+                <a:gd name="connsiteX8" fmla="*/ 1647825 w 3621031"/>
+                <a:gd name="connsiteY8" fmla="*/ 295347 h 2047947"/>
+                <a:gd name="connsiteX9" fmla="*/ 57150 w 3621031"/>
+                <a:gd name="connsiteY9" fmla="*/ 771597 h 2047947"/>
+                <a:gd name="connsiteX0" fmla="*/ 57150 w 3621031"/>
+                <a:gd name="connsiteY0" fmla="*/ 771597 h 2047947"/>
+                <a:gd name="connsiteX1" fmla="*/ 0 w 3621031"/>
+                <a:gd name="connsiteY1" fmla="*/ 1752672 h 2047947"/>
+                <a:gd name="connsiteX2" fmla="*/ 1219200 w 3621031"/>
+                <a:gd name="connsiteY2" fmla="*/ 2047947 h 2047947"/>
+                <a:gd name="connsiteX3" fmla="*/ 1819275 w 3621031"/>
+                <a:gd name="connsiteY3" fmla="*/ 1438347 h 2047947"/>
+                <a:gd name="connsiteX4" fmla="*/ 2695575 w 3621031"/>
+                <a:gd name="connsiteY4" fmla="*/ 933522 h 2047947"/>
+                <a:gd name="connsiteX5" fmla="*/ 3314700 w 3621031"/>
+                <a:gd name="connsiteY5" fmla="*/ 638247 h 2047947"/>
+                <a:gd name="connsiteX6" fmla="*/ 3619500 w 3621031"/>
+                <a:gd name="connsiteY6" fmla="*/ 72 h 2047947"/>
+                <a:gd name="connsiteX7" fmla="*/ 3171825 w 3621031"/>
+                <a:gd name="connsiteY7" fmla="*/ 190572 h 2047947"/>
+                <a:gd name="connsiteX8" fmla="*/ 1647825 w 3621031"/>
+                <a:gd name="connsiteY8" fmla="*/ 295347 h 2047947"/>
+                <a:gd name="connsiteX9" fmla="*/ 57150 w 3621031"/>
+                <a:gd name="connsiteY9" fmla="*/ 771597 h 2047947"/>
+                <a:gd name="connsiteX0" fmla="*/ 57150 w 3621031"/>
+                <a:gd name="connsiteY0" fmla="*/ 771597 h 2047947"/>
+                <a:gd name="connsiteX1" fmla="*/ 0 w 3621031"/>
+                <a:gd name="connsiteY1" fmla="*/ 1752672 h 2047947"/>
+                <a:gd name="connsiteX2" fmla="*/ 1219200 w 3621031"/>
+                <a:gd name="connsiteY2" fmla="*/ 2047947 h 2047947"/>
+                <a:gd name="connsiteX3" fmla="*/ 1819275 w 3621031"/>
+                <a:gd name="connsiteY3" fmla="*/ 1438347 h 2047947"/>
+                <a:gd name="connsiteX4" fmla="*/ 2695575 w 3621031"/>
+                <a:gd name="connsiteY4" fmla="*/ 933522 h 2047947"/>
+                <a:gd name="connsiteX5" fmla="*/ 3314700 w 3621031"/>
+                <a:gd name="connsiteY5" fmla="*/ 638247 h 2047947"/>
+                <a:gd name="connsiteX6" fmla="*/ 3619500 w 3621031"/>
+                <a:gd name="connsiteY6" fmla="*/ 72 h 2047947"/>
+                <a:gd name="connsiteX7" fmla="*/ 3171825 w 3621031"/>
+                <a:gd name="connsiteY7" fmla="*/ 190572 h 2047947"/>
+                <a:gd name="connsiteX8" fmla="*/ 1647825 w 3621031"/>
+                <a:gd name="connsiteY8" fmla="*/ 295347 h 2047947"/>
+                <a:gd name="connsiteX9" fmla="*/ 57150 w 3621031"/>
+                <a:gd name="connsiteY9" fmla="*/ 771597 h 2047947"/>
+                <a:gd name="connsiteX0" fmla="*/ 57150 w 3621031"/>
+                <a:gd name="connsiteY0" fmla="*/ 771597 h 2047947"/>
+                <a:gd name="connsiteX1" fmla="*/ 0 w 3621031"/>
+                <a:gd name="connsiteY1" fmla="*/ 1752672 h 2047947"/>
+                <a:gd name="connsiteX2" fmla="*/ 1219200 w 3621031"/>
+                <a:gd name="connsiteY2" fmla="*/ 2047947 h 2047947"/>
+                <a:gd name="connsiteX3" fmla="*/ 1819275 w 3621031"/>
+                <a:gd name="connsiteY3" fmla="*/ 1438347 h 2047947"/>
+                <a:gd name="connsiteX4" fmla="*/ 2695575 w 3621031"/>
+                <a:gd name="connsiteY4" fmla="*/ 933522 h 2047947"/>
+                <a:gd name="connsiteX5" fmla="*/ 3314700 w 3621031"/>
+                <a:gd name="connsiteY5" fmla="*/ 638247 h 2047947"/>
+                <a:gd name="connsiteX6" fmla="*/ 3619500 w 3621031"/>
+                <a:gd name="connsiteY6" fmla="*/ 72 h 2047947"/>
+                <a:gd name="connsiteX7" fmla="*/ 3171825 w 3621031"/>
+                <a:gd name="connsiteY7" fmla="*/ 190572 h 2047947"/>
+                <a:gd name="connsiteX8" fmla="*/ 1647825 w 3621031"/>
+                <a:gd name="connsiteY8" fmla="*/ 295347 h 2047947"/>
+                <a:gd name="connsiteX9" fmla="*/ 57150 w 3621031"/>
+                <a:gd name="connsiteY9" fmla="*/ 771597 h 2047947"/>
+                <a:gd name="connsiteX0" fmla="*/ 57150 w 3621031"/>
+                <a:gd name="connsiteY0" fmla="*/ 771597 h 2047947"/>
+                <a:gd name="connsiteX1" fmla="*/ 0 w 3621031"/>
+                <a:gd name="connsiteY1" fmla="*/ 1752672 h 2047947"/>
+                <a:gd name="connsiteX2" fmla="*/ 1219200 w 3621031"/>
+                <a:gd name="connsiteY2" fmla="*/ 2047947 h 2047947"/>
+                <a:gd name="connsiteX3" fmla="*/ 1819275 w 3621031"/>
+                <a:gd name="connsiteY3" fmla="*/ 1438347 h 2047947"/>
+                <a:gd name="connsiteX4" fmla="*/ 2695575 w 3621031"/>
+                <a:gd name="connsiteY4" fmla="*/ 933522 h 2047947"/>
+                <a:gd name="connsiteX5" fmla="*/ 3314700 w 3621031"/>
+                <a:gd name="connsiteY5" fmla="*/ 638247 h 2047947"/>
+                <a:gd name="connsiteX6" fmla="*/ 3619500 w 3621031"/>
+                <a:gd name="connsiteY6" fmla="*/ 72 h 2047947"/>
+                <a:gd name="connsiteX7" fmla="*/ 3171825 w 3621031"/>
+                <a:gd name="connsiteY7" fmla="*/ 190572 h 2047947"/>
+                <a:gd name="connsiteX8" fmla="*/ 1647825 w 3621031"/>
+                <a:gd name="connsiteY8" fmla="*/ 295347 h 2047947"/>
+                <a:gd name="connsiteX9" fmla="*/ 57150 w 3621031"/>
+                <a:gd name="connsiteY9" fmla="*/ 771597 h 2047947"/>
+                <a:gd name="connsiteX0" fmla="*/ 113548 w 3677429"/>
+                <a:gd name="connsiteY0" fmla="*/ 771597 h 2047947"/>
+                <a:gd name="connsiteX1" fmla="*/ 56398 w 3677429"/>
+                <a:gd name="connsiteY1" fmla="*/ 1752672 h 2047947"/>
+                <a:gd name="connsiteX2" fmla="*/ 1275598 w 3677429"/>
+                <a:gd name="connsiteY2" fmla="*/ 2047947 h 2047947"/>
+                <a:gd name="connsiteX3" fmla="*/ 1875673 w 3677429"/>
+                <a:gd name="connsiteY3" fmla="*/ 1438347 h 2047947"/>
+                <a:gd name="connsiteX4" fmla="*/ 2751973 w 3677429"/>
+                <a:gd name="connsiteY4" fmla="*/ 933522 h 2047947"/>
+                <a:gd name="connsiteX5" fmla="*/ 3371098 w 3677429"/>
+                <a:gd name="connsiteY5" fmla="*/ 638247 h 2047947"/>
+                <a:gd name="connsiteX6" fmla="*/ 3675898 w 3677429"/>
+                <a:gd name="connsiteY6" fmla="*/ 72 h 2047947"/>
+                <a:gd name="connsiteX7" fmla="*/ 3228223 w 3677429"/>
+                <a:gd name="connsiteY7" fmla="*/ 190572 h 2047947"/>
+                <a:gd name="connsiteX8" fmla="*/ 1704223 w 3677429"/>
+                <a:gd name="connsiteY8" fmla="*/ 295347 h 2047947"/>
+                <a:gd name="connsiteX9" fmla="*/ 113548 w 3677429"/>
+                <a:gd name="connsiteY9" fmla="*/ 771597 h 2047947"/>
+                <a:gd name="connsiteX0" fmla="*/ 113548 w 3677429"/>
+                <a:gd name="connsiteY0" fmla="*/ 771597 h 2047947"/>
+                <a:gd name="connsiteX1" fmla="*/ 56398 w 3677429"/>
+                <a:gd name="connsiteY1" fmla="*/ 1752672 h 2047947"/>
+                <a:gd name="connsiteX2" fmla="*/ 1275598 w 3677429"/>
+                <a:gd name="connsiteY2" fmla="*/ 2047947 h 2047947"/>
+                <a:gd name="connsiteX3" fmla="*/ 1875673 w 3677429"/>
+                <a:gd name="connsiteY3" fmla="*/ 1438347 h 2047947"/>
+                <a:gd name="connsiteX4" fmla="*/ 2751973 w 3677429"/>
+                <a:gd name="connsiteY4" fmla="*/ 933522 h 2047947"/>
+                <a:gd name="connsiteX5" fmla="*/ 3371098 w 3677429"/>
+                <a:gd name="connsiteY5" fmla="*/ 638247 h 2047947"/>
+                <a:gd name="connsiteX6" fmla="*/ 3675898 w 3677429"/>
+                <a:gd name="connsiteY6" fmla="*/ 72 h 2047947"/>
+                <a:gd name="connsiteX7" fmla="*/ 3228223 w 3677429"/>
+                <a:gd name="connsiteY7" fmla="*/ 190572 h 2047947"/>
+                <a:gd name="connsiteX8" fmla="*/ 1704223 w 3677429"/>
+                <a:gd name="connsiteY8" fmla="*/ 295347 h 2047947"/>
+                <a:gd name="connsiteX9" fmla="*/ 113548 w 3677429"/>
+                <a:gd name="connsiteY9" fmla="*/ 771597 h 2047947"/>
+                <a:gd name="connsiteX0" fmla="*/ 113548 w 3677429"/>
+                <a:gd name="connsiteY0" fmla="*/ 771597 h 2047947"/>
+                <a:gd name="connsiteX1" fmla="*/ 56398 w 3677429"/>
+                <a:gd name="connsiteY1" fmla="*/ 1752672 h 2047947"/>
+                <a:gd name="connsiteX2" fmla="*/ 1275598 w 3677429"/>
+                <a:gd name="connsiteY2" fmla="*/ 2047947 h 2047947"/>
+                <a:gd name="connsiteX3" fmla="*/ 1875673 w 3677429"/>
+                <a:gd name="connsiteY3" fmla="*/ 1438347 h 2047947"/>
+                <a:gd name="connsiteX4" fmla="*/ 2751973 w 3677429"/>
+                <a:gd name="connsiteY4" fmla="*/ 933522 h 2047947"/>
+                <a:gd name="connsiteX5" fmla="*/ 3371098 w 3677429"/>
+                <a:gd name="connsiteY5" fmla="*/ 638247 h 2047947"/>
+                <a:gd name="connsiteX6" fmla="*/ 3675898 w 3677429"/>
+                <a:gd name="connsiteY6" fmla="*/ 72 h 2047947"/>
+                <a:gd name="connsiteX7" fmla="*/ 3228223 w 3677429"/>
+                <a:gd name="connsiteY7" fmla="*/ 190572 h 2047947"/>
+                <a:gd name="connsiteX8" fmla="*/ 1704223 w 3677429"/>
+                <a:gd name="connsiteY8" fmla="*/ 295347 h 2047947"/>
+                <a:gd name="connsiteX9" fmla="*/ 113548 w 3677429"/>
+                <a:gd name="connsiteY9" fmla="*/ 771597 h 2047947"/>
+                <a:gd name="connsiteX0" fmla="*/ 214604 w 3778485"/>
+                <a:gd name="connsiteY0" fmla="*/ 771597 h 2047947"/>
+                <a:gd name="connsiteX1" fmla="*/ 157454 w 3778485"/>
+                <a:gd name="connsiteY1" fmla="*/ 1752672 h 2047947"/>
+                <a:gd name="connsiteX2" fmla="*/ 1376654 w 3778485"/>
+                <a:gd name="connsiteY2" fmla="*/ 2047947 h 2047947"/>
+                <a:gd name="connsiteX3" fmla="*/ 1976729 w 3778485"/>
+                <a:gd name="connsiteY3" fmla="*/ 1438347 h 2047947"/>
+                <a:gd name="connsiteX4" fmla="*/ 2853029 w 3778485"/>
+                <a:gd name="connsiteY4" fmla="*/ 933522 h 2047947"/>
+                <a:gd name="connsiteX5" fmla="*/ 3472154 w 3778485"/>
+                <a:gd name="connsiteY5" fmla="*/ 638247 h 2047947"/>
+                <a:gd name="connsiteX6" fmla="*/ 3776954 w 3778485"/>
+                <a:gd name="connsiteY6" fmla="*/ 72 h 2047947"/>
+                <a:gd name="connsiteX7" fmla="*/ 3329279 w 3778485"/>
+                <a:gd name="connsiteY7" fmla="*/ 190572 h 2047947"/>
+                <a:gd name="connsiteX8" fmla="*/ 1805279 w 3778485"/>
+                <a:gd name="connsiteY8" fmla="*/ 295347 h 2047947"/>
+                <a:gd name="connsiteX9" fmla="*/ 214604 w 3778485"/>
+                <a:gd name="connsiteY9" fmla="*/ 771597 h 2047947"/>
+                <a:gd name="connsiteX0" fmla="*/ 214604 w 3778485"/>
+                <a:gd name="connsiteY0" fmla="*/ 771597 h 2047947"/>
+                <a:gd name="connsiteX1" fmla="*/ 157454 w 3778485"/>
+                <a:gd name="connsiteY1" fmla="*/ 1752672 h 2047947"/>
+                <a:gd name="connsiteX2" fmla="*/ 1376654 w 3778485"/>
+                <a:gd name="connsiteY2" fmla="*/ 2047947 h 2047947"/>
+                <a:gd name="connsiteX3" fmla="*/ 1976729 w 3778485"/>
+                <a:gd name="connsiteY3" fmla="*/ 1438347 h 2047947"/>
+                <a:gd name="connsiteX4" fmla="*/ 2853029 w 3778485"/>
+                <a:gd name="connsiteY4" fmla="*/ 933522 h 2047947"/>
+                <a:gd name="connsiteX5" fmla="*/ 3472154 w 3778485"/>
+                <a:gd name="connsiteY5" fmla="*/ 638247 h 2047947"/>
+                <a:gd name="connsiteX6" fmla="*/ 3776954 w 3778485"/>
+                <a:gd name="connsiteY6" fmla="*/ 72 h 2047947"/>
+                <a:gd name="connsiteX7" fmla="*/ 3329279 w 3778485"/>
+                <a:gd name="connsiteY7" fmla="*/ 190572 h 2047947"/>
+                <a:gd name="connsiteX8" fmla="*/ 1805279 w 3778485"/>
+                <a:gd name="connsiteY8" fmla="*/ 295347 h 2047947"/>
+                <a:gd name="connsiteX9" fmla="*/ 214604 w 3778485"/>
+                <a:gd name="connsiteY9" fmla="*/ 771597 h 2047947"/>
+                <a:gd name="connsiteX0" fmla="*/ 214604 w 3778485"/>
+                <a:gd name="connsiteY0" fmla="*/ 771597 h 2107708"/>
+                <a:gd name="connsiteX1" fmla="*/ 157454 w 3778485"/>
+                <a:gd name="connsiteY1" fmla="*/ 1752672 h 2107708"/>
+                <a:gd name="connsiteX2" fmla="*/ 1376654 w 3778485"/>
+                <a:gd name="connsiteY2" fmla="*/ 2047947 h 2107708"/>
+                <a:gd name="connsiteX3" fmla="*/ 1976729 w 3778485"/>
+                <a:gd name="connsiteY3" fmla="*/ 1438347 h 2107708"/>
+                <a:gd name="connsiteX4" fmla="*/ 2853029 w 3778485"/>
+                <a:gd name="connsiteY4" fmla="*/ 933522 h 2107708"/>
+                <a:gd name="connsiteX5" fmla="*/ 3472154 w 3778485"/>
+                <a:gd name="connsiteY5" fmla="*/ 638247 h 2107708"/>
+                <a:gd name="connsiteX6" fmla="*/ 3776954 w 3778485"/>
+                <a:gd name="connsiteY6" fmla="*/ 72 h 2107708"/>
+                <a:gd name="connsiteX7" fmla="*/ 3329279 w 3778485"/>
+                <a:gd name="connsiteY7" fmla="*/ 190572 h 2107708"/>
+                <a:gd name="connsiteX8" fmla="*/ 1805279 w 3778485"/>
+                <a:gd name="connsiteY8" fmla="*/ 295347 h 2107708"/>
+                <a:gd name="connsiteX9" fmla="*/ 214604 w 3778485"/>
+                <a:gd name="connsiteY9" fmla="*/ 771597 h 2107708"/>
+                <a:gd name="connsiteX0" fmla="*/ 214604 w 3778485"/>
+                <a:gd name="connsiteY0" fmla="*/ 771597 h 2107708"/>
+                <a:gd name="connsiteX1" fmla="*/ 157454 w 3778485"/>
+                <a:gd name="connsiteY1" fmla="*/ 1752672 h 2107708"/>
+                <a:gd name="connsiteX2" fmla="*/ 1376654 w 3778485"/>
+                <a:gd name="connsiteY2" fmla="*/ 2047947 h 2107708"/>
+                <a:gd name="connsiteX3" fmla="*/ 1976729 w 3778485"/>
+                <a:gd name="connsiteY3" fmla="*/ 1438347 h 2107708"/>
+                <a:gd name="connsiteX4" fmla="*/ 2853029 w 3778485"/>
+                <a:gd name="connsiteY4" fmla="*/ 933522 h 2107708"/>
+                <a:gd name="connsiteX5" fmla="*/ 3472154 w 3778485"/>
+                <a:gd name="connsiteY5" fmla="*/ 638247 h 2107708"/>
+                <a:gd name="connsiteX6" fmla="*/ 3776954 w 3778485"/>
+                <a:gd name="connsiteY6" fmla="*/ 72 h 2107708"/>
+                <a:gd name="connsiteX7" fmla="*/ 3329279 w 3778485"/>
+                <a:gd name="connsiteY7" fmla="*/ 190572 h 2107708"/>
+                <a:gd name="connsiteX8" fmla="*/ 1805279 w 3778485"/>
+                <a:gd name="connsiteY8" fmla="*/ 295347 h 2107708"/>
+                <a:gd name="connsiteX9" fmla="*/ 214604 w 3778485"/>
+                <a:gd name="connsiteY9" fmla="*/ 771597 h 2107708"/>
+                <a:gd name="connsiteX0" fmla="*/ 214604 w 3778485"/>
+                <a:gd name="connsiteY0" fmla="*/ 771597 h 2107708"/>
+                <a:gd name="connsiteX1" fmla="*/ 157454 w 3778485"/>
+                <a:gd name="connsiteY1" fmla="*/ 1752672 h 2107708"/>
+                <a:gd name="connsiteX2" fmla="*/ 1376654 w 3778485"/>
+                <a:gd name="connsiteY2" fmla="*/ 2047947 h 2107708"/>
+                <a:gd name="connsiteX3" fmla="*/ 1976729 w 3778485"/>
+                <a:gd name="connsiteY3" fmla="*/ 1438347 h 2107708"/>
+                <a:gd name="connsiteX4" fmla="*/ 2853029 w 3778485"/>
+                <a:gd name="connsiteY4" fmla="*/ 933522 h 2107708"/>
+                <a:gd name="connsiteX5" fmla="*/ 3472154 w 3778485"/>
+                <a:gd name="connsiteY5" fmla="*/ 638247 h 2107708"/>
+                <a:gd name="connsiteX6" fmla="*/ 3776954 w 3778485"/>
+                <a:gd name="connsiteY6" fmla="*/ 72 h 2107708"/>
+                <a:gd name="connsiteX7" fmla="*/ 3329279 w 3778485"/>
+                <a:gd name="connsiteY7" fmla="*/ 190572 h 2107708"/>
+                <a:gd name="connsiteX8" fmla="*/ 1805279 w 3778485"/>
+                <a:gd name="connsiteY8" fmla="*/ 295347 h 2107708"/>
+                <a:gd name="connsiteX9" fmla="*/ 214604 w 3778485"/>
+                <a:gd name="connsiteY9" fmla="*/ 771597 h 2107708"/>
+                <a:gd name="connsiteX0" fmla="*/ 214604 w 3778485"/>
+                <a:gd name="connsiteY0" fmla="*/ 771597 h 2107708"/>
+                <a:gd name="connsiteX1" fmla="*/ 157454 w 3778485"/>
+                <a:gd name="connsiteY1" fmla="*/ 1752672 h 2107708"/>
+                <a:gd name="connsiteX2" fmla="*/ 1376654 w 3778485"/>
+                <a:gd name="connsiteY2" fmla="*/ 2047947 h 2107708"/>
+                <a:gd name="connsiteX3" fmla="*/ 1976729 w 3778485"/>
+                <a:gd name="connsiteY3" fmla="*/ 1438347 h 2107708"/>
+                <a:gd name="connsiteX4" fmla="*/ 2853029 w 3778485"/>
+                <a:gd name="connsiteY4" fmla="*/ 933522 h 2107708"/>
+                <a:gd name="connsiteX5" fmla="*/ 3472154 w 3778485"/>
+                <a:gd name="connsiteY5" fmla="*/ 638247 h 2107708"/>
+                <a:gd name="connsiteX6" fmla="*/ 3776954 w 3778485"/>
+                <a:gd name="connsiteY6" fmla="*/ 72 h 2107708"/>
+                <a:gd name="connsiteX7" fmla="*/ 3329279 w 3778485"/>
+                <a:gd name="connsiteY7" fmla="*/ 190572 h 2107708"/>
+                <a:gd name="connsiteX8" fmla="*/ 1805279 w 3778485"/>
+                <a:gd name="connsiteY8" fmla="*/ 295347 h 2107708"/>
+                <a:gd name="connsiteX9" fmla="*/ 214604 w 3778485"/>
+                <a:gd name="connsiteY9" fmla="*/ 771597 h 2107708"/>
+                <a:gd name="connsiteX0" fmla="*/ 214604 w 3778485"/>
+                <a:gd name="connsiteY0" fmla="*/ 771597 h 2107708"/>
+                <a:gd name="connsiteX1" fmla="*/ 157454 w 3778485"/>
+                <a:gd name="connsiteY1" fmla="*/ 1752672 h 2107708"/>
+                <a:gd name="connsiteX2" fmla="*/ 1376654 w 3778485"/>
+                <a:gd name="connsiteY2" fmla="*/ 2047947 h 2107708"/>
+                <a:gd name="connsiteX3" fmla="*/ 1976729 w 3778485"/>
+                <a:gd name="connsiteY3" fmla="*/ 1438347 h 2107708"/>
+                <a:gd name="connsiteX4" fmla="*/ 2853029 w 3778485"/>
+                <a:gd name="connsiteY4" fmla="*/ 933522 h 2107708"/>
+                <a:gd name="connsiteX5" fmla="*/ 3472154 w 3778485"/>
+                <a:gd name="connsiteY5" fmla="*/ 638247 h 2107708"/>
+                <a:gd name="connsiteX6" fmla="*/ 3776954 w 3778485"/>
+                <a:gd name="connsiteY6" fmla="*/ 72 h 2107708"/>
+                <a:gd name="connsiteX7" fmla="*/ 3329279 w 3778485"/>
+                <a:gd name="connsiteY7" fmla="*/ 190572 h 2107708"/>
+                <a:gd name="connsiteX8" fmla="*/ 1805279 w 3778485"/>
+                <a:gd name="connsiteY8" fmla="*/ 295347 h 2107708"/>
+                <a:gd name="connsiteX9" fmla="*/ 214604 w 3778485"/>
+                <a:gd name="connsiteY9" fmla="*/ 771597 h 2107708"/>
+                <a:gd name="connsiteX0" fmla="*/ 214604 w 3778485"/>
+                <a:gd name="connsiteY0" fmla="*/ 771597 h 2107708"/>
+                <a:gd name="connsiteX1" fmla="*/ 157454 w 3778485"/>
+                <a:gd name="connsiteY1" fmla="*/ 1752672 h 2107708"/>
+                <a:gd name="connsiteX2" fmla="*/ 1376654 w 3778485"/>
+                <a:gd name="connsiteY2" fmla="*/ 2047947 h 2107708"/>
+                <a:gd name="connsiteX3" fmla="*/ 1976729 w 3778485"/>
+                <a:gd name="connsiteY3" fmla="*/ 1438347 h 2107708"/>
+                <a:gd name="connsiteX4" fmla="*/ 2853029 w 3778485"/>
+                <a:gd name="connsiteY4" fmla="*/ 933522 h 2107708"/>
+                <a:gd name="connsiteX5" fmla="*/ 3472154 w 3778485"/>
+                <a:gd name="connsiteY5" fmla="*/ 638247 h 2107708"/>
+                <a:gd name="connsiteX6" fmla="*/ 3776954 w 3778485"/>
+                <a:gd name="connsiteY6" fmla="*/ 72 h 2107708"/>
+                <a:gd name="connsiteX7" fmla="*/ 3329279 w 3778485"/>
+                <a:gd name="connsiteY7" fmla="*/ 190572 h 2107708"/>
+                <a:gd name="connsiteX8" fmla="*/ 1805279 w 3778485"/>
+                <a:gd name="connsiteY8" fmla="*/ 295347 h 2107708"/>
+                <a:gd name="connsiteX9" fmla="*/ 214604 w 3778485"/>
+                <a:gd name="connsiteY9" fmla="*/ 771597 h 2107708"/>
+                <a:gd name="connsiteX0" fmla="*/ 214604 w 3779280"/>
+                <a:gd name="connsiteY0" fmla="*/ 771597 h 2107708"/>
+                <a:gd name="connsiteX1" fmla="*/ 157454 w 3779280"/>
+                <a:gd name="connsiteY1" fmla="*/ 1752672 h 2107708"/>
+                <a:gd name="connsiteX2" fmla="*/ 1376654 w 3779280"/>
+                <a:gd name="connsiteY2" fmla="*/ 2047947 h 2107708"/>
+                <a:gd name="connsiteX3" fmla="*/ 1976729 w 3779280"/>
+                <a:gd name="connsiteY3" fmla="*/ 1438347 h 2107708"/>
+                <a:gd name="connsiteX4" fmla="*/ 2853029 w 3779280"/>
+                <a:gd name="connsiteY4" fmla="*/ 933522 h 2107708"/>
+                <a:gd name="connsiteX5" fmla="*/ 3472154 w 3779280"/>
+                <a:gd name="connsiteY5" fmla="*/ 638247 h 2107708"/>
+                <a:gd name="connsiteX6" fmla="*/ 3776954 w 3779280"/>
+                <a:gd name="connsiteY6" fmla="*/ 72 h 2107708"/>
+                <a:gd name="connsiteX7" fmla="*/ 3329279 w 3779280"/>
+                <a:gd name="connsiteY7" fmla="*/ 190572 h 2107708"/>
+                <a:gd name="connsiteX8" fmla="*/ 1805279 w 3779280"/>
+                <a:gd name="connsiteY8" fmla="*/ 295347 h 2107708"/>
+                <a:gd name="connsiteX9" fmla="*/ 214604 w 3779280"/>
+                <a:gd name="connsiteY9" fmla="*/ 771597 h 2107708"/>
+                <a:gd name="connsiteX0" fmla="*/ 214604 w 3791903"/>
+                <a:gd name="connsiteY0" fmla="*/ 771597 h 2107708"/>
+                <a:gd name="connsiteX1" fmla="*/ 157454 w 3791903"/>
+                <a:gd name="connsiteY1" fmla="*/ 1752672 h 2107708"/>
+                <a:gd name="connsiteX2" fmla="*/ 1376654 w 3791903"/>
+                <a:gd name="connsiteY2" fmla="*/ 2047947 h 2107708"/>
+                <a:gd name="connsiteX3" fmla="*/ 1976729 w 3791903"/>
+                <a:gd name="connsiteY3" fmla="*/ 1438347 h 2107708"/>
+                <a:gd name="connsiteX4" fmla="*/ 2853029 w 3791903"/>
+                <a:gd name="connsiteY4" fmla="*/ 933522 h 2107708"/>
+                <a:gd name="connsiteX5" fmla="*/ 3472154 w 3791903"/>
+                <a:gd name="connsiteY5" fmla="*/ 638247 h 2107708"/>
+                <a:gd name="connsiteX6" fmla="*/ 3776954 w 3791903"/>
+                <a:gd name="connsiteY6" fmla="*/ 72 h 2107708"/>
+                <a:gd name="connsiteX7" fmla="*/ 3329279 w 3791903"/>
+                <a:gd name="connsiteY7" fmla="*/ 190572 h 2107708"/>
+                <a:gd name="connsiteX8" fmla="*/ 1805279 w 3791903"/>
+                <a:gd name="connsiteY8" fmla="*/ 295347 h 2107708"/>
+                <a:gd name="connsiteX9" fmla="*/ 214604 w 3791903"/>
+                <a:gd name="connsiteY9" fmla="*/ 771597 h 2107708"/>
+                <a:gd name="connsiteX0" fmla="*/ 214604 w 3791903"/>
+                <a:gd name="connsiteY0" fmla="*/ 788063 h 2124174"/>
+                <a:gd name="connsiteX1" fmla="*/ 157454 w 3791903"/>
+                <a:gd name="connsiteY1" fmla="*/ 1769138 h 2124174"/>
+                <a:gd name="connsiteX2" fmla="*/ 1376654 w 3791903"/>
+                <a:gd name="connsiteY2" fmla="*/ 2064413 h 2124174"/>
+                <a:gd name="connsiteX3" fmla="*/ 1976729 w 3791903"/>
+                <a:gd name="connsiteY3" fmla="*/ 1454813 h 2124174"/>
+                <a:gd name="connsiteX4" fmla="*/ 2853029 w 3791903"/>
+                <a:gd name="connsiteY4" fmla="*/ 949988 h 2124174"/>
+                <a:gd name="connsiteX5" fmla="*/ 3472154 w 3791903"/>
+                <a:gd name="connsiteY5" fmla="*/ 654713 h 2124174"/>
+                <a:gd name="connsiteX6" fmla="*/ 3776954 w 3791903"/>
+                <a:gd name="connsiteY6" fmla="*/ 16538 h 2124174"/>
+                <a:gd name="connsiteX7" fmla="*/ 3329279 w 3791903"/>
+                <a:gd name="connsiteY7" fmla="*/ 207038 h 2124174"/>
+                <a:gd name="connsiteX8" fmla="*/ 1805279 w 3791903"/>
+                <a:gd name="connsiteY8" fmla="*/ 311813 h 2124174"/>
+                <a:gd name="connsiteX9" fmla="*/ 214604 w 3791903"/>
+                <a:gd name="connsiteY9" fmla="*/ 788063 h 2124174"/>
+                <a:gd name="connsiteX0" fmla="*/ 214604 w 3791903"/>
+                <a:gd name="connsiteY0" fmla="*/ 788063 h 2124174"/>
+                <a:gd name="connsiteX1" fmla="*/ 157454 w 3791903"/>
+                <a:gd name="connsiteY1" fmla="*/ 1769138 h 2124174"/>
+                <a:gd name="connsiteX2" fmla="*/ 1376654 w 3791903"/>
+                <a:gd name="connsiteY2" fmla="*/ 2064413 h 2124174"/>
+                <a:gd name="connsiteX3" fmla="*/ 1976729 w 3791903"/>
+                <a:gd name="connsiteY3" fmla="*/ 1454813 h 2124174"/>
+                <a:gd name="connsiteX4" fmla="*/ 2853029 w 3791903"/>
+                <a:gd name="connsiteY4" fmla="*/ 949988 h 2124174"/>
+                <a:gd name="connsiteX5" fmla="*/ 3472154 w 3791903"/>
+                <a:gd name="connsiteY5" fmla="*/ 654713 h 2124174"/>
+                <a:gd name="connsiteX6" fmla="*/ 3776954 w 3791903"/>
+                <a:gd name="connsiteY6" fmla="*/ 16538 h 2124174"/>
+                <a:gd name="connsiteX7" fmla="*/ 3329279 w 3791903"/>
+                <a:gd name="connsiteY7" fmla="*/ 207038 h 2124174"/>
+                <a:gd name="connsiteX8" fmla="*/ 1805279 w 3791903"/>
+                <a:gd name="connsiteY8" fmla="*/ 311813 h 2124174"/>
+                <a:gd name="connsiteX9" fmla="*/ 214604 w 3791903"/>
+                <a:gd name="connsiteY9" fmla="*/ 788063 h 2124174"/>
+                <a:gd name="connsiteX0" fmla="*/ 214604 w 3791903"/>
+                <a:gd name="connsiteY0" fmla="*/ 805620 h 2141731"/>
+                <a:gd name="connsiteX1" fmla="*/ 157454 w 3791903"/>
+                <a:gd name="connsiteY1" fmla="*/ 1786695 h 2141731"/>
+                <a:gd name="connsiteX2" fmla="*/ 1376654 w 3791903"/>
+                <a:gd name="connsiteY2" fmla="*/ 2081970 h 2141731"/>
+                <a:gd name="connsiteX3" fmla="*/ 1976729 w 3791903"/>
+                <a:gd name="connsiteY3" fmla="*/ 1472370 h 2141731"/>
+                <a:gd name="connsiteX4" fmla="*/ 2853029 w 3791903"/>
+                <a:gd name="connsiteY4" fmla="*/ 967545 h 2141731"/>
+                <a:gd name="connsiteX5" fmla="*/ 3472154 w 3791903"/>
+                <a:gd name="connsiteY5" fmla="*/ 672270 h 2141731"/>
+                <a:gd name="connsiteX6" fmla="*/ 3776954 w 3791903"/>
+                <a:gd name="connsiteY6" fmla="*/ 34095 h 2141731"/>
+                <a:gd name="connsiteX7" fmla="*/ 3329279 w 3791903"/>
+                <a:gd name="connsiteY7" fmla="*/ 224595 h 2141731"/>
+                <a:gd name="connsiteX8" fmla="*/ 1805279 w 3791903"/>
+                <a:gd name="connsiteY8" fmla="*/ 329370 h 2141731"/>
+                <a:gd name="connsiteX9" fmla="*/ 214604 w 3791903"/>
+                <a:gd name="connsiteY9" fmla="*/ 805620 h 2141731"/>
+                <a:gd name="connsiteX0" fmla="*/ 214604 w 3791903"/>
+                <a:gd name="connsiteY0" fmla="*/ 795068 h 2131179"/>
+                <a:gd name="connsiteX1" fmla="*/ 157454 w 3791903"/>
+                <a:gd name="connsiteY1" fmla="*/ 1776143 h 2131179"/>
+                <a:gd name="connsiteX2" fmla="*/ 1376654 w 3791903"/>
+                <a:gd name="connsiteY2" fmla="*/ 2071418 h 2131179"/>
+                <a:gd name="connsiteX3" fmla="*/ 1976729 w 3791903"/>
+                <a:gd name="connsiteY3" fmla="*/ 1461818 h 2131179"/>
+                <a:gd name="connsiteX4" fmla="*/ 2853029 w 3791903"/>
+                <a:gd name="connsiteY4" fmla="*/ 956993 h 2131179"/>
+                <a:gd name="connsiteX5" fmla="*/ 3472154 w 3791903"/>
+                <a:gd name="connsiteY5" fmla="*/ 661718 h 2131179"/>
+                <a:gd name="connsiteX6" fmla="*/ 3776954 w 3791903"/>
+                <a:gd name="connsiteY6" fmla="*/ 23543 h 2131179"/>
+                <a:gd name="connsiteX7" fmla="*/ 3329279 w 3791903"/>
+                <a:gd name="connsiteY7" fmla="*/ 214043 h 2131179"/>
+                <a:gd name="connsiteX8" fmla="*/ 1805279 w 3791903"/>
+                <a:gd name="connsiteY8" fmla="*/ 318818 h 2131179"/>
+                <a:gd name="connsiteX9" fmla="*/ 214604 w 3791903"/>
+                <a:gd name="connsiteY9" fmla="*/ 795068 h 2131179"/>
+                <a:gd name="connsiteX0" fmla="*/ 214604 w 3791903"/>
+                <a:gd name="connsiteY0" fmla="*/ 771525 h 2107636"/>
+                <a:gd name="connsiteX1" fmla="*/ 157454 w 3791903"/>
+                <a:gd name="connsiteY1" fmla="*/ 1752600 h 2107636"/>
+                <a:gd name="connsiteX2" fmla="*/ 1376654 w 3791903"/>
+                <a:gd name="connsiteY2" fmla="*/ 2047875 h 2107636"/>
+                <a:gd name="connsiteX3" fmla="*/ 1976729 w 3791903"/>
+                <a:gd name="connsiteY3" fmla="*/ 1438275 h 2107636"/>
+                <a:gd name="connsiteX4" fmla="*/ 2853029 w 3791903"/>
+                <a:gd name="connsiteY4" fmla="*/ 933450 h 2107636"/>
+                <a:gd name="connsiteX5" fmla="*/ 3472154 w 3791903"/>
+                <a:gd name="connsiteY5" fmla="*/ 638175 h 2107636"/>
+                <a:gd name="connsiteX6" fmla="*/ 3776954 w 3791903"/>
+                <a:gd name="connsiteY6" fmla="*/ 0 h 2107636"/>
+                <a:gd name="connsiteX7" fmla="*/ 3329279 w 3791903"/>
+                <a:gd name="connsiteY7" fmla="*/ 190500 h 2107636"/>
+                <a:gd name="connsiteX8" fmla="*/ 1805279 w 3791903"/>
+                <a:gd name="connsiteY8" fmla="*/ 295275 h 2107636"/>
+                <a:gd name="connsiteX9" fmla="*/ 214604 w 3791903"/>
+                <a:gd name="connsiteY9" fmla="*/ 771525 h 2107636"/>
+                <a:gd name="connsiteX0" fmla="*/ 214604 w 3776954"/>
+                <a:gd name="connsiteY0" fmla="*/ 771525 h 2107636"/>
+                <a:gd name="connsiteX1" fmla="*/ 157454 w 3776954"/>
+                <a:gd name="connsiteY1" fmla="*/ 1752600 h 2107636"/>
+                <a:gd name="connsiteX2" fmla="*/ 1376654 w 3776954"/>
+                <a:gd name="connsiteY2" fmla="*/ 2047875 h 2107636"/>
+                <a:gd name="connsiteX3" fmla="*/ 1976729 w 3776954"/>
+                <a:gd name="connsiteY3" fmla="*/ 1438275 h 2107636"/>
+                <a:gd name="connsiteX4" fmla="*/ 2853029 w 3776954"/>
+                <a:gd name="connsiteY4" fmla="*/ 933450 h 2107636"/>
+                <a:gd name="connsiteX5" fmla="*/ 3472154 w 3776954"/>
+                <a:gd name="connsiteY5" fmla="*/ 638175 h 2107636"/>
+                <a:gd name="connsiteX6" fmla="*/ 3776954 w 3776954"/>
+                <a:gd name="connsiteY6" fmla="*/ 0 h 2107636"/>
+                <a:gd name="connsiteX7" fmla="*/ 3329279 w 3776954"/>
+                <a:gd name="connsiteY7" fmla="*/ 190500 h 2107636"/>
+                <a:gd name="connsiteX8" fmla="*/ 1805279 w 3776954"/>
+                <a:gd name="connsiteY8" fmla="*/ 295275 h 2107636"/>
+                <a:gd name="connsiteX9" fmla="*/ 214604 w 3776954"/>
+                <a:gd name="connsiteY9" fmla="*/ 771525 h 2107636"/>
+                <a:gd name="connsiteX0" fmla="*/ 214604 w 3776954"/>
+                <a:gd name="connsiteY0" fmla="*/ 771525 h 2107636"/>
+                <a:gd name="connsiteX1" fmla="*/ 157454 w 3776954"/>
+                <a:gd name="connsiteY1" fmla="*/ 1752600 h 2107636"/>
+                <a:gd name="connsiteX2" fmla="*/ 1376654 w 3776954"/>
+                <a:gd name="connsiteY2" fmla="*/ 2047875 h 2107636"/>
+                <a:gd name="connsiteX3" fmla="*/ 1976729 w 3776954"/>
+                <a:gd name="connsiteY3" fmla="*/ 1438275 h 2107636"/>
+                <a:gd name="connsiteX4" fmla="*/ 2853029 w 3776954"/>
+                <a:gd name="connsiteY4" fmla="*/ 933450 h 2107636"/>
+                <a:gd name="connsiteX5" fmla="*/ 3472154 w 3776954"/>
+                <a:gd name="connsiteY5" fmla="*/ 638175 h 2107636"/>
+                <a:gd name="connsiteX6" fmla="*/ 3776954 w 3776954"/>
+                <a:gd name="connsiteY6" fmla="*/ 0 h 2107636"/>
+                <a:gd name="connsiteX7" fmla="*/ 3329279 w 3776954"/>
+                <a:gd name="connsiteY7" fmla="*/ 190500 h 2107636"/>
+                <a:gd name="connsiteX8" fmla="*/ 1805279 w 3776954"/>
+                <a:gd name="connsiteY8" fmla="*/ 295275 h 2107636"/>
+                <a:gd name="connsiteX9" fmla="*/ 214604 w 3776954"/>
+                <a:gd name="connsiteY9" fmla="*/ 771525 h 2107636"/>
+              </a:gdLst>
+              <a:ahLst/>
+              <a:cxnLst>
+                <a:cxn ang="0">
+                  <a:pos x="connsiteX0" y="connsiteY0"/>
+                </a:cxn>
+                <a:cxn ang="0">
+                  <a:pos x="connsiteX1" y="connsiteY1"/>
+                </a:cxn>
+                <a:cxn ang="0">
+                  <a:pos x="connsiteX2" y="connsiteY2"/>
+                </a:cxn>
+                <a:cxn ang="0">
+                  <a:pos x="connsiteX3" y="connsiteY3"/>
+                </a:cxn>
+                <a:cxn ang="0">
+                  <a:pos x="connsiteX4" y="connsiteY4"/>
+                </a:cxn>
+                <a:cxn ang="0">
+                  <a:pos x="connsiteX5" y="connsiteY5"/>
+                </a:cxn>
+                <a:cxn ang="0">
+                  <a:pos x="connsiteX6" y="connsiteY6"/>
+                </a:cxn>
+                <a:cxn ang="0">
+                  <a:pos x="connsiteX7" y="connsiteY7"/>
+                </a:cxn>
+                <a:cxn ang="0">
+                  <a:pos x="connsiteX8" y="connsiteY8"/>
+                </a:cxn>
+                <a:cxn ang="0">
+                  <a:pos x="connsiteX9" y="connsiteY9"/>
+                </a:cxn>
+              </a:cxnLst>
+              <a:rect l="l" t="t" r="r" b="b"/>
+              <a:pathLst>
+                <a:path w="3776954" h="2107636">
+                  <a:moveTo>
+                    <a:pt x="214604" y="771525"/>
+                  </a:moveTo>
+                  <a:cubicBezTo>
+                    <a:pt x="-13996" y="955675"/>
+                    <a:pt x="-99721" y="1397000"/>
+                    <a:pt x="157454" y="1752600"/>
+                  </a:cubicBezTo>
+                  <a:cubicBezTo>
+                    <a:pt x="640054" y="2079625"/>
+                    <a:pt x="960729" y="2187575"/>
+                    <a:pt x="1376654" y="2047875"/>
+                  </a:cubicBezTo>
+                  <a:cubicBezTo>
+                    <a:pt x="1662404" y="1882775"/>
+                    <a:pt x="1833854" y="1660525"/>
+                    <a:pt x="1976729" y="1438275"/>
+                  </a:cubicBezTo>
+                  <a:cubicBezTo>
+                    <a:pt x="2183104" y="1155700"/>
+                    <a:pt x="2560929" y="1101725"/>
+                    <a:pt x="2853029" y="933450"/>
+                  </a:cubicBezTo>
+                  <a:cubicBezTo>
+                    <a:pt x="3059404" y="835025"/>
+                    <a:pt x="3332454" y="879475"/>
+                    <a:pt x="3472154" y="638175"/>
+                  </a:cubicBezTo>
+                  <a:cubicBezTo>
+                    <a:pt x="3659479" y="425450"/>
+                    <a:pt x="3742029" y="212725"/>
+                    <a:pt x="3776954" y="0"/>
+                  </a:cubicBezTo>
+                  <a:cubicBezTo>
+                    <a:pt x="3580104" y="34925"/>
+                    <a:pt x="3497554" y="3175"/>
+                    <a:pt x="3329279" y="190500"/>
+                  </a:cubicBezTo>
+                  <a:cubicBezTo>
+                    <a:pt x="2821279" y="273050"/>
+                    <a:pt x="2341854" y="184150"/>
+                    <a:pt x="1805279" y="295275"/>
+                  </a:cubicBezTo>
+                  <a:cubicBezTo>
+                    <a:pt x="1256004" y="339725"/>
+                    <a:pt x="544804" y="479425"/>
+                    <a:pt x="214604" y="771525"/>
+                  </a:cubicBezTo>
+                  <a:close/>
+                </a:path>
+              </a:pathLst>
+            </a:custGeom>
+            <a:solidFill>
+              <a:schemeClr val="bg1">
+                <a:lumMod val="85000"/>
+              </a:schemeClr>
+            </a:solidFill>
+            <a:ln w="38100">
+              <a:solidFill>
+                <a:schemeClr val="tx1"/>
+              </a:solidFill>
+            </a:ln>
+          </p:spPr>
+          <p:style>
+            <a:lnRef idx="2">
+              <a:schemeClr val="accent1">
+                <a:shade val="50000"/>
+              </a:schemeClr>
+            </a:lnRef>
+            <a:fillRef idx="1">
+              <a:schemeClr val="accent1"/>
+            </a:fillRef>
+            <a:effectRef idx="0">
+              <a:schemeClr val="accent1"/>
+            </a:effectRef>
+            <a:fontRef idx="minor">
+              <a:schemeClr val="lt1"/>
+            </a:fontRef>
+          </p:style>
+          <p:txBody>
+            <a:bodyPr rtlCol="0" anchor="ctr"/>
+            <a:lstStyle/>
+            <a:p>
+              <a:pPr algn="ctr"/>
+              <a:endParaRPr lang="en-US"/>
+            </a:p>
+          </p:txBody>
+        </p:sp>
+        <p:sp>
+          <p:nvSpPr>
+            <p:cNvPr id="74" name="TextBox 73"/>
+            <p:cNvSpPr txBox="1"/>
+            <p:nvPr/>
+          </p:nvSpPr>
+          <p:spPr>
+            <a:xfrm>
+              <a:off x="8029485" y="919777"/>
+              <a:ext cx="333746" cy="400110"/>
+            </a:xfrm>
+            <a:prstGeom prst="rect">
+              <a:avLst/>
+            </a:prstGeom>
+            <a:noFill/>
+          </p:spPr>
+          <p:txBody>
+            <a:bodyPr wrap="none" rtlCol="0">
+              <a:spAutoFit/>
+            </a:bodyPr>
+            <a:lstStyle/>
+            <a:p>
+              <a:r>
+                <a:rPr lang="en-US" sz="2000" dirty="0" smtClean="0">
+                  <a:latin typeface="Arial" panose="020B0604020202020204" pitchFamily="34" charset="0"/>
+                  <a:cs typeface="Arial" panose="020B0604020202020204" pitchFamily="34" charset="0"/>
+                </a:rPr>
+                <a:t>+</a:t>
+              </a:r>
+              <a:endParaRPr lang="en-US" sz="2000" dirty="0" smtClean="0">
+                <a:latin typeface="Arial" panose="020B0604020202020204" pitchFamily="34" charset="0"/>
+                <a:cs typeface="Arial" panose="020B0604020202020204" pitchFamily="34" charset="0"/>
+              </a:endParaRPr>
+            </a:p>
+          </p:txBody>
+        </p:sp>
+        <p:sp>
+          <p:nvSpPr>
+            <p:cNvPr id="75" name="TextBox 74"/>
+            <p:cNvSpPr txBox="1"/>
+            <p:nvPr/>
+          </p:nvSpPr>
+          <p:spPr>
+            <a:xfrm>
+              <a:off x="8698401" y="700249"/>
+              <a:ext cx="333746" cy="400110"/>
+            </a:xfrm>
+            <a:prstGeom prst="rect">
+              <a:avLst/>
+            </a:prstGeom>
+            <a:noFill/>
+          </p:spPr>
+          <p:txBody>
+            <a:bodyPr wrap="none" rtlCol="0">
+              <a:spAutoFit/>
+            </a:bodyPr>
+            <a:lstStyle/>
+            <a:p>
+              <a:r>
+                <a:rPr lang="en-US" sz="2000" dirty="0" smtClean="0">
+                  <a:latin typeface="Arial" panose="020B0604020202020204" pitchFamily="34" charset="0"/>
+                  <a:cs typeface="Arial" panose="020B0604020202020204" pitchFamily="34" charset="0"/>
+                </a:rPr>
+                <a:t>+</a:t>
+              </a:r>
+              <a:endParaRPr lang="en-US" sz="2000" dirty="0" smtClean="0">
+                <a:latin typeface="Arial" panose="020B0604020202020204" pitchFamily="34" charset="0"/>
+                <a:cs typeface="Arial" panose="020B0604020202020204" pitchFamily="34" charset="0"/>
+              </a:endParaRPr>
+            </a:p>
+          </p:txBody>
+        </p:sp>
+        <p:sp>
+          <p:nvSpPr>
+            <p:cNvPr id="76" name="TextBox 75"/>
+            <p:cNvSpPr txBox="1"/>
+            <p:nvPr/>
+          </p:nvSpPr>
+          <p:spPr>
+            <a:xfrm>
+              <a:off x="9473216" y="589589"/>
+              <a:ext cx="333746" cy="400110"/>
+            </a:xfrm>
+            <a:prstGeom prst="rect">
+              <a:avLst/>
+            </a:prstGeom>
+            <a:noFill/>
+          </p:spPr>
+          <p:txBody>
+            <a:bodyPr wrap="none" rtlCol="0">
+              <a:spAutoFit/>
+            </a:bodyPr>
+            <a:lstStyle/>
+            <a:p>
+              <a:r>
+                <a:rPr lang="en-US" sz="2000" dirty="0" smtClean="0">
+                  <a:latin typeface="Arial" panose="020B0604020202020204" pitchFamily="34" charset="0"/>
+                  <a:cs typeface="Arial" panose="020B0604020202020204" pitchFamily="34" charset="0"/>
+                </a:rPr>
+                <a:t>+</a:t>
+              </a:r>
+              <a:endParaRPr lang="en-US" sz="2000" dirty="0" smtClean="0">
+                <a:latin typeface="Arial" panose="020B0604020202020204" pitchFamily="34" charset="0"/>
+                <a:cs typeface="Arial" panose="020B0604020202020204" pitchFamily="34" charset="0"/>
+              </a:endParaRPr>
+            </a:p>
+          </p:txBody>
+        </p:sp>
+        <p:sp>
+          <p:nvSpPr>
+            <p:cNvPr id="77" name="TextBox 76"/>
+            <p:cNvSpPr txBox="1"/>
+            <p:nvPr/>
+          </p:nvSpPr>
+          <p:spPr>
+            <a:xfrm>
+              <a:off x="9868318" y="557767"/>
+              <a:ext cx="333746" cy="400110"/>
+            </a:xfrm>
+            <a:prstGeom prst="rect">
+              <a:avLst/>
+            </a:prstGeom>
+            <a:noFill/>
+          </p:spPr>
+          <p:txBody>
+            <a:bodyPr wrap="none" rtlCol="0">
+              <a:spAutoFit/>
+            </a:bodyPr>
+            <a:lstStyle/>
+            <a:p>
+              <a:r>
+                <a:rPr lang="en-US" sz="2000" dirty="0" smtClean="0">
+                  <a:latin typeface="Arial" panose="020B0604020202020204" pitchFamily="34" charset="0"/>
+                  <a:cs typeface="Arial" panose="020B0604020202020204" pitchFamily="34" charset="0"/>
+                </a:rPr>
+                <a:t>+</a:t>
+              </a:r>
+              <a:endParaRPr lang="en-US" sz="2000" dirty="0" smtClean="0">
+                <a:latin typeface="Arial" panose="020B0604020202020204" pitchFamily="34" charset="0"/>
+                <a:cs typeface="Arial" panose="020B0604020202020204" pitchFamily="34" charset="0"/>
+              </a:endParaRPr>
+            </a:p>
+          </p:txBody>
+        </p:sp>
+        <p:sp>
+          <p:nvSpPr>
+            <p:cNvPr id="78" name="TextBox 77"/>
+            <p:cNvSpPr txBox="1"/>
+            <p:nvPr/>
+          </p:nvSpPr>
+          <p:spPr>
+            <a:xfrm>
+              <a:off x="10141089" y="589589"/>
+              <a:ext cx="333746" cy="400110"/>
+            </a:xfrm>
+            <a:prstGeom prst="rect">
+              <a:avLst/>
+            </a:prstGeom>
+            <a:noFill/>
+          </p:spPr>
+          <p:txBody>
+            <a:bodyPr wrap="none" rtlCol="0">
+              <a:spAutoFit/>
+            </a:bodyPr>
+            <a:lstStyle/>
+            <a:p>
+              <a:r>
+                <a:rPr lang="en-US" sz="2000" dirty="0" smtClean="0">
+                  <a:latin typeface="Arial" panose="020B0604020202020204" pitchFamily="34" charset="0"/>
+                  <a:cs typeface="Arial" panose="020B0604020202020204" pitchFamily="34" charset="0"/>
+                </a:rPr>
+                <a:t>+</a:t>
+              </a:r>
+              <a:endParaRPr lang="en-US" sz="2000" dirty="0" smtClean="0">
+                <a:latin typeface="Arial" panose="020B0604020202020204" pitchFamily="34" charset="0"/>
+                <a:cs typeface="Arial" panose="020B0604020202020204" pitchFamily="34" charset="0"/>
+              </a:endParaRPr>
+            </a:p>
+          </p:txBody>
+        </p:sp>
+        <p:sp>
+          <p:nvSpPr>
+            <p:cNvPr id="79" name="TextBox 78"/>
+            <p:cNvSpPr txBox="1"/>
+            <p:nvPr/>
+          </p:nvSpPr>
+          <p:spPr>
+            <a:xfrm>
+              <a:off x="10428289" y="569309"/>
+              <a:ext cx="333746" cy="400110"/>
+            </a:xfrm>
+            <a:prstGeom prst="rect">
+              <a:avLst/>
+            </a:prstGeom>
+            <a:noFill/>
+          </p:spPr>
+          <p:txBody>
+            <a:bodyPr wrap="none" rtlCol="0">
+              <a:spAutoFit/>
+            </a:bodyPr>
+            <a:lstStyle/>
+            <a:p>
+              <a:r>
+                <a:rPr lang="en-US" sz="2000" dirty="0" smtClean="0">
+                  <a:latin typeface="Arial" panose="020B0604020202020204" pitchFamily="34" charset="0"/>
+                  <a:cs typeface="Arial" panose="020B0604020202020204" pitchFamily="34" charset="0"/>
+                </a:rPr>
+                <a:t>+</a:t>
+              </a:r>
+              <a:endParaRPr lang="en-US" sz="2000" dirty="0" smtClean="0">
+                <a:latin typeface="Arial" panose="020B0604020202020204" pitchFamily="34" charset="0"/>
+                <a:cs typeface="Arial" panose="020B0604020202020204" pitchFamily="34" charset="0"/>
+              </a:endParaRPr>
+            </a:p>
+          </p:txBody>
+        </p:sp>
+        <p:sp>
+          <p:nvSpPr>
+            <p:cNvPr id="80" name="TextBox 79"/>
+            <p:cNvSpPr txBox="1"/>
+            <p:nvPr/>
+          </p:nvSpPr>
+          <p:spPr>
+            <a:xfrm>
+              <a:off x="10603315" y="500194"/>
+              <a:ext cx="411293" cy="400110"/>
+            </a:xfrm>
+            <a:prstGeom prst="rect">
+              <a:avLst/>
+            </a:prstGeom>
+            <a:noFill/>
+          </p:spPr>
+          <p:txBody>
+            <a:bodyPr wrap="square" rtlCol="0">
+              <a:spAutoFit/>
+            </a:bodyPr>
+            <a:lstStyle/>
+            <a:p>
+              <a:r>
+                <a:rPr lang="en-US" sz="2000" dirty="0" smtClean="0">
+                  <a:latin typeface="Arial" panose="020B0604020202020204" pitchFamily="34" charset="0"/>
+                  <a:cs typeface="Arial" panose="020B0604020202020204" pitchFamily="34" charset="0"/>
+                </a:rPr>
+                <a:t>+</a:t>
+              </a:r>
+              <a:endParaRPr lang="en-US" sz="2000" dirty="0" smtClean="0">
+                <a:latin typeface="Arial" panose="020B0604020202020204" pitchFamily="34" charset="0"/>
+                <a:cs typeface="Arial" panose="020B0604020202020204" pitchFamily="34" charset="0"/>
+              </a:endParaRPr>
+            </a:p>
+          </p:txBody>
+        </p:sp>
+        <p:sp>
+          <p:nvSpPr>
+            <p:cNvPr id="81" name="TextBox 80"/>
+            <p:cNvSpPr txBox="1"/>
+            <p:nvPr/>
+          </p:nvSpPr>
+          <p:spPr>
+            <a:xfrm>
+              <a:off x="10765857" y="444864"/>
+              <a:ext cx="333746" cy="400110"/>
+            </a:xfrm>
+            <a:prstGeom prst="rect">
+              <a:avLst/>
+            </a:prstGeom>
+            <a:noFill/>
+          </p:spPr>
+          <p:txBody>
+            <a:bodyPr wrap="none" rtlCol="0">
+              <a:spAutoFit/>
+            </a:bodyPr>
+            <a:lstStyle/>
+            <a:p>
+              <a:r>
+                <a:rPr lang="en-US" sz="2000" dirty="0" smtClean="0">
+                  <a:latin typeface="Arial" panose="020B0604020202020204" pitchFamily="34" charset="0"/>
+                  <a:cs typeface="Arial" panose="020B0604020202020204" pitchFamily="34" charset="0"/>
+                </a:rPr>
+                <a:t>+</a:t>
+              </a:r>
+              <a:endParaRPr lang="en-US" sz="2000" dirty="0" smtClean="0">
+                <a:latin typeface="Arial" panose="020B0604020202020204" pitchFamily="34" charset="0"/>
+                <a:cs typeface="Arial" panose="020B0604020202020204" pitchFamily="34" charset="0"/>
+              </a:endParaRPr>
+            </a:p>
+          </p:txBody>
+        </p:sp>
+        <p:sp>
+          <p:nvSpPr>
+            <p:cNvPr id="82" name="TextBox 81"/>
+            <p:cNvSpPr txBox="1"/>
+            <p:nvPr/>
+          </p:nvSpPr>
+          <p:spPr>
+            <a:xfrm>
+              <a:off x="10994438" y="428953"/>
+              <a:ext cx="333746" cy="400110"/>
+            </a:xfrm>
+            <a:prstGeom prst="rect">
+              <a:avLst/>
+            </a:prstGeom>
+            <a:noFill/>
+          </p:spPr>
+          <p:txBody>
+            <a:bodyPr wrap="none" rtlCol="0">
+              <a:spAutoFit/>
+            </a:bodyPr>
+            <a:lstStyle/>
+            <a:p>
+              <a:r>
+                <a:rPr lang="en-US" sz="2000" dirty="0" smtClean="0">
+                  <a:latin typeface="Arial" panose="020B0604020202020204" pitchFamily="34" charset="0"/>
+                  <a:cs typeface="Arial" panose="020B0604020202020204" pitchFamily="34" charset="0"/>
+                </a:rPr>
+                <a:t>+</a:t>
+              </a:r>
+              <a:endParaRPr lang="en-US" sz="2000" dirty="0" smtClean="0">
+                <a:latin typeface="Arial" panose="020B0604020202020204" pitchFamily="34" charset="0"/>
+                <a:cs typeface="Arial" panose="020B0604020202020204" pitchFamily="34" charset="0"/>
+              </a:endParaRPr>
+            </a:p>
+          </p:txBody>
+        </p:sp>
+        <p:sp>
+          <p:nvSpPr>
+            <p:cNvPr id="83" name="TextBox 82"/>
+            <p:cNvSpPr txBox="1"/>
+            <p:nvPr/>
+          </p:nvSpPr>
+          <p:spPr>
+            <a:xfrm>
+              <a:off x="11222278" y="408501"/>
+              <a:ext cx="333746" cy="400110"/>
+            </a:xfrm>
+            <a:prstGeom prst="rect">
+              <a:avLst/>
+            </a:prstGeom>
+            <a:noFill/>
+          </p:spPr>
+          <p:txBody>
+            <a:bodyPr wrap="none" rtlCol="0">
+              <a:spAutoFit/>
+            </a:bodyPr>
+            <a:lstStyle/>
+            <a:p>
+              <a:r>
+                <a:rPr lang="en-US" sz="2000" dirty="0" smtClean="0">
+                  <a:latin typeface="Arial" panose="020B0604020202020204" pitchFamily="34" charset="0"/>
+                  <a:cs typeface="Arial" panose="020B0604020202020204" pitchFamily="34" charset="0"/>
+                </a:rPr>
+                <a:t>+</a:t>
+              </a:r>
+              <a:endParaRPr lang="en-US" sz="2000" dirty="0" smtClean="0">
+                <a:latin typeface="Arial" panose="020B0604020202020204" pitchFamily="34" charset="0"/>
+                <a:cs typeface="Arial" panose="020B0604020202020204" pitchFamily="34" charset="0"/>
+              </a:endParaRPr>
+            </a:p>
+          </p:txBody>
+        </p:sp>
+        <p:sp>
+          <p:nvSpPr>
+            <p:cNvPr id="84" name="TextBox 83"/>
+            <p:cNvSpPr txBox="1"/>
+            <p:nvPr/>
+          </p:nvSpPr>
+          <p:spPr>
+            <a:xfrm>
+              <a:off x="11256989" y="589589"/>
+              <a:ext cx="333746" cy="400110"/>
+            </a:xfrm>
+            <a:prstGeom prst="rect">
+              <a:avLst/>
+            </a:prstGeom>
+            <a:noFill/>
+          </p:spPr>
+          <p:txBody>
+            <a:bodyPr wrap="none" rtlCol="0">
+              <a:spAutoFit/>
+            </a:bodyPr>
+            <a:lstStyle/>
+            <a:p>
+              <a:r>
+                <a:rPr lang="en-US" sz="2000" dirty="0" smtClean="0">
+                  <a:latin typeface="Arial" panose="020B0604020202020204" pitchFamily="34" charset="0"/>
+                  <a:cs typeface="Arial" panose="020B0604020202020204" pitchFamily="34" charset="0"/>
+                </a:rPr>
+                <a:t>+</a:t>
+              </a:r>
+              <a:endParaRPr lang="en-US" sz="2000" dirty="0" smtClean="0">
+                <a:latin typeface="Arial" panose="020B0604020202020204" pitchFamily="34" charset="0"/>
+                <a:cs typeface="Arial" panose="020B0604020202020204" pitchFamily="34" charset="0"/>
+              </a:endParaRPr>
+            </a:p>
+          </p:txBody>
+        </p:sp>
+        <p:sp>
+          <p:nvSpPr>
+            <p:cNvPr id="85" name="TextBox 84"/>
+            <p:cNvSpPr txBox="1"/>
+            <p:nvPr/>
+          </p:nvSpPr>
+          <p:spPr>
+            <a:xfrm>
+              <a:off x="11233247" y="752103"/>
+              <a:ext cx="276315" cy="415012"/>
+            </a:xfrm>
+            <a:prstGeom prst="rect">
+              <a:avLst/>
+            </a:prstGeom>
+            <a:noFill/>
+          </p:spPr>
+          <p:txBody>
+            <a:bodyPr wrap="square" rtlCol="0">
+              <a:spAutoFit/>
+            </a:bodyPr>
+            <a:lstStyle/>
+            <a:p>
+              <a:r>
+                <a:rPr lang="en-US" sz="2000" dirty="0" smtClean="0">
+                  <a:latin typeface="Arial" panose="020B0604020202020204" pitchFamily="34" charset="0"/>
+                  <a:cs typeface="Arial" panose="020B0604020202020204" pitchFamily="34" charset="0"/>
+                </a:rPr>
+                <a:t>+</a:t>
+              </a:r>
+              <a:endParaRPr lang="en-US" sz="2000" dirty="0" smtClean="0">
+                <a:latin typeface="Arial" panose="020B0604020202020204" pitchFamily="34" charset="0"/>
+                <a:cs typeface="Arial" panose="020B0604020202020204" pitchFamily="34" charset="0"/>
+              </a:endParaRPr>
+            </a:p>
+          </p:txBody>
+        </p:sp>
+        <p:sp>
+          <p:nvSpPr>
+            <p:cNvPr id="86" name="TextBox 85"/>
+            <p:cNvSpPr txBox="1"/>
+            <p:nvPr/>
+          </p:nvSpPr>
+          <p:spPr>
+            <a:xfrm>
+              <a:off x="11152386" y="967060"/>
+              <a:ext cx="333746" cy="400110"/>
+            </a:xfrm>
+            <a:prstGeom prst="rect">
+              <a:avLst/>
+            </a:prstGeom>
+            <a:noFill/>
+          </p:spPr>
+          <p:txBody>
+            <a:bodyPr wrap="none" rtlCol="0">
+              <a:spAutoFit/>
+            </a:bodyPr>
+            <a:lstStyle/>
+            <a:p>
+              <a:r>
+                <a:rPr lang="en-US" sz="2000" dirty="0" smtClean="0">
+                  <a:latin typeface="Arial" panose="020B0604020202020204" pitchFamily="34" charset="0"/>
+                  <a:cs typeface="Arial" panose="020B0604020202020204" pitchFamily="34" charset="0"/>
+                </a:rPr>
+                <a:t>+</a:t>
+              </a:r>
+              <a:endParaRPr lang="en-US" sz="2000" dirty="0" smtClean="0">
+                <a:latin typeface="Arial" panose="020B0604020202020204" pitchFamily="34" charset="0"/>
+                <a:cs typeface="Arial" panose="020B0604020202020204" pitchFamily="34" charset="0"/>
+              </a:endParaRPr>
+            </a:p>
+          </p:txBody>
+        </p:sp>
+        <p:sp>
+          <p:nvSpPr>
+            <p:cNvPr id="87" name="TextBox 86"/>
+            <p:cNvSpPr txBox="1"/>
+            <p:nvPr/>
+          </p:nvSpPr>
+          <p:spPr>
+            <a:xfrm>
+              <a:off x="10980930" y="1233088"/>
+              <a:ext cx="333746" cy="400110"/>
+            </a:xfrm>
+            <a:prstGeom prst="rect">
+              <a:avLst/>
+            </a:prstGeom>
+            <a:noFill/>
+          </p:spPr>
+          <p:txBody>
+            <a:bodyPr wrap="none" rtlCol="0">
+              <a:spAutoFit/>
+            </a:bodyPr>
+            <a:lstStyle/>
+            <a:p>
+              <a:r>
+                <a:rPr lang="en-US" sz="2000" dirty="0" smtClean="0">
+                  <a:latin typeface="Arial" panose="020B0604020202020204" pitchFamily="34" charset="0"/>
+                  <a:cs typeface="Arial" panose="020B0604020202020204" pitchFamily="34" charset="0"/>
+                </a:rPr>
+                <a:t>+</a:t>
+              </a:r>
+              <a:endParaRPr lang="en-US" sz="2000" dirty="0" smtClean="0">
+                <a:latin typeface="Arial" panose="020B0604020202020204" pitchFamily="34" charset="0"/>
+                <a:cs typeface="Arial" panose="020B0604020202020204" pitchFamily="34" charset="0"/>
+              </a:endParaRPr>
+            </a:p>
+          </p:txBody>
+        </p:sp>
+        <p:sp>
+          <p:nvSpPr>
+            <p:cNvPr id="88" name="TextBox 87"/>
+            <p:cNvSpPr txBox="1"/>
+            <p:nvPr/>
+          </p:nvSpPr>
+          <p:spPr>
+            <a:xfrm>
+              <a:off x="10423706" y="1508955"/>
+              <a:ext cx="333746" cy="400110"/>
+            </a:xfrm>
+            <a:prstGeom prst="rect">
+              <a:avLst/>
+            </a:prstGeom>
+            <a:noFill/>
+          </p:spPr>
+          <p:txBody>
+            <a:bodyPr wrap="none" rtlCol="0">
+              <a:spAutoFit/>
+            </a:bodyPr>
+            <a:lstStyle/>
+            <a:p>
+              <a:r>
+                <a:rPr lang="en-US" sz="2000" dirty="0" smtClean="0">
+                  <a:latin typeface="Arial" panose="020B0604020202020204" pitchFamily="34" charset="0"/>
+                  <a:cs typeface="Arial" panose="020B0604020202020204" pitchFamily="34" charset="0"/>
+                </a:rPr>
+                <a:t>+</a:t>
+              </a:r>
+              <a:endParaRPr lang="en-US" sz="2000" dirty="0" smtClean="0">
+                <a:latin typeface="Arial" panose="020B0604020202020204" pitchFamily="34" charset="0"/>
+                <a:cs typeface="Arial" panose="020B0604020202020204" pitchFamily="34" charset="0"/>
+              </a:endParaRPr>
+            </a:p>
+          </p:txBody>
+        </p:sp>
+        <p:sp>
+          <p:nvSpPr>
+            <p:cNvPr id="89" name="TextBox 88"/>
+            <p:cNvSpPr txBox="1"/>
+            <p:nvPr/>
+          </p:nvSpPr>
+          <p:spPr>
+            <a:xfrm>
+              <a:off x="9671753" y="1879649"/>
+              <a:ext cx="333746" cy="400110"/>
+            </a:xfrm>
+            <a:prstGeom prst="rect">
+              <a:avLst/>
+            </a:prstGeom>
+            <a:noFill/>
+          </p:spPr>
+          <p:txBody>
+            <a:bodyPr wrap="none" rtlCol="0">
+              <a:spAutoFit/>
+            </a:bodyPr>
+            <a:lstStyle/>
+            <a:p>
+              <a:r>
+                <a:rPr lang="en-US" sz="2000" dirty="0" smtClean="0">
+                  <a:latin typeface="Arial" panose="020B0604020202020204" pitchFamily="34" charset="0"/>
+                  <a:cs typeface="Arial" panose="020B0604020202020204" pitchFamily="34" charset="0"/>
+                </a:rPr>
+                <a:t>+</a:t>
+              </a:r>
+              <a:endParaRPr lang="en-US" sz="2000" dirty="0" smtClean="0">
+                <a:latin typeface="Arial" panose="020B0604020202020204" pitchFamily="34" charset="0"/>
+                <a:cs typeface="Arial" panose="020B0604020202020204" pitchFamily="34" charset="0"/>
+              </a:endParaRPr>
+            </a:p>
+          </p:txBody>
+        </p:sp>
+        <p:sp>
+          <p:nvSpPr>
+            <p:cNvPr id="90" name="TextBox 89"/>
+            <p:cNvSpPr txBox="1"/>
+            <p:nvPr/>
+          </p:nvSpPr>
+          <p:spPr>
+            <a:xfrm>
+              <a:off x="9116373" y="2525373"/>
+              <a:ext cx="333746" cy="400110"/>
+            </a:xfrm>
+            <a:prstGeom prst="rect">
+              <a:avLst/>
+            </a:prstGeom>
+            <a:noFill/>
+          </p:spPr>
+          <p:txBody>
+            <a:bodyPr wrap="none" rtlCol="0">
+              <a:spAutoFit/>
+            </a:bodyPr>
+            <a:lstStyle/>
+            <a:p>
+              <a:r>
+                <a:rPr lang="en-US" sz="2000" dirty="0" smtClean="0">
+                  <a:latin typeface="Arial" panose="020B0604020202020204" pitchFamily="34" charset="0"/>
+                  <a:cs typeface="Arial" panose="020B0604020202020204" pitchFamily="34" charset="0"/>
+                </a:rPr>
+                <a:t>+</a:t>
+              </a:r>
+              <a:endParaRPr lang="en-US" sz="2000" dirty="0" smtClean="0">
+                <a:latin typeface="Arial" panose="020B0604020202020204" pitchFamily="34" charset="0"/>
+                <a:cs typeface="Arial" panose="020B0604020202020204" pitchFamily="34" charset="0"/>
+              </a:endParaRPr>
+            </a:p>
+          </p:txBody>
+        </p:sp>
+        <p:sp>
+          <p:nvSpPr>
+            <p:cNvPr id="91" name="TextBox 90"/>
+            <p:cNvSpPr txBox="1"/>
+            <p:nvPr/>
+          </p:nvSpPr>
+          <p:spPr>
+            <a:xfrm>
+              <a:off x="8098748" y="2690548"/>
+              <a:ext cx="333746" cy="400110"/>
+            </a:xfrm>
+            <a:prstGeom prst="rect">
+              <a:avLst/>
+            </a:prstGeom>
+            <a:noFill/>
+          </p:spPr>
+          <p:txBody>
+            <a:bodyPr wrap="none" rtlCol="0">
+              <a:spAutoFit/>
+            </a:bodyPr>
+            <a:lstStyle/>
+            <a:p>
+              <a:r>
+                <a:rPr lang="en-US" sz="2000" dirty="0" smtClean="0">
+                  <a:latin typeface="Arial" panose="020B0604020202020204" pitchFamily="34" charset="0"/>
+                  <a:cs typeface="Arial" panose="020B0604020202020204" pitchFamily="34" charset="0"/>
+                </a:rPr>
+                <a:t>+</a:t>
+              </a:r>
+              <a:endParaRPr lang="en-US" sz="2000" dirty="0" smtClean="0">
+                <a:latin typeface="Arial" panose="020B0604020202020204" pitchFamily="34" charset="0"/>
+                <a:cs typeface="Arial" panose="020B0604020202020204" pitchFamily="34" charset="0"/>
+              </a:endParaRPr>
+            </a:p>
+          </p:txBody>
+        </p:sp>
+        <p:sp>
+          <p:nvSpPr>
+            <p:cNvPr id="92" name="TextBox 91"/>
+            <p:cNvSpPr txBox="1"/>
+            <p:nvPr/>
+          </p:nvSpPr>
+          <p:spPr>
+            <a:xfrm>
+              <a:off x="7263338" y="2100965"/>
+              <a:ext cx="333746" cy="400110"/>
+            </a:xfrm>
+            <a:prstGeom prst="rect">
+              <a:avLst/>
+            </a:prstGeom>
+            <a:noFill/>
+          </p:spPr>
+          <p:txBody>
+            <a:bodyPr wrap="none" rtlCol="0">
+              <a:spAutoFit/>
+            </a:bodyPr>
+            <a:lstStyle/>
+            <a:p>
+              <a:r>
+                <a:rPr lang="en-US" sz="2000" dirty="0" smtClean="0">
+                  <a:latin typeface="Arial" panose="020B0604020202020204" pitchFamily="34" charset="0"/>
+                  <a:cs typeface="Arial" panose="020B0604020202020204" pitchFamily="34" charset="0"/>
+                </a:rPr>
+                <a:t>+</a:t>
+              </a:r>
+              <a:endParaRPr lang="en-US" sz="2000" dirty="0" smtClean="0">
+                <a:latin typeface="Arial" panose="020B0604020202020204" pitchFamily="34" charset="0"/>
+                <a:cs typeface="Arial" panose="020B0604020202020204" pitchFamily="34" charset="0"/>
+              </a:endParaRPr>
+            </a:p>
+          </p:txBody>
+        </p:sp>
+        <p:sp>
+          <p:nvSpPr>
+            <p:cNvPr id="93" name="TextBox 92"/>
+            <p:cNvSpPr txBox="1"/>
+            <p:nvPr/>
+          </p:nvSpPr>
+          <p:spPr>
+            <a:xfrm>
+              <a:off x="7409790" y="1174053"/>
+              <a:ext cx="333746" cy="400110"/>
+            </a:xfrm>
+            <a:prstGeom prst="rect">
+              <a:avLst/>
+            </a:prstGeom>
+            <a:noFill/>
+          </p:spPr>
+          <p:txBody>
+            <a:bodyPr wrap="none" rtlCol="0">
+              <a:spAutoFit/>
+            </a:bodyPr>
+            <a:lstStyle/>
+            <a:p>
+              <a:r>
+                <a:rPr lang="en-US" sz="2000" dirty="0" smtClean="0">
+                  <a:latin typeface="Arial" panose="020B0604020202020204" pitchFamily="34" charset="0"/>
+                  <a:cs typeface="Arial" panose="020B0604020202020204" pitchFamily="34" charset="0"/>
+                </a:rPr>
+                <a:t>+</a:t>
+              </a:r>
+              <a:endParaRPr lang="en-US" sz="2000" dirty="0" smtClean="0">
+                <a:latin typeface="Arial" panose="020B0604020202020204" pitchFamily="34" charset="0"/>
+                <a:cs typeface="Arial" panose="020B0604020202020204" pitchFamily="34" charset="0"/>
+              </a:endParaRPr>
+            </a:p>
+          </p:txBody>
+        </p:sp>
+      </p:grpSp>
     </p:spTree>
     <p:extLst>
       <p:ext uri="{BB962C8B-B14F-4D97-AF65-F5344CB8AC3E}">

--- a/tex/figures/Potential/Figures.pptx
+++ b/tex/figures/Potential/Figures.pptx
@@ -15935,6 +15935,1111 @@
           <a:chExt cx="0" cy="0"/>
         </a:xfrm>
       </p:grpSpPr>
+      <p:grpSp>
+        <p:nvGrpSpPr>
+          <p:cNvPr id="23" name="Group 22"/>
+          <p:cNvGrpSpPr/>
+          <p:nvPr/>
+        </p:nvGrpSpPr>
+        <p:grpSpPr>
+          <a:xfrm>
+            <a:off x="1803513" y="476250"/>
+            <a:ext cx="3759087" cy="2455961"/>
+            <a:chOff x="1803513" y="476250"/>
+            <a:chExt cx="3759087" cy="2455961"/>
+          </a:xfrm>
+        </p:grpSpPr>
+        <mc:AlternateContent xmlns:mc="http://schemas.openxmlformats.org/markup-compatibility/2006">
+          <mc:Choice xmlns:a14="http://schemas.microsoft.com/office/drawing/2010/main" Requires="a14">
+            <p:sp>
+              <p:nvSpPr>
+                <p:cNvPr id="7" name="TextBox 6"/>
+                <p:cNvSpPr txBox="1"/>
+                <p:nvPr/>
+              </p:nvSpPr>
+              <p:spPr>
+                <a:xfrm>
+                  <a:off x="2290521" y="476250"/>
+                  <a:ext cx="1252779" cy="307777"/>
+                </a:xfrm>
+                <a:prstGeom prst="rect">
+                  <a:avLst/>
+                </a:prstGeom>
+                <a:noFill/>
+              </p:spPr>
+              <p:txBody>
+                <a:bodyPr wrap="none" lIns="0" tIns="0" rIns="0" bIns="0" rtlCol="0">
+                  <a:spAutoFit/>
+                </a:bodyPr>
+                <a:lstStyle/>
+                <a:p>
+                  <a14:m>
+                    <m:oMathPara xmlns:m="http://schemas.openxmlformats.org/officeDocument/2006/math">
+                      <m:oMathParaPr>
+                        <m:jc m:val="centerGroup"/>
+                      </m:oMathParaPr>
+                      <m:oMath xmlns:m="http://schemas.openxmlformats.org/officeDocument/2006/math">
+                        <m:r>
+                          <a:rPr lang="en-US" sz="2000" b="0" i="1" smtClean="0">
+                            <a:latin typeface="Cambria Math" panose="02040503050406030204" pitchFamily="18" charset="0"/>
+                            <a:cs typeface="Arial" panose="020B0604020202020204" pitchFamily="34" charset="0"/>
+                          </a:rPr>
+                          <m:t>𝑐𝑜𝑛𝑑𝑢𝑐𝑡𝑜𝑟</m:t>
+                        </m:r>
+                      </m:oMath>
+                    </m:oMathPara>
+                  </a14:m>
+                  <a:endParaRPr lang="en-US" sz="2000" dirty="0" smtClean="0">
+                    <a:latin typeface="Arial" panose="020B0604020202020204" pitchFamily="34" charset="0"/>
+                    <a:cs typeface="Arial" panose="020B0604020202020204" pitchFamily="34" charset="0"/>
+                  </a:endParaRPr>
+                </a:p>
+              </p:txBody>
+            </p:sp>
+          </mc:Choice>
+          <mc:Fallback>
+            <p:sp>
+              <p:nvSpPr>
+                <p:cNvPr id="7" name="TextBox 6"/>
+                <p:cNvSpPr txBox="1">
+                  <a:spLocks noRot="1" noChangeAspect="1" noMove="1" noResize="1" noEditPoints="1" noAdjustHandles="1" noChangeArrowheads="1" noChangeShapeType="1" noTextEdit="1"/>
+                </p:cNvSpPr>
+                <p:nvPr/>
+              </p:nvSpPr>
+              <p:spPr>
+                <a:xfrm>
+                  <a:off x="2290521" y="476250"/>
+                  <a:ext cx="1252779" cy="307777"/>
+                </a:xfrm>
+                <a:prstGeom prst="rect">
+                  <a:avLst/>
+                </a:prstGeom>
+                <a:blipFill>
+                  <a:blip r:embed="rId2"/>
+                  <a:stretch>
+                    <a:fillRect l="-3902" r="-3902" b="-9804"/>
+                  </a:stretch>
+                </a:blipFill>
+              </p:spPr>
+              <p:txBody>
+                <a:bodyPr/>
+                <a:lstStyle/>
+                <a:p>
+                  <a:r>
+                    <a:rPr lang="en-US">
+                      <a:noFill/>
+                    </a:rPr>
+                    <a:t> </a:t>
+                  </a:r>
+                </a:p>
+              </p:txBody>
+            </p:sp>
+          </mc:Fallback>
+        </mc:AlternateContent>
+        <p:grpSp>
+          <p:nvGrpSpPr>
+            <p:cNvPr id="22" name="Group 21"/>
+            <p:cNvGrpSpPr/>
+            <p:nvPr/>
+          </p:nvGrpSpPr>
+          <p:grpSpPr>
+            <a:xfrm>
+              <a:off x="1803513" y="781050"/>
+              <a:ext cx="3759087" cy="2151161"/>
+              <a:chOff x="1803513" y="781050"/>
+              <a:chExt cx="3759087" cy="2151161"/>
+            </a:xfrm>
+          </p:grpSpPr>
+          <p:sp>
+            <p:nvSpPr>
+              <p:cNvPr id="4" name="Rectangle 3"/>
+              <p:cNvSpPr/>
+              <p:nvPr/>
+            </p:nvSpPr>
+            <p:spPr>
+              <a:xfrm>
+                <a:off x="2247900" y="1047750"/>
+                <a:ext cx="171450" cy="1466850"/>
+              </a:xfrm>
+              <a:prstGeom prst="rect">
+                <a:avLst/>
+              </a:prstGeom>
+              <a:noFill/>
+              <a:ln w="38100">
+                <a:solidFill>
+                  <a:schemeClr val="tx1"/>
+                </a:solidFill>
+              </a:ln>
+            </p:spPr>
+            <p:style>
+              <a:lnRef idx="2">
+                <a:schemeClr val="accent1">
+                  <a:shade val="50000"/>
+                </a:schemeClr>
+              </a:lnRef>
+              <a:fillRef idx="1">
+                <a:schemeClr val="accent1"/>
+              </a:fillRef>
+              <a:effectRef idx="0">
+                <a:schemeClr val="accent1"/>
+              </a:effectRef>
+              <a:fontRef idx="minor">
+                <a:schemeClr val="lt1"/>
+              </a:fontRef>
+            </p:style>
+            <p:txBody>
+              <a:bodyPr rtlCol="0" anchor="ctr"/>
+              <a:lstStyle/>
+              <a:p>
+                <a:pPr algn="ctr"/>
+                <a:endParaRPr lang="en-US"/>
+              </a:p>
+            </p:txBody>
+          </p:sp>
+          <p:sp>
+            <p:nvSpPr>
+              <p:cNvPr id="5" name="Rectangle 4"/>
+              <p:cNvSpPr/>
+              <p:nvPr/>
+            </p:nvSpPr>
+            <p:spPr>
+              <a:xfrm>
+                <a:off x="3390900" y="1047750"/>
+                <a:ext cx="171450" cy="1466850"/>
+              </a:xfrm>
+              <a:prstGeom prst="rect">
+                <a:avLst/>
+              </a:prstGeom>
+              <a:noFill/>
+              <a:ln w="38100">
+                <a:solidFill>
+                  <a:schemeClr val="tx1"/>
+                </a:solidFill>
+              </a:ln>
+            </p:spPr>
+            <p:style>
+              <a:lnRef idx="2">
+                <a:schemeClr val="accent1">
+                  <a:shade val="50000"/>
+                </a:schemeClr>
+              </a:lnRef>
+              <a:fillRef idx="1">
+                <a:schemeClr val="accent1"/>
+              </a:fillRef>
+              <a:effectRef idx="0">
+                <a:schemeClr val="accent1"/>
+              </a:effectRef>
+              <a:fontRef idx="minor">
+                <a:schemeClr val="lt1"/>
+              </a:fontRef>
+            </p:style>
+            <p:txBody>
+              <a:bodyPr rtlCol="0" anchor="ctr"/>
+              <a:lstStyle/>
+              <a:p>
+                <a:pPr algn="ctr"/>
+                <a:endParaRPr lang="en-US"/>
+              </a:p>
+            </p:txBody>
+          </p:sp>
+          <p:sp>
+            <p:nvSpPr>
+              <p:cNvPr id="6" name="Rectangle 5"/>
+              <p:cNvSpPr/>
+              <p:nvPr/>
+            </p:nvSpPr>
+            <p:spPr>
+              <a:xfrm>
+                <a:off x="2438400" y="1047751"/>
+                <a:ext cx="942975" cy="1466850"/>
+              </a:xfrm>
+              <a:prstGeom prst="rect">
+                <a:avLst/>
+              </a:prstGeom>
+              <a:solidFill>
+                <a:schemeClr val="bg2">
+                  <a:lumMod val="90000"/>
+                </a:schemeClr>
+              </a:solidFill>
+              <a:ln w="38100">
+                <a:noFill/>
+              </a:ln>
+            </p:spPr>
+            <p:style>
+              <a:lnRef idx="2">
+                <a:schemeClr val="accent1">
+                  <a:shade val="50000"/>
+                </a:schemeClr>
+              </a:lnRef>
+              <a:fillRef idx="1">
+                <a:schemeClr val="accent1"/>
+              </a:fillRef>
+              <a:effectRef idx="0">
+                <a:schemeClr val="accent1"/>
+              </a:effectRef>
+              <a:fontRef idx="minor">
+                <a:schemeClr val="lt1"/>
+              </a:fontRef>
+            </p:style>
+            <p:txBody>
+              <a:bodyPr rtlCol="0" anchor="ctr"/>
+              <a:lstStyle/>
+              <a:p>
+                <a:pPr algn="ctr"/>
+                <a:endParaRPr lang="en-US"/>
+              </a:p>
+            </p:txBody>
+          </p:sp>
+          <p:cxnSp>
+            <p:nvCxnSpPr>
+              <p:cNvPr id="9" name="Straight Arrow Connector 8"/>
+              <p:cNvCxnSpPr>
+                <a:endCxn id="4" idx="0"/>
+              </p:cNvCxnSpPr>
+              <p:nvPr/>
+            </p:nvCxnSpPr>
+            <p:spPr>
+              <a:xfrm flipH="1">
+                <a:off x="2333625" y="781050"/>
+                <a:ext cx="266700" cy="266700"/>
+              </a:xfrm>
+              <a:prstGeom prst="straightConnector1">
+                <a:avLst/>
+              </a:prstGeom>
+              <a:ln w="38100">
+                <a:solidFill>
+                  <a:schemeClr val="tx1"/>
+                </a:solidFill>
+                <a:tailEnd type="triangle"/>
+              </a:ln>
+            </p:spPr>
+            <p:style>
+              <a:lnRef idx="1">
+                <a:schemeClr val="accent1"/>
+              </a:lnRef>
+              <a:fillRef idx="0">
+                <a:schemeClr val="accent1"/>
+              </a:fillRef>
+              <a:effectRef idx="0">
+                <a:schemeClr val="accent1"/>
+              </a:effectRef>
+              <a:fontRef idx="minor">
+                <a:schemeClr val="tx1"/>
+              </a:fontRef>
+            </p:style>
+          </p:cxnSp>
+          <p:cxnSp>
+            <p:nvCxnSpPr>
+              <p:cNvPr id="10" name="Straight Arrow Connector 9"/>
+              <p:cNvCxnSpPr>
+                <a:endCxn id="5" idx="0"/>
+              </p:cNvCxnSpPr>
+              <p:nvPr/>
+            </p:nvCxnSpPr>
+            <p:spPr>
+              <a:xfrm>
+                <a:off x="3209925" y="781050"/>
+                <a:ext cx="266700" cy="266700"/>
+              </a:xfrm>
+              <a:prstGeom prst="straightConnector1">
+                <a:avLst/>
+              </a:prstGeom>
+              <a:ln w="38100">
+                <a:solidFill>
+                  <a:schemeClr val="tx1"/>
+                </a:solidFill>
+                <a:tailEnd type="triangle"/>
+              </a:ln>
+            </p:spPr>
+            <p:style>
+              <a:lnRef idx="1">
+                <a:schemeClr val="accent1"/>
+              </a:lnRef>
+              <a:fillRef idx="0">
+                <a:schemeClr val="accent1"/>
+              </a:fillRef>
+              <a:effectRef idx="0">
+                <a:schemeClr val="accent1"/>
+              </a:effectRef>
+              <a:fontRef idx="minor">
+                <a:schemeClr val="tx1"/>
+              </a:fontRef>
+            </p:style>
+          </p:cxnSp>
+          <mc:AlternateContent xmlns:mc="http://schemas.openxmlformats.org/markup-compatibility/2006">
+            <mc:Choice xmlns:a14="http://schemas.microsoft.com/office/drawing/2010/main" Requires="a14">
+              <p:sp>
+                <p:nvSpPr>
+                  <p:cNvPr id="13" name="TextBox 12"/>
+                  <p:cNvSpPr txBox="1"/>
+                  <p:nvPr/>
+                </p:nvSpPr>
+                <p:spPr>
+                  <a:xfrm>
+                    <a:off x="2100949" y="2624434"/>
+                    <a:ext cx="1631922" cy="307777"/>
+                  </a:xfrm>
+                  <a:prstGeom prst="rect">
+                    <a:avLst/>
+                  </a:prstGeom>
+                  <a:noFill/>
+                </p:spPr>
+                <p:txBody>
+                  <a:bodyPr wrap="none" lIns="0" tIns="0" rIns="0" bIns="0" rtlCol="0">
+                    <a:spAutoFit/>
+                  </a:bodyPr>
+                  <a:lstStyle/>
+                  <a:p>
+                    <a14:m>
+                      <m:oMathPara xmlns:m="http://schemas.openxmlformats.org/officeDocument/2006/math">
+                        <m:oMathParaPr>
+                          <m:jc m:val="centerGroup"/>
+                        </m:oMathParaPr>
+                        <m:oMath xmlns:m="http://schemas.openxmlformats.org/officeDocument/2006/math">
+                          <m:r>
+                            <a:rPr lang="en-US" sz="2000" b="0" i="1" smtClean="0">
+                              <a:latin typeface="Cambria Math" panose="02040503050406030204" pitchFamily="18" charset="0"/>
+                              <a:cs typeface="Arial" panose="020B0604020202020204" pitchFamily="34" charset="0"/>
+                            </a:rPr>
+                            <m:t>𝑖𝑛𝑠𝑢𝑙𝑎𝑡𝑜𝑟</m:t>
+                          </m:r>
+                          <m:r>
+                            <a:rPr lang="en-US" sz="2000" b="0" i="1" smtClean="0">
+                              <a:latin typeface="Cambria Math" panose="02040503050406030204" pitchFamily="18" charset="0"/>
+                              <a:cs typeface="Arial" panose="020B0604020202020204" pitchFamily="34" charset="0"/>
+                            </a:rPr>
+                            <m:t>/</m:t>
+                          </m:r>
+                          <m:r>
+                            <a:rPr lang="en-US" sz="2000" b="0" i="1" smtClean="0">
+                              <a:latin typeface="Cambria Math" panose="02040503050406030204" pitchFamily="18" charset="0"/>
+                              <a:cs typeface="Arial" panose="020B0604020202020204" pitchFamily="34" charset="0"/>
+                            </a:rPr>
+                            <m:t>𝑎𝑖𝑟</m:t>
+                          </m:r>
+                        </m:oMath>
+                      </m:oMathPara>
+                    </a14:m>
+                    <a:endParaRPr lang="en-US" sz="2000" dirty="0" smtClean="0">
+                      <a:latin typeface="Arial" panose="020B0604020202020204" pitchFamily="34" charset="0"/>
+                      <a:cs typeface="Arial" panose="020B0604020202020204" pitchFamily="34" charset="0"/>
+                    </a:endParaRPr>
+                  </a:p>
+                </p:txBody>
+              </p:sp>
+            </mc:Choice>
+            <mc:Fallback>
+              <p:sp>
+                <p:nvSpPr>
+                  <p:cNvPr id="13" name="TextBox 12"/>
+                  <p:cNvSpPr txBox="1">
+                    <a:spLocks noRot="1" noChangeAspect="1" noMove="1" noResize="1" noEditPoints="1" noAdjustHandles="1" noChangeArrowheads="1" noChangeShapeType="1" noTextEdit="1"/>
+                  </p:cNvSpPr>
+                  <p:nvPr/>
+                </p:nvSpPr>
+                <p:spPr>
+                  <a:xfrm>
+                    <a:off x="2100949" y="2624434"/>
+                    <a:ext cx="1631922" cy="307777"/>
+                  </a:xfrm>
+                  <a:prstGeom prst="rect">
+                    <a:avLst/>
+                  </a:prstGeom>
+                  <a:blipFill>
+                    <a:blip r:embed="rId3"/>
+                    <a:stretch>
+                      <a:fillRect l="-2996" r="-2622" b="-38000"/>
+                    </a:stretch>
+                  </a:blipFill>
+                </p:spPr>
+                <p:txBody>
+                  <a:bodyPr/>
+                  <a:lstStyle/>
+                  <a:p>
+                    <a:r>
+                      <a:rPr lang="en-US">
+                        <a:noFill/>
+                      </a:rPr>
+                      <a:t> </a:t>
+                    </a:r>
+                  </a:p>
+                </p:txBody>
+              </p:sp>
+            </mc:Fallback>
+          </mc:AlternateContent>
+          <p:cxnSp>
+            <p:nvCxnSpPr>
+              <p:cNvPr id="14" name="Straight Arrow Connector 13"/>
+              <p:cNvCxnSpPr>
+                <a:stCxn id="13" idx="0"/>
+              </p:cNvCxnSpPr>
+              <p:nvPr/>
+            </p:nvCxnSpPr>
+            <p:spPr>
+              <a:xfrm flipV="1">
+                <a:off x="2916910" y="2181226"/>
+                <a:ext cx="0" cy="443208"/>
+              </a:xfrm>
+              <a:prstGeom prst="straightConnector1">
+                <a:avLst/>
+              </a:prstGeom>
+              <a:ln w="38100">
+                <a:solidFill>
+                  <a:schemeClr val="tx1"/>
+                </a:solidFill>
+                <a:tailEnd type="triangle"/>
+              </a:ln>
+            </p:spPr>
+            <p:style>
+              <a:lnRef idx="1">
+                <a:schemeClr val="accent1"/>
+              </a:lnRef>
+              <a:fillRef idx="0">
+                <a:schemeClr val="accent1"/>
+              </a:fillRef>
+              <a:effectRef idx="0">
+                <a:schemeClr val="accent1"/>
+              </a:effectRef>
+              <a:fontRef idx="minor">
+                <a:schemeClr val="tx1"/>
+              </a:fontRef>
+            </p:style>
+          </p:cxnSp>
+          <p:sp>
+            <p:nvSpPr>
+              <p:cNvPr id="17" name="TextBox 16"/>
+              <p:cNvSpPr txBox="1"/>
+              <p:nvPr/>
+            </p:nvSpPr>
+            <p:spPr>
+              <a:xfrm>
+                <a:off x="2172830" y="993218"/>
+                <a:ext cx="323850" cy="1631216"/>
+              </a:xfrm>
+              <a:prstGeom prst="rect">
+                <a:avLst/>
+              </a:prstGeom>
+              <a:noFill/>
+            </p:spPr>
+            <p:txBody>
+              <a:bodyPr wrap="square" rtlCol="0">
+                <a:spAutoFit/>
+              </a:bodyPr>
+              <a:lstStyle/>
+              <a:p>
+                <a:r>
+                  <a:rPr lang="en-US" sz="2000" dirty="0" smtClean="0">
+                    <a:latin typeface="Arial" panose="020B0604020202020204" pitchFamily="34" charset="0"/>
+                    <a:cs typeface="Arial" panose="020B0604020202020204" pitchFamily="34" charset="0"/>
+                  </a:rPr>
+                  <a:t>+</a:t>
+                </a:r>
+              </a:p>
+              <a:p>
+                <a:r>
+                  <a:rPr lang="en-US" sz="2000" dirty="0" smtClean="0">
+                    <a:latin typeface="Arial" panose="020B0604020202020204" pitchFamily="34" charset="0"/>
+                    <a:cs typeface="Arial" panose="020B0604020202020204" pitchFamily="34" charset="0"/>
+                  </a:rPr>
+                  <a:t>+</a:t>
+                </a:r>
+              </a:p>
+              <a:p>
+                <a:r>
+                  <a:rPr lang="en-US" sz="2000" dirty="0" smtClean="0">
+                    <a:latin typeface="Arial" panose="020B0604020202020204" pitchFamily="34" charset="0"/>
+                    <a:cs typeface="Arial" panose="020B0604020202020204" pitchFamily="34" charset="0"/>
+                  </a:rPr>
+                  <a:t>+</a:t>
+                </a:r>
+              </a:p>
+              <a:p>
+                <a:r>
+                  <a:rPr lang="en-US" sz="2000" dirty="0" smtClean="0">
+                    <a:latin typeface="Arial" panose="020B0604020202020204" pitchFamily="34" charset="0"/>
+                    <a:cs typeface="Arial" panose="020B0604020202020204" pitchFamily="34" charset="0"/>
+                  </a:rPr>
+                  <a:t>+</a:t>
+                </a:r>
+              </a:p>
+              <a:p>
+                <a:r>
+                  <a:rPr lang="en-US" sz="2000" dirty="0">
+                    <a:latin typeface="Arial" panose="020B0604020202020204" pitchFamily="34" charset="0"/>
+                    <a:cs typeface="Arial" panose="020B0604020202020204" pitchFamily="34" charset="0"/>
+                  </a:rPr>
+                  <a:t>+</a:t>
+                </a:r>
+                <a:endParaRPr lang="en-US" sz="2000" dirty="0" smtClean="0">
+                  <a:latin typeface="Arial" panose="020B0604020202020204" pitchFamily="34" charset="0"/>
+                  <a:cs typeface="Arial" panose="020B0604020202020204" pitchFamily="34" charset="0"/>
+                </a:endParaRPr>
+              </a:p>
+            </p:txBody>
+          </p:sp>
+          <p:sp>
+            <p:nvSpPr>
+              <p:cNvPr id="18" name="TextBox 17"/>
+              <p:cNvSpPr txBox="1"/>
+              <p:nvPr/>
+            </p:nvSpPr>
+            <p:spPr>
+              <a:xfrm>
+                <a:off x="3337383" y="974168"/>
+                <a:ext cx="323850" cy="1631216"/>
+              </a:xfrm>
+              <a:prstGeom prst="rect">
+                <a:avLst/>
+              </a:prstGeom>
+              <a:noFill/>
+            </p:spPr>
+            <p:txBody>
+              <a:bodyPr wrap="square" rtlCol="0">
+                <a:spAutoFit/>
+              </a:bodyPr>
+              <a:lstStyle/>
+              <a:p>
+                <a:r>
+                  <a:rPr lang="en-US" sz="2000" dirty="0" smtClean="0">
+                    <a:latin typeface="Arial" panose="020B0604020202020204" pitchFamily="34" charset="0"/>
+                    <a:cs typeface="Arial" panose="020B0604020202020204" pitchFamily="34" charset="0"/>
+                  </a:rPr>
+                  <a:t>-</a:t>
+                </a:r>
+              </a:p>
+              <a:p>
+                <a:r>
+                  <a:rPr lang="en-US" sz="2000" dirty="0" smtClean="0">
+                    <a:latin typeface="Arial" panose="020B0604020202020204" pitchFamily="34" charset="0"/>
+                    <a:cs typeface="Arial" panose="020B0604020202020204" pitchFamily="34" charset="0"/>
+                  </a:rPr>
+                  <a:t>-</a:t>
+                </a:r>
+              </a:p>
+              <a:p>
+                <a:r>
+                  <a:rPr lang="en-US" sz="2000" dirty="0" smtClean="0">
+                    <a:latin typeface="Arial" panose="020B0604020202020204" pitchFamily="34" charset="0"/>
+                    <a:cs typeface="Arial" panose="020B0604020202020204" pitchFamily="34" charset="0"/>
+                  </a:rPr>
+                  <a:t>-</a:t>
+                </a:r>
+              </a:p>
+              <a:p>
+                <a:r>
+                  <a:rPr lang="en-US" sz="2000" dirty="0" smtClean="0">
+                    <a:latin typeface="Arial" panose="020B0604020202020204" pitchFamily="34" charset="0"/>
+                    <a:cs typeface="Arial" panose="020B0604020202020204" pitchFamily="34" charset="0"/>
+                  </a:rPr>
+                  <a:t>-</a:t>
+                </a:r>
+              </a:p>
+              <a:p>
+                <a:r>
+                  <a:rPr lang="en-US" sz="2000" dirty="0" smtClean="0">
+                    <a:latin typeface="Arial" panose="020B0604020202020204" pitchFamily="34" charset="0"/>
+                    <a:cs typeface="Arial" panose="020B0604020202020204" pitchFamily="34" charset="0"/>
+                  </a:rPr>
+                  <a:t>-</a:t>
+                </a:r>
+                <a:endParaRPr lang="en-US" sz="2000" dirty="0" smtClean="0">
+                  <a:latin typeface="Arial" panose="020B0604020202020204" pitchFamily="34" charset="0"/>
+                  <a:cs typeface="Arial" panose="020B0604020202020204" pitchFamily="34" charset="0"/>
+                </a:endParaRPr>
+              </a:p>
+            </p:txBody>
+          </p:sp>
+          <mc:AlternateContent xmlns:mc="http://schemas.openxmlformats.org/markup-compatibility/2006">
+            <mc:Choice xmlns:a14="http://schemas.microsoft.com/office/drawing/2010/main" Requires="a14">
+              <p:sp>
+                <p:nvSpPr>
+                  <p:cNvPr id="19" name="TextBox 18"/>
+                  <p:cNvSpPr txBox="1"/>
+                  <p:nvPr/>
+                </p:nvSpPr>
+                <p:spPr>
+                  <a:xfrm>
+                    <a:off x="1803513" y="1528315"/>
+                    <a:ext cx="443519" cy="307777"/>
+                  </a:xfrm>
+                  <a:prstGeom prst="rect">
+                    <a:avLst/>
+                  </a:prstGeom>
+                  <a:noFill/>
+                </p:spPr>
+                <p:txBody>
+                  <a:bodyPr wrap="none" lIns="0" tIns="0" rIns="0" bIns="0" rtlCol="0">
+                    <a:spAutoFit/>
+                  </a:bodyPr>
+                  <a:lstStyle/>
+                  <a:p>
+                    <a14:m>
+                      <m:oMathPara xmlns:m="http://schemas.openxmlformats.org/officeDocument/2006/math">
+                        <m:oMathParaPr>
+                          <m:jc m:val="centerGroup"/>
+                        </m:oMathParaPr>
+                        <m:oMath xmlns:m="http://schemas.openxmlformats.org/officeDocument/2006/math">
+                          <m:r>
+                            <a:rPr lang="en-US" sz="2000" b="0" i="1" smtClean="0">
+                              <a:latin typeface="Cambria Math" panose="02040503050406030204" pitchFamily="18" charset="0"/>
+                              <a:cs typeface="Arial" panose="020B0604020202020204" pitchFamily="34" charset="0"/>
+                            </a:rPr>
+                            <m:t>+</m:t>
+                          </m:r>
+                          <m:r>
+                            <a:rPr lang="en-US" sz="2000" b="0" i="1" smtClean="0">
+                              <a:latin typeface="Cambria Math" panose="02040503050406030204" pitchFamily="18" charset="0"/>
+                              <a:cs typeface="Arial" panose="020B0604020202020204" pitchFamily="34" charset="0"/>
+                            </a:rPr>
+                            <m:t>𝑄</m:t>
+                          </m:r>
+                        </m:oMath>
+                      </m:oMathPara>
+                    </a14:m>
+                    <a:endParaRPr lang="en-US" sz="2000" dirty="0" smtClean="0">
+                      <a:latin typeface="Arial" panose="020B0604020202020204" pitchFamily="34" charset="0"/>
+                      <a:cs typeface="Arial" panose="020B0604020202020204" pitchFamily="34" charset="0"/>
+                    </a:endParaRPr>
+                  </a:p>
+                </p:txBody>
+              </p:sp>
+            </mc:Choice>
+            <mc:Fallback>
+              <p:sp>
+                <p:nvSpPr>
+                  <p:cNvPr id="19" name="TextBox 18"/>
+                  <p:cNvSpPr txBox="1">
+                    <a:spLocks noRot="1" noChangeAspect="1" noMove="1" noResize="1" noEditPoints="1" noAdjustHandles="1" noChangeArrowheads="1" noChangeShapeType="1" noTextEdit="1"/>
+                  </p:cNvSpPr>
+                  <p:nvPr/>
+                </p:nvSpPr>
+                <p:spPr>
+                  <a:xfrm>
+                    <a:off x="1803513" y="1528315"/>
+                    <a:ext cx="443519" cy="307777"/>
+                  </a:xfrm>
+                  <a:prstGeom prst="rect">
+                    <a:avLst/>
+                  </a:prstGeom>
+                  <a:blipFill>
+                    <a:blip r:embed="rId4"/>
+                    <a:stretch>
+                      <a:fillRect l="-10959" r="-13699" b="-32000"/>
+                    </a:stretch>
+                  </a:blipFill>
+                </p:spPr>
+                <p:txBody>
+                  <a:bodyPr/>
+                  <a:lstStyle/>
+                  <a:p>
+                    <a:r>
+                      <a:rPr lang="en-US">
+                        <a:noFill/>
+                      </a:rPr>
+                      <a:t> </a:t>
+                    </a:r>
+                  </a:p>
+                </p:txBody>
+              </p:sp>
+            </mc:Fallback>
+          </mc:AlternateContent>
+          <mc:AlternateContent xmlns:mc="http://schemas.openxmlformats.org/markup-compatibility/2006">
+            <mc:Choice xmlns:a14="http://schemas.microsoft.com/office/drawing/2010/main" Requires="a14">
+              <p:sp>
+                <p:nvSpPr>
+                  <p:cNvPr id="20" name="TextBox 19"/>
+                  <p:cNvSpPr txBox="1"/>
+                  <p:nvPr/>
+                </p:nvSpPr>
+                <p:spPr>
+                  <a:xfrm>
+                    <a:off x="3546457" y="1574526"/>
+                    <a:ext cx="443519" cy="307777"/>
+                  </a:xfrm>
+                  <a:prstGeom prst="rect">
+                    <a:avLst/>
+                  </a:prstGeom>
+                  <a:noFill/>
+                </p:spPr>
+                <p:txBody>
+                  <a:bodyPr wrap="none" lIns="0" tIns="0" rIns="0" bIns="0" rtlCol="0">
+                    <a:spAutoFit/>
+                  </a:bodyPr>
+                  <a:lstStyle/>
+                  <a:p>
+                    <a14:m>
+                      <m:oMathPara xmlns:m="http://schemas.openxmlformats.org/officeDocument/2006/math">
+                        <m:oMathParaPr>
+                          <m:jc m:val="centerGroup"/>
+                        </m:oMathParaPr>
+                        <m:oMath xmlns:m="http://schemas.openxmlformats.org/officeDocument/2006/math">
+                          <m:r>
+                            <a:rPr lang="en-US" sz="2000" b="0" i="1" smtClean="0">
+                              <a:latin typeface="Cambria Math" panose="02040503050406030204" pitchFamily="18" charset="0"/>
+                              <a:cs typeface="Arial" panose="020B0604020202020204" pitchFamily="34" charset="0"/>
+                            </a:rPr>
+                            <m:t>−</m:t>
+                          </m:r>
+                          <m:r>
+                            <a:rPr lang="en-US" sz="2000" b="0" i="1" smtClean="0">
+                              <a:latin typeface="Cambria Math" panose="02040503050406030204" pitchFamily="18" charset="0"/>
+                              <a:cs typeface="Arial" panose="020B0604020202020204" pitchFamily="34" charset="0"/>
+                            </a:rPr>
+                            <m:t>𝑄</m:t>
+                          </m:r>
+                        </m:oMath>
+                      </m:oMathPara>
+                    </a14:m>
+                    <a:endParaRPr lang="en-US" sz="2000" dirty="0" smtClean="0">
+                      <a:latin typeface="Arial" panose="020B0604020202020204" pitchFamily="34" charset="0"/>
+                      <a:cs typeface="Arial" panose="020B0604020202020204" pitchFamily="34" charset="0"/>
+                    </a:endParaRPr>
+                  </a:p>
+                </p:txBody>
+              </p:sp>
+            </mc:Choice>
+            <mc:Fallback>
+              <p:sp>
+                <p:nvSpPr>
+                  <p:cNvPr id="20" name="TextBox 19"/>
+                  <p:cNvSpPr txBox="1">
+                    <a:spLocks noRot="1" noChangeAspect="1" noMove="1" noResize="1" noEditPoints="1" noAdjustHandles="1" noChangeArrowheads="1" noChangeShapeType="1" noTextEdit="1"/>
+                  </p:cNvSpPr>
+                  <p:nvPr/>
+                </p:nvSpPr>
+                <p:spPr>
+                  <a:xfrm>
+                    <a:off x="3546457" y="1574526"/>
+                    <a:ext cx="443519" cy="307777"/>
+                  </a:xfrm>
+                  <a:prstGeom prst="rect">
+                    <a:avLst/>
+                  </a:prstGeom>
+                  <a:blipFill>
+                    <a:blip r:embed="rId5"/>
+                    <a:stretch>
+                      <a:fillRect l="-2740" r="-13699" b="-29412"/>
+                    </a:stretch>
+                  </a:blipFill>
+                </p:spPr>
+                <p:txBody>
+                  <a:bodyPr/>
+                  <a:lstStyle/>
+                  <a:p>
+                    <a:r>
+                      <a:rPr lang="en-US">
+                        <a:noFill/>
+                      </a:rPr>
+                      <a:t> </a:t>
+                    </a:r>
+                  </a:p>
+                </p:txBody>
+              </p:sp>
+            </mc:Fallback>
+          </mc:AlternateContent>
+          <p:sp>
+            <p:nvSpPr>
+              <p:cNvPr id="21" name="Freeform 20"/>
+              <p:cNvSpPr/>
+              <p:nvPr/>
+            </p:nvSpPr>
+            <p:spPr>
+              <a:xfrm>
+                <a:off x="4591050" y="1257300"/>
+                <a:ext cx="971550" cy="1047750"/>
+              </a:xfrm>
+              <a:custGeom>
+                <a:avLst/>
+                <a:gdLst>
+                  <a:gd name="connsiteX0" fmla="*/ 390525 w 971550"/>
+                  <a:gd name="connsiteY0" fmla="*/ 628650 h 1047750"/>
+                  <a:gd name="connsiteX1" fmla="*/ 533400 w 971550"/>
+                  <a:gd name="connsiteY1" fmla="*/ 552450 h 1047750"/>
+                  <a:gd name="connsiteX2" fmla="*/ 552450 w 971550"/>
+                  <a:gd name="connsiteY2" fmla="*/ 695325 h 1047750"/>
+                  <a:gd name="connsiteX3" fmla="*/ 390525 w 971550"/>
+                  <a:gd name="connsiteY3" fmla="*/ 809625 h 1047750"/>
+                  <a:gd name="connsiteX4" fmla="*/ 285750 w 971550"/>
+                  <a:gd name="connsiteY4" fmla="*/ 676275 h 1047750"/>
+                  <a:gd name="connsiteX5" fmla="*/ 304800 w 971550"/>
+                  <a:gd name="connsiteY5" fmla="*/ 390525 h 1047750"/>
+                  <a:gd name="connsiteX6" fmla="*/ 628650 w 971550"/>
+                  <a:gd name="connsiteY6" fmla="*/ 371475 h 1047750"/>
+                  <a:gd name="connsiteX7" fmla="*/ 752475 w 971550"/>
+                  <a:gd name="connsiteY7" fmla="*/ 571500 h 1047750"/>
+                  <a:gd name="connsiteX8" fmla="*/ 638175 w 971550"/>
+                  <a:gd name="connsiteY8" fmla="*/ 847725 h 1047750"/>
+                  <a:gd name="connsiteX9" fmla="*/ 323850 w 971550"/>
+                  <a:gd name="connsiteY9" fmla="*/ 942975 h 1047750"/>
+                  <a:gd name="connsiteX10" fmla="*/ 104775 w 971550"/>
+                  <a:gd name="connsiteY10" fmla="*/ 695325 h 1047750"/>
+                  <a:gd name="connsiteX11" fmla="*/ 161925 w 971550"/>
+                  <a:gd name="connsiteY11" fmla="*/ 247650 h 1047750"/>
+                  <a:gd name="connsiteX12" fmla="*/ 676275 w 971550"/>
+                  <a:gd name="connsiteY12" fmla="*/ 133350 h 1047750"/>
+                  <a:gd name="connsiteX13" fmla="*/ 914400 w 971550"/>
+                  <a:gd name="connsiteY13" fmla="*/ 371475 h 1047750"/>
+                  <a:gd name="connsiteX14" fmla="*/ 971550 w 971550"/>
+                  <a:gd name="connsiteY14" fmla="*/ 266700 h 1047750"/>
+                  <a:gd name="connsiteX15" fmla="*/ 666750 w 971550"/>
+                  <a:gd name="connsiteY15" fmla="*/ 0 h 1047750"/>
+                  <a:gd name="connsiteX16" fmla="*/ 104775 w 971550"/>
+                  <a:gd name="connsiteY16" fmla="*/ 161925 h 1047750"/>
+                  <a:gd name="connsiteX17" fmla="*/ 0 w 971550"/>
+                  <a:gd name="connsiteY17" fmla="*/ 771525 h 1047750"/>
+                  <a:gd name="connsiteX18" fmla="*/ 276225 w 971550"/>
+                  <a:gd name="connsiteY18" fmla="*/ 1047750 h 1047750"/>
+                  <a:gd name="connsiteX19" fmla="*/ 695325 w 971550"/>
+                  <a:gd name="connsiteY19" fmla="*/ 942975 h 1047750"/>
+                  <a:gd name="connsiteX20" fmla="*/ 828675 w 971550"/>
+                  <a:gd name="connsiteY20" fmla="*/ 581025 h 1047750"/>
+                  <a:gd name="connsiteX21" fmla="*/ 685800 w 971550"/>
+                  <a:gd name="connsiteY21" fmla="*/ 323850 h 1047750"/>
+                  <a:gd name="connsiteX22" fmla="*/ 200025 w 971550"/>
+                  <a:gd name="connsiteY22" fmla="*/ 342900 h 1047750"/>
+                  <a:gd name="connsiteX23" fmla="*/ 219075 w 971550"/>
+                  <a:gd name="connsiteY23" fmla="*/ 752475 h 1047750"/>
+                  <a:gd name="connsiteX24" fmla="*/ 371475 w 971550"/>
+                  <a:gd name="connsiteY24" fmla="*/ 866775 h 1047750"/>
+                  <a:gd name="connsiteX25" fmla="*/ 647700 w 971550"/>
+                  <a:gd name="connsiteY25" fmla="*/ 723900 h 1047750"/>
+                  <a:gd name="connsiteX26" fmla="*/ 619125 w 971550"/>
+                  <a:gd name="connsiteY26" fmla="*/ 504825 h 1047750"/>
+                  <a:gd name="connsiteX27" fmla="*/ 542925 w 971550"/>
+                  <a:gd name="connsiteY27" fmla="*/ 476250 h 1047750"/>
+                  <a:gd name="connsiteX28" fmla="*/ 381000 w 971550"/>
+                  <a:gd name="connsiteY28" fmla="*/ 542925 h 1047750"/>
+                  <a:gd name="connsiteX29" fmla="*/ 390525 w 971550"/>
+                  <a:gd name="connsiteY29" fmla="*/ 628650 h 1047750"/>
+                </a:gdLst>
+                <a:ahLst/>
+                <a:cxnLst>
+                  <a:cxn ang="0">
+                    <a:pos x="connsiteX0" y="connsiteY0"/>
+                  </a:cxn>
+                  <a:cxn ang="0">
+                    <a:pos x="connsiteX1" y="connsiteY1"/>
+                  </a:cxn>
+                  <a:cxn ang="0">
+                    <a:pos x="connsiteX2" y="connsiteY2"/>
+                  </a:cxn>
+                  <a:cxn ang="0">
+                    <a:pos x="connsiteX3" y="connsiteY3"/>
+                  </a:cxn>
+                  <a:cxn ang="0">
+                    <a:pos x="connsiteX4" y="connsiteY4"/>
+                  </a:cxn>
+                  <a:cxn ang="0">
+                    <a:pos x="connsiteX5" y="connsiteY5"/>
+                  </a:cxn>
+                  <a:cxn ang="0">
+                    <a:pos x="connsiteX6" y="connsiteY6"/>
+                  </a:cxn>
+                  <a:cxn ang="0">
+                    <a:pos x="connsiteX7" y="connsiteY7"/>
+                  </a:cxn>
+                  <a:cxn ang="0">
+                    <a:pos x="connsiteX8" y="connsiteY8"/>
+                  </a:cxn>
+                  <a:cxn ang="0">
+                    <a:pos x="connsiteX9" y="connsiteY9"/>
+                  </a:cxn>
+                  <a:cxn ang="0">
+                    <a:pos x="connsiteX10" y="connsiteY10"/>
+                  </a:cxn>
+                  <a:cxn ang="0">
+                    <a:pos x="connsiteX11" y="connsiteY11"/>
+                  </a:cxn>
+                  <a:cxn ang="0">
+                    <a:pos x="connsiteX12" y="connsiteY12"/>
+                  </a:cxn>
+                  <a:cxn ang="0">
+                    <a:pos x="connsiteX13" y="connsiteY13"/>
+                  </a:cxn>
+                  <a:cxn ang="0">
+                    <a:pos x="connsiteX14" y="connsiteY14"/>
+                  </a:cxn>
+                  <a:cxn ang="0">
+                    <a:pos x="connsiteX15" y="connsiteY15"/>
+                  </a:cxn>
+                  <a:cxn ang="0">
+                    <a:pos x="connsiteX16" y="connsiteY16"/>
+                  </a:cxn>
+                  <a:cxn ang="0">
+                    <a:pos x="connsiteX17" y="connsiteY17"/>
+                  </a:cxn>
+                  <a:cxn ang="0">
+                    <a:pos x="connsiteX18" y="connsiteY18"/>
+                  </a:cxn>
+                  <a:cxn ang="0">
+                    <a:pos x="connsiteX19" y="connsiteY19"/>
+                  </a:cxn>
+                  <a:cxn ang="0">
+                    <a:pos x="connsiteX20" y="connsiteY20"/>
+                  </a:cxn>
+                  <a:cxn ang="0">
+                    <a:pos x="connsiteX21" y="connsiteY21"/>
+                  </a:cxn>
+                  <a:cxn ang="0">
+                    <a:pos x="connsiteX22" y="connsiteY22"/>
+                  </a:cxn>
+                  <a:cxn ang="0">
+                    <a:pos x="connsiteX23" y="connsiteY23"/>
+                  </a:cxn>
+                  <a:cxn ang="0">
+                    <a:pos x="connsiteX24" y="connsiteY24"/>
+                  </a:cxn>
+                  <a:cxn ang="0">
+                    <a:pos x="connsiteX25" y="connsiteY25"/>
+                  </a:cxn>
+                  <a:cxn ang="0">
+                    <a:pos x="connsiteX26" y="connsiteY26"/>
+                  </a:cxn>
+                  <a:cxn ang="0">
+                    <a:pos x="connsiteX27" y="connsiteY27"/>
+                  </a:cxn>
+                  <a:cxn ang="0">
+                    <a:pos x="connsiteX28" y="connsiteY28"/>
+                  </a:cxn>
+                  <a:cxn ang="0">
+                    <a:pos x="connsiteX29" y="connsiteY29"/>
+                  </a:cxn>
+                </a:cxnLst>
+                <a:rect l="l" t="t" r="r" b="b"/>
+                <a:pathLst>
+                  <a:path w="971550" h="1047750">
+                    <a:moveTo>
+                      <a:pt x="390525" y="628650"/>
+                    </a:moveTo>
+                    <a:lnTo>
+                      <a:pt x="533400" y="552450"/>
+                    </a:lnTo>
+                    <a:lnTo>
+                      <a:pt x="552450" y="695325"/>
+                    </a:lnTo>
+                    <a:lnTo>
+                      <a:pt x="390525" y="809625"/>
+                    </a:lnTo>
+                    <a:lnTo>
+                      <a:pt x="285750" y="676275"/>
+                    </a:lnTo>
+                    <a:lnTo>
+                      <a:pt x="304800" y="390525"/>
+                    </a:lnTo>
+                    <a:lnTo>
+                      <a:pt x="628650" y="371475"/>
+                    </a:lnTo>
+                    <a:lnTo>
+                      <a:pt x="752475" y="571500"/>
+                    </a:lnTo>
+                    <a:lnTo>
+                      <a:pt x="638175" y="847725"/>
+                    </a:lnTo>
+                    <a:lnTo>
+                      <a:pt x="323850" y="942975"/>
+                    </a:lnTo>
+                    <a:lnTo>
+                      <a:pt x="104775" y="695325"/>
+                    </a:lnTo>
+                    <a:lnTo>
+                      <a:pt x="161925" y="247650"/>
+                    </a:lnTo>
+                    <a:lnTo>
+                      <a:pt x="676275" y="133350"/>
+                    </a:lnTo>
+                    <a:lnTo>
+                      <a:pt x="914400" y="371475"/>
+                    </a:lnTo>
+                    <a:lnTo>
+                      <a:pt x="971550" y="266700"/>
+                    </a:lnTo>
+                    <a:lnTo>
+                      <a:pt x="666750" y="0"/>
+                    </a:lnTo>
+                    <a:lnTo>
+                      <a:pt x="104775" y="161925"/>
+                    </a:lnTo>
+                    <a:lnTo>
+                      <a:pt x="0" y="771525"/>
+                    </a:lnTo>
+                    <a:lnTo>
+                      <a:pt x="276225" y="1047750"/>
+                    </a:lnTo>
+                    <a:lnTo>
+                      <a:pt x="695325" y="942975"/>
+                    </a:lnTo>
+                    <a:lnTo>
+                      <a:pt x="828675" y="581025"/>
+                    </a:lnTo>
+                    <a:lnTo>
+                      <a:pt x="685800" y="323850"/>
+                    </a:lnTo>
+                    <a:lnTo>
+                      <a:pt x="200025" y="342900"/>
+                    </a:lnTo>
+                    <a:lnTo>
+                      <a:pt x="219075" y="752475"/>
+                    </a:lnTo>
+                    <a:lnTo>
+                      <a:pt x="371475" y="866775"/>
+                    </a:lnTo>
+                    <a:lnTo>
+                      <a:pt x="647700" y="723900"/>
+                    </a:lnTo>
+                    <a:lnTo>
+                      <a:pt x="619125" y="504825"/>
+                    </a:lnTo>
+                    <a:lnTo>
+                      <a:pt x="542925" y="476250"/>
+                    </a:lnTo>
+                    <a:lnTo>
+                      <a:pt x="381000" y="542925"/>
+                    </a:lnTo>
+                    <a:lnTo>
+                      <a:pt x="390525" y="628650"/>
+                    </a:lnTo>
+                    <a:close/>
+                  </a:path>
+                </a:pathLst>
+              </a:custGeom>
+              <a:solidFill>
+                <a:schemeClr val="bg2">
+                  <a:lumMod val="90000"/>
+                </a:schemeClr>
+              </a:solidFill>
+              <a:ln w="38100">
+                <a:solidFill>
+                  <a:schemeClr val="tx1"/>
+                </a:solidFill>
+              </a:ln>
+            </p:spPr>
+            <p:style>
+              <a:lnRef idx="2">
+                <a:schemeClr val="accent1">
+                  <a:shade val="50000"/>
+                </a:schemeClr>
+              </a:lnRef>
+              <a:fillRef idx="1">
+                <a:schemeClr val="accent1"/>
+              </a:fillRef>
+              <a:effectRef idx="0">
+                <a:schemeClr val="accent1"/>
+              </a:effectRef>
+              <a:fontRef idx="minor">
+                <a:schemeClr val="lt1"/>
+              </a:fontRef>
+            </p:style>
+            <p:txBody>
+              <a:bodyPr rtlCol="0" anchor="ctr"/>
+              <a:lstStyle/>
+              <a:p>
+                <a:pPr algn="ctr"/>
+                <a:endParaRPr lang="en-US"/>
+              </a:p>
+            </p:txBody>
+          </p:sp>
+        </p:grpSp>
+      </p:grpSp>
     </p:spTree>
     <p:extLst>
       <p:ext uri="{BB962C8B-B14F-4D97-AF65-F5344CB8AC3E}">
